--- a/tdd/TDD.pptx
+++ b/tdd/TDD.pptx
@@ -3115,7 +3115,7 @@
     </p:spTree>
     <p:extLst>
       <p:ext uri="{BB962C8B-B14F-4D97-AF65-F5344CB8AC3E}">
-        <p14:creationId xmlns:p14="http://schemas.microsoft.com/office/powerpoint/2010/main" xmlns="" val="2280443481"/>
+        <p14:creationId xmlns="" xmlns:p14="http://schemas.microsoft.com/office/powerpoint/2010/main" val="2280443481"/>
       </p:ext>
     </p:extLst>
   </p:cSld>
@@ -3285,7 +3285,7 @@
     </p:spTree>
     <p:extLst>
       <p:ext uri="{BB962C8B-B14F-4D97-AF65-F5344CB8AC3E}">
-        <p14:creationId xmlns:p14="http://schemas.microsoft.com/office/powerpoint/2010/main" xmlns="" val="1996866432"/>
+        <p14:creationId xmlns="" xmlns:p14="http://schemas.microsoft.com/office/powerpoint/2010/main" val="1996866432"/>
       </p:ext>
     </p:extLst>
   </p:cSld>
@@ -4676,7 +4676,7 @@
     </p:spTree>
     <p:extLst>
       <p:ext uri="{BB962C8B-B14F-4D97-AF65-F5344CB8AC3E}">
-        <p14:creationId xmlns:p14="http://schemas.microsoft.com/office/powerpoint/2010/main" xmlns="" val="1631701370"/>
+        <p14:creationId xmlns="" xmlns:p14="http://schemas.microsoft.com/office/powerpoint/2010/main" val="1631701370"/>
       </p:ext>
     </p:extLst>
   </p:cSld>
@@ -4997,7 +4997,7 @@
     </p:spTree>
     <p:extLst>
       <p:ext uri="{BB962C8B-B14F-4D97-AF65-F5344CB8AC3E}">
-        <p14:creationId xmlns:p14="http://schemas.microsoft.com/office/powerpoint/2010/main" xmlns="" val="2627694574"/>
+        <p14:creationId xmlns="" xmlns:p14="http://schemas.microsoft.com/office/powerpoint/2010/main" val="2627694574"/>
       </p:ext>
     </p:extLst>
   </p:cSld>
@@ -5316,7 +5316,7 @@
     </p:spTree>
     <p:extLst>
       <p:ext uri="{BB962C8B-B14F-4D97-AF65-F5344CB8AC3E}">
-        <p14:creationId xmlns:p14="http://schemas.microsoft.com/office/powerpoint/2010/main" xmlns="" val="2472564093"/>
+        <p14:creationId xmlns="" xmlns:p14="http://schemas.microsoft.com/office/powerpoint/2010/main" val="2472564093"/>
       </p:ext>
     </p:extLst>
   </p:cSld>
@@ -5801,7 +5801,7 @@
     </p:spTree>
     <p:extLst>
       <p:ext uri="{BB962C8B-B14F-4D97-AF65-F5344CB8AC3E}">
-        <p14:creationId xmlns:p14="http://schemas.microsoft.com/office/powerpoint/2010/main" xmlns="" val="844442129"/>
+        <p14:creationId xmlns="" xmlns:p14="http://schemas.microsoft.com/office/powerpoint/2010/main" val="844442129"/>
       </p:ext>
     </p:extLst>
   </p:cSld>
@@ -6131,7 +6131,7 @@
     </p:spTree>
     <p:extLst>
       <p:ext uri="{BB962C8B-B14F-4D97-AF65-F5344CB8AC3E}">
-        <p14:creationId xmlns:p14="http://schemas.microsoft.com/office/powerpoint/2010/main" xmlns="" val="1607786633"/>
+        <p14:creationId xmlns="" xmlns:p14="http://schemas.microsoft.com/office/powerpoint/2010/main" val="1607786633"/>
       </p:ext>
     </p:extLst>
   </p:cSld>
@@ -6461,7 +6461,7 @@
     </p:spTree>
     <p:extLst>
       <p:ext uri="{BB962C8B-B14F-4D97-AF65-F5344CB8AC3E}">
-        <p14:creationId xmlns:p14="http://schemas.microsoft.com/office/powerpoint/2010/main" xmlns="" val="3400319444"/>
+        <p14:creationId xmlns="" xmlns:p14="http://schemas.microsoft.com/office/powerpoint/2010/main" val="3400319444"/>
       </p:ext>
     </p:extLst>
   </p:cSld>
@@ -8331,7 +8331,7 @@
     </p:spTree>
     <p:extLst>
       <p:ext uri="{BB962C8B-B14F-4D97-AF65-F5344CB8AC3E}">
-        <p14:creationId xmlns:p14="http://schemas.microsoft.com/office/powerpoint/2010/main" xmlns="" val="1273682958"/>
+        <p14:creationId xmlns="" xmlns:p14="http://schemas.microsoft.com/office/powerpoint/2010/main" val="1273682958"/>
       </p:ext>
     </p:extLst>
   </p:cSld>
@@ -8436,7 +8436,7 @@
     </p:spTree>
     <p:extLst>
       <p:ext uri="{BB962C8B-B14F-4D97-AF65-F5344CB8AC3E}">
-        <p14:creationId xmlns:p14="http://schemas.microsoft.com/office/powerpoint/2010/main" xmlns="" val="3654216826"/>
+        <p14:creationId xmlns="" xmlns:p14="http://schemas.microsoft.com/office/powerpoint/2010/main" val="3654216826"/>
       </p:ext>
     </p:extLst>
   </p:cSld>
@@ -8692,7 +8692,7 @@
     </p:spTree>
     <p:extLst>
       <p:ext uri="{BB962C8B-B14F-4D97-AF65-F5344CB8AC3E}">
-        <p14:creationId xmlns:p14="http://schemas.microsoft.com/office/powerpoint/2010/main" xmlns="" val="2837040887"/>
+        <p14:creationId xmlns="" xmlns:p14="http://schemas.microsoft.com/office/powerpoint/2010/main" val="2837040887"/>
       </p:ext>
     </p:extLst>
   </p:cSld>
@@ -8725,7 +8725,7 @@
     </p:spTree>
     <p:extLst>
       <p:ext uri="{BB962C8B-B14F-4D97-AF65-F5344CB8AC3E}">
-        <p14:creationId xmlns:p14="http://schemas.microsoft.com/office/powerpoint/2010/main" xmlns="" val="3283581558"/>
+        <p14:creationId xmlns="" xmlns:p14="http://schemas.microsoft.com/office/powerpoint/2010/main" val="3283581558"/>
       </p:ext>
     </p:extLst>
   </p:cSld>
@@ -9039,7 +9039,7 @@
     </p:spTree>
     <p:extLst>
       <p:ext uri="{BB962C8B-B14F-4D97-AF65-F5344CB8AC3E}">
-        <p14:creationId xmlns:p14="http://schemas.microsoft.com/office/powerpoint/2010/main" xmlns="" val="3151533342"/>
+        <p14:creationId xmlns="" xmlns:p14="http://schemas.microsoft.com/office/powerpoint/2010/main" val="3151533342"/>
       </p:ext>
     </p:extLst>
   </p:cSld>
@@ -9182,7 +9182,7 @@
     </p:spTree>
     <p:extLst>
       <p:ext uri="{BB962C8B-B14F-4D97-AF65-F5344CB8AC3E}">
-        <p14:creationId xmlns:p14="http://schemas.microsoft.com/office/powerpoint/2010/main" xmlns="" val="894352273"/>
+        <p14:creationId xmlns="" xmlns:p14="http://schemas.microsoft.com/office/powerpoint/2010/main" val="894352273"/>
       </p:ext>
     </p:extLst>
   </p:cSld>
@@ -9348,7 +9348,7 @@
     </p:spTree>
     <p:extLst>
       <p:ext uri="{BB962C8B-B14F-4D97-AF65-F5344CB8AC3E}">
-        <p14:creationId xmlns:p14="http://schemas.microsoft.com/office/powerpoint/2010/main" xmlns="" val="351067674"/>
+        <p14:creationId xmlns="" xmlns:p14="http://schemas.microsoft.com/office/powerpoint/2010/main" val="351067674"/>
       </p:ext>
     </p:extLst>
   </p:cSld>
@@ -9668,7 +9668,7 @@
     </p:spTree>
     <p:extLst>
       <p:ext uri="{BB962C8B-B14F-4D97-AF65-F5344CB8AC3E}">
-        <p14:creationId xmlns:p14="http://schemas.microsoft.com/office/powerpoint/2010/main" xmlns="" val="3938044995"/>
+        <p14:creationId xmlns="" xmlns:p14="http://schemas.microsoft.com/office/powerpoint/2010/main" val="3938044995"/>
       </p:ext>
     </p:extLst>
   </p:cSld>
@@ -10254,7 +10254,7 @@
     </p:spTree>
     <p:extLst>
       <p:ext uri="{BB962C8B-B14F-4D97-AF65-F5344CB8AC3E}">
-        <p14:creationId xmlns:p14="http://schemas.microsoft.com/office/powerpoint/2010/main" xmlns="" val="3192118728"/>
+        <p14:creationId xmlns="" xmlns:p14="http://schemas.microsoft.com/office/powerpoint/2010/main" val="3192118728"/>
       </p:ext>
     </p:extLst>
   </p:cSld>
@@ -10652,7 +10652,7 @@
     </p:spTree>
     <p:extLst>
       <p:ext uri="{BB962C8B-B14F-4D97-AF65-F5344CB8AC3E}">
-        <p14:creationId xmlns:p14="http://schemas.microsoft.com/office/powerpoint/2010/main" xmlns="" val="2190527855"/>
+        <p14:creationId xmlns="" xmlns:p14="http://schemas.microsoft.com/office/powerpoint/2010/main" val="2190527855"/>
       </p:ext>
     </p:extLst>
   </p:cSld>
@@ -11449,7 +11449,7 @@
     </p:spTree>
     <p:extLst>
       <p:ext uri="{BB962C8B-B14F-4D97-AF65-F5344CB8AC3E}">
-        <p14:creationId xmlns:p14="http://schemas.microsoft.com/office/powerpoint/2010/main" xmlns="" val="69886873"/>
+        <p14:creationId xmlns="" xmlns:p14="http://schemas.microsoft.com/office/powerpoint/2010/main" val="69886873"/>
       </p:ext>
     </p:extLst>
   </p:cSld>
@@ -12540,7 +12540,7 @@
     </p:spTree>
     <p:extLst>
       <p:ext uri="{BB962C8B-B14F-4D97-AF65-F5344CB8AC3E}">
-        <p14:creationId xmlns:p14="http://schemas.microsoft.com/office/powerpoint/2010/main" xmlns="" val="593901232"/>
+        <p14:creationId xmlns="" xmlns:p14="http://schemas.microsoft.com/office/powerpoint/2010/main" val="593901232"/>
       </p:ext>
     </p:extLst>
   </p:cSld>
@@ -12796,7 +12796,7 @@
     </p:spTree>
     <p:extLst>
       <p:ext uri="{BB962C8B-B14F-4D97-AF65-F5344CB8AC3E}">
-        <p14:creationId xmlns:p14="http://schemas.microsoft.com/office/powerpoint/2010/main" xmlns="" val="925662914"/>
+        <p14:creationId xmlns="" xmlns:p14="http://schemas.microsoft.com/office/powerpoint/2010/main" val="925662914"/>
       </p:ext>
     </p:extLst>
   </p:cSld>
@@ -13038,7 +13038,7 @@
     </p:spTree>
     <p:extLst>
       <p:ext uri="{BB962C8B-B14F-4D97-AF65-F5344CB8AC3E}">
-        <p14:creationId xmlns:p14="http://schemas.microsoft.com/office/powerpoint/2010/main" xmlns="" val="2463004899"/>
+        <p14:creationId xmlns="" xmlns:p14="http://schemas.microsoft.com/office/powerpoint/2010/main" val="2463004899"/>
       </p:ext>
     </p:extLst>
   </p:cSld>
@@ -13463,7 +13463,7 @@
     </p:spTree>
     <p:extLst>
       <p:ext uri="{BB962C8B-B14F-4D97-AF65-F5344CB8AC3E}">
-        <p14:creationId xmlns:p14="http://schemas.microsoft.com/office/powerpoint/2010/main" xmlns="" val="1193520387"/>
+        <p14:creationId xmlns="" xmlns:p14="http://schemas.microsoft.com/office/powerpoint/2010/main" val="1193520387"/>
       </p:ext>
     </p:extLst>
   </p:cSld>
@@ -13537,15 +13537,7 @@
                   <a:schemeClr val="bg1"/>
                 </a:solidFill>
               </a:rPr>
-              <a:t>Oppgave </a:t>
-            </a:r>
-            <a:r>
-              <a:rPr lang="nb-NO" dirty="0" smtClean="0">
-                <a:solidFill>
-                  <a:schemeClr val="bg1"/>
-                </a:solidFill>
-              </a:rPr>
-              <a:t>2</a:t>
+              <a:t>Oppgave 2</a:t>
             </a:r>
             <a:endParaRPr lang="en-US" dirty="0">
               <a:solidFill>
@@ -13659,6 +13651,8 @@
               </a:rPr>
               <a:t> </a:t>
             </a:r>
+          </a:p>
+          <a:p>
             <a:endParaRPr lang="nb-NO" sz="2000" dirty="0" smtClean="0">
               <a:solidFill>
                 <a:schemeClr val="bg1"/>
@@ -13666,28 +13660,13 @@
             </a:endParaRPr>
           </a:p>
           <a:p>
-            <a:endParaRPr lang="nb-NO" sz="2000" dirty="0" smtClean="0">
-              <a:solidFill>
-                <a:schemeClr val="bg1"/>
-              </a:solidFill>
-            </a:endParaRPr>
-          </a:p>
-          <a:p>
             <a:r>
               <a:rPr lang="nb-NO" sz="2000" dirty="0" smtClean="0">
                 <a:solidFill>
                   <a:schemeClr val="bg1"/>
                 </a:solidFill>
               </a:rPr>
-              <a:t>Kataen </a:t>
-            </a:r>
-            <a:r>
-              <a:rPr lang="nb-NO" sz="2000" dirty="0" smtClean="0">
-                <a:solidFill>
-                  <a:schemeClr val="bg1"/>
-                </a:solidFill>
-              </a:rPr>
-              <a:t>går på å implementere en String Calculator, løs èn og èn av oppgavene, prøv å ikke ”se fremover”.</a:t>
+              <a:t>Kataen går på å implementere en String Calculator, løs èn og èn av oppgavene, prøv å ikke ”se fremover”.</a:t>
             </a:r>
             <a:endParaRPr lang="en-US" sz="2000" dirty="0" smtClean="0">
               <a:solidFill>
@@ -14754,15 +14733,7 @@
                   <a:schemeClr val="bg1"/>
                 </a:solidFill>
               </a:rPr>
-              <a:t>Oppgave </a:t>
-            </a:r>
-            <a:r>
-              <a:rPr lang="nb-NO" dirty="0" smtClean="0">
-                <a:solidFill>
-                  <a:schemeClr val="bg1"/>
-                </a:solidFill>
-              </a:rPr>
-              <a:t>3</a:t>
+              <a:t>Oppgave 3</a:t>
             </a:r>
             <a:endParaRPr lang="en-US" dirty="0">
               <a:solidFill>
@@ -14891,11 +14862,6 @@
               </a:rPr>
               <a:t>). </a:t>
             </a:r>
-            <a:endParaRPr lang="nb-NO" sz="2000" dirty="0" smtClean="0">
-              <a:solidFill>
-                <a:schemeClr val="bg1"/>
-              </a:solidFill>
-            </a:endParaRPr>
           </a:p>
           <a:p>
             <a:pPr algn="just"/>
@@ -14913,23 +14879,7 @@
                   <a:schemeClr val="bg1"/>
                 </a:solidFill>
               </a:rPr>
-              <a:t>Loggeren </a:t>
-            </a:r>
-            <a:r>
-              <a:rPr lang="nb-NO" sz="2000" dirty="0" smtClean="0">
-                <a:solidFill>
-                  <a:schemeClr val="bg1"/>
-                </a:solidFill>
-              </a:rPr>
-              <a:t>bør konstruere et format på meldingen som skal skrives, dette formatet bør inneholde dato, klokkeslett, type melding og selvfølgelig meldingen selv. F.eks</a:t>
-            </a:r>
-            <a:r>
-              <a:rPr lang="nb-NO" sz="2000" dirty="0" smtClean="0">
-                <a:solidFill>
-                  <a:schemeClr val="bg1"/>
-                </a:solidFill>
-              </a:rPr>
-              <a:t>:</a:t>
+              <a:t>Loggeren bør konstruere et format på meldingen som skal skrives, dette formatet bør inneholde dato, klokkeslett, type melding og selvfølgelig meldingen selv. F.eks:</a:t>
             </a:r>
           </a:p>
           <a:p>
@@ -14989,15 +14939,7 @@
                   <a:schemeClr val="bg1"/>
                 </a:solidFill>
               </a:rPr>
-              <a:t>Denne </a:t>
-            </a:r>
-            <a:r>
-              <a:rPr lang="nb-NO" sz="2000" dirty="0" smtClean="0">
-                <a:solidFill>
-                  <a:schemeClr val="bg1"/>
-                </a:solidFill>
-              </a:rPr>
-              <a:t>informasjonen skal skrives til fil.</a:t>
+              <a:t>Denne informasjonen skal skrives til fil.</a:t>
             </a:r>
             <a:endParaRPr lang="en-US" sz="2000" dirty="0" smtClean="0">
               <a:solidFill>
@@ -15103,15 +15045,7 @@
                   <a:schemeClr val="bg1"/>
                 </a:solidFill>
               </a:rPr>
-              <a:t>Oppgave </a:t>
-            </a:r>
-            <a:r>
-              <a:rPr lang="nb-NO" dirty="0" smtClean="0">
-                <a:solidFill>
-                  <a:schemeClr val="bg1"/>
-                </a:solidFill>
-              </a:rPr>
-              <a:t>4</a:t>
+              <a:t>Oppgave 4</a:t>
             </a:r>
             <a:endParaRPr lang="en-US" dirty="0">
               <a:solidFill>
@@ -15225,6 +15159,8 @@
               </a:rPr>
               <a:t> </a:t>
             </a:r>
+          </a:p>
+          <a:p>
             <a:endParaRPr lang="nb-NO" sz="2000" dirty="0" smtClean="0">
               <a:solidFill>
                 <a:schemeClr val="bg1"/>
@@ -15232,44 +15168,13 @@
             </a:endParaRPr>
           </a:p>
           <a:p>
-            <a:endParaRPr lang="nb-NO" sz="2000" dirty="0" smtClean="0">
-              <a:solidFill>
-                <a:schemeClr val="bg1"/>
-              </a:solidFill>
-            </a:endParaRPr>
-          </a:p>
-          <a:p>
             <a:r>
               <a:rPr lang="nb-NO" sz="2000" dirty="0" smtClean="0">
                 <a:solidFill>
                   <a:schemeClr val="bg1"/>
                 </a:solidFill>
               </a:rPr>
-              <a:t>Kataen </a:t>
-            </a:r>
-            <a:r>
-              <a:rPr lang="nb-NO" sz="2000" dirty="0" smtClean="0">
-                <a:solidFill>
-                  <a:schemeClr val="bg1"/>
-                </a:solidFill>
-              </a:rPr>
-              <a:t>går på </a:t>
-            </a:r>
-            <a:r>
-              <a:rPr lang="nb-NO" sz="2000" dirty="0" smtClean="0">
-                <a:solidFill>
-                  <a:schemeClr val="bg1"/>
-                </a:solidFill>
-              </a:rPr>
-              <a:t>å utvide funksjonaliteten til StringCalculator som ble opprettet i oppgave 2, </a:t>
-            </a:r>
-            <a:r>
-              <a:rPr lang="nb-NO" sz="2000" dirty="0" smtClean="0">
-                <a:solidFill>
-                  <a:schemeClr val="bg1"/>
-                </a:solidFill>
-              </a:rPr>
-              <a:t>løs èn og èn av oppgavene, prøv å ikke ”se fremover”.</a:t>
+              <a:t>Kataen går på å utvide funksjonaliteten til StringCalculator som ble opprettet i oppgave 2, løs èn og èn av oppgavene, prøv å ikke ”se fremover”.</a:t>
             </a:r>
             <a:endParaRPr lang="en-US" sz="2000" dirty="0" smtClean="0">
               <a:solidFill>
@@ -21388,15 +21293,7 @@
                   <a:schemeClr val="bg1"/>
                 </a:solidFill>
               </a:rPr>
-              <a:t>Oppgave </a:t>
-            </a:r>
-            <a:r>
-              <a:rPr lang="nb-NO" dirty="0" smtClean="0">
-                <a:solidFill>
-                  <a:schemeClr val="bg1"/>
-                </a:solidFill>
-              </a:rPr>
-              <a:t>1</a:t>
+              <a:t>Oppgave 1</a:t>
             </a:r>
             <a:endParaRPr lang="en-US" dirty="0">
               <a:solidFill>
@@ -21475,7 +21372,15 @@
                   <a:schemeClr val="bg1"/>
                 </a:solidFill>
               </a:rPr>
-              <a:t>I denne oppgaven skal vi implementere en enkel Stack. </a:t>
+              <a:t>I denne oppgaven skal vi implementere en enkel Stack. Det skal være mulig å gjøre </a:t>
+            </a:r>
+            <a:r>
+              <a:rPr lang="nb-NO" sz="2000" i="1" dirty="0" smtClean="0">
+                <a:solidFill>
+                  <a:schemeClr val="bg1"/>
+                </a:solidFill>
+              </a:rPr>
+              <a:t>Push</a:t>
             </a:r>
             <a:r>
               <a:rPr lang="nb-NO" sz="2000" dirty="0" smtClean="0">
@@ -21483,7 +21388,15 @@
                   <a:schemeClr val="bg1"/>
                 </a:solidFill>
               </a:rPr>
-              <a:t>Det </a:t>
+              <a:t> for å få elementer på stacken og </a:t>
+            </a:r>
+            <a:r>
+              <a:rPr lang="nb-NO" sz="2000" i="1" dirty="0" smtClean="0">
+                <a:solidFill>
+                  <a:schemeClr val="bg1"/>
+                </a:solidFill>
+              </a:rPr>
+              <a:t>Pop</a:t>
             </a:r>
             <a:r>
               <a:rPr lang="nb-NO" sz="2000" dirty="0" smtClean="0">
@@ -21491,7 +21404,18 @@
                   <a:schemeClr val="bg1"/>
                 </a:solidFill>
               </a:rPr>
-              <a:t>skal være mulig å gjøre </a:t>
+              <a:t> for å få de av. </a:t>
+            </a:r>
+          </a:p>
+          <a:p>
+            <a:pPr algn="just"/>
+            <a:r>
+              <a:rPr lang="nb-NO" sz="2000" dirty="0" smtClean="0">
+                <a:solidFill>
+                  <a:schemeClr val="bg1"/>
+                </a:solidFill>
+              </a:rPr>
+              <a:t>I tillegg ønsker vi funksjonalitet for å se om stacken har noen elementer (f.eks </a:t>
             </a:r>
             <a:r>
               <a:rPr lang="nb-NO" sz="2000" i="1" dirty="0" smtClean="0">
@@ -21499,7 +21423,7 @@
                   <a:schemeClr val="bg1"/>
                 </a:solidFill>
               </a:rPr>
-              <a:t>Push</a:t>
+              <a:t>IsEmpty</a:t>
             </a:r>
             <a:r>
               <a:rPr lang="nb-NO" sz="2000" dirty="0" smtClean="0">
@@ -21507,79 +21431,7 @@
                   <a:schemeClr val="bg1"/>
                 </a:solidFill>
               </a:rPr>
-              <a:t> for å få elementer på stacken og </a:t>
-            </a:r>
-            <a:r>
-              <a:rPr lang="nb-NO" sz="2000" i="1" dirty="0" smtClean="0">
-                <a:solidFill>
-                  <a:schemeClr val="bg1"/>
-                </a:solidFill>
-              </a:rPr>
-              <a:t>Pop</a:t>
-            </a:r>
-            <a:r>
-              <a:rPr lang="nb-NO" sz="2000" dirty="0" smtClean="0">
-                <a:solidFill>
-                  <a:schemeClr val="bg1"/>
-                </a:solidFill>
-              </a:rPr>
-              <a:t> for å få de av. </a:t>
-            </a:r>
-            <a:endParaRPr lang="nb-NO" sz="2000" dirty="0" smtClean="0">
-              <a:solidFill>
-                <a:schemeClr val="bg1"/>
-              </a:solidFill>
-            </a:endParaRPr>
-          </a:p>
-          <a:p>
-            <a:pPr algn="just"/>
-            <a:r>
-              <a:rPr lang="nb-NO" sz="2000" dirty="0" smtClean="0">
-                <a:solidFill>
-                  <a:schemeClr val="bg1"/>
-                </a:solidFill>
-              </a:rPr>
-              <a:t>I </a:t>
-            </a:r>
-            <a:r>
-              <a:rPr lang="nb-NO" sz="2000" dirty="0" smtClean="0">
-                <a:solidFill>
-                  <a:schemeClr val="bg1"/>
-                </a:solidFill>
-              </a:rPr>
-              <a:t>tillegg ønsker vi funksjonalitet for å se om stacken har noen elementer (f.eks </a:t>
-            </a:r>
-            <a:r>
-              <a:rPr lang="nb-NO" sz="2000" i="1" dirty="0" smtClean="0">
-                <a:solidFill>
-                  <a:schemeClr val="bg1"/>
-                </a:solidFill>
-              </a:rPr>
-              <a:t>IsEmpty</a:t>
-            </a:r>
-            <a:r>
-              <a:rPr lang="nb-NO" sz="2000" dirty="0" smtClean="0">
-                <a:solidFill>
-                  <a:schemeClr val="bg1"/>
-                </a:solidFill>
-              </a:rPr>
-              <a:t>) </a:t>
-            </a:r>
-            <a:r>
-              <a:rPr lang="nb-NO" sz="2000" dirty="0" smtClean="0">
-                <a:solidFill>
-                  <a:schemeClr val="bg1"/>
-                </a:solidFill>
-              </a:rPr>
-              <a:t>og </a:t>
-            </a:r>
-            <a:r>
-              <a:rPr lang="nb-NO" sz="2000" dirty="0" smtClean="0">
-                <a:solidFill>
-                  <a:schemeClr val="bg1"/>
-                </a:solidFill>
-              </a:rPr>
-              <a:t>vi ønsker en funksjon som kan returnere det siste elementet som er lagt på stacken (f.eks </a:t>
+              <a:t>) og vi ønsker en funksjon som kan returnere det siste elementet som er lagt på stacken (f.eks </a:t>
             </a:r>
             <a:r>
               <a:rPr lang="nb-NO" sz="2000" i="1" dirty="0" smtClean="0">

--- a/tdd/TDD.pptx
+++ b/tdd/TDD.pptx
@@ -13,23 +13,23 @@
   <p:sldIdLst>
     <p:sldId id="256" r:id="rId2"/>
     <p:sldId id="266" r:id="rId3"/>
-    <p:sldId id="272" r:id="rId4"/>
-    <p:sldId id="273" r:id="rId5"/>
-    <p:sldId id="270" r:id="rId6"/>
-    <p:sldId id="271" r:id="rId7"/>
+    <p:sldId id="273" r:id="rId4"/>
+    <p:sldId id="272" r:id="rId5"/>
+    <p:sldId id="271" r:id="rId6"/>
+    <p:sldId id="270" r:id="rId7"/>
     <p:sldId id="268" r:id="rId8"/>
     <p:sldId id="277" r:id="rId9"/>
     <p:sldId id="269" r:id="rId10"/>
     <p:sldId id="283" r:id="rId11"/>
     <p:sldId id="274" r:id="rId12"/>
     <p:sldId id="278" r:id="rId13"/>
-    <p:sldId id="276" r:id="rId14"/>
-    <p:sldId id="284" r:id="rId15"/>
-    <p:sldId id="267" r:id="rId16"/>
-    <p:sldId id="279" r:id="rId17"/>
-    <p:sldId id="280" r:id="rId18"/>
+    <p:sldId id="284" r:id="rId14"/>
+    <p:sldId id="276" r:id="rId15"/>
+    <p:sldId id="279" r:id="rId16"/>
+    <p:sldId id="280" r:id="rId17"/>
+    <p:sldId id="267" r:id="rId18"/>
     <p:sldId id="281" r:id="rId19"/>
-    <p:sldId id="282" r:id="rId20"/>
+    <p:sldId id="286" r:id="rId20"/>
   </p:sldIdLst>
   <p:sldSz cx="9144000" cy="6858000" type="screen4x3"/>
   <p:notesSz cx="6858000" cy="9144000"/>
@@ -3413,6 +3413,120 @@
             <p:ph type="sldImg"/>
           </p:nvPr>
         </p:nvSpPr>
+        <p:spPr>
+          <a:xfrm>
+            <a:off x="827088" y="592138"/>
+            <a:ext cx="5226050" cy="3919537"/>
+          </a:xfrm>
+        </p:spPr>
+      </p:sp>
+      <p:sp>
+        <p:nvSpPr>
+          <p:cNvPr id="3" name="Notes Placeholder 2"/>
+          <p:cNvSpPr>
+            <a:spLocks noGrp="1"/>
+          </p:cNvSpPr>
+          <p:nvPr>
+            <p:ph type="body" idx="1"/>
+          </p:nvPr>
+        </p:nvSpPr>
+        <p:spPr/>
+        <p:txBody>
+          <a:bodyPr>
+            <a:normAutofit/>
+          </a:bodyPr>
+          <a:lstStyle/>
+          <a:p>
+            <a:pPr marL="0" marR="0" indent="0" algn="l" defTabSz="457200" rtl="0" eaLnBrk="1" fontAlgn="auto" latinLnBrk="0" hangingPunct="1">
+              <a:lnSpc>
+                <a:spcPct val="100000"/>
+              </a:lnSpc>
+              <a:spcBef>
+                <a:spcPts val="0"/>
+              </a:spcBef>
+              <a:spcAft>
+                <a:spcPts val="0"/>
+              </a:spcAft>
+              <a:buClrTx/>
+              <a:buSzTx/>
+              <a:buFontTx/>
+              <a:buNone/>
+              <a:tabLst/>
+              <a:defRPr/>
+            </a:pPr>
+            <a:r>
+              <a:rPr lang="nb-NO" sz="1600" dirty="0" smtClean="0"/>
+              <a:t>Det</a:t>
+            </a:r>
+            <a:r>
+              <a:rPr lang="nb-NO" sz="1600" baseline="0" dirty="0" smtClean="0"/>
+              <a:t> kommer an på hvem man spør – personlig ser jeg på det som Test-drevet utvikling og design – skriv tester først og designet vil forme seg etterhvert. Man har også et utgangspunkt for et design når man starter.</a:t>
+            </a:r>
+            <a:endParaRPr lang="nb-NO" sz="1600" dirty="0" smtClean="0"/>
+          </a:p>
+          <a:p>
+            <a:pPr marL="0" marR="0" indent="0" algn="l" defTabSz="457200" rtl="0" eaLnBrk="1" fontAlgn="auto" latinLnBrk="0" hangingPunct="1">
+              <a:lnSpc>
+                <a:spcPct val="100000"/>
+              </a:lnSpc>
+              <a:spcBef>
+                <a:spcPts val="0"/>
+              </a:spcBef>
+              <a:spcAft>
+                <a:spcPts val="0"/>
+              </a:spcAft>
+              <a:buClrTx/>
+              <a:buSzTx/>
+              <a:buFontTx/>
+              <a:buNone/>
+              <a:tabLst/>
+              <a:defRPr/>
+            </a:pPr>
+            <a:r>
+              <a:rPr lang="nb-NO" sz="1600" dirty="0" smtClean="0"/>
+              <a:t>TDD er noe du velger selv – vil du skrive testen først? Gjør det!</a:t>
+            </a:r>
+          </a:p>
+          <a:p>
+            <a:endParaRPr lang="en-US" dirty="0"/>
+          </a:p>
+        </p:txBody>
+      </p:sp>
+    </p:spTree>
+  </p:cSld>
+  <p:clrMapOvr>
+    <a:masterClrMapping/>
+  </p:clrMapOvr>
+</p:notes>
+</file>
+
+<file path=ppt/notesSlides/notesSlide10.xml><?xml version="1.0" encoding="utf-8"?>
+<p:notes xmlns:a="http://schemas.openxmlformats.org/drawingml/2006/main" xmlns:r="http://schemas.openxmlformats.org/officeDocument/2006/relationships" xmlns:p="http://schemas.openxmlformats.org/presentationml/2006/main">
+  <p:cSld>
+    <p:spTree>
+      <p:nvGrpSpPr>
+        <p:cNvPr id="1" name=""/>
+        <p:cNvGrpSpPr/>
+        <p:nvPr/>
+      </p:nvGrpSpPr>
+      <p:grpSpPr>
+        <a:xfrm>
+          <a:off x="0" y="0"/>
+          <a:ext cx="0" cy="0"/>
+          <a:chOff x="0" y="0"/>
+          <a:chExt cx="0" cy="0"/>
+        </a:xfrm>
+      </p:grpSpPr>
+      <p:sp>
+        <p:nvSpPr>
+          <p:cNvPr id="2" name="Slide Image Placeholder 1"/>
+          <p:cNvSpPr>
+            <a:spLocks noGrp="1" noRot="1" noChangeAspect="1"/>
+          </p:cNvSpPr>
+          <p:nvPr>
+            <p:ph type="sldImg"/>
+          </p:nvPr>
+        </p:nvSpPr>
         <p:spPr/>
       </p:sp>
       <p:sp>
@@ -3432,57 +3546,14 @@
           </a:bodyPr>
           <a:lstStyle/>
           <a:p>
-            <a:pPr marL="0" marR="0" indent="0" algn="l" defTabSz="457200" rtl="0" eaLnBrk="1" fontAlgn="auto" latinLnBrk="0" hangingPunct="1">
-              <a:lnSpc>
-                <a:spcPct val="100000"/>
-              </a:lnSpc>
-              <a:spcBef>
-                <a:spcPts val="0"/>
-              </a:spcBef>
-              <a:spcAft>
-                <a:spcPts val="0"/>
-              </a:spcAft>
-              <a:buClrTx/>
-              <a:buSzTx/>
-              <a:buFontTx/>
-              <a:buNone/>
-              <a:tabLst/>
-              <a:defRPr/>
-            </a:pPr>
-            <a:r>
-              <a:rPr lang="nb-NO" sz="1600" dirty="0" smtClean="0"/>
-              <a:t>Det</a:t>
-            </a:r>
-            <a:r>
-              <a:rPr lang="nb-NO" sz="1600" baseline="0" dirty="0" smtClean="0"/>
-              <a:t> kommer an på hvem man spør – personlig ser jeg på det som Test-drevet utvikling og design – skriv tester først og designet vil forme seg etterhvert. Man har også et utgangspunkt for et design når man starter.</a:t>
-            </a:r>
-            <a:endParaRPr lang="nb-NO" sz="1600" dirty="0" smtClean="0"/>
-          </a:p>
-          <a:p>
-            <a:pPr marL="0" marR="0" indent="0" algn="l" defTabSz="457200" rtl="0" eaLnBrk="1" fontAlgn="auto" latinLnBrk="0" hangingPunct="1">
-              <a:lnSpc>
-                <a:spcPct val="100000"/>
-              </a:lnSpc>
-              <a:spcBef>
-                <a:spcPts val="0"/>
-              </a:spcBef>
-              <a:spcAft>
-                <a:spcPts val="0"/>
-              </a:spcAft>
-              <a:buClrTx/>
-              <a:buSzTx/>
-              <a:buFontTx/>
-              <a:buNone/>
-              <a:tabLst/>
-              <a:defRPr/>
-            </a:pPr>
-            <a:r>
-              <a:rPr lang="nb-NO" sz="1600" dirty="0" smtClean="0"/>
-              <a:t>TDD er noe du velger selv – vil du skrive testen først? Gjør det!</a:t>
-            </a:r>
-          </a:p>
-          <a:p>
+            <a:r>
+              <a:rPr lang="nb-NO" smtClean="0"/>
+              <a:t>Demo av MVC3</a:t>
+            </a:r>
+            <a:r>
+              <a:rPr lang="nb-NO" baseline="0" smtClean="0"/>
+              <a:t>//TDD/Ninject</a:t>
+            </a:r>
             <a:endParaRPr lang="en-US" dirty="0"/>
           </a:p>
         </p:txBody>
@@ -3548,23 +3619,29 @@
           <a:p>
             <a:r>
               <a:rPr lang="nb-NO" dirty="0" smtClean="0"/>
-              <a:t>Red/Green/Refactor</a:t>
-            </a:r>
-          </a:p>
-          <a:p>
-            <a:r>
-              <a:rPr lang="nb-NO" dirty="0" smtClean="0"/>
-              <a:t>Do</a:t>
+              <a:t>Ikke nødvendigvis lettere å vedlikeholde</a:t>
             </a:r>
             <a:r>
               <a:rPr lang="nb-NO" baseline="0" dirty="0" smtClean="0"/>
-              <a:t> the simplest thing that could possibly work – ikke implementere noe som ikke er spesifisert</a:t>
+              <a:t> – stiller store krav til utformingen av testene</a:t>
             </a:r>
           </a:p>
           <a:p>
             <a:r>
               <a:rPr lang="nb-NO" baseline="0" dirty="0" smtClean="0"/>
-              <a:t>DEMO: lag subtract i Calculator</a:t>
+              <a:t>Lettere å forstå – testene fungerer som dokumentasjon og beskrivelse av brukerhistoriene</a:t>
+            </a:r>
+          </a:p>
+          <a:p>
+            <a:r>
+              <a:rPr lang="nb-NO" baseline="0" dirty="0" smtClean="0"/>
+              <a:t>Lettere å gjøre endringer når du kan stole på en test-suite. Hørt på prosjekt: ”Jeg får ikke denne testen til å bli grønn” – ”ikke tenk på det, den skal være sånn” &lt;- ikke lov! Fiks røde tester slik at man faktisk kan stole på de.</a:t>
+            </a:r>
+          </a:p>
+          <a:p>
+            <a:r>
+              <a:rPr lang="nb-NO" baseline="0" dirty="0" smtClean="0"/>
+              <a:t>Inkrementell utvikling gjør at man til enhver tid har fungerende system i stedet for Big Bang.</a:t>
             </a:r>
             <a:endParaRPr lang="en-US" dirty="0"/>
           </a:p>
@@ -3631,29 +3708,23 @@
           <a:p>
             <a:r>
               <a:rPr lang="nb-NO" dirty="0" smtClean="0"/>
-              <a:t>Ikke nødvendigvis lettere å vedlikeholde</a:t>
+              <a:t>Red/Green/Refactor</a:t>
+            </a:r>
+          </a:p>
+          <a:p>
+            <a:r>
+              <a:rPr lang="nb-NO" dirty="0" smtClean="0"/>
+              <a:t>Do</a:t>
             </a:r>
             <a:r>
               <a:rPr lang="nb-NO" baseline="0" dirty="0" smtClean="0"/>
-              <a:t> – stiller store krav til utformingen av testene</a:t>
+              <a:t> the simplest thing that could possibly work – ikke implementere noe som ikke er spesifisert</a:t>
             </a:r>
           </a:p>
           <a:p>
             <a:r>
               <a:rPr lang="nb-NO" baseline="0" dirty="0" smtClean="0"/>
-              <a:t>Lettere å forstå – testene fungerer som dokumentasjon og beskrivelse av brukerhistoriene</a:t>
-            </a:r>
-          </a:p>
-          <a:p>
-            <a:r>
-              <a:rPr lang="nb-NO" baseline="0" dirty="0" smtClean="0"/>
-              <a:t>Lettere å gjøre endringer når du kan stole på en test-suite. Hørt på prosjekt: ”Jeg får ikke denne testen til å bli grønn” – ”ikke tenk på det, den skal være sånn” &lt;- ikke lov! Fiks røde tester slik at man faktisk kan stole på de.</a:t>
-            </a:r>
-          </a:p>
-          <a:p>
-            <a:r>
-              <a:rPr lang="nb-NO" baseline="0" dirty="0" smtClean="0"/>
-              <a:t>Inkrementell utvikling gjør at man til enhver tid har fungerende system i stedet for Big Bang.</a:t>
+              <a:t>DEMO: lag subtract i Calculator</a:t>
             </a:r>
             <a:endParaRPr lang="en-US" dirty="0"/>
           </a:p>
@@ -13375,8 +13446,8 @@
         </p:nvSpPr>
         <p:spPr>
           <a:xfrm>
-            <a:off x="1424940" y="3309695"/>
-            <a:ext cx="6393180" cy="307777"/>
+            <a:off x="1424940" y="3001919"/>
+            <a:ext cx="6393180" cy="615553"/>
           </a:xfrm>
         </p:spPr>
         <p:txBody>
@@ -13385,7 +13456,18 @@
           <a:p>
             <a:r>
               <a:rPr lang="nb-NO" dirty="0" smtClean="0"/>
-              <a:t>Testdrevet utvikling (TDD) i .net</a:t>
+              <a:t>Enhetstesting og</a:t>
+            </a:r>
+            <a:br>
+              <a:rPr lang="nb-NO" dirty="0" smtClean="0"/>
+            </a:br>
+            <a:r>
+              <a:rPr lang="nb-NO" dirty="0" smtClean="0"/>
+              <a:t>Testdrevet </a:t>
+            </a:r>
+            <a:r>
+              <a:rPr lang="nb-NO" dirty="0" smtClean="0"/>
+              <a:t>utvikling (TDD) i .net</a:t>
             </a:r>
             <a:endParaRPr lang="en-US" dirty="0"/>
           </a:p>
@@ -14733,7 +14815,15 @@
                   <a:schemeClr val="bg1"/>
                 </a:solidFill>
               </a:rPr>
-              <a:t>Oppgave 3</a:t>
+              <a:t>Oppgave </a:t>
+            </a:r>
+            <a:r>
+              <a:rPr lang="nb-NO" dirty="0" smtClean="0">
+                <a:solidFill>
+                  <a:schemeClr val="bg1"/>
+                </a:solidFill>
+              </a:rPr>
+              <a:t>3</a:t>
             </a:r>
             <a:endParaRPr lang="en-US" dirty="0">
               <a:solidFill>
@@ -14781,7 +14871,7 @@
       </p:sp>
       <p:sp>
         <p:nvSpPr>
-          <p:cNvPr id="7" name="Title 1"/>
+          <p:cNvPr id="5" name="Title 1"/>
           <p:cNvSpPr txBox="1">
             <a:spLocks/>
           </p:cNvSpPr>
@@ -14790,7 +14880,7 @@
         <p:spPr>
           <a:xfrm>
             <a:off x="773723" y="1341070"/>
-            <a:ext cx="7957584" cy="3693319"/>
+            <a:ext cx="7957584" cy="2154436"/>
           </a:xfrm>
           <a:prstGeom prst="rect">
             <a:avLst/>
@@ -14805,22 +14895,22 @@
           </a:bodyPr>
           <a:lstStyle/>
           <a:p>
-            <a:pPr algn="just"/>
             <a:r>
               <a:rPr lang="nb-NO" sz="2000" dirty="0" smtClean="0">
                 <a:solidFill>
                   <a:schemeClr val="bg1"/>
                 </a:solidFill>
               </a:rPr>
-              <a:t>I denne oppgaven skal vi implementere en Logger. Det skal være mulig å logge informasjon(</a:t>
-            </a:r>
-            <a:r>
-              <a:rPr lang="nb-NO" sz="2000" i="1" dirty="0" smtClean="0">
+              <a:t>Gjennomfør TDD Kataen som er laget av Roy Osherove (</a:t>
+            </a:r>
+            <a:r>
+              <a:rPr lang="nb-NO" sz="2000" u="sng" dirty="0" smtClean="0">
                 <a:solidFill>
                   <a:schemeClr val="bg1"/>
                 </a:solidFill>
-              </a:rPr>
-              <a:t>Info</a:t>
+                <a:hlinkClick r:id="rId2"/>
+              </a:rPr>
+              <a:t>http://osherove.com/</a:t>
             </a:r>
             <a:r>
               <a:rPr lang="nb-NO" sz="2000" dirty="0" smtClean="0">
@@ -14828,15 +14918,16 @@
                   <a:schemeClr val="bg1"/>
                 </a:solidFill>
               </a:rPr>
-              <a:t>), advarseler (</a:t>
-            </a:r>
-            <a:r>
-              <a:rPr lang="nb-NO" sz="2000" i="1" dirty="0" smtClean="0">
+              <a:t>) som finnes </a:t>
+            </a:r>
+            <a:r>
+              <a:rPr lang="nb-NO" sz="2000" u="sng" dirty="0" smtClean="0">
                 <a:solidFill>
                   <a:schemeClr val="bg1"/>
                 </a:solidFill>
-              </a:rPr>
-              <a:t>Warning</a:t>
+                <a:hlinkClick r:id="rId3"/>
+              </a:rPr>
+              <a:t>her.</a:t>
             </a:r>
             <a:r>
               <a:rPr lang="nb-NO" sz="2000" dirty="0" smtClean="0">
@@ -14844,27 +14935,10 @@
                   <a:schemeClr val="bg1"/>
                 </a:solidFill>
               </a:rPr>
-              <a:t>) og unntak (</a:t>
-            </a:r>
-            <a:r>
-              <a:rPr lang="nb-NO" sz="2000" i="1" dirty="0" smtClean="0">
-                <a:solidFill>
-                  <a:schemeClr val="bg1"/>
-                </a:solidFill>
-              </a:rPr>
-              <a:t>Exception</a:t>
-            </a:r>
-            <a:r>
-              <a:rPr lang="nb-NO" sz="2000" dirty="0" smtClean="0">
-                <a:solidFill>
-                  <a:schemeClr val="bg1"/>
-                </a:solidFill>
-              </a:rPr>
-              <a:t>). </a:t>
-            </a:r>
-          </a:p>
-          <a:p>
-            <a:pPr algn="just"/>
+              <a:t> </a:t>
+            </a:r>
+          </a:p>
+          <a:p>
             <a:endParaRPr lang="nb-NO" sz="2000" dirty="0" smtClean="0">
               <a:solidFill>
                 <a:schemeClr val="bg1"/>
@@ -14872,74 +14946,13 @@
             </a:endParaRPr>
           </a:p>
           <a:p>
-            <a:pPr algn="just"/>
             <a:r>
               <a:rPr lang="nb-NO" sz="2000" dirty="0" smtClean="0">
                 <a:solidFill>
                   <a:schemeClr val="bg1"/>
                 </a:solidFill>
               </a:rPr>
-              <a:t>Loggeren bør konstruere et format på meldingen som skal skrives, dette formatet bør inneholde dato, klokkeslett, type melding og selvfølgelig meldingen selv. F.eks:</a:t>
-            </a:r>
-          </a:p>
-          <a:p>
-            <a:pPr algn="just"/>
-            <a:endParaRPr lang="en-US" sz="2000" dirty="0" smtClean="0">
-              <a:solidFill>
-                <a:schemeClr val="bg1"/>
-              </a:solidFill>
-            </a:endParaRPr>
-          </a:p>
-          <a:p>
-            <a:pPr algn="just"/>
-            <a:r>
-              <a:rPr lang="nb-NO" sz="2000" i="1" dirty="0" smtClean="0">
-                <a:solidFill>
-                  <a:schemeClr val="bg1"/>
-                </a:solidFill>
-              </a:rPr>
-              <a:t>[08.08.2012 15:00][Info] Epost sendt til bruker </a:t>
-            </a:r>
-            <a:r>
-              <a:rPr lang="nb-NO" sz="2000" i="1" u="sng" dirty="0" smtClean="0">
-                <a:solidFill>
-                  <a:schemeClr val="bg1"/>
-                </a:solidFill>
-                <a:hlinkClick r:id="rId2"/>
-              </a:rPr>
-              <a:t>arthur@dent.com</a:t>
-            </a:r>
-            <a:r>
-              <a:rPr lang="nb-NO" sz="2000" i="1" dirty="0" smtClean="0">
-                <a:solidFill>
-                  <a:schemeClr val="bg1"/>
-                </a:solidFill>
-              </a:rPr>
-              <a:t>.</a:t>
-            </a:r>
-            <a:endParaRPr lang="en-US" sz="2000" i="1" dirty="0" smtClean="0">
-              <a:solidFill>
-                <a:schemeClr val="bg1"/>
-              </a:solidFill>
-            </a:endParaRPr>
-          </a:p>
-          <a:p>
-            <a:pPr algn="just"/>
-            <a:endParaRPr lang="nb-NO" sz="2000" dirty="0" smtClean="0">
-              <a:solidFill>
-                <a:schemeClr val="bg1"/>
-              </a:solidFill>
-            </a:endParaRPr>
-          </a:p>
-          <a:p>
-            <a:pPr algn="just"/>
-            <a:r>
-              <a:rPr lang="nb-NO" sz="2000" dirty="0" smtClean="0">
-                <a:solidFill>
-                  <a:schemeClr val="bg1"/>
-                </a:solidFill>
-              </a:rPr>
-              <a:t>Denne informasjonen skal skrives til fil.</a:t>
+              <a:t>Kataen går på å utvide funksjonaliteten til StringCalculator som ble opprettet i oppgave 2, løs èn og èn av oppgavene, prøv å ikke ”se fremover”.</a:t>
             </a:r>
             <a:endParaRPr lang="en-US" sz="2000" dirty="0" smtClean="0">
               <a:solidFill>
@@ -15045,7 +15058,15 @@
                   <a:schemeClr val="bg1"/>
                 </a:solidFill>
               </a:rPr>
-              <a:t>Oppgave 4</a:t>
+              <a:t>Oppgave </a:t>
+            </a:r>
+            <a:r>
+              <a:rPr lang="nb-NO" dirty="0" smtClean="0">
+                <a:solidFill>
+                  <a:schemeClr val="bg1"/>
+                </a:solidFill>
+              </a:rPr>
+              <a:t>4</a:t>
             </a:r>
             <a:endParaRPr lang="en-US" dirty="0">
               <a:solidFill>
@@ -15093,7 +15114,7 @@
       </p:sp>
       <p:sp>
         <p:nvSpPr>
-          <p:cNvPr id="5" name="Title 1"/>
+          <p:cNvPr id="7" name="Title 1"/>
           <p:cNvSpPr txBox="1">
             <a:spLocks/>
           </p:cNvSpPr>
@@ -15102,7 +15123,7 @@
         <p:spPr>
           <a:xfrm>
             <a:off x="773723" y="1341070"/>
-            <a:ext cx="7957584" cy="2154436"/>
+            <a:ext cx="7957584" cy="3693319"/>
           </a:xfrm>
           <a:prstGeom prst="rect">
             <a:avLst/>
@@ -15117,22 +15138,22 @@
           </a:bodyPr>
           <a:lstStyle/>
           <a:p>
+            <a:pPr algn="just"/>
             <a:r>
               <a:rPr lang="nb-NO" sz="2000" dirty="0" smtClean="0">
                 <a:solidFill>
                   <a:schemeClr val="bg1"/>
                 </a:solidFill>
               </a:rPr>
-              <a:t>Gjennomfør TDD Kataen som er laget av Roy Osherove (</a:t>
-            </a:r>
-            <a:r>
-              <a:rPr lang="nb-NO" sz="2000" u="sng" dirty="0" smtClean="0">
+              <a:t>I denne oppgaven skal vi implementere en Logger. Det skal være mulig å logge informasjon(</a:t>
+            </a:r>
+            <a:r>
+              <a:rPr lang="nb-NO" sz="2000" i="1" dirty="0" smtClean="0">
                 <a:solidFill>
                   <a:schemeClr val="bg1"/>
                 </a:solidFill>
-                <a:hlinkClick r:id="rId2"/>
-              </a:rPr>
-              <a:t>http://osherove.com/</a:t>
+              </a:rPr>
+              <a:t>Info</a:t>
             </a:r>
             <a:r>
               <a:rPr lang="nb-NO" sz="2000" dirty="0" smtClean="0">
@@ -15140,16 +15161,15 @@
                   <a:schemeClr val="bg1"/>
                 </a:solidFill>
               </a:rPr>
-              <a:t>) som finnes </a:t>
-            </a:r>
-            <a:r>
-              <a:rPr lang="nb-NO" sz="2000" u="sng" dirty="0" smtClean="0">
+              <a:t>), advarseler (</a:t>
+            </a:r>
+            <a:r>
+              <a:rPr lang="nb-NO" sz="2000" i="1" dirty="0" smtClean="0">
                 <a:solidFill>
                   <a:schemeClr val="bg1"/>
                 </a:solidFill>
-                <a:hlinkClick r:id="rId3"/>
-              </a:rPr>
-              <a:t>her.</a:t>
+              </a:rPr>
+              <a:t>Warning</a:t>
             </a:r>
             <a:r>
               <a:rPr lang="nb-NO" sz="2000" dirty="0" smtClean="0">
@@ -15157,10 +15177,27 @@
                   <a:schemeClr val="bg1"/>
                 </a:solidFill>
               </a:rPr>
-              <a:t> </a:t>
-            </a:r>
-          </a:p>
-          <a:p>
+              <a:t>) og unntak (</a:t>
+            </a:r>
+            <a:r>
+              <a:rPr lang="nb-NO" sz="2000" i="1" dirty="0" smtClean="0">
+                <a:solidFill>
+                  <a:schemeClr val="bg1"/>
+                </a:solidFill>
+              </a:rPr>
+              <a:t>Exception</a:t>
+            </a:r>
+            <a:r>
+              <a:rPr lang="nb-NO" sz="2000" dirty="0" smtClean="0">
+                <a:solidFill>
+                  <a:schemeClr val="bg1"/>
+                </a:solidFill>
+              </a:rPr>
+              <a:t>). </a:t>
+            </a:r>
+          </a:p>
+          <a:p>
+            <a:pPr algn="just"/>
             <a:endParaRPr lang="nb-NO" sz="2000" dirty="0" smtClean="0">
               <a:solidFill>
                 <a:schemeClr val="bg1"/>
@@ -15168,13 +15205,74 @@
             </a:endParaRPr>
           </a:p>
           <a:p>
+            <a:pPr algn="just"/>
             <a:r>
               <a:rPr lang="nb-NO" sz="2000" dirty="0" smtClean="0">
                 <a:solidFill>
                   <a:schemeClr val="bg1"/>
                 </a:solidFill>
               </a:rPr>
-              <a:t>Kataen går på å utvide funksjonaliteten til StringCalculator som ble opprettet i oppgave 2, løs èn og èn av oppgavene, prøv å ikke ”se fremover”.</a:t>
+              <a:t>Loggeren bør konstruere et format på meldingen som skal skrives, dette formatet bør inneholde dato, klokkeslett, type melding og selvfølgelig meldingen selv. F.eks:</a:t>
+            </a:r>
+          </a:p>
+          <a:p>
+            <a:pPr algn="just"/>
+            <a:endParaRPr lang="en-US" sz="2000" dirty="0" smtClean="0">
+              <a:solidFill>
+                <a:schemeClr val="bg1"/>
+              </a:solidFill>
+            </a:endParaRPr>
+          </a:p>
+          <a:p>
+            <a:pPr algn="just"/>
+            <a:r>
+              <a:rPr lang="nb-NO" sz="2000" i="1" dirty="0" smtClean="0">
+                <a:solidFill>
+                  <a:schemeClr val="bg1"/>
+                </a:solidFill>
+              </a:rPr>
+              <a:t>[08.08.2012 15:00][Info] Epost sendt til bruker </a:t>
+            </a:r>
+            <a:r>
+              <a:rPr lang="nb-NO" sz="2000" i="1" u="sng" dirty="0" smtClean="0">
+                <a:solidFill>
+                  <a:schemeClr val="bg1"/>
+                </a:solidFill>
+                <a:hlinkClick r:id="rId2"/>
+              </a:rPr>
+              <a:t>arthur@dent.com</a:t>
+            </a:r>
+            <a:r>
+              <a:rPr lang="nb-NO" sz="2000" i="1" dirty="0" smtClean="0">
+                <a:solidFill>
+                  <a:schemeClr val="bg1"/>
+                </a:solidFill>
+              </a:rPr>
+              <a:t>.</a:t>
+            </a:r>
+            <a:endParaRPr lang="en-US" sz="2000" i="1" dirty="0" smtClean="0">
+              <a:solidFill>
+                <a:schemeClr val="bg1"/>
+              </a:solidFill>
+            </a:endParaRPr>
+          </a:p>
+          <a:p>
+            <a:pPr algn="just"/>
+            <a:endParaRPr lang="nb-NO" sz="2000" dirty="0" smtClean="0">
+              <a:solidFill>
+                <a:schemeClr val="bg1"/>
+              </a:solidFill>
+            </a:endParaRPr>
+          </a:p>
+          <a:p>
+            <a:pPr algn="just"/>
+            <a:r>
+              <a:rPr lang="nb-NO" sz="2000" dirty="0" smtClean="0">
+                <a:solidFill>
+                  <a:schemeClr val="bg1"/>
+                </a:solidFill>
+              </a:rPr>
+              <a:t>Denne informasjonen skal skrives til fil.</a:t>
             </a:r>
             <a:endParaRPr lang="en-US" sz="2000" dirty="0" smtClean="0">
               <a:solidFill>
@@ -15256,7 +15354,7 @@
         <p:spPr>
           <a:xfrm>
             <a:off x="321623" y="418905"/>
-            <a:ext cx="1819088" cy="307777"/>
+            <a:ext cx="3467616" cy="307777"/>
           </a:xfrm>
         </p:spPr>
         <p:txBody>
@@ -15265,7 +15363,7 @@
           <a:p>
             <a:r>
               <a:rPr lang="nb-NO" dirty="0" smtClean="0"/>
-              <a:t>TDD i MVC3?</a:t>
+              <a:t>Dependency injection</a:t>
             </a:r>
             <a:endParaRPr lang="en-US" dirty="0"/>
           </a:p>
@@ -15290,134 +15388,6 @@
               <a:rPr lang="en-US" smtClean="0"/>
               <a:pPr/>
               <a:t>15</a:t>
-            </a:fld>
-            <a:endParaRPr lang="en-US" dirty="0"/>
-          </a:p>
-        </p:txBody>
-      </p:sp>
-      <p:sp>
-        <p:nvSpPr>
-          <p:cNvPr id="7" name="TextBox 6"/>
-          <p:cNvSpPr txBox="1"/>
-          <p:nvPr/>
-        </p:nvSpPr>
-        <p:spPr>
-          <a:xfrm>
-            <a:off x="3288324" y="2966561"/>
-            <a:ext cx="2547492" cy="743793"/>
-          </a:xfrm>
-          <a:prstGeom prst="rect">
-            <a:avLst/>
-          </a:prstGeom>
-          <a:noFill/>
-        </p:spPr>
-        <p:txBody>
-          <a:bodyPr wrap="none" rtlCol="0">
-            <a:spAutoFit/>
-          </a:bodyPr>
-          <a:lstStyle/>
-          <a:p>
-            <a:pPr>
-              <a:spcBef>
-                <a:spcPts val="600"/>
-              </a:spcBef>
-              <a:spcAft>
-                <a:spcPts val="400"/>
-              </a:spcAft>
-            </a:pPr>
-            <a:r>
-              <a:rPr lang="nb-NO" sz="1700" b="1" dirty="0" smtClean="0"/>
-              <a:t>TDD + MVC3 = SANT</a:t>
-            </a:r>
-          </a:p>
-          <a:p>
-            <a:pPr>
-              <a:spcBef>
-                <a:spcPts val="600"/>
-              </a:spcBef>
-              <a:spcAft>
-                <a:spcPts val="400"/>
-              </a:spcAft>
-            </a:pPr>
-            <a:endParaRPr lang="nb-NO" sz="1700" b="1" dirty="0" smtClean="0"/>
-          </a:p>
-        </p:txBody>
-      </p:sp>
-    </p:spTree>
-  </p:cSld>
-  <p:clrMapOvr>
-    <a:masterClrMapping/>
-  </p:clrMapOvr>
-  <p:transition>
-    <p:fade thruBlk="1"/>
-  </p:transition>
-</p:sld>
-</file>
-
-<file path=ppt/slides/slide16.xml><?xml version="1.0" encoding="utf-8"?>
-<p:sld xmlns:a="http://schemas.openxmlformats.org/drawingml/2006/main" xmlns:r="http://schemas.openxmlformats.org/officeDocument/2006/relationships" xmlns:p="http://schemas.openxmlformats.org/presentationml/2006/main">
-  <p:cSld>
-    <p:spTree>
-      <p:nvGrpSpPr>
-        <p:cNvPr id="1" name=""/>
-        <p:cNvGrpSpPr/>
-        <p:nvPr/>
-      </p:nvGrpSpPr>
-      <p:grpSpPr>
-        <a:xfrm>
-          <a:off x="0" y="0"/>
-          <a:ext cx="0" cy="0"/>
-          <a:chOff x="0" y="0"/>
-          <a:chExt cx="0" cy="0"/>
-        </a:xfrm>
-      </p:grpSpPr>
-      <p:sp>
-        <p:nvSpPr>
-          <p:cNvPr id="2" name="Title 1"/>
-          <p:cNvSpPr>
-            <a:spLocks noGrp="1"/>
-          </p:cNvSpPr>
-          <p:nvPr>
-            <p:ph type="title"/>
-          </p:nvPr>
-        </p:nvSpPr>
-        <p:spPr>
-          <a:xfrm>
-            <a:off x="321623" y="418905"/>
-            <a:ext cx="3467616" cy="307777"/>
-          </a:xfrm>
-        </p:spPr>
-        <p:txBody>
-          <a:bodyPr/>
-          <a:lstStyle/>
-          <a:p>
-            <a:r>
-              <a:rPr lang="nb-NO" dirty="0" smtClean="0"/>
-              <a:t>Dependency injection</a:t>
-            </a:r>
-            <a:endParaRPr lang="en-US" dirty="0"/>
-          </a:p>
-        </p:txBody>
-      </p:sp>
-      <p:sp>
-        <p:nvSpPr>
-          <p:cNvPr id="3" name="Slide Number Placeholder 2"/>
-          <p:cNvSpPr>
-            <a:spLocks noGrp="1"/>
-          </p:cNvSpPr>
-          <p:nvPr>
-            <p:ph type="sldNum" sz="quarter" idx="10"/>
-          </p:nvPr>
-        </p:nvSpPr>
-        <p:spPr/>
-        <p:txBody>
-          <a:bodyPr/>
-          <a:lstStyle/>
-          <a:p>
-            <a:fld id="{FF67BF5B-7344-D747-A0C2-CBD7B2ACBC85}" type="slidenum">
-              <a:rPr lang="en-US" smtClean="0"/>
-              <a:pPr/>
-              <a:t>16</a:t>
             </a:fld>
             <a:endParaRPr lang="en-US" dirty="0"/>
           </a:p>
@@ -15881,7 +15851,7 @@
 </p:sld>
 </file>
 
-<file path=ppt/slides/slide17.xml><?xml version="1.0" encoding="utf-8"?>
+<file path=ppt/slides/slide16.xml><?xml version="1.0" encoding="utf-8"?>
 <p:sld xmlns:a="http://schemas.openxmlformats.org/drawingml/2006/main" xmlns:r="http://schemas.openxmlformats.org/officeDocument/2006/relationships" xmlns:p="http://schemas.openxmlformats.org/presentationml/2006/main">
   <p:cSld>
     <p:spTree>
@@ -15944,7 +15914,7 @@
             <a:fld id="{FF67BF5B-7344-D747-A0C2-CBD7B2ACBC85}" type="slidenum">
               <a:rPr lang="en-US" smtClean="0"/>
               <a:pPr/>
-              <a:t>17</a:t>
+              <a:t>16</a:t>
             </a:fld>
             <a:endParaRPr lang="en-US" dirty="0"/>
           </a:p>
@@ -16731,6 +16701,134 @@
 </p:sld>
 </file>
 
+<file path=ppt/slides/slide17.xml><?xml version="1.0" encoding="utf-8"?>
+<p:sld xmlns:a="http://schemas.openxmlformats.org/drawingml/2006/main" xmlns:r="http://schemas.openxmlformats.org/officeDocument/2006/relationships" xmlns:p="http://schemas.openxmlformats.org/presentationml/2006/main">
+  <p:cSld>
+    <p:spTree>
+      <p:nvGrpSpPr>
+        <p:cNvPr id="1" name=""/>
+        <p:cNvGrpSpPr/>
+        <p:nvPr/>
+      </p:nvGrpSpPr>
+      <p:grpSpPr>
+        <a:xfrm>
+          <a:off x="0" y="0"/>
+          <a:ext cx="0" cy="0"/>
+          <a:chOff x="0" y="0"/>
+          <a:chExt cx="0" cy="0"/>
+        </a:xfrm>
+      </p:grpSpPr>
+      <p:sp>
+        <p:nvSpPr>
+          <p:cNvPr id="2" name="Title 1"/>
+          <p:cNvSpPr>
+            <a:spLocks noGrp="1"/>
+          </p:cNvSpPr>
+          <p:nvPr>
+            <p:ph type="title"/>
+          </p:nvPr>
+        </p:nvSpPr>
+        <p:spPr>
+          <a:xfrm>
+            <a:off x="321623" y="418905"/>
+            <a:ext cx="1819088" cy="307777"/>
+          </a:xfrm>
+        </p:spPr>
+        <p:txBody>
+          <a:bodyPr/>
+          <a:lstStyle/>
+          <a:p>
+            <a:r>
+              <a:rPr lang="nb-NO" dirty="0" smtClean="0"/>
+              <a:t>TDD i MVC3?</a:t>
+            </a:r>
+            <a:endParaRPr lang="en-US" dirty="0"/>
+          </a:p>
+        </p:txBody>
+      </p:sp>
+      <p:sp>
+        <p:nvSpPr>
+          <p:cNvPr id="3" name="Slide Number Placeholder 2"/>
+          <p:cNvSpPr>
+            <a:spLocks noGrp="1"/>
+          </p:cNvSpPr>
+          <p:nvPr>
+            <p:ph type="sldNum" sz="quarter" idx="10"/>
+          </p:nvPr>
+        </p:nvSpPr>
+        <p:spPr/>
+        <p:txBody>
+          <a:bodyPr/>
+          <a:lstStyle/>
+          <a:p>
+            <a:fld id="{FF67BF5B-7344-D747-A0C2-CBD7B2ACBC85}" type="slidenum">
+              <a:rPr lang="en-US" smtClean="0"/>
+              <a:pPr/>
+              <a:t>17</a:t>
+            </a:fld>
+            <a:endParaRPr lang="en-US" dirty="0"/>
+          </a:p>
+        </p:txBody>
+      </p:sp>
+      <p:sp>
+        <p:nvSpPr>
+          <p:cNvPr id="7" name="TextBox 6"/>
+          <p:cNvSpPr txBox="1"/>
+          <p:nvPr/>
+        </p:nvSpPr>
+        <p:spPr>
+          <a:xfrm>
+            <a:off x="3288324" y="2966561"/>
+            <a:ext cx="2547492" cy="743793"/>
+          </a:xfrm>
+          <a:prstGeom prst="rect">
+            <a:avLst/>
+          </a:prstGeom>
+          <a:noFill/>
+        </p:spPr>
+        <p:txBody>
+          <a:bodyPr wrap="none" rtlCol="0">
+            <a:spAutoFit/>
+          </a:bodyPr>
+          <a:lstStyle/>
+          <a:p>
+            <a:pPr>
+              <a:spcBef>
+                <a:spcPts val="600"/>
+              </a:spcBef>
+              <a:spcAft>
+                <a:spcPts val="400"/>
+              </a:spcAft>
+            </a:pPr>
+            <a:r>
+              <a:rPr lang="nb-NO" sz="1700" b="1" dirty="0" smtClean="0"/>
+              <a:t>TDD + MVC3 = SANT</a:t>
+            </a:r>
+          </a:p>
+          <a:p>
+            <a:pPr>
+              <a:spcBef>
+                <a:spcPts val="600"/>
+              </a:spcBef>
+              <a:spcAft>
+                <a:spcPts val="400"/>
+              </a:spcAft>
+            </a:pPr>
+            <a:endParaRPr lang="nb-NO" sz="1700" b="1" dirty="0" smtClean="0"/>
+          </a:p>
+        </p:txBody>
+      </p:sp>
+    </p:spTree>
+  </p:cSld>
+  <p:clrMapOvr>
+    <a:masterClrMapping/>
+  </p:clrMapOvr>
+  <p:transition>
+    <p:fade thruBlk="1"/>
+  </p:transition>
+</p:sld>
+</file>
+
 <file path=ppt/slides/slide18.xml><?xml version="1.0" encoding="utf-8"?>
 <p:sld xmlns:a="http://schemas.openxmlformats.org/drawingml/2006/main" xmlns:r="http://schemas.openxmlformats.org/officeDocument/2006/relationships" xmlns:p="http://schemas.openxmlformats.org/presentationml/2006/main">
   <p:cSld>
@@ -18138,14 +18236,6 @@
 <file path=ppt/slides/slide19.xml><?xml version="1.0" encoding="utf-8"?>
 <p:sld xmlns:a="http://schemas.openxmlformats.org/drawingml/2006/main" xmlns:r="http://schemas.openxmlformats.org/officeDocument/2006/relationships" xmlns:p="http://schemas.openxmlformats.org/presentationml/2006/main">
   <p:cSld>
-    <p:bg>
-      <p:bgPr>
-        <a:solidFill>
-          <a:schemeClr val="accent1"/>
-        </a:solidFill>
-        <a:effectLst/>
-      </p:bgPr>
-    </p:bg>
     <p:spTree>
       <p:nvGrpSpPr>
         <p:cNvPr id="1" name=""/>
@@ -18162,40 +18252,102 @@
       </p:grpSpPr>
       <p:sp>
         <p:nvSpPr>
-          <p:cNvPr id="2" name="Title 1"/>
+          <p:cNvPr id="5" name="Title 4"/>
           <p:cNvSpPr>
             <a:spLocks noGrp="1"/>
           </p:cNvSpPr>
           <p:nvPr>
-            <p:ph type="title"/>
+            <p:ph type="ctrTitle"/>
           </p:nvPr>
         </p:nvSpPr>
         <p:spPr>
           <a:xfrm>
-            <a:off x="321623" y="418905"/>
-            <a:ext cx="1610377" cy="307777"/>
+            <a:off x="2375091" y="3304566"/>
+            <a:ext cx="4396995" cy="312906"/>
           </a:xfrm>
-          <a:solidFill>
-            <a:schemeClr val="accent1"/>
-          </a:solidFill>
         </p:spPr>
         <p:txBody>
           <a:bodyPr/>
           <a:lstStyle/>
           <a:p>
             <a:r>
-              <a:rPr lang="nb-NO" dirty="0" smtClean="0">
-                <a:solidFill>
-                  <a:schemeClr val="bg1"/>
-                </a:solidFill>
-              </a:rPr>
-              <a:t>Oppgave 3</a:t>
-            </a:r>
-            <a:endParaRPr lang="en-US" dirty="0">
-              <a:solidFill>
-                <a:schemeClr val="bg1"/>
-              </a:solidFill>
-            </a:endParaRPr>
+              <a:rPr lang="en-US" dirty="0" err="1" smtClean="0"/>
+              <a:t>Takk</a:t>
+            </a:r>
+            <a:r>
+              <a:rPr lang="en-US" dirty="0" smtClean="0"/>
+              <a:t> for meg</a:t>
+            </a:r>
+            <a:endParaRPr lang="en-US" dirty="0"/>
+          </a:p>
+        </p:txBody>
+      </p:sp>
+      <p:sp>
+        <p:nvSpPr>
+          <p:cNvPr id="6" name="Text Placeholder 5"/>
+          <p:cNvSpPr>
+            <a:spLocks noGrp="1"/>
+          </p:cNvSpPr>
+          <p:nvPr>
+            <p:ph type="body" sz="quarter" idx="10"/>
+          </p:nvPr>
+        </p:nvSpPr>
+        <p:spPr/>
+        <p:txBody>
+          <a:bodyPr/>
+          <a:lstStyle/>
+          <a:p>
+            <a:r>
+              <a:rPr lang="nb-NO" dirty="0" smtClean="0"/>
+              <a:t>Espen Ekvang</a:t>
+            </a:r>
+            <a:endParaRPr lang="en-US" dirty="0"/>
+          </a:p>
+        </p:txBody>
+      </p:sp>
+      <p:sp>
+        <p:nvSpPr>
+          <p:cNvPr id="7" name="Text Placeholder 6"/>
+          <p:cNvSpPr>
+            <a:spLocks noGrp="1"/>
+          </p:cNvSpPr>
+          <p:nvPr>
+            <p:ph type="body" sz="quarter" idx="11"/>
+          </p:nvPr>
+        </p:nvSpPr>
+        <p:spPr/>
+        <p:txBody>
+          <a:bodyPr/>
+          <a:lstStyle/>
+          <a:p>
+            <a:r>
+              <a:rPr lang="nb-NO" dirty="0" smtClean="0"/>
+              <a:t>espen.ekvang@bekk.no</a:t>
+            </a:r>
+            <a:endParaRPr lang="en-US" dirty="0"/>
+          </a:p>
+        </p:txBody>
+      </p:sp>
+      <p:sp>
+        <p:nvSpPr>
+          <p:cNvPr id="8" name="Text Placeholder 7"/>
+          <p:cNvSpPr>
+            <a:spLocks noGrp="1"/>
+          </p:cNvSpPr>
+          <p:nvPr>
+            <p:ph type="body" sz="quarter" idx="12"/>
+          </p:nvPr>
+        </p:nvSpPr>
+        <p:spPr/>
+        <p:txBody>
+          <a:bodyPr/>
+          <a:lstStyle/>
+          <a:p>
+            <a:r>
+              <a:rPr lang="nb-NO" dirty="0" smtClean="0"/>
+              <a:t>http://github.com/bekk/dotnetkurs</a:t>
+            </a:r>
+            <a:endParaRPr lang="en-US" dirty="0"/>
           </a:p>
         </p:txBody>
       </p:sp>
@@ -18206,105 +18358,34 @@
             <a:spLocks noGrp="1"/>
           </p:cNvSpPr>
           <p:nvPr>
-            <p:ph type="sldNum" sz="quarter" idx="10"/>
+            <p:ph type="sldNum" sz="quarter" idx="4294967295"/>
           </p:nvPr>
         </p:nvSpPr>
         <p:spPr>
-          <a:solidFill>
-            <a:schemeClr val="accent1"/>
-          </a:solidFill>
+          <a:xfrm>
+            <a:off x="8837613" y="431800"/>
+            <a:ext cx="306387" cy="276225"/>
+          </a:xfrm>
         </p:spPr>
         <p:txBody>
           <a:bodyPr/>
           <a:lstStyle/>
           <a:p>
             <a:fld id="{FF67BF5B-7344-D747-A0C2-CBD7B2ACBC85}" type="slidenum">
-              <a:rPr lang="en-US" smtClean="0">
-                <a:solidFill>
-                  <a:schemeClr val="bg1"/>
-                </a:solidFill>
-              </a:rPr>
+              <a:rPr lang="en-US" smtClean="0"/>
               <a:pPr/>
               <a:t>19</a:t>
             </a:fld>
-            <a:endParaRPr lang="en-US" dirty="0">
-              <a:solidFill>
-                <a:schemeClr val="bg1"/>
-              </a:solidFill>
-            </a:endParaRPr>
-          </a:p>
-        </p:txBody>
-      </p:sp>
-      <p:sp>
-        <p:nvSpPr>
-          <p:cNvPr id="6" name="Title 1"/>
-          <p:cNvSpPr txBox="1">
-            <a:spLocks/>
-          </p:cNvSpPr>
-          <p:nvPr/>
-        </p:nvSpPr>
-        <p:spPr>
-          <a:xfrm>
-            <a:off x="3798248" y="2825948"/>
-            <a:ext cx="892232" cy="307777"/>
-          </a:xfrm>
-          <a:prstGeom prst="rect">
-            <a:avLst/>
-          </a:prstGeom>
-          <a:solidFill>
-            <a:schemeClr val="accent1"/>
-          </a:solidFill>
-        </p:spPr>
-        <p:txBody>
-          <a:bodyPr vert="horz" wrap="none" lIns="91440" tIns="0" rIns="91440" bIns="0" rtlCol="0" anchor="t">
-            <a:spAutoFit/>
-          </a:bodyPr>
-          <a:lstStyle/>
-          <a:p>
-            <a:pPr marL="457200" marR="0" lvl="0" indent="-457200" algn="l" defTabSz="457200" rtl="0" eaLnBrk="1" fontAlgn="auto" latinLnBrk="0" hangingPunct="1">
-              <a:lnSpc>
-                <a:spcPct val="100000"/>
-              </a:lnSpc>
-              <a:spcBef>
-                <a:spcPct val="0"/>
-              </a:spcBef>
-              <a:spcAft>
-                <a:spcPts val="0"/>
-              </a:spcAft>
-              <a:buClrTx/>
-              <a:buSzTx/>
-              <a:tabLst/>
-              <a:defRPr/>
-            </a:pPr>
-            <a:r>
-              <a:rPr lang="nb-NO" sz="2000" i="1" cap="all" spc="20" dirty="0" smtClean="0">
-                <a:solidFill>
-                  <a:schemeClr val="bg1"/>
-                </a:solidFill>
-                <a:latin typeface="Georgia"/>
-                <a:ea typeface="+mj-ea"/>
-                <a:cs typeface="Georgia"/>
-              </a:rPr>
-              <a:t>blog</a:t>
-            </a:r>
-            <a:endParaRPr kumimoji="0" lang="en-US" sz="2000" b="0" i="1" u="none" strike="noStrike" kern="1200" cap="all" spc="20" normalizeH="0" baseline="0" noProof="0" dirty="0">
-              <a:ln>
-                <a:noFill/>
-              </a:ln>
-              <a:solidFill>
-                <a:schemeClr val="bg1"/>
-              </a:solidFill>
-              <a:effectLst/>
-              <a:uLnTx/>
-              <a:uFillTx/>
-              <a:latin typeface="Georgia"/>
-              <a:ea typeface="+mj-ea"/>
-              <a:cs typeface="Georgia"/>
-            </a:endParaRPr>
+            <a:endParaRPr lang="en-US" dirty="0"/>
           </a:p>
         </p:txBody>
       </p:sp>
     </p:spTree>
+    <p:extLst>
+      <p:ext uri="{BB962C8B-B14F-4D97-AF65-F5344CB8AC3E}">
+        <p14:creationId xmlns:p14="http://schemas.microsoft.com/office/powerpoint/2010/main" xmlns="" val="1013825328"/>
+      </p:ext>
+    </p:extLst>
   </p:cSld>
   <p:clrMapOvr>
     <a:masterClrMapping/>
@@ -18312,6 +18393,13 @@
   <p:transition>
     <p:fade thruBlk="1"/>
   </p:transition>
+  <p:timing>
+    <p:tnLst>
+      <p:par>
+        <p:cTn id="1" dur="indefinite" restart="never" nodeType="tmRoot"/>
+      </p:par>
+    </p:tnLst>
+  </p:timing>
 </p:sld>
 </file>
 
@@ -18418,7 +18506,11 @@
             </a:pPr>
             <a:r>
               <a:rPr lang="nb-NO" sz="1400" dirty="0" smtClean="0"/>
-              <a:t> Hva er TDD?</a:t>
+              <a:t> </a:t>
+            </a:r>
+            <a:r>
+              <a:rPr lang="nb-NO" sz="1400" dirty="0" smtClean="0"/>
+              <a:t>Enhetstesting</a:t>
             </a:r>
           </a:p>
           <a:p>
@@ -18434,8 +18526,13 @@
             </a:pPr>
             <a:r>
               <a:rPr lang="nb-NO" sz="1400" dirty="0" smtClean="0"/>
-              <a:t> Motivasjon</a:t>
-            </a:r>
+              <a:t> </a:t>
+            </a:r>
+            <a:r>
+              <a:rPr lang="nb-NO" sz="1400" dirty="0" smtClean="0"/>
+              <a:t>Hva er TDD?</a:t>
+            </a:r>
+            <a:endParaRPr lang="nb-NO" sz="1400" dirty="0" smtClean="0"/>
           </a:p>
           <a:p>
             <a:pPr>
@@ -18583,7 +18680,7 @@
         <p:spPr>
           <a:xfrm>
             <a:off x="321623" y="418905"/>
-            <a:ext cx="1904047" cy="307777"/>
+            <a:ext cx="1885453" cy="307777"/>
           </a:xfrm>
         </p:spPr>
         <p:txBody>
@@ -18592,7 +18689,7 @@
           <a:p>
             <a:r>
               <a:rPr lang="nb-NO" dirty="0" smtClean="0"/>
-              <a:t>Hva er tdd?</a:t>
+              <a:t>Enhetstest</a:t>
             </a:r>
             <a:endParaRPr lang="en-US" dirty="0"/>
           </a:p>
@@ -18617,6 +18714,651 @@
               <a:rPr lang="en-US" smtClean="0"/>
               <a:pPr/>
               <a:t>3</a:t>
+            </a:fld>
+            <a:endParaRPr lang="en-US" dirty="0"/>
+          </a:p>
+        </p:txBody>
+      </p:sp>
+      <p:sp>
+        <p:nvSpPr>
+          <p:cNvPr id="5" name="TextBox 4"/>
+          <p:cNvSpPr txBox="1"/>
+          <p:nvPr/>
+        </p:nvSpPr>
+        <p:spPr>
+          <a:xfrm>
+            <a:off x="572423" y="1172845"/>
+            <a:ext cx="8158884" cy="1600438"/>
+          </a:xfrm>
+          <a:prstGeom prst="rect">
+            <a:avLst/>
+          </a:prstGeom>
+          <a:noFill/>
+          <a:ln>
+            <a:solidFill>
+              <a:schemeClr val="accent2"/>
+            </a:solidFill>
+          </a:ln>
+        </p:spPr>
+        <p:txBody>
+          <a:bodyPr wrap="square" rtlCol="0">
+            <a:spAutoFit/>
+          </a:bodyPr>
+          <a:lstStyle/>
+          <a:p>
+            <a:pPr>
+              <a:spcBef>
+                <a:spcPts val="600"/>
+              </a:spcBef>
+              <a:spcAft>
+                <a:spcPts val="400"/>
+              </a:spcAft>
+            </a:pPr>
+            <a:r>
+              <a:rPr lang="en-US" sz="1400" dirty="0" smtClean="0">
+                <a:solidFill>
+                  <a:srgbClr val="0000FF"/>
+                </a:solidFill>
+                <a:latin typeface="Consolas" pitchFamily="49" charset="0"/>
+                <a:cs typeface="Consolas" pitchFamily="49" charset="0"/>
+              </a:rPr>
+              <a:t>public</a:t>
+            </a:r>
+            <a:r>
+              <a:rPr lang="en-US" sz="1400" dirty="0" smtClean="0">
+                <a:latin typeface="Consolas" pitchFamily="49" charset="0"/>
+                <a:cs typeface="Consolas" pitchFamily="49" charset="0"/>
+              </a:rPr>
+              <a:t> </a:t>
+            </a:r>
+            <a:r>
+              <a:rPr lang="en-US" sz="1400" dirty="0" smtClean="0">
+                <a:solidFill>
+                  <a:srgbClr val="0000FF"/>
+                </a:solidFill>
+                <a:latin typeface="Consolas" pitchFamily="49" charset="0"/>
+                <a:cs typeface="Consolas" pitchFamily="49" charset="0"/>
+              </a:rPr>
+              <a:t>class</a:t>
+            </a:r>
+            <a:r>
+              <a:rPr lang="en-US" sz="1400" dirty="0" smtClean="0">
+                <a:latin typeface="Consolas" pitchFamily="49" charset="0"/>
+                <a:cs typeface="Consolas" pitchFamily="49" charset="0"/>
+              </a:rPr>
+              <a:t> </a:t>
+            </a:r>
+            <a:r>
+              <a:rPr lang="en-US" sz="1400" dirty="0" smtClean="0">
+                <a:solidFill>
+                  <a:srgbClr val="2B91AF"/>
+                </a:solidFill>
+                <a:latin typeface="Consolas" pitchFamily="49" charset="0"/>
+                <a:cs typeface="Consolas" pitchFamily="49" charset="0"/>
+              </a:rPr>
+              <a:t>Calculator</a:t>
+            </a:r>
+            <a:r>
+              <a:rPr lang="en-US" sz="1400" dirty="0" smtClean="0">
+                <a:latin typeface="Consolas" pitchFamily="49" charset="0"/>
+                <a:cs typeface="Consolas" pitchFamily="49" charset="0"/>
+              </a:rPr>
+              <a:t>     </a:t>
+            </a:r>
+            <a:br>
+              <a:rPr lang="en-US" sz="1400" dirty="0" smtClean="0">
+                <a:latin typeface="Consolas" pitchFamily="49" charset="0"/>
+                <a:cs typeface="Consolas" pitchFamily="49" charset="0"/>
+              </a:rPr>
+            </a:br>
+            <a:r>
+              <a:rPr lang="en-US" sz="1400" dirty="0" smtClean="0">
+                <a:latin typeface="Consolas" pitchFamily="49" charset="0"/>
+                <a:cs typeface="Consolas" pitchFamily="49" charset="0"/>
+              </a:rPr>
+              <a:t>{         </a:t>
+            </a:r>
+            <a:br>
+              <a:rPr lang="en-US" sz="1400" dirty="0" smtClean="0">
+                <a:latin typeface="Consolas" pitchFamily="49" charset="0"/>
+                <a:cs typeface="Consolas" pitchFamily="49" charset="0"/>
+              </a:rPr>
+            </a:br>
+            <a:r>
+              <a:rPr lang="en-US" sz="1400" dirty="0" smtClean="0">
+                <a:latin typeface="Consolas" pitchFamily="49" charset="0"/>
+                <a:cs typeface="Consolas" pitchFamily="49" charset="0"/>
+              </a:rPr>
+              <a:t>	</a:t>
+            </a:r>
+            <a:r>
+              <a:rPr lang="en-US" sz="1400" dirty="0" smtClean="0">
+                <a:solidFill>
+                  <a:srgbClr val="0000FF"/>
+                </a:solidFill>
+                <a:latin typeface="Consolas" pitchFamily="49" charset="0"/>
+                <a:cs typeface="Consolas" pitchFamily="49" charset="0"/>
+              </a:rPr>
+              <a:t>public</a:t>
+            </a:r>
+            <a:r>
+              <a:rPr lang="en-US" sz="1400" dirty="0" smtClean="0">
+                <a:latin typeface="Consolas" pitchFamily="49" charset="0"/>
+                <a:cs typeface="Consolas" pitchFamily="49" charset="0"/>
+              </a:rPr>
+              <a:t> </a:t>
+            </a:r>
+            <a:r>
+              <a:rPr lang="en-US" sz="1400" dirty="0" err="1" smtClean="0">
+                <a:solidFill>
+                  <a:srgbClr val="0000FF"/>
+                </a:solidFill>
+                <a:latin typeface="Consolas" pitchFamily="49" charset="0"/>
+                <a:cs typeface="Consolas" pitchFamily="49" charset="0"/>
+              </a:rPr>
+              <a:t>int</a:t>
+            </a:r>
+            <a:r>
+              <a:rPr lang="en-US" sz="1400" dirty="0" smtClean="0">
+                <a:latin typeface="Consolas" pitchFamily="49" charset="0"/>
+                <a:cs typeface="Consolas" pitchFamily="49" charset="0"/>
+              </a:rPr>
+              <a:t> Add(</a:t>
+            </a:r>
+            <a:r>
+              <a:rPr lang="en-US" sz="1400" dirty="0" err="1" smtClean="0">
+                <a:solidFill>
+                  <a:srgbClr val="0000FF"/>
+                </a:solidFill>
+                <a:latin typeface="Consolas" pitchFamily="49" charset="0"/>
+                <a:cs typeface="Consolas" pitchFamily="49" charset="0"/>
+              </a:rPr>
+              <a:t>int</a:t>
+            </a:r>
+            <a:r>
+              <a:rPr lang="en-US" sz="1400" dirty="0" smtClean="0">
+                <a:latin typeface="Consolas" pitchFamily="49" charset="0"/>
+                <a:cs typeface="Consolas" pitchFamily="49" charset="0"/>
+              </a:rPr>
+              <a:t> a, </a:t>
+            </a:r>
+            <a:r>
+              <a:rPr lang="en-US" sz="1400" dirty="0" err="1" smtClean="0">
+                <a:solidFill>
+                  <a:srgbClr val="0000FF"/>
+                </a:solidFill>
+                <a:latin typeface="Consolas" pitchFamily="49" charset="0"/>
+                <a:cs typeface="Consolas" pitchFamily="49" charset="0"/>
+              </a:rPr>
+              <a:t>int</a:t>
+            </a:r>
+            <a:r>
+              <a:rPr lang="en-US" sz="1400" dirty="0" smtClean="0">
+                <a:latin typeface="Consolas" pitchFamily="49" charset="0"/>
+                <a:cs typeface="Consolas" pitchFamily="49" charset="0"/>
+              </a:rPr>
+              <a:t> b)         </a:t>
+            </a:r>
+            <a:br>
+              <a:rPr lang="en-US" sz="1400" dirty="0" smtClean="0">
+                <a:latin typeface="Consolas" pitchFamily="49" charset="0"/>
+                <a:cs typeface="Consolas" pitchFamily="49" charset="0"/>
+              </a:rPr>
+            </a:br>
+            <a:r>
+              <a:rPr lang="en-US" sz="1400" dirty="0" smtClean="0">
+                <a:latin typeface="Consolas" pitchFamily="49" charset="0"/>
+                <a:cs typeface="Consolas" pitchFamily="49" charset="0"/>
+              </a:rPr>
+              <a:t>	{             </a:t>
+            </a:r>
+            <a:br>
+              <a:rPr lang="en-US" sz="1400" dirty="0" smtClean="0">
+                <a:latin typeface="Consolas" pitchFamily="49" charset="0"/>
+                <a:cs typeface="Consolas" pitchFamily="49" charset="0"/>
+              </a:rPr>
+            </a:br>
+            <a:r>
+              <a:rPr lang="en-US" sz="1400" dirty="0" smtClean="0">
+                <a:latin typeface="Consolas" pitchFamily="49" charset="0"/>
+                <a:cs typeface="Consolas" pitchFamily="49" charset="0"/>
+              </a:rPr>
+              <a:t>		</a:t>
+            </a:r>
+            <a:r>
+              <a:rPr lang="en-US" sz="1400" dirty="0" smtClean="0">
+                <a:solidFill>
+                  <a:srgbClr val="0000FF"/>
+                </a:solidFill>
+                <a:latin typeface="Consolas" pitchFamily="49" charset="0"/>
+                <a:cs typeface="Consolas" pitchFamily="49" charset="0"/>
+              </a:rPr>
+              <a:t>return</a:t>
+            </a:r>
+            <a:r>
+              <a:rPr lang="en-US" sz="1400" dirty="0" smtClean="0">
+                <a:latin typeface="Consolas" pitchFamily="49" charset="0"/>
+                <a:cs typeface="Consolas" pitchFamily="49" charset="0"/>
+              </a:rPr>
+              <a:t> a + b;         </a:t>
+            </a:r>
+            <a:br>
+              <a:rPr lang="en-US" sz="1400" dirty="0" smtClean="0">
+                <a:latin typeface="Consolas" pitchFamily="49" charset="0"/>
+                <a:cs typeface="Consolas" pitchFamily="49" charset="0"/>
+              </a:rPr>
+            </a:br>
+            <a:r>
+              <a:rPr lang="en-US" sz="1400" dirty="0" smtClean="0">
+                <a:latin typeface="Consolas" pitchFamily="49" charset="0"/>
+                <a:cs typeface="Consolas" pitchFamily="49" charset="0"/>
+              </a:rPr>
+              <a:t>	}     </a:t>
+            </a:r>
+            <a:br>
+              <a:rPr lang="en-US" sz="1400" dirty="0" smtClean="0">
+                <a:latin typeface="Consolas" pitchFamily="49" charset="0"/>
+                <a:cs typeface="Consolas" pitchFamily="49" charset="0"/>
+              </a:rPr>
+            </a:br>
+            <a:r>
+              <a:rPr lang="en-US" sz="1400" dirty="0" smtClean="0">
+                <a:latin typeface="Consolas" pitchFamily="49" charset="0"/>
+                <a:cs typeface="Consolas" pitchFamily="49" charset="0"/>
+              </a:rPr>
+              <a:t>}</a:t>
+            </a:r>
+          </a:p>
+        </p:txBody>
+      </p:sp>
+      <p:sp>
+        <p:nvSpPr>
+          <p:cNvPr id="6" name="TextBox 5"/>
+          <p:cNvSpPr txBox="1"/>
+          <p:nvPr/>
+        </p:nvSpPr>
+        <p:spPr>
+          <a:xfrm>
+            <a:off x="572423" y="3763663"/>
+            <a:ext cx="8158884" cy="2031325"/>
+          </a:xfrm>
+          <a:prstGeom prst="rect">
+            <a:avLst/>
+          </a:prstGeom>
+          <a:noFill/>
+          <a:ln>
+            <a:solidFill>
+              <a:schemeClr val="accent2"/>
+            </a:solidFill>
+          </a:ln>
+        </p:spPr>
+        <p:txBody>
+          <a:bodyPr wrap="square" rtlCol="0">
+            <a:spAutoFit/>
+          </a:bodyPr>
+          <a:lstStyle/>
+          <a:p>
+            <a:pPr>
+              <a:spcBef>
+                <a:spcPts val="600"/>
+              </a:spcBef>
+              <a:spcAft>
+                <a:spcPts val="400"/>
+              </a:spcAft>
+            </a:pPr>
+            <a:r>
+              <a:rPr lang="en-US" sz="1400" dirty="0" smtClean="0">
+                <a:latin typeface="Consolas" pitchFamily="49" charset="0"/>
+                <a:cs typeface="Consolas" pitchFamily="49" charset="0"/>
+              </a:rPr>
+              <a:t>[</a:t>
+            </a:r>
+            <a:r>
+              <a:rPr lang="en-US" sz="1400" dirty="0" err="1" smtClean="0">
+                <a:solidFill>
+                  <a:srgbClr val="2B91AF"/>
+                </a:solidFill>
+                <a:latin typeface="Consolas" pitchFamily="49" charset="0"/>
+                <a:cs typeface="Consolas" pitchFamily="49" charset="0"/>
+              </a:rPr>
+              <a:t>TestMethod</a:t>
+            </a:r>
+            <a:r>
+              <a:rPr lang="en-US" sz="1400" dirty="0" smtClean="0">
+                <a:latin typeface="Consolas" pitchFamily="49" charset="0"/>
+                <a:cs typeface="Consolas" pitchFamily="49" charset="0"/>
+              </a:rPr>
+              <a:t>]         </a:t>
+            </a:r>
+            <a:br>
+              <a:rPr lang="en-US" sz="1400" dirty="0" smtClean="0">
+                <a:latin typeface="Consolas" pitchFamily="49" charset="0"/>
+                <a:cs typeface="Consolas" pitchFamily="49" charset="0"/>
+              </a:rPr>
+            </a:br>
+            <a:r>
+              <a:rPr lang="en-US" sz="1400" dirty="0" smtClean="0">
+                <a:solidFill>
+                  <a:srgbClr val="0000FF"/>
+                </a:solidFill>
+                <a:latin typeface="Consolas" pitchFamily="49" charset="0"/>
+                <a:cs typeface="Consolas" pitchFamily="49" charset="0"/>
+              </a:rPr>
+              <a:t>public</a:t>
+            </a:r>
+            <a:r>
+              <a:rPr lang="en-US" sz="1400" dirty="0" smtClean="0">
+                <a:latin typeface="Consolas" pitchFamily="49" charset="0"/>
+                <a:cs typeface="Consolas" pitchFamily="49" charset="0"/>
+              </a:rPr>
+              <a:t> </a:t>
+            </a:r>
+            <a:r>
+              <a:rPr lang="en-US" sz="1400" dirty="0" smtClean="0">
+                <a:solidFill>
+                  <a:srgbClr val="0000FF"/>
+                </a:solidFill>
+                <a:latin typeface="Consolas" pitchFamily="49" charset="0"/>
+                <a:cs typeface="Consolas" pitchFamily="49" charset="0"/>
+              </a:rPr>
+              <a:t>void</a:t>
+            </a:r>
+            <a:r>
+              <a:rPr lang="en-US" sz="1400" dirty="0" smtClean="0">
+                <a:latin typeface="Consolas" pitchFamily="49" charset="0"/>
+                <a:cs typeface="Consolas" pitchFamily="49" charset="0"/>
+              </a:rPr>
+              <a:t> </a:t>
+            </a:r>
+            <a:r>
+              <a:rPr lang="en-US" sz="1400" dirty="0" err="1" smtClean="0">
+                <a:latin typeface="Consolas" pitchFamily="49" charset="0"/>
+                <a:cs typeface="Consolas" pitchFamily="49" charset="0"/>
+              </a:rPr>
+              <a:t>Add_TwoNumbers_ReturnSumOfNumbers</a:t>
+            </a:r>
+            <a:r>
+              <a:rPr lang="en-US" sz="1400" dirty="0" smtClean="0">
+                <a:latin typeface="Consolas" pitchFamily="49" charset="0"/>
+                <a:cs typeface="Consolas" pitchFamily="49" charset="0"/>
+              </a:rPr>
+              <a:t>()         </a:t>
+            </a:r>
+            <a:br>
+              <a:rPr lang="en-US" sz="1400" dirty="0" smtClean="0">
+                <a:latin typeface="Consolas" pitchFamily="49" charset="0"/>
+                <a:cs typeface="Consolas" pitchFamily="49" charset="0"/>
+              </a:rPr>
+            </a:br>
+            <a:r>
+              <a:rPr lang="en-US" sz="1400" dirty="0" smtClean="0">
+                <a:latin typeface="Consolas" pitchFamily="49" charset="0"/>
+                <a:cs typeface="Consolas" pitchFamily="49" charset="0"/>
+              </a:rPr>
+              <a:t>{             </a:t>
+            </a:r>
+            <a:br>
+              <a:rPr lang="en-US" sz="1400" dirty="0" smtClean="0">
+                <a:latin typeface="Consolas" pitchFamily="49" charset="0"/>
+                <a:cs typeface="Consolas" pitchFamily="49" charset="0"/>
+              </a:rPr>
+            </a:br>
+            <a:r>
+              <a:rPr lang="en-US" sz="1400" dirty="0" smtClean="0">
+                <a:latin typeface="Consolas" pitchFamily="49" charset="0"/>
+                <a:cs typeface="Consolas" pitchFamily="49" charset="0"/>
+              </a:rPr>
+              <a:t>	</a:t>
+            </a:r>
+            <a:r>
+              <a:rPr lang="en-US" sz="1400" dirty="0" err="1" smtClean="0">
+                <a:solidFill>
+                  <a:srgbClr val="0000FF"/>
+                </a:solidFill>
+                <a:latin typeface="Consolas" pitchFamily="49" charset="0"/>
+                <a:cs typeface="Consolas" pitchFamily="49" charset="0"/>
+              </a:rPr>
+              <a:t>var</a:t>
+            </a:r>
+            <a:r>
+              <a:rPr lang="en-US" sz="1400" dirty="0" smtClean="0">
+                <a:latin typeface="Consolas" pitchFamily="49" charset="0"/>
+                <a:cs typeface="Consolas" pitchFamily="49" charset="0"/>
+              </a:rPr>
+              <a:t> calculator = </a:t>
+            </a:r>
+            <a:r>
+              <a:rPr lang="en-US" sz="1400" dirty="0" smtClean="0">
+                <a:solidFill>
+                  <a:srgbClr val="0000FF"/>
+                </a:solidFill>
+                <a:latin typeface="Consolas" pitchFamily="49" charset="0"/>
+                <a:cs typeface="Consolas" pitchFamily="49" charset="0"/>
+              </a:rPr>
+              <a:t>new</a:t>
+            </a:r>
+            <a:r>
+              <a:rPr lang="en-US" sz="1400" dirty="0" smtClean="0">
+                <a:latin typeface="Consolas" pitchFamily="49" charset="0"/>
+                <a:cs typeface="Consolas" pitchFamily="49" charset="0"/>
+              </a:rPr>
+              <a:t> </a:t>
+            </a:r>
+            <a:r>
+              <a:rPr lang="en-US" sz="1400" dirty="0" smtClean="0">
+                <a:solidFill>
+                  <a:srgbClr val="2B91AF"/>
+                </a:solidFill>
+                <a:latin typeface="Consolas" pitchFamily="49" charset="0"/>
+                <a:cs typeface="Consolas" pitchFamily="49" charset="0"/>
+              </a:rPr>
+              <a:t>Calculator</a:t>
+            </a:r>
+            <a:r>
+              <a:rPr lang="en-US" sz="1400" dirty="0" smtClean="0">
+                <a:latin typeface="Consolas" pitchFamily="49" charset="0"/>
+                <a:cs typeface="Consolas" pitchFamily="49" charset="0"/>
+              </a:rPr>
+              <a:t>();          </a:t>
+            </a:r>
+            <a:br>
+              <a:rPr lang="en-US" sz="1400" dirty="0" smtClean="0">
+                <a:latin typeface="Consolas" pitchFamily="49" charset="0"/>
+                <a:cs typeface="Consolas" pitchFamily="49" charset="0"/>
+              </a:rPr>
+            </a:br>
+            <a:r>
+              <a:rPr lang="en-US" sz="1400" dirty="0" smtClean="0">
+                <a:latin typeface="Consolas" pitchFamily="49" charset="0"/>
+                <a:cs typeface="Consolas" pitchFamily="49" charset="0"/>
+              </a:rPr>
+              <a:t/>
+            </a:r>
+            <a:br>
+              <a:rPr lang="en-US" sz="1400" dirty="0" smtClean="0">
+                <a:latin typeface="Consolas" pitchFamily="49" charset="0"/>
+                <a:cs typeface="Consolas" pitchFamily="49" charset="0"/>
+              </a:rPr>
+            </a:br>
+            <a:r>
+              <a:rPr lang="en-US" sz="1400" dirty="0" smtClean="0">
+                <a:latin typeface="Consolas" pitchFamily="49" charset="0"/>
+                <a:cs typeface="Consolas" pitchFamily="49" charset="0"/>
+              </a:rPr>
+              <a:t>	</a:t>
+            </a:r>
+            <a:r>
+              <a:rPr lang="en-US" sz="1400" dirty="0" err="1" smtClean="0">
+                <a:solidFill>
+                  <a:srgbClr val="0000FF"/>
+                </a:solidFill>
+                <a:latin typeface="Consolas" pitchFamily="49" charset="0"/>
+                <a:cs typeface="Consolas" pitchFamily="49" charset="0"/>
+              </a:rPr>
+              <a:t>var</a:t>
+            </a:r>
+            <a:r>
+              <a:rPr lang="en-US" sz="1400" dirty="0" smtClean="0">
+                <a:latin typeface="Consolas" pitchFamily="49" charset="0"/>
+                <a:cs typeface="Consolas" pitchFamily="49" charset="0"/>
+              </a:rPr>
+              <a:t> result = </a:t>
+            </a:r>
+            <a:r>
+              <a:rPr lang="en-US" sz="1400" dirty="0" err="1" smtClean="0">
+                <a:latin typeface="Consolas" pitchFamily="49" charset="0"/>
+                <a:cs typeface="Consolas" pitchFamily="49" charset="0"/>
+              </a:rPr>
+              <a:t>calculator.Add</a:t>
+            </a:r>
+            <a:r>
+              <a:rPr lang="en-US" sz="1400" dirty="0" smtClean="0">
+                <a:latin typeface="Consolas" pitchFamily="49" charset="0"/>
+                <a:cs typeface="Consolas" pitchFamily="49" charset="0"/>
+              </a:rPr>
+              <a:t>(1, 2);             </a:t>
+            </a:r>
+            <a:br>
+              <a:rPr lang="en-US" sz="1400" dirty="0" smtClean="0">
+                <a:latin typeface="Consolas" pitchFamily="49" charset="0"/>
+                <a:cs typeface="Consolas" pitchFamily="49" charset="0"/>
+              </a:rPr>
+            </a:br>
+            <a:r>
+              <a:rPr lang="en-US" sz="1400" dirty="0" smtClean="0">
+                <a:latin typeface="Consolas" pitchFamily="49" charset="0"/>
+                <a:cs typeface="Consolas" pitchFamily="49" charset="0"/>
+              </a:rPr>
+              <a:t/>
+            </a:r>
+            <a:br>
+              <a:rPr lang="en-US" sz="1400" dirty="0" smtClean="0">
+                <a:latin typeface="Consolas" pitchFamily="49" charset="0"/>
+                <a:cs typeface="Consolas" pitchFamily="49" charset="0"/>
+              </a:rPr>
+            </a:br>
+            <a:r>
+              <a:rPr lang="en-US" sz="1400" dirty="0" smtClean="0">
+                <a:latin typeface="Consolas" pitchFamily="49" charset="0"/>
+                <a:cs typeface="Consolas" pitchFamily="49" charset="0"/>
+              </a:rPr>
+              <a:t>	</a:t>
+            </a:r>
+            <a:r>
+              <a:rPr lang="en-US" sz="1400" dirty="0" err="1" smtClean="0">
+                <a:solidFill>
+                  <a:srgbClr val="2B91AF"/>
+                </a:solidFill>
+                <a:latin typeface="Consolas" pitchFamily="49" charset="0"/>
+                <a:cs typeface="Consolas" pitchFamily="49" charset="0"/>
+              </a:rPr>
+              <a:t>Assert</a:t>
+            </a:r>
+            <a:r>
+              <a:rPr lang="en-US" sz="1400" dirty="0" err="1" smtClean="0">
+                <a:latin typeface="Consolas" pitchFamily="49" charset="0"/>
+                <a:cs typeface="Consolas" pitchFamily="49" charset="0"/>
+              </a:rPr>
+              <a:t>.AreEqual</a:t>
+            </a:r>
+            <a:r>
+              <a:rPr lang="en-US" sz="1400" dirty="0" smtClean="0">
+                <a:latin typeface="Consolas" pitchFamily="49" charset="0"/>
+                <a:cs typeface="Consolas" pitchFamily="49" charset="0"/>
+              </a:rPr>
+              <a:t>(3, result);         </a:t>
+            </a:r>
+            <a:br>
+              <a:rPr lang="en-US" sz="1400" dirty="0" smtClean="0">
+                <a:latin typeface="Consolas" pitchFamily="49" charset="0"/>
+                <a:cs typeface="Consolas" pitchFamily="49" charset="0"/>
+              </a:rPr>
+            </a:br>
+            <a:r>
+              <a:rPr lang="en-US" sz="1400" dirty="0" smtClean="0">
+                <a:latin typeface="Consolas" pitchFamily="49" charset="0"/>
+                <a:cs typeface="Consolas" pitchFamily="49" charset="0"/>
+              </a:rPr>
+              <a:t>}</a:t>
+            </a:r>
+          </a:p>
+        </p:txBody>
+      </p:sp>
+    </p:spTree>
+  </p:cSld>
+  <p:clrMapOvr>
+    <a:masterClrMapping/>
+  </p:clrMapOvr>
+  <p:transition>
+    <p:fade thruBlk="1"/>
+  </p:transition>
+</p:sld>
+</file>
+
+<file path=ppt/slides/slide4.xml><?xml version="1.0" encoding="utf-8"?>
+<p:sld xmlns:a="http://schemas.openxmlformats.org/drawingml/2006/main" xmlns:r="http://schemas.openxmlformats.org/officeDocument/2006/relationships" xmlns:p="http://schemas.openxmlformats.org/presentationml/2006/main">
+  <p:cSld>
+    <p:spTree>
+      <p:nvGrpSpPr>
+        <p:cNvPr id="1" name=""/>
+        <p:cNvGrpSpPr/>
+        <p:nvPr/>
+      </p:nvGrpSpPr>
+      <p:grpSpPr>
+        <a:xfrm>
+          <a:off x="0" y="0"/>
+          <a:ext cx="0" cy="0"/>
+          <a:chOff x="0" y="0"/>
+          <a:chExt cx="0" cy="0"/>
+        </a:xfrm>
+      </p:grpSpPr>
+      <p:sp>
+        <p:nvSpPr>
+          <p:cNvPr id="2" name="Title 1"/>
+          <p:cNvSpPr>
+            <a:spLocks noGrp="1"/>
+          </p:cNvSpPr>
+          <p:nvPr>
+            <p:ph type="title"/>
+          </p:nvPr>
+        </p:nvSpPr>
+        <p:spPr>
+          <a:xfrm>
+            <a:off x="321623" y="418905"/>
+            <a:ext cx="1904047" cy="307777"/>
+          </a:xfrm>
+        </p:spPr>
+        <p:txBody>
+          <a:bodyPr/>
+          <a:lstStyle/>
+          <a:p>
+            <a:r>
+              <a:rPr lang="nb-NO" dirty="0" smtClean="0"/>
+              <a:t>Hva er tdd?</a:t>
+            </a:r>
+            <a:endParaRPr lang="en-US" dirty="0"/>
+          </a:p>
+        </p:txBody>
+      </p:sp>
+      <p:sp>
+        <p:nvSpPr>
+          <p:cNvPr id="3" name="Slide Number Placeholder 2"/>
+          <p:cNvSpPr>
+            <a:spLocks noGrp="1"/>
+          </p:cNvSpPr>
+          <p:nvPr>
+            <p:ph type="sldNum" sz="quarter" idx="10"/>
+          </p:nvPr>
+        </p:nvSpPr>
+        <p:spPr/>
+        <p:txBody>
+          <a:bodyPr/>
+          <a:lstStyle/>
+          <a:p>
+            <a:fld id="{FF67BF5B-7344-D747-A0C2-CBD7B2ACBC85}" type="slidenum">
+              <a:rPr lang="en-US" smtClean="0"/>
+              <a:pPr/>
+              <a:t>4</a:t>
             </a:fld>
             <a:endParaRPr lang="en-US" dirty="0"/>
           </a:p>
@@ -19065,7 +19807,7 @@
 </p:sld>
 </file>
 
-<file path=ppt/slides/slide4.xml><?xml version="1.0" encoding="utf-8"?>
+<file path=ppt/slides/slide5.xml><?xml version="1.0" encoding="utf-8"?>
 <p:sld xmlns:a="http://schemas.openxmlformats.org/drawingml/2006/main" xmlns:r="http://schemas.openxmlformats.org/officeDocument/2006/relationships" xmlns:p="http://schemas.openxmlformats.org/presentationml/2006/main">
   <p:cSld>
     <p:spTree>
@@ -19095,7 +19837,7 @@
         <p:spPr>
           <a:xfrm>
             <a:off x="321623" y="418905"/>
-            <a:ext cx="1885453" cy="307777"/>
+            <a:ext cx="1898277" cy="307777"/>
           </a:xfrm>
         </p:spPr>
         <p:txBody>
@@ -19104,7 +19846,7 @@
           <a:p>
             <a:r>
               <a:rPr lang="nb-NO" dirty="0" smtClean="0"/>
-              <a:t>Enhetstest</a:t>
+              <a:t>Motivasjon</a:t>
             </a:r>
             <a:endParaRPr lang="en-US" dirty="0"/>
           </a:p>
@@ -19128,7 +19870,7 @@
             <a:fld id="{FF67BF5B-7344-D747-A0C2-CBD7B2ACBC85}" type="slidenum">
               <a:rPr lang="en-US" smtClean="0"/>
               <a:pPr/>
-              <a:t>4</a:t>
+              <a:t>5</a:t>
             </a:fld>
             <a:endParaRPr lang="en-US" dirty="0"/>
           </a:p>
@@ -19142,21 +19884,16 @@
         </p:nvSpPr>
         <p:spPr>
           <a:xfrm>
-            <a:off x="572423" y="1172845"/>
-            <a:ext cx="8158884" cy="1600438"/>
+            <a:off x="536448" y="1249700"/>
+            <a:ext cx="3988592" cy="1836400"/>
           </a:xfrm>
           <a:prstGeom prst="rect">
             <a:avLst/>
           </a:prstGeom>
           <a:noFill/>
-          <a:ln>
-            <a:solidFill>
-              <a:schemeClr val="accent2"/>
-            </a:solidFill>
-          </a:ln>
         </p:spPr>
         <p:txBody>
-          <a:bodyPr wrap="square" rtlCol="0">
+          <a:bodyPr wrap="none" rtlCol="0">
             <a:spAutoFit/>
           </a:bodyPr>
           <a:lstStyle/>
@@ -19168,250 +19905,14 @@
               <a:spcAft>
                 <a:spcPts val="400"/>
               </a:spcAft>
+              <a:buFont typeface="Wingdings" pitchFamily="2" charset="2"/>
+              <a:buChar char="ü"/>
             </a:pPr>
             <a:r>
-              <a:rPr lang="en-US" sz="1400" dirty="0" smtClean="0">
-                <a:solidFill>
-                  <a:srgbClr val="0000FF"/>
-                </a:solidFill>
-                <a:latin typeface="Consolas" pitchFamily="49" charset="0"/>
-                <a:cs typeface="Consolas" pitchFamily="49" charset="0"/>
-              </a:rPr>
-              <a:t>public</a:t>
-            </a:r>
-            <a:r>
-              <a:rPr lang="en-US" sz="1400" dirty="0" smtClean="0">
-                <a:latin typeface="Consolas" pitchFamily="49" charset="0"/>
-                <a:cs typeface="Consolas" pitchFamily="49" charset="0"/>
-              </a:rPr>
-              <a:t> </a:t>
-            </a:r>
-            <a:r>
-              <a:rPr lang="en-US" sz="1400" dirty="0" smtClean="0">
-                <a:solidFill>
-                  <a:srgbClr val="0000FF"/>
-                </a:solidFill>
-                <a:latin typeface="Consolas" pitchFamily="49" charset="0"/>
-                <a:cs typeface="Consolas" pitchFamily="49" charset="0"/>
-              </a:rPr>
-              <a:t>class</a:t>
-            </a:r>
-            <a:r>
-              <a:rPr lang="en-US" sz="1400" dirty="0" smtClean="0">
-                <a:latin typeface="Consolas" pitchFamily="49" charset="0"/>
-                <a:cs typeface="Consolas" pitchFamily="49" charset="0"/>
-              </a:rPr>
-              <a:t> </a:t>
-            </a:r>
-            <a:r>
-              <a:rPr lang="en-US" sz="1400" dirty="0" smtClean="0">
-                <a:solidFill>
-                  <a:srgbClr val="2B91AF"/>
-                </a:solidFill>
-                <a:latin typeface="Consolas" pitchFamily="49" charset="0"/>
-                <a:cs typeface="Consolas" pitchFamily="49" charset="0"/>
-              </a:rPr>
-              <a:t>Calculator</a:t>
-            </a:r>
-            <a:r>
-              <a:rPr lang="en-US" sz="1400" dirty="0" smtClean="0">
-                <a:latin typeface="Consolas" pitchFamily="49" charset="0"/>
-                <a:cs typeface="Consolas" pitchFamily="49" charset="0"/>
-              </a:rPr>
-              <a:t>     </a:t>
-            </a:r>
-            <a:br>
-              <a:rPr lang="en-US" sz="1400" dirty="0" smtClean="0">
-                <a:latin typeface="Consolas" pitchFamily="49" charset="0"/>
-                <a:cs typeface="Consolas" pitchFamily="49" charset="0"/>
-              </a:rPr>
-            </a:br>
-            <a:r>
-              <a:rPr lang="en-US" sz="1400" dirty="0" smtClean="0">
-                <a:latin typeface="Consolas" pitchFamily="49" charset="0"/>
-                <a:cs typeface="Consolas" pitchFamily="49" charset="0"/>
-              </a:rPr>
-              <a:t>{         </a:t>
-            </a:r>
-            <a:br>
-              <a:rPr lang="en-US" sz="1400" dirty="0" smtClean="0">
-                <a:latin typeface="Consolas" pitchFamily="49" charset="0"/>
-                <a:cs typeface="Consolas" pitchFamily="49" charset="0"/>
-              </a:rPr>
-            </a:br>
-            <a:r>
-              <a:rPr lang="en-US" sz="1400" dirty="0" smtClean="0">
-                <a:latin typeface="Consolas" pitchFamily="49" charset="0"/>
-                <a:cs typeface="Consolas" pitchFamily="49" charset="0"/>
-              </a:rPr>
-              <a:t>	</a:t>
-            </a:r>
-            <a:r>
-              <a:rPr lang="en-US" sz="1400" dirty="0" smtClean="0">
-                <a:solidFill>
-                  <a:srgbClr val="0000FF"/>
-                </a:solidFill>
-                <a:latin typeface="Consolas" pitchFamily="49" charset="0"/>
-                <a:cs typeface="Consolas" pitchFamily="49" charset="0"/>
-              </a:rPr>
-              <a:t>public</a:t>
-            </a:r>
-            <a:r>
-              <a:rPr lang="en-US" sz="1400" dirty="0" smtClean="0">
-                <a:latin typeface="Consolas" pitchFamily="49" charset="0"/>
-                <a:cs typeface="Consolas" pitchFamily="49" charset="0"/>
-              </a:rPr>
-              <a:t> </a:t>
-            </a:r>
-            <a:r>
-              <a:rPr lang="en-US" sz="1400" dirty="0" err="1" smtClean="0">
-                <a:solidFill>
-                  <a:srgbClr val="0000FF"/>
-                </a:solidFill>
-                <a:latin typeface="Consolas" pitchFamily="49" charset="0"/>
-                <a:cs typeface="Consolas" pitchFamily="49" charset="0"/>
-              </a:rPr>
-              <a:t>int</a:t>
-            </a:r>
-            <a:r>
-              <a:rPr lang="en-US" sz="1400" dirty="0" smtClean="0">
-                <a:latin typeface="Consolas" pitchFamily="49" charset="0"/>
-                <a:cs typeface="Consolas" pitchFamily="49" charset="0"/>
-              </a:rPr>
-              <a:t> Add(</a:t>
-            </a:r>
-            <a:r>
-              <a:rPr lang="en-US" sz="1400" dirty="0" err="1" smtClean="0">
-                <a:solidFill>
-                  <a:srgbClr val="0000FF"/>
-                </a:solidFill>
-                <a:latin typeface="Consolas" pitchFamily="49" charset="0"/>
-                <a:cs typeface="Consolas" pitchFamily="49" charset="0"/>
-              </a:rPr>
-              <a:t>int</a:t>
-            </a:r>
-            <a:r>
-              <a:rPr lang="en-US" sz="1400" dirty="0" smtClean="0">
-                <a:latin typeface="Consolas" pitchFamily="49" charset="0"/>
-                <a:cs typeface="Consolas" pitchFamily="49" charset="0"/>
-              </a:rPr>
-              <a:t> a, </a:t>
-            </a:r>
-            <a:r>
-              <a:rPr lang="en-US" sz="1400" dirty="0" err="1" smtClean="0">
-                <a:solidFill>
-                  <a:srgbClr val="0000FF"/>
-                </a:solidFill>
-                <a:latin typeface="Consolas" pitchFamily="49" charset="0"/>
-                <a:cs typeface="Consolas" pitchFamily="49" charset="0"/>
-              </a:rPr>
-              <a:t>int</a:t>
-            </a:r>
-            <a:r>
-              <a:rPr lang="en-US" sz="1400" dirty="0" smtClean="0">
-                <a:latin typeface="Consolas" pitchFamily="49" charset="0"/>
-                <a:cs typeface="Consolas" pitchFamily="49" charset="0"/>
-              </a:rPr>
-              <a:t> b)         </a:t>
-            </a:r>
-            <a:br>
-              <a:rPr lang="en-US" sz="1400" dirty="0" smtClean="0">
-                <a:latin typeface="Consolas" pitchFamily="49" charset="0"/>
-                <a:cs typeface="Consolas" pitchFamily="49" charset="0"/>
-              </a:rPr>
-            </a:br>
-            <a:r>
-              <a:rPr lang="en-US" sz="1400" dirty="0" smtClean="0">
-                <a:latin typeface="Consolas" pitchFamily="49" charset="0"/>
-                <a:cs typeface="Consolas" pitchFamily="49" charset="0"/>
-              </a:rPr>
-              <a:t>	{             </a:t>
-            </a:r>
-            <a:br>
-              <a:rPr lang="en-US" sz="1400" dirty="0" smtClean="0">
-                <a:latin typeface="Consolas" pitchFamily="49" charset="0"/>
-                <a:cs typeface="Consolas" pitchFamily="49" charset="0"/>
-              </a:rPr>
-            </a:br>
-            <a:r>
-              <a:rPr lang="en-US" sz="1400" dirty="0" smtClean="0">
-                <a:latin typeface="Consolas" pitchFamily="49" charset="0"/>
-                <a:cs typeface="Consolas" pitchFamily="49" charset="0"/>
-              </a:rPr>
-              <a:t>		</a:t>
-            </a:r>
-            <a:r>
-              <a:rPr lang="en-US" sz="1400" dirty="0" smtClean="0">
-                <a:solidFill>
-                  <a:srgbClr val="0000FF"/>
-                </a:solidFill>
-                <a:latin typeface="Consolas" pitchFamily="49" charset="0"/>
-                <a:cs typeface="Consolas" pitchFamily="49" charset="0"/>
-              </a:rPr>
-              <a:t>return</a:t>
-            </a:r>
-            <a:r>
-              <a:rPr lang="en-US" sz="1400" dirty="0" smtClean="0">
-                <a:latin typeface="Consolas" pitchFamily="49" charset="0"/>
-                <a:cs typeface="Consolas" pitchFamily="49" charset="0"/>
-              </a:rPr>
-              <a:t> a + b;         </a:t>
-            </a:r>
-            <a:br>
-              <a:rPr lang="en-US" sz="1400" dirty="0" smtClean="0">
-                <a:latin typeface="Consolas" pitchFamily="49" charset="0"/>
-                <a:cs typeface="Consolas" pitchFamily="49" charset="0"/>
-              </a:rPr>
-            </a:br>
-            <a:r>
-              <a:rPr lang="en-US" sz="1400" dirty="0" smtClean="0">
-                <a:latin typeface="Consolas" pitchFamily="49" charset="0"/>
-                <a:cs typeface="Consolas" pitchFamily="49" charset="0"/>
-              </a:rPr>
-              <a:t>	}     </a:t>
-            </a:r>
-            <a:br>
-              <a:rPr lang="en-US" sz="1400" dirty="0" smtClean="0">
-                <a:latin typeface="Consolas" pitchFamily="49" charset="0"/>
-                <a:cs typeface="Consolas" pitchFamily="49" charset="0"/>
-              </a:rPr>
-            </a:br>
-            <a:r>
-              <a:rPr lang="en-US" sz="1400" dirty="0" smtClean="0">
-                <a:latin typeface="Consolas" pitchFamily="49" charset="0"/>
-                <a:cs typeface="Consolas" pitchFamily="49" charset="0"/>
-              </a:rPr>
-              <a:t>}</a:t>
-            </a:r>
-          </a:p>
-        </p:txBody>
-      </p:sp>
-      <p:sp>
-        <p:nvSpPr>
-          <p:cNvPr id="6" name="TextBox 5"/>
-          <p:cNvSpPr txBox="1"/>
-          <p:nvPr/>
-        </p:nvSpPr>
-        <p:spPr>
-          <a:xfrm>
-            <a:off x="572423" y="3763663"/>
-            <a:ext cx="8158884" cy="2031325"/>
-          </a:xfrm>
-          <a:prstGeom prst="rect">
-            <a:avLst/>
-          </a:prstGeom>
-          <a:noFill/>
-          <a:ln>
-            <a:solidFill>
-              <a:schemeClr val="accent2"/>
-            </a:solidFill>
-          </a:ln>
-        </p:spPr>
-        <p:txBody>
-          <a:bodyPr wrap="square" rtlCol="0">
-            <a:spAutoFit/>
-          </a:bodyPr>
-          <a:lstStyle/>
+              <a:rPr lang="nb-NO" sz="1600" dirty="0" smtClean="0"/>
+              <a:t> lettere å finne feil</a:t>
+            </a:r>
+          </a:p>
           <a:p>
             <a:pPr>
               <a:spcBef>
@@ -19420,281 +19921,61 @@
               <a:spcAft>
                 <a:spcPts val="400"/>
               </a:spcAft>
+              <a:buFont typeface="Wingdings" pitchFamily="2" charset="2"/>
+              <a:buChar char="ü"/>
             </a:pPr>
             <a:r>
-              <a:rPr lang="en-US" sz="1400" dirty="0" smtClean="0">
-                <a:latin typeface="Consolas" pitchFamily="49" charset="0"/>
-                <a:cs typeface="Consolas" pitchFamily="49" charset="0"/>
-              </a:rPr>
-              <a:t>[</a:t>
-            </a:r>
-            <a:r>
-              <a:rPr lang="en-US" sz="1400" dirty="0" err="1" smtClean="0">
-                <a:solidFill>
-                  <a:srgbClr val="2B91AF"/>
-                </a:solidFill>
-                <a:latin typeface="Consolas" pitchFamily="49" charset="0"/>
-                <a:cs typeface="Consolas" pitchFamily="49" charset="0"/>
-              </a:rPr>
-              <a:t>TestMethod</a:t>
-            </a:r>
-            <a:r>
-              <a:rPr lang="en-US" sz="1400" dirty="0" smtClean="0">
-                <a:latin typeface="Consolas" pitchFamily="49" charset="0"/>
-                <a:cs typeface="Consolas" pitchFamily="49" charset="0"/>
-              </a:rPr>
-              <a:t>]         </a:t>
-            </a:r>
-            <a:br>
-              <a:rPr lang="en-US" sz="1400" dirty="0" smtClean="0">
-                <a:latin typeface="Consolas" pitchFamily="49" charset="0"/>
-                <a:cs typeface="Consolas" pitchFamily="49" charset="0"/>
-              </a:rPr>
-            </a:br>
-            <a:r>
-              <a:rPr lang="en-US" sz="1400" dirty="0" smtClean="0">
-                <a:solidFill>
-                  <a:srgbClr val="0000FF"/>
-                </a:solidFill>
-                <a:latin typeface="Consolas" pitchFamily="49" charset="0"/>
-                <a:cs typeface="Consolas" pitchFamily="49" charset="0"/>
-              </a:rPr>
-              <a:t>public</a:t>
-            </a:r>
-            <a:r>
-              <a:rPr lang="en-US" sz="1400" dirty="0" smtClean="0">
-                <a:latin typeface="Consolas" pitchFamily="49" charset="0"/>
-                <a:cs typeface="Consolas" pitchFamily="49" charset="0"/>
-              </a:rPr>
-              <a:t> </a:t>
-            </a:r>
-            <a:r>
-              <a:rPr lang="en-US" sz="1400" dirty="0" smtClean="0">
-                <a:solidFill>
-                  <a:srgbClr val="0000FF"/>
-                </a:solidFill>
-                <a:latin typeface="Consolas" pitchFamily="49" charset="0"/>
-                <a:cs typeface="Consolas" pitchFamily="49" charset="0"/>
-              </a:rPr>
-              <a:t>void</a:t>
-            </a:r>
-            <a:r>
-              <a:rPr lang="en-US" sz="1400" dirty="0" smtClean="0">
-                <a:latin typeface="Consolas" pitchFamily="49" charset="0"/>
-                <a:cs typeface="Consolas" pitchFamily="49" charset="0"/>
-              </a:rPr>
-              <a:t> </a:t>
-            </a:r>
-            <a:r>
-              <a:rPr lang="en-US" sz="1400" dirty="0" err="1" smtClean="0">
-                <a:latin typeface="Consolas" pitchFamily="49" charset="0"/>
-                <a:cs typeface="Consolas" pitchFamily="49" charset="0"/>
-              </a:rPr>
-              <a:t>Add_TwoNumbers_ReturnSumOfNumbers</a:t>
-            </a:r>
-            <a:r>
-              <a:rPr lang="en-US" sz="1400" dirty="0" smtClean="0">
-                <a:latin typeface="Consolas" pitchFamily="49" charset="0"/>
-                <a:cs typeface="Consolas" pitchFamily="49" charset="0"/>
-              </a:rPr>
-              <a:t>()         </a:t>
-            </a:r>
-            <a:br>
-              <a:rPr lang="en-US" sz="1400" dirty="0" smtClean="0">
-                <a:latin typeface="Consolas" pitchFamily="49" charset="0"/>
-                <a:cs typeface="Consolas" pitchFamily="49" charset="0"/>
-              </a:rPr>
-            </a:br>
-            <a:r>
-              <a:rPr lang="en-US" sz="1400" dirty="0" smtClean="0">
-                <a:latin typeface="Consolas" pitchFamily="49" charset="0"/>
-                <a:cs typeface="Consolas" pitchFamily="49" charset="0"/>
-              </a:rPr>
-              <a:t>{             </a:t>
-            </a:r>
-            <a:br>
-              <a:rPr lang="en-US" sz="1400" dirty="0" smtClean="0">
-                <a:latin typeface="Consolas" pitchFamily="49" charset="0"/>
-                <a:cs typeface="Consolas" pitchFamily="49" charset="0"/>
-              </a:rPr>
-            </a:br>
-            <a:r>
-              <a:rPr lang="en-US" sz="1400" dirty="0" smtClean="0">
-                <a:latin typeface="Consolas" pitchFamily="49" charset="0"/>
-                <a:cs typeface="Consolas" pitchFamily="49" charset="0"/>
-              </a:rPr>
-              <a:t>	</a:t>
-            </a:r>
-            <a:r>
-              <a:rPr lang="en-US" sz="1400" dirty="0" err="1" smtClean="0">
-                <a:solidFill>
-                  <a:srgbClr val="0000FF"/>
-                </a:solidFill>
-                <a:latin typeface="Consolas" pitchFamily="49" charset="0"/>
-                <a:cs typeface="Consolas" pitchFamily="49" charset="0"/>
-              </a:rPr>
-              <a:t>var</a:t>
-            </a:r>
-            <a:r>
-              <a:rPr lang="en-US" sz="1400" dirty="0" smtClean="0">
-                <a:latin typeface="Consolas" pitchFamily="49" charset="0"/>
-                <a:cs typeface="Consolas" pitchFamily="49" charset="0"/>
-              </a:rPr>
-              <a:t> calculator = </a:t>
-            </a:r>
-            <a:r>
-              <a:rPr lang="en-US" sz="1400" dirty="0" smtClean="0">
-                <a:solidFill>
-                  <a:srgbClr val="0000FF"/>
-                </a:solidFill>
-                <a:latin typeface="Consolas" pitchFamily="49" charset="0"/>
-                <a:cs typeface="Consolas" pitchFamily="49" charset="0"/>
-              </a:rPr>
-              <a:t>new</a:t>
-            </a:r>
-            <a:r>
-              <a:rPr lang="en-US" sz="1400" dirty="0" smtClean="0">
-                <a:latin typeface="Consolas" pitchFamily="49" charset="0"/>
-                <a:cs typeface="Consolas" pitchFamily="49" charset="0"/>
-              </a:rPr>
-              <a:t> </a:t>
-            </a:r>
-            <a:r>
-              <a:rPr lang="en-US" sz="1400" dirty="0" smtClean="0">
-                <a:solidFill>
-                  <a:srgbClr val="2B91AF"/>
-                </a:solidFill>
-                <a:latin typeface="Consolas" pitchFamily="49" charset="0"/>
-                <a:cs typeface="Consolas" pitchFamily="49" charset="0"/>
-              </a:rPr>
-              <a:t>Calculator</a:t>
-            </a:r>
-            <a:r>
-              <a:rPr lang="en-US" sz="1400" dirty="0" smtClean="0">
-                <a:latin typeface="Consolas" pitchFamily="49" charset="0"/>
-                <a:cs typeface="Consolas" pitchFamily="49" charset="0"/>
-              </a:rPr>
-              <a:t>();          </a:t>
-            </a:r>
-            <a:br>
-              <a:rPr lang="en-US" sz="1400" dirty="0" smtClean="0">
-                <a:latin typeface="Consolas" pitchFamily="49" charset="0"/>
-                <a:cs typeface="Consolas" pitchFamily="49" charset="0"/>
-              </a:rPr>
-            </a:br>
-            <a:r>
-              <a:rPr lang="en-US" sz="1400" dirty="0" smtClean="0">
-                <a:latin typeface="Consolas" pitchFamily="49" charset="0"/>
-                <a:cs typeface="Consolas" pitchFamily="49" charset="0"/>
-              </a:rPr>
-              <a:t/>
-            </a:r>
-            <a:br>
-              <a:rPr lang="en-US" sz="1400" dirty="0" smtClean="0">
-                <a:latin typeface="Consolas" pitchFamily="49" charset="0"/>
-                <a:cs typeface="Consolas" pitchFamily="49" charset="0"/>
-              </a:rPr>
-            </a:br>
-            <a:r>
-              <a:rPr lang="en-US" sz="1400" dirty="0" smtClean="0">
-                <a:latin typeface="Consolas" pitchFamily="49" charset="0"/>
-                <a:cs typeface="Consolas" pitchFamily="49" charset="0"/>
-              </a:rPr>
-              <a:t>	</a:t>
-            </a:r>
-            <a:r>
-              <a:rPr lang="en-US" sz="1400" dirty="0" err="1" smtClean="0">
-                <a:solidFill>
-                  <a:srgbClr val="0000FF"/>
-                </a:solidFill>
-                <a:latin typeface="Consolas" pitchFamily="49" charset="0"/>
-                <a:cs typeface="Consolas" pitchFamily="49" charset="0"/>
-              </a:rPr>
-              <a:t>var</a:t>
-            </a:r>
-            <a:r>
-              <a:rPr lang="en-US" sz="1400" dirty="0" smtClean="0">
-                <a:latin typeface="Consolas" pitchFamily="49" charset="0"/>
-                <a:cs typeface="Consolas" pitchFamily="49" charset="0"/>
-              </a:rPr>
-              <a:t> result = </a:t>
-            </a:r>
-            <a:r>
-              <a:rPr lang="en-US" sz="1400" dirty="0" err="1" smtClean="0">
-                <a:latin typeface="Consolas" pitchFamily="49" charset="0"/>
-                <a:cs typeface="Consolas" pitchFamily="49" charset="0"/>
-              </a:rPr>
-              <a:t>calculator.Add</a:t>
-            </a:r>
-            <a:r>
-              <a:rPr lang="en-US" sz="1400" dirty="0" smtClean="0">
-                <a:latin typeface="Consolas" pitchFamily="49" charset="0"/>
-                <a:cs typeface="Consolas" pitchFamily="49" charset="0"/>
-              </a:rPr>
-              <a:t>(1, 2);             </a:t>
-            </a:r>
-            <a:br>
-              <a:rPr lang="en-US" sz="1400" dirty="0" smtClean="0">
-                <a:latin typeface="Consolas" pitchFamily="49" charset="0"/>
-                <a:cs typeface="Consolas" pitchFamily="49" charset="0"/>
-              </a:rPr>
-            </a:br>
-            <a:r>
-              <a:rPr lang="en-US" sz="1400" dirty="0" smtClean="0">
-                <a:latin typeface="Consolas" pitchFamily="49" charset="0"/>
-                <a:cs typeface="Consolas" pitchFamily="49" charset="0"/>
-              </a:rPr>
-              <a:t/>
-            </a:r>
-            <a:br>
-              <a:rPr lang="en-US" sz="1400" dirty="0" smtClean="0">
-                <a:latin typeface="Consolas" pitchFamily="49" charset="0"/>
-                <a:cs typeface="Consolas" pitchFamily="49" charset="0"/>
-              </a:rPr>
-            </a:br>
-            <a:r>
-              <a:rPr lang="en-US" sz="1400" dirty="0" smtClean="0">
-                <a:latin typeface="Consolas" pitchFamily="49" charset="0"/>
-                <a:cs typeface="Consolas" pitchFamily="49" charset="0"/>
-              </a:rPr>
-              <a:t>	</a:t>
-            </a:r>
-            <a:r>
-              <a:rPr lang="en-US" sz="1400" dirty="0" err="1" smtClean="0">
-                <a:solidFill>
-                  <a:srgbClr val="2B91AF"/>
-                </a:solidFill>
-                <a:latin typeface="Consolas" pitchFamily="49" charset="0"/>
-                <a:cs typeface="Consolas" pitchFamily="49" charset="0"/>
-              </a:rPr>
-              <a:t>Assert</a:t>
-            </a:r>
-            <a:r>
-              <a:rPr lang="en-US" sz="1400" dirty="0" err="1" smtClean="0">
-                <a:latin typeface="Consolas" pitchFamily="49" charset="0"/>
-                <a:cs typeface="Consolas" pitchFamily="49" charset="0"/>
-              </a:rPr>
-              <a:t>.AreEqual</a:t>
-            </a:r>
-            <a:r>
-              <a:rPr lang="en-US" sz="1400" dirty="0" smtClean="0">
-                <a:latin typeface="Consolas" pitchFamily="49" charset="0"/>
-                <a:cs typeface="Consolas" pitchFamily="49" charset="0"/>
-              </a:rPr>
-              <a:t>(3, result);         </a:t>
-            </a:r>
-            <a:br>
-              <a:rPr lang="en-US" sz="1400" dirty="0" smtClean="0">
-                <a:latin typeface="Consolas" pitchFamily="49" charset="0"/>
-                <a:cs typeface="Consolas" pitchFamily="49" charset="0"/>
-              </a:rPr>
-            </a:br>
-            <a:r>
-              <a:rPr lang="en-US" sz="1400" dirty="0" smtClean="0">
-                <a:latin typeface="Consolas" pitchFamily="49" charset="0"/>
-                <a:cs typeface="Consolas" pitchFamily="49" charset="0"/>
-              </a:rPr>
-              <a:t>}</a:t>
+              <a:rPr lang="nb-NO" sz="1600" dirty="0" smtClean="0"/>
+              <a:t> lettere å vedlikeholde (hvis gjort riktig)</a:t>
+            </a:r>
+          </a:p>
+          <a:p>
+            <a:pPr>
+              <a:spcBef>
+                <a:spcPts val="600"/>
+              </a:spcBef>
+              <a:spcAft>
+                <a:spcPts val="400"/>
+              </a:spcAft>
+              <a:buFont typeface="Wingdings" pitchFamily="2" charset="2"/>
+              <a:buChar char="ü"/>
+            </a:pPr>
+            <a:r>
+              <a:rPr lang="nb-NO" sz="1600" dirty="0" smtClean="0"/>
+              <a:t> letter å forstå</a:t>
+            </a:r>
+          </a:p>
+          <a:p>
+            <a:pPr>
+              <a:spcBef>
+                <a:spcPts val="600"/>
+              </a:spcBef>
+              <a:spcAft>
+                <a:spcPts val="400"/>
+              </a:spcAft>
+              <a:buFont typeface="Wingdings" pitchFamily="2" charset="2"/>
+              <a:buChar char="ü"/>
+            </a:pPr>
+            <a:r>
+              <a:rPr lang="nb-NO" sz="1600" dirty="0" smtClean="0"/>
+              <a:t> lettere å utvikle</a:t>
+            </a:r>
+            <a:endParaRPr lang="en-US" sz="1600" dirty="0" err="1" smtClean="0"/>
+          </a:p>
+          <a:p>
+            <a:pPr>
+              <a:spcBef>
+                <a:spcPts val="600"/>
+              </a:spcBef>
+              <a:spcAft>
+                <a:spcPts val="400"/>
+              </a:spcAft>
+              <a:buFont typeface="Wingdings" pitchFamily="2" charset="2"/>
+              <a:buChar char="ü"/>
+            </a:pPr>
+            <a:r>
+              <a:rPr lang="nb-NO" sz="1600" dirty="0" smtClean="0"/>
+              <a:t> lettere å levere</a:t>
             </a:r>
           </a:p>
         </p:txBody>
@@ -19707,10 +19988,17 @@
   <p:transition>
     <p:fade thruBlk="1"/>
   </p:transition>
+  <p:timing>
+    <p:tnLst>
+      <p:par>
+        <p:cTn id="1" dur="indefinite" restart="never" nodeType="tmRoot"/>
+      </p:par>
+    </p:tnLst>
+  </p:timing>
 </p:sld>
 </file>
 
-<file path=ppt/slides/slide5.xml><?xml version="1.0" encoding="utf-8"?>
+<file path=ppt/slides/slide6.xml><?xml version="1.0" encoding="utf-8"?>
 <p:sld xmlns:a="http://schemas.openxmlformats.org/drawingml/2006/main" xmlns:r="http://schemas.openxmlformats.org/officeDocument/2006/relationships" xmlns:p="http://schemas.openxmlformats.org/presentationml/2006/main">
   <p:cSld>
     <p:spTree>
@@ -19773,7 +20061,7 @@
             <a:fld id="{FF67BF5B-7344-D747-A0C2-CBD7B2ACBC85}" type="slidenum">
               <a:rPr lang="en-US" smtClean="0"/>
               <a:pPr/>
-              <a:t>5</a:t>
+              <a:t>6</a:t>
             </a:fld>
             <a:endParaRPr lang="en-US" dirty="0"/>
           </a:p>
@@ -19986,197 +20274,6 @@
   <p:transition>
     <p:fade thruBlk="1"/>
   </p:transition>
-</p:sld>
-</file>
-
-<file path=ppt/slides/slide6.xml><?xml version="1.0" encoding="utf-8"?>
-<p:sld xmlns:a="http://schemas.openxmlformats.org/drawingml/2006/main" xmlns:r="http://schemas.openxmlformats.org/officeDocument/2006/relationships" xmlns:p="http://schemas.openxmlformats.org/presentationml/2006/main">
-  <p:cSld>
-    <p:spTree>
-      <p:nvGrpSpPr>
-        <p:cNvPr id="1" name=""/>
-        <p:cNvGrpSpPr/>
-        <p:nvPr/>
-      </p:nvGrpSpPr>
-      <p:grpSpPr>
-        <a:xfrm>
-          <a:off x="0" y="0"/>
-          <a:ext cx="0" cy="0"/>
-          <a:chOff x="0" y="0"/>
-          <a:chExt cx="0" cy="0"/>
-        </a:xfrm>
-      </p:grpSpPr>
-      <p:sp>
-        <p:nvSpPr>
-          <p:cNvPr id="2" name="Title 1"/>
-          <p:cNvSpPr>
-            <a:spLocks noGrp="1"/>
-          </p:cNvSpPr>
-          <p:nvPr>
-            <p:ph type="title"/>
-          </p:nvPr>
-        </p:nvSpPr>
-        <p:spPr>
-          <a:xfrm>
-            <a:off x="321623" y="418905"/>
-            <a:ext cx="1898277" cy="307777"/>
-          </a:xfrm>
-        </p:spPr>
-        <p:txBody>
-          <a:bodyPr/>
-          <a:lstStyle/>
-          <a:p>
-            <a:r>
-              <a:rPr lang="nb-NO" dirty="0" smtClean="0"/>
-              <a:t>Motivasjon</a:t>
-            </a:r>
-            <a:endParaRPr lang="en-US" dirty="0"/>
-          </a:p>
-        </p:txBody>
-      </p:sp>
-      <p:sp>
-        <p:nvSpPr>
-          <p:cNvPr id="3" name="Slide Number Placeholder 2"/>
-          <p:cNvSpPr>
-            <a:spLocks noGrp="1"/>
-          </p:cNvSpPr>
-          <p:nvPr>
-            <p:ph type="sldNum" sz="quarter" idx="10"/>
-          </p:nvPr>
-        </p:nvSpPr>
-        <p:spPr/>
-        <p:txBody>
-          <a:bodyPr/>
-          <a:lstStyle/>
-          <a:p>
-            <a:fld id="{FF67BF5B-7344-D747-A0C2-CBD7B2ACBC85}" type="slidenum">
-              <a:rPr lang="en-US" smtClean="0"/>
-              <a:pPr/>
-              <a:t>6</a:t>
-            </a:fld>
-            <a:endParaRPr lang="en-US" dirty="0"/>
-          </a:p>
-        </p:txBody>
-      </p:sp>
-      <p:sp>
-        <p:nvSpPr>
-          <p:cNvPr id="5" name="TextBox 4"/>
-          <p:cNvSpPr txBox="1"/>
-          <p:nvPr/>
-        </p:nvSpPr>
-        <p:spPr>
-          <a:xfrm>
-            <a:off x="536448" y="1249700"/>
-            <a:ext cx="3988592" cy="1836400"/>
-          </a:xfrm>
-          <a:prstGeom prst="rect">
-            <a:avLst/>
-          </a:prstGeom>
-          <a:noFill/>
-        </p:spPr>
-        <p:txBody>
-          <a:bodyPr wrap="none" rtlCol="0">
-            <a:spAutoFit/>
-          </a:bodyPr>
-          <a:lstStyle/>
-          <a:p>
-            <a:pPr>
-              <a:spcBef>
-                <a:spcPts val="600"/>
-              </a:spcBef>
-              <a:spcAft>
-                <a:spcPts val="400"/>
-              </a:spcAft>
-              <a:buFont typeface="Wingdings" pitchFamily="2" charset="2"/>
-              <a:buChar char="ü"/>
-            </a:pPr>
-            <a:r>
-              <a:rPr lang="nb-NO" sz="1600" dirty="0" smtClean="0"/>
-              <a:t> lettere å finne feil</a:t>
-            </a:r>
-          </a:p>
-          <a:p>
-            <a:pPr>
-              <a:spcBef>
-                <a:spcPts val="600"/>
-              </a:spcBef>
-              <a:spcAft>
-                <a:spcPts val="400"/>
-              </a:spcAft>
-              <a:buFont typeface="Wingdings" pitchFamily="2" charset="2"/>
-              <a:buChar char="ü"/>
-            </a:pPr>
-            <a:r>
-              <a:rPr lang="nb-NO" sz="1600" dirty="0" smtClean="0"/>
-              <a:t> lettere å vedlikeholde (hvis gjort riktig)</a:t>
-            </a:r>
-          </a:p>
-          <a:p>
-            <a:pPr>
-              <a:spcBef>
-                <a:spcPts val="600"/>
-              </a:spcBef>
-              <a:spcAft>
-                <a:spcPts val="400"/>
-              </a:spcAft>
-              <a:buFont typeface="Wingdings" pitchFamily="2" charset="2"/>
-              <a:buChar char="ü"/>
-            </a:pPr>
-            <a:r>
-              <a:rPr lang="nb-NO" sz="1600" dirty="0" smtClean="0"/>
-              <a:t> letter å forstå</a:t>
-            </a:r>
-          </a:p>
-          <a:p>
-            <a:pPr>
-              <a:spcBef>
-                <a:spcPts val="600"/>
-              </a:spcBef>
-              <a:spcAft>
-                <a:spcPts val="400"/>
-              </a:spcAft>
-              <a:buFont typeface="Wingdings" pitchFamily="2" charset="2"/>
-              <a:buChar char="ü"/>
-            </a:pPr>
-            <a:r>
-              <a:rPr lang="nb-NO" sz="1600" dirty="0" smtClean="0"/>
-              <a:t> lettere å utvikle</a:t>
-            </a:r>
-            <a:endParaRPr lang="en-US" sz="1600" dirty="0" err="1" smtClean="0"/>
-          </a:p>
-          <a:p>
-            <a:pPr>
-              <a:spcBef>
-                <a:spcPts val="600"/>
-              </a:spcBef>
-              <a:spcAft>
-                <a:spcPts val="400"/>
-              </a:spcAft>
-              <a:buFont typeface="Wingdings" pitchFamily="2" charset="2"/>
-              <a:buChar char="ü"/>
-            </a:pPr>
-            <a:r>
-              <a:rPr lang="nb-NO" sz="1600" dirty="0" smtClean="0"/>
-              <a:t> lettere å levere</a:t>
-            </a:r>
-          </a:p>
-        </p:txBody>
-      </p:sp>
-    </p:spTree>
-  </p:cSld>
-  <p:clrMapOvr>
-    <a:masterClrMapping/>
-  </p:clrMapOvr>
-  <p:transition>
-    <p:fade thruBlk="1"/>
-  </p:transition>
-  <p:timing>
-    <p:tnLst>
-      <p:par>
-        <p:cTn id="1" dur="indefinite" restart="never" nodeType="tmRoot"/>
-      </p:par>
-    </p:tnLst>
-  </p:timing>
 </p:sld>
 </file>
 

--- a/tdd/TDD.pptx
+++ b/tdd/TDD.pptx
@@ -3115,7 +3115,7 @@
     </p:spTree>
     <p:extLst>
       <p:ext uri="{BB962C8B-B14F-4D97-AF65-F5344CB8AC3E}">
-        <p14:creationId xmlns="" xmlns:p14="http://schemas.microsoft.com/office/powerpoint/2010/main" val="2280443481"/>
+        <p14:creationId xmlns:p14="http://schemas.microsoft.com/office/powerpoint/2010/main" xmlns="" val="2280443481"/>
       </p:ext>
     </p:extLst>
   </p:cSld>
@@ -3285,7 +3285,7 @@
     </p:spTree>
     <p:extLst>
       <p:ext uri="{BB962C8B-B14F-4D97-AF65-F5344CB8AC3E}">
-        <p14:creationId xmlns="" xmlns:p14="http://schemas.microsoft.com/office/powerpoint/2010/main" val="1996866432"/>
+        <p14:creationId xmlns:p14="http://schemas.microsoft.com/office/powerpoint/2010/main" xmlns="" val="1996866432"/>
       </p:ext>
     </p:extLst>
   </p:cSld>
@@ -4747,7 +4747,7 @@
     </p:spTree>
     <p:extLst>
       <p:ext uri="{BB962C8B-B14F-4D97-AF65-F5344CB8AC3E}">
-        <p14:creationId xmlns="" xmlns:p14="http://schemas.microsoft.com/office/powerpoint/2010/main" val="1631701370"/>
+        <p14:creationId xmlns:p14="http://schemas.microsoft.com/office/powerpoint/2010/main" xmlns="" val="1631701370"/>
       </p:ext>
     </p:extLst>
   </p:cSld>
@@ -5068,7 +5068,7 @@
     </p:spTree>
     <p:extLst>
       <p:ext uri="{BB962C8B-B14F-4D97-AF65-F5344CB8AC3E}">
-        <p14:creationId xmlns="" xmlns:p14="http://schemas.microsoft.com/office/powerpoint/2010/main" val="2627694574"/>
+        <p14:creationId xmlns:p14="http://schemas.microsoft.com/office/powerpoint/2010/main" xmlns="" val="2627694574"/>
       </p:ext>
     </p:extLst>
   </p:cSld>
@@ -5387,7 +5387,7 @@
     </p:spTree>
     <p:extLst>
       <p:ext uri="{BB962C8B-B14F-4D97-AF65-F5344CB8AC3E}">
-        <p14:creationId xmlns="" xmlns:p14="http://schemas.microsoft.com/office/powerpoint/2010/main" val="2472564093"/>
+        <p14:creationId xmlns:p14="http://schemas.microsoft.com/office/powerpoint/2010/main" xmlns="" val="2472564093"/>
       </p:ext>
     </p:extLst>
   </p:cSld>
@@ -5872,7 +5872,7 @@
     </p:spTree>
     <p:extLst>
       <p:ext uri="{BB962C8B-B14F-4D97-AF65-F5344CB8AC3E}">
-        <p14:creationId xmlns="" xmlns:p14="http://schemas.microsoft.com/office/powerpoint/2010/main" val="844442129"/>
+        <p14:creationId xmlns:p14="http://schemas.microsoft.com/office/powerpoint/2010/main" xmlns="" val="844442129"/>
       </p:ext>
     </p:extLst>
   </p:cSld>
@@ -6202,7 +6202,7 @@
     </p:spTree>
     <p:extLst>
       <p:ext uri="{BB962C8B-B14F-4D97-AF65-F5344CB8AC3E}">
-        <p14:creationId xmlns="" xmlns:p14="http://schemas.microsoft.com/office/powerpoint/2010/main" val="1607786633"/>
+        <p14:creationId xmlns:p14="http://schemas.microsoft.com/office/powerpoint/2010/main" xmlns="" val="1607786633"/>
       </p:ext>
     </p:extLst>
   </p:cSld>
@@ -6532,7 +6532,7 @@
     </p:spTree>
     <p:extLst>
       <p:ext uri="{BB962C8B-B14F-4D97-AF65-F5344CB8AC3E}">
-        <p14:creationId xmlns="" xmlns:p14="http://schemas.microsoft.com/office/powerpoint/2010/main" val="3400319444"/>
+        <p14:creationId xmlns:p14="http://schemas.microsoft.com/office/powerpoint/2010/main" xmlns="" val="3400319444"/>
       </p:ext>
     </p:extLst>
   </p:cSld>
@@ -8402,7 +8402,7 @@
     </p:spTree>
     <p:extLst>
       <p:ext uri="{BB962C8B-B14F-4D97-AF65-F5344CB8AC3E}">
-        <p14:creationId xmlns="" xmlns:p14="http://schemas.microsoft.com/office/powerpoint/2010/main" val="1273682958"/>
+        <p14:creationId xmlns:p14="http://schemas.microsoft.com/office/powerpoint/2010/main" xmlns="" val="1273682958"/>
       </p:ext>
     </p:extLst>
   </p:cSld>
@@ -8507,7 +8507,7 @@
     </p:spTree>
     <p:extLst>
       <p:ext uri="{BB962C8B-B14F-4D97-AF65-F5344CB8AC3E}">
-        <p14:creationId xmlns="" xmlns:p14="http://schemas.microsoft.com/office/powerpoint/2010/main" val="3654216826"/>
+        <p14:creationId xmlns:p14="http://schemas.microsoft.com/office/powerpoint/2010/main" xmlns="" val="3654216826"/>
       </p:ext>
     </p:extLst>
   </p:cSld>
@@ -8763,7 +8763,7 @@
     </p:spTree>
     <p:extLst>
       <p:ext uri="{BB962C8B-B14F-4D97-AF65-F5344CB8AC3E}">
-        <p14:creationId xmlns="" xmlns:p14="http://schemas.microsoft.com/office/powerpoint/2010/main" val="2837040887"/>
+        <p14:creationId xmlns:p14="http://schemas.microsoft.com/office/powerpoint/2010/main" xmlns="" val="2837040887"/>
       </p:ext>
     </p:extLst>
   </p:cSld>
@@ -8796,7 +8796,7 @@
     </p:spTree>
     <p:extLst>
       <p:ext uri="{BB962C8B-B14F-4D97-AF65-F5344CB8AC3E}">
-        <p14:creationId xmlns="" xmlns:p14="http://schemas.microsoft.com/office/powerpoint/2010/main" val="3283581558"/>
+        <p14:creationId xmlns:p14="http://schemas.microsoft.com/office/powerpoint/2010/main" xmlns="" val="3283581558"/>
       </p:ext>
     </p:extLst>
   </p:cSld>
@@ -9110,7 +9110,7 @@
     </p:spTree>
     <p:extLst>
       <p:ext uri="{BB962C8B-B14F-4D97-AF65-F5344CB8AC3E}">
-        <p14:creationId xmlns="" xmlns:p14="http://schemas.microsoft.com/office/powerpoint/2010/main" val="3151533342"/>
+        <p14:creationId xmlns:p14="http://schemas.microsoft.com/office/powerpoint/2010/main" xmlns="" val="3151533342"/>
       </p:ext>
     </p:extLst>
   </p:cSld>
@@ -9253,7 +9253,7 @@
     </p:spTree>
     <p:extLst>
       <p:ext uri="{BB962C8B-B14F-4D97-AF65-F5344CB8AC3E}">
-        <p14:creationId xmlns="" xmlns:p14="http://schemas.microsoft.com/office/powerpoint/2010/main" val="894352273"/>
+        <p14:creationId xmlns:p14="http://schemas.microsoft.com/office/powerpoint/2010/main" xmlns="" val="894352273"/>
       </p:ext>
     </p:extLst>
   </p:cSld>
@@ -9419,7 +9419,7 @@
     </p:spTree>
     <p:extLst>
       <p:ext uri="{BB962C8B-B14F-4D97-AF65-F5344CB8AC3E}">
-        <p14:creationId xmlns="" xmlns:p14="http://schemas.microsoft.com/office/powerpoint/2010/main" val="351067674"/>
+        <p14:creationId xmlns:p14="http://schemas.microsoft.com/office/powerpoint/2010/main" xmlns="" val="351067674"/>
       </p:ext>
     </p:extLst>
   </p:cSld>
@@ -9739,7 +9739,7 @@
     </p:spTree>
     <p:extLst>
       <p:ext uri="{BB962C8B-B14F-4D97-AF65-F5344CB8AC3E}">
-        <p14:creationId xmlns="" xmlns:p14="http://schemas.microsoft.com/office/powerpoint/2010/main" val="3938044995"/>
+        <p14:creationId xmlns:p14="http://schemas.microsoft.com/office/powerpoint/2010/main" xmlns="" val="3938044995"/>
       </p:ext>
     </p:extLst>
   </p:cSld>
@@ -10325,7 +10325,7 @@
     </p:spTree>
     <p:extLst>
       <p:ext uri="{BB962C8B-B14F-4D97-AF65-F5344CB8AC3E}">
-        <p14:creationId xmlns="" xmlns:p14="http://schemas.microsoft.com/office/powerpoint/2010/main" val="3192118728"/>
+        <p14:creationId xmlns:p14="http://schemas.microsoft.com/office/powerpoint/2010/main" xmlns="" val="3192118728"/>
       </p:ext>
     </p:extLst>
   </p:cSld>
@@ -10723,7 +10723,7 @@
     </p:spTree>
     <p:extLst>
       <p:ext uri="{BB962C8B-B14F-4D97-AF65-F5344CB8AC3E}">
-        <p14:creationId xmlns="" xmlns:p14="http://schemas.microsoft.com/office/powerpoint/2010/main" val="2190527855"/>
+        <p14:creationId xmlns:p14="http://schemas.microsoft.com/office/powerpoint/2010/main" xmlns="" val="2190527855"/>
       </p:ext>
     </p:extLst>
   </p:cSld>
@@ -11520,7 +11520,7 @@
     </p:spTree>
     <p:extLst>
       <p:ext uri="{BB962C8B-B14F-4D97-AF65-F5344CB8AC3E}">
-        <p14:creationId xmlns="" xmlns:p14="http://schemas.microsoft.com/office/powerpoint/2010/main" val="69886873"/>
+        <p14:creationId xmlns:p14="http://schemas.microsoft.com/office/powerpoint/2010/main" xmlns="" val="69886873"/>
       </p:ext>
     </p:extLst>
   </p:cSld>
@@ -12611,7 +12611,7 @@
     </p:spTree>
     <p:extLst>
       <p:ext uri="{BB962C8B-B14F-4D97-AF65-F5344CB8AC3E}">
-        <p14:creationId xmlns="" xmlns:p14="http://schemas.microsoft.com/office/powerpoint/2010/main" val="593901232"/>
+        <p14:creationId xmlns:p14="http://schemas.microsoft.com/office/powerpoint/2010/main" xmlns="" val="593901232"/>
       </p:ext>
     </p:extLst>
   </p:cSld>
@@ -12867,7 +12867,7 @@
     </p:spTree>
     <p:extLst>
       <p:ext uri="{BB962C8B-B14F-4D97-AF65-F5344CB8AC3E}">
-        <p14:creationId xmlns="" xmlns:p14="http://schemas.microsoft.com/office/powerpoint/2010/main" val="925662914"/>
+        <p14:creationId xmlns:p14="http://schemas.microsoft.com/office/powerpoint/2010/main" xmlns="" val="925662914"/>
       </p:ext>
     </p:extLst>
   </p:cSld>
@@ -13109,7 +13109,7 @@
     </p:spTree>
     <p:extLst>
       <p:ext uri="{BB962C8B-B14F-4D97-AF65-F5344CB8AC3E}">
-        <p14:creationId xmlns="" xmlns:p14="http://schemas.microsoft.com/office/powerpoint/2010/main" val="2463004899"/>
+        <p14:creationId xmlns:p14="http://schemas.microsoft.com/office/powerpoint/2010/main" xmlns="" val="2463004899"/>
       </p:ext>
     </p:extLst>
   </p:cSld>
@@ -13463,11 +13463,7 @@
             </a:br>
             <a:r>
               <a:rPr lang="nb-NO" dirty="0" smtClean="0"/>
-              <a:t>Testdrevet </a:t>
-            </a:r>
-            <a:r>
-              <a:rPr lang="nb-NO" dirty="0" smtClean="0"/>
-              <a:t>utvikling (TDD) i .net</a:t>
+              <a:t>Testdrevet utvikling (TDD) i .net</a:t>
             </a:r>
             <a:endParaRPr lang="en-US" dirty="0"/>
           </a:p>
@@ -13545,7 +13541,7 @@
     </p:spTree>
     <p:extLst>
       <p:ext uri="{BB962C8B-B14F-4D97-AF65-F5344CB8AC3E}">
-        <p14:creationId xmlns="" xmlns:p14="http://schemas.microsoft.com/office/powerpoint/2010/main" val="1193520387"/>
+        <p14:creationId xmlns:p14="http://schemas.microsoft.com/office/powerpoint/2010/main" xmlns="" val="1193520387"/>
       </p:ext>
     </p:extLst>
   </p:cSld>
@@ -14815,15 +14811,7 @@
                   <a:schemeClr val="bg1"/>
                 </a:solidFill>
               </a:rPr>
-              <a:t>Oppgave </a:t>
-            </a:r>
-            <a:r>
-              <a:rPr lang="nb-NO" dirty="0" smtClean="0">
-                <a:solidFill>
-                  <a:schemeClr val="bg1"/>
-                </a:solidFill>
-              </a:rPr>
-              <a:t>3</a:t>
+              <a:t>Oppgave 3</a:t>
             </a:r>
             <a:endParaRPr lang="en-US" dirty="0">
               <a:solidFill>
@@ -15058,15 +15046,7 @@
                   <a:schemeClr val="bg1"/>
                 </a:solidFill>
               </a:rPr>
-              <a:t>Oppgave </a:t>
-            </a:r>
-            <a:r>
-              <a:rPr lang="nb-NO" dirty="0" smtClean="0">
-                <a:solidFill>
-                  <a:schemeClr val="bg1"/>
-                </a:solidFill>
-              </a:rPr>
-              <a:t>4</a:t>
+              <a:t>Oppgave 4</a:t>
             </a:r>
             <a:endParaRPr lang="en-US" dirty="0">
               <a:solidFill>
@@ -16437,7 +16417,7 @@
             </a:r>
             <a:r>
               <a:rPr lang="nb-NO" sz="1050" i="1" dirty="0" smtClean="0"/>
-              <a:t>KlasseMedAvhengighet</a:t>
+              <a:t>KonkretAvhengighet</a:t>
             </a:r>
             <a:endParaRPr lang="en-US" sz="1050" i="1" dirty="0" err="1" smtClean="0"/>
           </a:p>
@@ -18383,7 +18363,7 @@
     </p:spTree>
     <p:extLst>
       <p:ext uri="{BB962C8B-B14F-4D97-AF65-F5344CB8AC3E}">
-        <p14:creationId xmlns:p14="http://schemas.microsoft.com/office/powerpoint/2010/main" xmlns="" val="1013825328"/>
+        <p14:creationId xmlns="" xmlns:p14="http://schemas.microsoft.com/office/powerpoint/2010/main" val="1013825328"/>
       </p:ext>
     </p:extLst>
   </p:cSld>
@@ -18506,11 +18486,7 @@
             </a:pPr>
             <a:r>
               <a:rPr lang="nb-NO" sz="1400" dirty="0" smtClean="0"/>
-              <a:t> </a:t>
-            </a:r>
-            <a:r>
-              <a:rPr lang="nb-NO" sz="1400" dirty="0" smtClean="0"/>
-              <a:t>Enhetstesting</a:t>
+              <a:t> Enhetstesting</a:t>
             </a:r>
           </a:p>
           <a:p>
@@ -18526,13 +18502,8 @@
             </a:pPr>
             <a:r>
               <a:rPr lang="nb-NO" sz="1400" dirty="0" smtClean="0"/>
-              <a:t> </a:t>
-            </a:r>
-            <a:r>
-              <a:rPr lang="nb-NO" sz="1400" dirty="0" smtClean="0"/>
-              <a:t>Hva er TDD?</a:t>
-            </a:r>
-            <a:endParaRPr lang="nb-NO" sz="1400" dirty="0" smtClean="0"/>
+              <a:t> Hva er TDD?</a:t>
+            </a:r>
           </a:p>
           <a:p>
             <a:pPr>

--- a/tdd/TDD.pptx
+++ b/tdd/TDD.pptx
@@ -3115,7 +3115,7 @@
     </p:spTree>
     <p:extLst>
       <p:ext uri="{BB962C8B-B14F-4D97-AF65-F5344CB8AC3E}">
-        <p14:creationId xmlns:p14="http://schemas.microsoft.com/office/powerpoint/2010/main" xmlns="" val="2280443481"/>
+        <p14:creationId xmlns="" xmlns:p14="http://schemas.microsoft.com/office/powerpoint/2010/main" val="2280443481"/>
       </p:ext>
     </p:extLst>
   </p:cSld>
@@ -3285,7 +3285,7 @@
     </p:spTree>
     <p:extLst>
       <p:ext uri="{BB962C8B-B14F-4D97-AF65-F5344CB8AC3E}">
-        <p14:creationId xmlns:p14="http://schemas.microsoft.com/office/powerpoint/2010/main" xmlns="" val="1996866432"/>
+        <p14:creationId xmlns="" xmlns:p14="http://schemas.microsoft.com/office/powerpoint/2010/main" val="1996866432"/>
       </p:ext>
     </p:extLst>
   </p:cSld>
@@ -4236,7 +4236,19 @@
           <a:p>
             <a:r>
               <a:rPr lang="nb-NO" baseline="0" dirty="0" smtClean="0"/>
-              <a:t>Med StringCalculator fra TDD KATA 2 der Parser bør injectes</a:t>
+              <a:t>Med StringCalculator fra TDD KATA 2 der Parser bør </a:t>
+            </a:r>
+            <a:r>
+              <a:rPr lang="nb-NO" baseline="0" dirty="0" smtClean="0"/>
+              <a:t>injectes</a:t>
+            </a:r>
+          </a:p>
+          <a:p>
+            <a:r>
+              <a:rPr lang="en-US" dirty="0" smtClean="0">
+                <a:hlinkClick r:id="rId3"/>
+              </a:rPr>
+              <a:t>http://martinfowler.com/articles/injection.html#FormsOfDependencyInjection</a:t>
             </a:r>
             <a:endParaRPr lang="en-US" dirty="0"/>
           </a:p>
@@ -4747,7 +4759,7 @@
     </p:spTree>
     <p:extLst>
       <p:ext uri="{BB962C8B-B14F-4D97-AF65-F5344CB8AC3E}">
-        <p14:creationId xmlns:p14="http://schemas.microsoft.com/office/powerpoint/2010/main" xmlns="" val="1631701370"/>
+        <p14:creationId xmlns="" xmlns:p14="http://schemas.microsoft.com/office/powerpoint/2010/main" val="1631701370"/>
       </p:ext>
     </p:extLst>
   </p:cSld>
@@ -5068,7 +5080,7 @@
     </p:spTree>
     <p:extLst>
       <p:ext uri="{BB962C8B-B14F-4D97-AF65-F5344CB8AC3E}">
-        <p14:creationId xmlns:p14="http://schemas.microsoft.com/office/powerpoint/2010/main" xmlns="" val="2627694574"/>
+        <p14:creationId xmlns="" xmlns:p14="http://schemas.microsoft.com/office/powerpoint/2010/main" val="2627694574"/>
       </p:ext>
     </p:extLst>
   </p:cSld>
@@ -5387,7 +5399,7 @@
     </p:spTree>
     <p:extLst>
       <p:ext uri="{BB962C8B-B14F-4D97-AF65-F5344CB8AC3E}">
-        <p14:creationId xmlns:p14="http://schemas.microsoft.com/office/powerpoint/2010/main" xmlns="" val="2472564093"/>
+        <p14:creationId xmlns="" xmlns:p14="http://schemas.microsoft.com/office/powerpoint/2010/main" val="2472564093"/>
       </p:ext>
     </p:extLst>
   </p:cSld>
@@ -5872,7 +5884,7 @@
     </p:spTree>
     <p:extLst>
       <p:ext uri="{BB962C8B-B14F-4D97-AF65-F5344CB8AC3E}">
-        <p14:creationId xmlns:p14="http://schemas.microsoft.com/office/powerpoint/2010/main" xmlns="" val="844442129"/>
+        <p14:creationId xmlns="" xmlns:p14="http://schemas.microsoft.com/office/powerpoint/2010/main" val="844442129"/>
       </p:ext>
     </p:extLst>
   </p:cSld>
@@ -6202,7 +6214,7 @@
     </p:spTree>
     <p:extLst>
       <p:ext uri="{BB962C8B-B14F-4D97-AF65-F5344CB8AC3E}">
-        <p14:creationId xmlns:p14="http://schemas.microsoft.com/office/powerpoint/2010/main" xmlns="" val="1607786633"/>
+        <p14:creationId xmlns="" xmlns:p14="http://schemas.microsoft.com/office/powerpoint/2010/main" val="1607786633"/>
       </p:ext>
     </p:extLst>
   </p:cSld>
@@ -6532,7 +6544,7 @@
     </p:spTree>
     <p:extLst>
       <p:ext uri="{BB962C8B-B14F-4D97-AF65-F5344CB8AC3E}">
-        <p14:creationId xmlns:p14="http://schemas.microsoft.com/office/powerpoint/2010/main" xmlns="" val="3400319444"/>
+        <p14:creationId xmlns="" xmlns:p14="http://schemas.microsoft.com/office/powerpoint/2010/main" val="3400319444"/>
       </p:ext>
     </p:extLst>
   </p:cSld>
@@ -8402,7 +8414,7 @@
     </p:spTree>
     <p:extLst>
       <p:ext uri="{BB962C8B-B14F-4D97-AF65-F5344CB8AC3E}">
-        <p14:creationId xmlns:p14="http://schemas.microsoft.com/office/powerpoint/2010/main" xmlns="" val="1273682958"/>
+        <p14:creationId xmlns="" xmlns:p14="http://schemas.microsoft.com/office/powerpoint/2010/main" val="1273682958"/>
       </p:ext>
     </p:extLst>
   </p:cSld>
@@ -8507,7 +8519,7 @@
     </p:spTree>
     <p:extLst>
       <p:ext uri="{BB962C8B-B14F-4D97-AF65-F5344CB8AC3E}">
-        <p14:creationId xmlns:p14="http://schemas.microsoft.com/office/powerpoint/2010/main" xmlns="" val="3654216826"/>
+        <p14:creationId xmlns="" xmlns:p14="http://schemas.microsoft.com/office/powerpoint/2010/main" val="3654216826"/>
       </p:ext>
     </p:extLst>
   </p:cSld>
@@ -8763,7 +8775,7 @@
     </p:spTree>
     <p:extLst>
       <p:ext uri="{BB962C8B-B14F-4D97-AF65-F5344CB8AC3E}">
-        <p14:creationId xmlns:p14="http://schemas.microsoft.com/office/powerpoint/2010/main" xmlns="" val="2837040887"/>
+        <p14:creationId xmlns="" xmlns:p14="http://schemas.microsoft.com/office/powerpoint/2010/main" val="2837040887"/>
       </p:ext>
     </p:extLst>
   </p:cSld>
@@ -8796,7 +8808,7 @@
     </p:spTree>
     <p:extLst>
       <p:ext uri="{BB962C8B-B14F-4D97-AF65-F5344CB8AC3E}">
-        <p14:creationId xmlns:p14="http://schemas.microsoft.com/office/powerpoint/2010/main" xmlns="" val="3283581558"/>
+        <p14:creationId xmlns="" xmlns:p14="http://schemas.microsoft.com/office/powerpoint/2010/main" val="3283581558"/>
       </p:ext>
     </p:extLst>
   </p:cSld>
@@ -9110,7 +9122,7 @@
     </p:spTree>
     <p:extLst>
       <p:ext uri="{BB962C8B-B14F-4D97-AF65-F5344CB8AC3E}">
-        <p14:creationId xmlns:p14="http://schemas.microsoft.com/office/powerpoint/2010/main" xmlns="" val="3151533342"/>
+        <p14:creationId xmlns="" xmlns:p14="http://schemas.microsoft.com/office/powerpoint/2010/main" val="3151533342"/>
       </p:ext>
     </p:extLst>
   </p:cSld>
@@ -9253,7 +9265,7 @@
     </p:spTree>
     <p:extLst>
       <p:ext uri="{BB962C8B-B14F-4D97-AF65-F5344CB8AC3E}">
-        <p14:creationId xmlns:p14="http://schemas.microsoft.com/office/powerpoint/2010/main" xmlns="" val="894352273"/>
+        <p14:creationId xmlns="" xmlns:p14="http://schemas.microsoft.com/office/powerpoint/2010/main" val="894352273"/>
       </p:ext>
     </p:extLst>
   </p:cSld>
@@ -9419,7 +9431,7 @@
     </p:spTree>
     <p:extLst>
       <p:ext uri="{BB962C8B-B14F-4D97-AF65-F5344CB8AC3E}">
-        <p14:creationId xmlns:p14="http://schemas.microsoft.com/office/powerpoint/2010/main" xmlns="" val="351067674"/>
+        <p14:creationId xmlns="" xmlns:p14="http://schemas.microsoft.com/office/powerpoint/2010/main" val="351067674"/>
       </p:ext>
     </p:extLst>
   </p:cSld>
@@ -9739,7 +9751,7 @@
     </p:spTree>
     <p:extLst>
       <p:ext uri="{BB962C8B-B14F-4D97-AF65-F5344CB8AC3E}">
-        <p14:creationId xmlns:p14="http://schemas.microsoft.com/office/powerpoint/2010/main" xmlns="" val="3938044995"/>
+        <p14:creationId xmlns="" xmlns:p14="http://schemas.microsoft.com/office/powerpoint/2010/main" val="3938044995"/>
       </p:ext>
     </p:extLst>
   </p:cSld>
@@ -10325,7 +10337,7 @@
     </p:spTree>
     <p:extLst>
       <p:ext uri="{BB962C8B-B14F-4D97-AF65-F5344CB8AC3E}">
-        <p14:creationId xmlns:p14="http://schemas.microsoft.com/office/powerpoint/2010/main" xmlns="" val="3192118728"/>
+        <p14:creationId xmlns="" xmlns:p14="http://schemas.microsoft.com/office/powerpoint/2010/main" val="3192118728"/>
       </p:ext>
     </p:extLst>
   </p:cSld>
@@ -10723,7 +10735,7 @@
     </p:spTree>
     <p:extLst>
       <p:ext uri="{BB962C8B-B14F-4D97-AF65-F5344CB8AC3E}">
-        <p14:creationId xmlns:p14="http://schemas.microsoft.com/office/powerpoint/2010/main" xmlns="" val="2190527855"/>
+        <p14:creationId xmlns="" xmlns:p14="http://schemas.microsoft.com/office/powerpoint/2010/main" val="2190527855"/>
       </p:ext>
     </p:extLst>
   </p:cSld>
@@ -11520,7 +11532,7 @@
     </p:spTree>
     <p:extLst>
       <p:ext uri="{BB962C8B-B14F-4D97-AF65-F5344CB8AC3E}">
-        <p14:creationId xmlns:p14="http://schemas.microsoft.com/office/powerpoint/2010/main" xmlns="" val="69886873"/>
+        <p14:creationId xmlns="" xmlns:p14="http://schemas.microsoft.com/office/powerpoint/2010/main" val="69886873"/>
       </p:ext>
     </p:extLst>
   </p:cSld>
@@ -12611,7 +12623,7 @@
     </p:spTree>
     <p:extLst>
       <p:ext uri="{BB962C8B-B14F-4D97-AF65-F5344CB8AC3E}">
-        <p14:creationId xmlns:p14="http://schemas.microsoft.com/office/powerpoint/2010/main" xmlns="" val="593901232"/>
+        <p14:creationId xmlns="" xmlns:p14="http://schemas.microsoft.com/office/powerpoint/2010/main" val="593901232"/>
       </p:ext>
     </p:extLst>
   </p:cSld>
@@ -12867,7 +12879,7 @@
     </p:spTree>
     <p:extLst>
       <p:ext uri="{BB962C8B-B14F-4D97-AF65-F5344CB8AC3E}">
-        <p14:creationId xmlns:p14="http://schemas.microsoft.com/office/powerpoint/2010/main" xmlns="" val="925662914"/>
+        <p14:creationId xmlns="" xmlns:p14="http://schemas.microsoft.com/office/powerpoint/2010/main" val="925662914"/>
       </p:ext>
     </p:extLst>
   </p:cSld>
@@ -13109,7 +13121,7 @@
     </p:spTree>
     <p:extLst>
       <p:ext uri="{BB962C8B-B14F-4D97-AF65-F5344CB8AC3E}">
-        <p14:creationId xmlns:p14="http://schemas.microsoft.com/office/powerpoint/2010/main" xmlns="" val="2463004899"/>
+        <p14:creationId xmlns="" xmlns:p14="http://schemas.microsoft.com/office/powerpoint/2010/main" val="2463004899"/>
       </p:ext>
     </p:extLst>
   </p:cSld>
@@ -13541,7 +13553,7 @@
     </p:spTree>
     <p:extLst>
       <p:ext uri="{BB962C8B-B14F-4D97-AF65-F5344CB8AC3E}">
-        <p14:creationId xmlns:p14="http://schemas.microsoft.com/office/powerpoint/2010/main" xmlns="" val="1193520387"/>
+        <p14:creationId xmlns="" xmlns:p14="http://schemas.microsoft.com/office/powerpoint/2010/main" val="1193520387"/>
       </p:ext>
     </p:extLst>
   </p:cSld>
@@ -15820,6 +15832,146 @@
           </a:fontRef>
         </p:style>
       </p:cxnSp>
+      <p:sp>
+        <p:nvSpPr>
+          <p:cNvPr id="13" name="TextBox 12"/>
+          <p:cNvSpPr txBox="1"/>
+          <p:nvPr/>
+        </p:nvSpPr>
+        <p:spPr>
+          <a:xfrm>
+            <a:off x="490807" y="877824"/>
+            <a:ext cx="8240500" cy="338554"/>
+          </a:xfrm>
+          <a:prstGeom prst="rect">
+            <a:avLst/>
+          </a:prstGeom>
+          <a:noFill/>
+        </p:spPr>
+        <p:txBody>
+          <a:bodyPr wrap="square" rtlCol="0">
+            <a:spAutoFit/>
+          </a:bodyPr>
+          <a:lstStyle/>
+          <a:p>
+            <a:pPr>
+              <a:spcBef>
+                <a:spcPts val="600"/>
+              </a:spcBef>
+              <a:spcAft>
+                <a:spcPts val="400"/>
+              </a:spcAft>
+            </a:pPr>
+            <a:r>
+              <a:rPr lang="nb-NO" sz="1600" dirty="0" smtClean="0"/>
+              <a:t>Send objekter inn i en klasse i stedet for at klassen selv er ansvarlig for å opprette disse</a:t>
+            </a:r>
+            <a:endParaRPr lang="nb-NO" sz="1600" dirty="0" smtClean="0"/>
+          </a:p>
+        </p:txBody>
+      </p:sp>
+      <p:sp>
+        <p:nvSpPr>
+          <p:cNvPr id="14" name="TextBox 13"/>
+          <p:cNvSpPr txBox="1"/>
+          <p:nvPr/>
+        </p:nvSpPr>
+        <p:spPr>
+          <a:xfrm>
+            <a:off x="490807" y="4970208"/>
+            <a:ext cx="4301731" cy="1708160"/>
+          </a:xfrm>
+          <a:prstGeom prst="rect">
+            <a:avLst/>
+          </a:prstGeom>
+          <a:noFill/>
+        </p:spPr>
+        <p:txBody>
+          <a:bodyPr wrap="square" rtlCol="0">
+            <a:spAutoFit/>
+          </a:bodyPr>
+          <a:lstStyle/>
+          <a:p>
+            <a:pPr>
+              <a:spcBef>
+                <a:spcPts val="600"/>
+              </a:spcBef>
+              <a:spcAft>
+                <a:spcPts val="400"/>
+              </a:spcAft>
+            </a:pPr>
+            <a:r>
+              <a:rPr lang="nb-NO" sz="1600" dirty="0" smtClean="0"/>
+              <a:t>Tre typer:</a:t>
+            </a:r>
+            <a:r>
+              <a:rPr lang="nb-NO" sz="1600" dirty="0" smtClean="0"/>
+              <a:t/>
+            </a:r>
+            <a:br>
+              <a:rPr lang="nb-NO" sz="1600" dirty="0" smtClean="0"/>
+            </a:br>
+            <a:endParaRPr lang="nb-NO" sz="1600" dirty="0" smtClean="0"/>
+          </a:p>
+          <a:p>
+            <a:pPr marL="342900" indent="-342900">
+              <a:spcBef>
+                <a:spcPts val="600"/>
+              </a:spcBef>
+              <a:spcAft>
+                <a:spcPts val="400"/>
+              </a:spcAft>
+              <a:buFont typeface="+mj-lt"/>
+              <a:buAutoNum type="alphaLcPeriod"/>
+            </a:pPr>
+            <a:r>
+              <a:rPr lang="nb-NO" sz="1600" dirty="0" smtClean="0"/>
+              <a:t> </a:t>
+            </a:r>
+            <a:r>
+              <a:rPr lang="nb-NO" sz="1600" dirty="0" smtClean="0"/>
+              <a:t>Constructor injection</a:t>
+            </a:r>
+          </a:p>
+          <a:p>
+            <a:pPr marL="342900" indent="-342900">
+              <a:spcBef>
+                <a:spcPts val="600"/>
+              </a:spcBef>
+              <a:spcAft>
+                <a:spcPts val="400"/>
+              </a:spcAft>
+              <a:buFont typeface="+mj-lt"/>
+              <a:buAutoNum type="alphaLcPeriod"/>
+            </a:pPr>
+            <a:r>
+              <a:rPr lang="nb-NO" sz="1600" dirty="0" smtClean="0"/>
+              <a:t> Property injection</a:t>
+            </a:r>
+          </a:p>
+          <a:p>
+            <a:pPr marL="342900" indent="-342900">
+              <a:spcBef>
+                <a:spcPts val="600"/>
+              </a:spcBef>
+              <a:spcAft>
+                <a:spcPts val="400"/>
+              </a:spcAft>
+              <a:buFont typeface="+mj-lt"/>
+              <a:buAutoNum type="alphaLcPeriod"/>
+            </a:pPr>
+            <a:r>
+              <a:rPr lang="nb-NO" sz="1600" dirty="0" smtClean="0"/>
+              <a:t> </a:t>
+            </a:r>
+            <a:r>
+              <a:rPr lang="nb-NO" sz="1600" dirty="0" smtClean="0"/>
+              <a:t>Interface injection</a:t>
+            </a:r>
+            <a:endParaRPr lang="nb-NO" sz="1100" dirty="0" smtClean="0"/>
+          </a:p>
+        </p:txBody>
+      </p:sp>
     </p:spTree>
   </p:cSld>
   <p:clrMapOvr>
@@ -15861,7 +16013,7 @@
         <p:spPr>
           <a:xfrm>
             <a:off x="321623" y="418905"/>
-            <a:ext cx="1321516" cy="307777"/>
+            <a:ext cx="1386598" cy="307777"/>
           </a:xfrm>
         </p:spPr>
         <p:txBody>
@@ -15870,7 +16022,7 @@
           <a:p>
             <a:r>
               <a:rPr lang="nb-NO" dirty="0" smtClean="0"/>
-              <a:t>Ninject</a:t>
+              <a:t>Ninject </a:t>
             </a:r>
             <a:endParaRPr lang="en-US" dirty="0"/>
           </a:p>
@@ -18363,7 +18515,7 @@
     </p:spTree>
     <p:extLst>
       <p:ext uri="{BB962C8B-B14F-4D97-AF65-F5344CB8AC3E}">
-        <p14:creationId xmlns="" xmlns:p14="http://schemas.microsoft.com/office/powerpoint/2010/main" val="1013825328"/>
+        <p14:creationId xmlns:p14="http://schemas.microsoft.com/office/powerpoint/2010/main" xmlns="" val="1013825328"/>
       </p:ext>
     </p:extLst>
   </p:cSld>

--- a/tdd/TDD.pptx
+++ b/tdd/TDD.pptx
@@ -5,10 +5,10 @@
     <p:sldMasterId id="2147483648" r:id="rId1"/>
   </p:sldMasterIdLst>
   <p:notesMasterIdLst>
-    <p:notesMasterId r:id="rId21"/>
+    <p:notesMasterId r:id="rId22"/>
   </p:notesMasterIdLst>
   <p:handoutMasterIdLst>
-    <p:handoutMasterId r:id="rId22"/>
+    <p:handoutMasterId r:id="rId23"/>
   </p:handoutMasterIdLst>
   <p:sldIdLst>
     <p:sldId id="256" r:id="rId2"/>
@@ -19,17 +19,18 @@
     <p:sldId id="270" r:id="rId7"/>
     <p:sldId id="268" r:id="rId8"/>
     <p:sldId id="277" r:id="rId9"/>
-    <p:sldId id="269" r:id="rId10"/>
-    <p:sldId id="283" r:id="rId11"/>
+    <p:sldId id="283" r:id="rId10"/>
+    <p:sldId id="269" r:id="rId11"/>
     <p:sldId id="274" r:id="rId12"/>
-    <p:sldId id="278" r:id="rId13"/>
-    <p:sldId id="284" r:id="rId14"/>
-    <p:sldId id="276" r:id="rId15"/>
+    <p:sldId id="287" r:id="rId13"/>
+    <p:sldId id="278" r:id="rId14"/>
+    <p:sldId id="284" r:id="rId15"/>
     <p:sldId id="279" r:id="rId16"/>
     <p:sldId id="280" r:id="rId17"/>
-    <p:sldId id="267" r:id="rId18"/>
-    <p:sldId id="281" r:id="rId19"/>
-    <p:sldId id="286" r:id="rId20"/>
+    <p:sldId id="276" r:id="rId18"/>
+    <p:sldId id="267" r:id="rId19"/>
+    <p:sldId id="281" r:id="rId20"/>
+    <p:sldId id="286" r:id="rId21"/>
   </p:sldIdLst>
   <p:sldSz cx="9144000" cy="6858000" type="screen4x3"/>
   <p:notesSz cx="6858000" cy="9144000"/>
@@ -128,6 +129,56 @@
       </a:defRPr>
     </a:lvl9pPr>
   </p:defaultTextStyle>
+  <p:extLst>
+    <p:ext uri="{EFAFB233-063F-42B5-8137-9DF3F51BA10A}">
+      <p15:sldGuideLst xmlns:p15="http://schemas.microsoft.com/office/powerpoint/2012/main">
+        <p15:guide id="1" orient="horz" pos="4196">
+          <p15:clr>
+            <a:srgbClr val="A4A3A4"/>
+          </p15:clr>
+        </p15:guide>
+        <p15:guide id="2" orient="horz" pos="2153">
+          <p15:clr>
+            <a:srgbClr val="A4A3A4"/>
+          </p15:clr>
+        </p15:guide>
+        <p15:guide id="3" orient="horz" pos="795">
+          <p15:clr>
+            <a:srgbClr val="A4A3A4"/>
+          </p15:clr>
+        </p15:guide>
+        <p15:guide id="4" pos="254">
+          <p15:clr>
+            <a:srgbClr val="A4A3A4"/>
+          </p15:clr>
+        </p15:guide>
+        <p15:guide id="5" pos="5507">
+          <p15:clr>
+            <a:srgbClr val="A4A3A4"/>
+          </p15:clr>
+        </p15:guide>
+        <p15:guide id="6" pos="2882">
+          <p15:clr>
+            <a:srgbClr val="A4A3A4"/>
+          </p15:clr>
+        </p15:guide>
+      </p15:sldGuideLst>
+    </p:ext>
+    <p:ext uri="{2D200454-40CA-4A62-9FC3-DE9A4176ACB9}">
+      <p15:notesGuideLst xmlns:p15="http://schemas.microsoft.com/office/powerpoint/2012/main">
+        <p15:guide id="1" orient="horz" pos="2880">
+          <p15:clr>
+            <a:srgbClr val="A4A3A4"/>
+          </p15:clr>
+        </p15:guide>
+        <p15:guide id="2" pos="2160">
+          <p15:clr>
+            <a:srgbClr val="A4A3A4"/>
+          </p15:clr>
+        </p15:guide>
+      </p15:notesGuideLst>
+    </p:ext>
+  </p:extLst>
 </p:presentation>
 </file>
 
@@ -1173,18 +1224,18 @@
     </dgm:pt>
   </dgm:ptLst>
   <dgm:cxnLst>
-    <dgm:cxn modelId="{C4AECEE5-B09C-410C-8CA1-9BDB02BEBCDE}" type="presOf" srcId="{12CE4060-7E72-44CA-ABD8-B0A04CFCB3A1}" destId="{68E54C23-65A6-417B-BB46-FF81834F1824}" srcOrd="0" destOrd="0" presId="urn:microsoft.com/office/officeart/2005/8/layout/radial6"/>
-    <dgm:cxn modelId="{16F35C75-8E81-44D9-B767-802F366346B2}" type="presOf" srcId="{6ACDD706-106F-40BD-A119-B13FF071BEAC}" destId="{96CD68C4-F273-448A-A352-D323FD822264}" srcOrd="0" destOrd="0" presId="urn:microsoft.com/office/officeart/2005/8/layout/radial6"/>
+    <dgm:cxn modelId="{FCF86269-41D4-4E0B-8C33-E2423F3106AA}" srcId="{12CE4060-7E72-44CA-ABD8-B0A04CFCB3A1}" destId="{A1494D8E-C42C-45EB-A88A-AF3C22091D27}" srcOrd="0" destOrd="0" parTransId="{F2103901-93C3-4DD1-B5AF-D5035E88EC28}" sibTransId="{FE0A7841-056E-43D5-B2E3-2B8593CDB186}"/>
+    <dgm:cxn modelId="{45075B6D-95F3-4B87-9AD7-13083DC2C35E}" type="presOf" srcId="{75F93CD8-DC15-41D5-A6A6-273B6B58C3B2}" destId="{A81E7EBA-B912-49B8-8000-0BF35D90809A}" srcOrd="0" destOrd="0" presId="urn:microsoft.com/office/officeart/2005/8/layout/radial6"/>
     <dgm:cxn modelId="{DA685284-5D69-4F72-B75E-8C58FAF58A0C}" srcId="{12CE4060-7E72-44CA-ABD8-B0A04CFCB3A1}" destId="{24D8BA1A-AB3D-448A-9A76-C473F57E731A}" srcOrd="1" destOrd="0" parTransId="{010A0C82-2806-4E57-9D10-DF8CF0675A04}" sibTransId="{6ACDD706-106F-40BD-A119-B13FF071BEAC}"/>
     <dgm:cxn modelId="{1EC0AE8C-63C1-45AF-9FAE-2E8331ACDC32}" srcId="{12CE4060-7E72-44CA-ABD8-B0A04CFCB3A1}" destId="{75F93CD8-DC15-41D5-A6A6-273B6B58C3B2}" srcOrd="2" destOrd="0" parTransId="{B258A377-2983-4592-876E-0FA8273BB741}" sibTransId="{DCB5988C-DD4D-4075-A9A0-92C5E40E8AEE}"/>
-    <dgm:cxn modelId="{FCF86269-41D4-4E0B-8C33-E2423F3106AA}" srcId="{12CE4060-7E72-44CA-ABD8-B0A04CFCB3A1}" destId="{A1494D8E-C42C-45EB-A88A-AF3C22091D27}" srcOrd="0" destOrd="0" parTransId="{F2103901-93C3-4DD1-B5AF-D5035E88EC28}" sibTransId="{FE0A7841-056E-43D5-B2E3-2B8593CDB186}"/>
-    <dgm:cxn modelId="{764B7D75-5B5A-431F-B1FD-51A36FB32472}" type="presOf" srcId="{A1494D8E-C42C-45EB-A88A-AF3C22091D27}" destId="{65E5E0BE-F6A3-4EED-B47C-ECAB02B21921}" srcOrd="0" destOrd="0" presId="urn:microsoft.com/office/officeart/2005/8/layout/radial6"/>
-    <dgm:cxn modelId="{45075B6D-95F3-4B87-9AD7-13083DC2C35E}" type="presOf" srcId="{75F93CD8-DC15-41D5-A6A6-273B6B58C3B2}" destId="{A81E7EBA-B912-49B8-8000-0BF35D90809A}" srcOrd="0" destOrd="0" presId="urn:microsoft.com/office/officeart/2005/8/layout/radial6"/>
-    <dgm:cxn modelId="{A58EC597-0FFB-4B8E-B9B3-1DC9902FB07D}" type="presOf" srcId="{24D8BA1A-AB3D-448A-9A76-C473F57E731A}" destId="{18CF15E1-84D7-4DD4-B663-A409C36D6BFE}" srcOrd="0" destOrd="0" presId="urn:microsoft.com/office/officeart/2005/8/layout/radial6"/>
-    <dgm:cxn modelId="{A286D33E-E60D-4391-9F2C-F92E036663E2}" type="presOf" srcId="{FE0A7841-056E-43D5-B2E3-2B8593CDB186}" destId="{53192C4C-FA77-4B54-8DE6-EF6B6ADF10C9}" srcOrd="0" destOrd="0" presId="urn:microsoft.com/office/officeart/2005/8/layout/radial6"/>
+    <dgm:cxn modelId="{C4AECEE5-B09C-410C-8CA1-9BDB02BEBCDE}" type="presOf" srcId="{12CE4060-7E72-44CA-ABD8-B0A04CFCB3A1}" destId="{68E54C23-65A6-417B-BB46-FF81834F1824}" srcOrd="0" destOrd="0" presId="urn:microsoft.com/office/officeart/2005/8/layout/radial6"/>
+    <dgm:cxn modelId="{672FC8C4-2064-4447-8D80-523029124E0B}" type="presOf" srcId="{2108D9A6-7C64-4B53-B769-37B83AD69387}" destId="{36C808F8-926E-41A9-ADF5-7EC5F4DBC862}" srcOrd="0" destOrd="0" presId="urn:microsoft.com/office/officeart/2005/8/layout/radial6"/>
     <dgm:cxn modelId="{4B57AB67-EFA5-4DDD-A9D7-3F31559AC39E}" srcId="{2108D9A6-7C64-4B53-B769-37B83AD69387}" destId="{12CE4060-7E72-44CA-ABD8-B0A04CFCB3A1}" srcOrd="0" destOrd="0" parTransId="{59B777A4-C30E-4389-9E2A-7A69C6D86792}" sibTransId="{32B91395-C7D1-4498-A6FF-389E625E1A65}"/>
     <dgm:cxn modelId="{42772A7C-7C25-4A88-B16F-DC2C59DA864A}" type="presOf" srcId="{DCB5988C-DD4D-4075-A9A0-92C5E40E8AEE}" destId="{089AE9DB-14A9-49BB-9CB4-C28E756D777C}" srcOrd="0" destOrd="0" presId="urn:microsoft.com/office/officeart/2005/8/layout/radial6"/>
-    <dgm:cxn modelId="{672FC8C4-2064-4447-8D80-523029124E0B}" type="presOf" srcId="{2108D9A6-7C64-4B53-B769-37B83AD69387}" destId="{36C808F8-926E-41A9-ADF5-7EC5F4DBC862}" srcOrd="0" destOrd="0" presId="urn:microsoft.com/office/officeart/2005/8/layout/radial6"/>
+    <dgm:cxn modelId="{A58EC597-0FFB-4B8E-B9B3-1DC9902FB07D}" type="presOf" srcId="{24D8BA1A-AB3D-448A-9A76-C473F57E731A}" destId="{18CF15E1-84D7-4DD4-B663-A409C36D6BFE}" srcOrd="0" destOrd="0" presId="urn:microsoft.com/office/officeart/2005/8/layout/radial6"/>
+    <dgm:cxn modelId="{764B7D75-5B5A-431F-B1FD-51A36FB32472}" type="presOf" srcId="{A1494D8E-C42C-45EB-A88A-AF3C22091D27}" destId="{65E5E0BE-F6A3-4EED-B47C-ECAB02B21921}" srcOrd="0" destOrd="0" presId="urn:microsoft.com/office/officeart/2005/8/layout/radial6"/>
+    <dgm:cxn modelId="{A286D33E-E60D-4391-9F2C-F92E036663E2}" type="presOf" srcId="{FE0A7841-056E-43D5-B2E3-2B8593CDB186}" destId="{53192C4C-FA77-4B54-8DE6-EF6B6ADF10C9}" srcOrd="0" destOrd="0" presId="urn:microsoft.com/office/officeart/2005/8/layout/radial6"/>
+    <dgm:cxn modelId="{16F35C75-8E81-44D9-B767-802F366346B2}" type="presOf" srcId="{6ACDD706-106F-40BD-A119-B13FF071BEAC}" destId="{96CD68C4-F273-448A-A352-D323FD822264}" srcOrd="0" destOrd="0" presId="urn:microsoft.com/office/officeart/2005/8/layout/radial6"/>
     <dgm:cxn modelId="{99A8F3C4-5118-4A29-BA3A-2D5D2BB7690F}" type="presParOf" srcId="{36C808F8-926E-41A9-ADF5-7EC5F4DBC862}" destId="{68E54C23-65A6-417B-BB46-FF81834F1824}" srcOrd="0" destOrd="0" presId="urn:microsoft.com/office/officeart/2005/8/layout/radial6"/>
     <dgm:cxn modelId="{0CDFCFFA-7948-4569-AFC1-443B35A028D2}" type="presParOf" srcId="{36C808F8-926E-41A9-ADF5-7EC5F4DBC862}" destId="{65E5E0BE-F6A3-4EED-B47C-ECAB02B21921}" srcOrd="1" destOrd="0" presId="urn:microsoft.com/office/officeart/2005/8/layout/radial6"/>
     <dgm:cxn modelId="{46800D17-A3B2-45E3-A4C0-F97CAFCE2F9F}" type="presParOf" srcId="{36C808F8-926E-41A9-ADF5-7EC5F4DBC862}" destId="{609E3A77-C229-4A30-8AD1-4801937867A5}" srcOrd="2" destOrd="0" presId="urn:microsoft.com/office/officeart/2005/8/layout/radial6"/>
@@ -1200,14 +1251,14 @@
   <dgm:whole/>
   <dgm:extLst>
     <a:ext uri="http://schemas.microsoft.com/office/drawing/2008/diagram">
-      <dsp:dataModelExt xmlns:dsp="http://schemas.microsoft.com/office/drawing/2008/diagram" xmlns="" relId="rId7" minVer="http://schemas.openxmlformats.org/drawingml/2006/diagram"/>
+      <dsp:dataModelExt xmlns:dsp="http://schemas.microsoft.com/office/drawing/2008/diagram" relId="rId7" minVer="http://schemas.openxmlformats.org/drawingml/2006/diagram"/>
     </a:ext>
   </dgm:extLst>
 </dgm:dataModel>
 </file>
 
 <file path=ppt/diagrams/drawing1.xml><?xml version="1.0" encoding="utf-8"?>
-<dsp:drawing xmlns:dgm="http://schemas.openxmlformats.org/drawingml/2006/diagram" xmlns:a="http://schemas.openxmlformats.org/drawingml/2006/main" xmlns:dsp="http://schemas.microsoft.com/office/drawing/2008/diagram">
+<dsp:drawing xmlns:dgm="http://schemas.openxmlformats.org/drawingml/2006/diagram" xmlns:dsp="http://schemas.microsoft.com/office/drawing/2008/diagram" xmlns:a="http://schemas.openxmlformats.org/drawingml/2006/main">
   <dsp:spTree>
     <dsp:nvGrpSpPr>
       <dsp:cNvPr id="0" name=""/>
@@ -1425,8 +1476,8 @@
         </a:p>
       </dsp:txBody>
       <dsp:txXfrm>
-        <a:off x="2278558" y="1404868"/>
-        <a:ext cx="1538882" cy="1538882"/>
+        <a:off x="2503922" y="1630232"/>
+        <a:ext cx="1088154" cy="1088154"/>
       </dsp:txXfrm>
     </dsp:sp>
     <dsp:sp modelId="{65E5E0BE-F6A3-4EED-B47C-ECAB02B21921}">
@@ -1497,8 +1548,8 @@
         </a:p>
       </dsp:txBody>
       <dsp:txXfrm>
-        <a:off x="2509391" y="1406"/>
-        <a:ext cx="1077217" cy="1077217"/>
+        <a:off x="2667146" y="159161"/>
+        <a:ext cx="761707" cy="761707"/>
       </dsp:txXfrm>
     </dsp:sp>
     <dsp:sp modelId="{18CF15E1-84D7-4DD4-B663-A409C36D6BFE}">
@@ -1569,8 +1620,8 @@
         </a:p>
       </dsp:txBody>
       <dsp:txXfrm>
-        <a:off x="3924731" y="2452848"/>
-        <a:ext cx="1077217" cy="1077217"/>
+        <a:off x="4082486" y="2610603"/>
+        <a:ext cx="761707" cy="761707"/>
       </dsp:txXfrm>
     </dsp:sp>
     <dsp:sp modelId="{A81E7EBA-B912-49B8-8000-0BF35D90809A}">
@@ -1641,8 +1692,8 @@
         </a:p>
       </dsp:txBody>
       <dsp:txXfrm>
-        <a:off x="1094050" y="2452848"/>
-        <a:ext cx="1077217" cy="1077217"/>
+        <a:off x="1251805" y="2610603"/>
+        <a:ext cx="761707" cy="761707"/>
       </dsp:txXfrm>
     </dsp:sp>
   </dsp:spTree>
@@ -3115,7 +3166,7 @@
     </p:spTree>
     <p:extLst>
       <p:ext uri="{BB962C8B-B14F-4D97-AF65-F5344CB8AC3E}">
-        <p14:creationId xmlns="" xmlns:p14="http://schemas.microsoft.com/office/powerpoint/2010/main" val="2280443481"/>
+        <p14:creationId xmlns:p14="http://schemas.microsoft.com/office/powerpoint/2010/main" val="2280443481"/>
       </p:ext>
     </p:extLst>
   </p:cSld>
@@ -3285,7 +3336,7 @@
     </p:spTree>
     <p:extLst>
       <p:ext uri="{BB962C8B-B14F-4D97-AF65-F5344CB8AC3E}">
-        <p14:creationId xmlns="" xmlns:p14="http://schemas.microsoft.com/office/powerpoint/2010/main" val="1996866432"/>
+        <p14:creationId xmlns:p14="http://schemas.microsoft.com/office/powerpoint/2010/main" val="1996866432"/>
       </p:ext>
     </p:extLst>
   </p:cSld>
@@ -3413,12 +3464,7 @@
             <p:ph type="sldImg"/>
           </p:nvPr>
         </p:nvSpPr>
-        <p:spPr>
-          <a:xfrm>
-            <a:off x="827088" y="592138"/>
-            <a:ext cx="5226050" cy="3919537"/>
-          </a:xfrm>
-        </p:spPr>
+        <p:spPr/>
       </p:sp>
       <p:sp>
         <p:nvSpPr>
@@ -3432,67 +3478,19 @@
         </p:nvSpPr>
         <p:spPr/>
         <p:txBody>
-          <a:bodyPr>
-            <a:normAutofit/>
-          </a:bodyPr>
+          <a:bodyPr/>
           <a:lstStyle/>
           <a:p>
-            <a:pPr marL="0" marR="0" indent="0" algn="l" defTabSz="457200" rtl="0" eaLnBrk="1" fontAlgn="auto" latinLnBrk="0" hangingPunct="1">
-              <a:lnSpc>
-                <a:spcPct val="100000"/>
-              </a:lnSpc>
-              <a:spcBef>
-                <a:spcPts val="0"/>
-              </a:spcBef>
-              <a:spcAft>
-                <a:spcPts val="0"/>
-              </a:spcAft>
-              <a:buClrTx/>
-              <a:buSzTx/>
-              <a:buFontTx/>
-              <a:buNone/>
-              <a:tabLst/>
-              <a:defRPr/>
-            </a:pPr>
-            <a:r>
-              <a:rPr lang="nb-NO" sz="1600" dirty="0" smtClean="0"/>
-              <a:t>Det</a:t>
-            </a:r>
-            <a:r>
-              <a:rPr lang="nb-NO" sz="1600" baseline="0" dirty="0" smtClean="0"/>
-              <a:t> kommer an på hvem man spør – personlig ser jeg på det som Test-drevet utvikling og design – skriv tester først og designet vil forme seg etterhvert. Man har også et utgangspunkt for et design når man starter.</a:t>
-            </a:r>
-            <a:endParaRPr lang="nb-NO" sz="1600" dirty="0" smtClean="0"/>
-          </a:p>
-          <a:p>
-            <a:pPr marL="0" marR="0" indent="0" algn="l" defTabSz="457200" rtl="0" eaLnBrk="1" fontAlgn="auto" latinLnBrk="0" hangingPunct="1">
-              <a:lnSpc>
-                <a:spcPct val="100000"/>
-              </a:lnSpc>
-              <a:spcBef>
-                <a:spcPts val="0"/>
-              </a:spcBef>
-              <a:spcAft>
-                <a:spcPts val="0"/>
-              </a:spcAft>
-              <a:buClrTx/>
-              <a:buSzTx/>
-              <a:buFontTx/>
-              <a:buNone/>
-              <a:tabLst/>
-              <a:defRPr/>
-            </a:pPr>
-            <a:r>
-              <a:rPr lang="nb-NO" sz="1600" dirty="0" smtClean="0"/>
-              <a:t>TDD er noe du velger selv – vil du skrive testen først? Gjør det!</a:t>
-            </a:r>
-          </a:p>
-          <a:p>
-            <a:endParaRPr lang="en-US" dirty="0"/>
+            <a:endParaRPr lang="nb-NO" dirty="0"/>
           </a:p>
         </p:txBody>
       </p:sp>
     </p:spTree>
+    <p:extLst>
+      <p:ext uri="{BB962C8B-B14F-4D97-AF65-F5344CB8AC3E}">
+        <p14:creationId xmlns:p14="http://schemas.microsoft.com/office/powerpoint/2010/main" val="915490733"/>
+      </p:ext>
+    </p:extLst>
   </p:cSld>
   <p:clrMapOvr>
     <a:masterClrMapping/>
@@ -3527,7 +3525,12 @@
             <p:ph type="sldImg"/>
           </p:nvPr>
         </p:nvSpPr>
-        <p:spPr/>
+        <p:spPr>
+          <a:xfrm>
+            <a:off x="827088" y="592138"/>
+            <a:ext cx="5226050" cy="3919537"/>
+          </a:xfrm>
+        </p:spPr>
       </p:sp>
       <p:sp>
         <p:nvSpPr>
@@ -3547,18 +3550,195 @@
           <a:lstStyle/>
           <a:p>
             <a:r>
-              <a:rPr lang="nb-NO" smtClean="0"/>
-              <a:t>Demo av MVC3</a:t>
-            </a:r>
-            <a:r>
-              <a:rPr lang="nb-NO" baseline="0" smtClean="0"/>
-              <a:t>//TDD/Ninject</a:t>
+              <a:rPr lang="nb-NO" dirty="0" smtClean="0"/>
+              <a:t>Vis konkret eksempel i</a:t>
+            </a:r>
+            <a:r>
+              <a:rPr lang="nb-NO" baseline="0" dirty="0" smtClean="0"/>
+              <a:t> kode.</a:t>
+            </a:r>
+          </a:p>
+          <a:p>
+            <a:r>
+              <a:rPr lang="nb-NO" baseline="0" dirty="0" smtClean="0"/>
+              <a:t>F.Eks</a:t>
+            </a:r>
+          </a:p>
+          <a:p>
+            <a:r>
+              <a:rPr lang="nb-NO" baseline="0" dirty="0" smtClean="0"/>
+              <a:t>Med StringCalculator fra TDD KATA 2 der Parser bør injectes</a:t>
+            </a:r>
+          </a:p>
+          <a:p>
+            <a:r>
+              <a:rPr lang="en-US" dirty="0" smtClean="0">
+                <a:hlinkClick r:id="rId3"/>
+              </a:rPr>
+              <a:t>http://martinfowler.com/articles/injection.html#FormsOfDependencyInjection</a:t>
             </a:r>
             <a:endParaRPr lang="en-US" dirty="0"/>
           </a:p>
         </p:txBody>
       </p:sp>
     </p:spTree>
+    <p:extLst>
+      <p:ext uri="{BB962C8B-B14F-4D97-AF65-F5344CB8AC3E}">
+        <p14:creationId xmlns:p14="http://schemas.microsoft.com/office/powerpoint/2010/main" val="3645721060"/>
+      </p:ext>
+    </p:extLst>
+  </p:cSld>
+  <p:clrMapOvr>
+    <a:masterClrMapping/>
+  </p:clrMapOvr>
+</p:notes>
+</file>
+
+<file path=ppt/notesSlides/notesSlide11.xml><?xml version="1.0" encoding="utf-8"?>
+<p:notes xmlns:a="http://schemas.openxmlformats.org/drawingml/2006/main" xmlns:r="http://schemas.openxmlformats.org/officeDocument/2006/relationships" xmlns:p="http://schemas.openxmlformats.org/presentationml/2006/main">
+  <p:cSld>
+    <p:spTree>
+      <p:nvGrpSpPr>
+        <p:cNvPr id="1" name=""/>
+        <p:cNvGrpSpPr/>
+        <p:nvPr/>
+      </p:nvGrpSpPr>
+      <p:grpSpPr>
+        <a:xfrm>
+          <a:off x="0" y="0"/>
+          <a:ext cx="0" cy="0"/>
+          <a:chOff x="0" y="0"/>
+          <a:chExt cx="0" cy="0"/>
+        </a:xfrm>
+      </p:grpSpPr>
+      <p:sp>
+        <p:nvSpPr>
+          <p:cNvPr id="2" name="Slide Image Placeholder 1"/>
+          <p:cNvSpPr>
+            <a:spLocks noGrp="1" noRot="1" noChangeAspect="1"/>
+          </p:cNvSpPr>
+          <p:nvPr>
+            <p:ph type="sldImg"/>
+          </p:nvPr>
+        </p:nvSpPr>
+        <p:spPr>
+          <a:xfrm>
+            <a:off x="827088" y="592138"/>
+            <a:ext cx="5226050" cy="3919537"/>
+          </a:xfrm>
+        </p:spPr>
+      </p:sp>
+      <p:sp>
+        <p:nvSpPr>
+          <p:cNvPr id="3" name="Notes Placeholder 2"/>
+          <p:cNvSpPr>
+            <a:spLocks noGrp="1"/>
+          </p:cNvSpPr>
+          <p:nvPr>
+            <p:ph type="body" idx="1"/>
+          </p:nvPr>
+        </p:nvSpPr>
+        <p:spPr/>
+        <p:txBody>
+          <a:bodyPr>
+            <a:normAutofit/>
+          </a:bodyPr>
+          <a:lstStyle/>
+          <a:p>
+            <a:r>
+              <a:rPr lang="nb-NO" dirty="0" smtClean="0"/>
+              <a:t>Demo</a:t>
+            </a:r>
+            <a:r>
+              <a:rPr lang="nb-NO" baseline="0" dirty="0" smtClean="0"/>
+              <a:t> ved: Bekk.dotnetintro.TDD.NinjectDemo</a:t>
+            </a:r>
+            <a:endParaRPr lang="en-US" dirty="0"/>
+          </a:p>
+        </p:txBody>
+      </p:sp>
+    </p:spTree>
+    <p:extLst>
+      <p:ext uri="{BB962C8B-B14F-4D97-AF65-F5344CB8AC3E}">
+        <p14:creationId xmlns:p14="http://schemas.microsoft.com/office/powerpoint/2010/main" val="429485065"/>
+      </p:ext>
+    </p:extLst>
+  </p:cSld>
+  <p:clrMapOvr>
+    <a:masterClrMapping/>
+  </p:clrMapOvr>
+</p:notes>
+</file>
+
+<file path=ppt/notesSlides/notesSlide12.xml><?xml version="1.0" encoding="utf-8"?>
+<p:notes xmlns:a="http://schemas.openxmlformats.org/drawingml/2006/main" xmlns:r="http://schemas.openxmlformats.org/officeDocument/2006/relationships" xmlns:p="http://schemas.openxmlformats.org/presentationml/2006/main">
+  <p:cSld>
+    <p:spTree>
+      <p:nvGrpSpPr>
+        <p:cNvPr id="1" name=""/>
+        <p:cNvGrpSpPr/>
+        <p:nvPr/>
+      </p:nvGrpSpPr>
+      <p:grpSpPr>
+        <a:xfrm>
+          <a:off x="0" y="0"/>
+          <a:ext cx="0" cy="0"/>
+          <a:chOff x="0" y="0"/>
+          <a:chExt cx="0" cy="0"/>
+        </a:xfrm>
+      </p:grpSpPr>
+      <p:sp>
+        <p:nvSpPr>
+          <p:cNvPr id="2" name="Slide Image Placeholder 1"/>
+          <p:cNvSpPr>
+            <a:spLocks noGrp="1" noRot="1" noChangeAspect="1"/>
+          </p:cNvSpPr>
+          <p:nvPr>
+            <p:ph type="sldImg"/>
+          </p:nvPr>
+        </p:nvSpPr>
+        <p:spPr>
+          <a:xfrm>
+            <a:off x="827088" y="592138"/>
+            <a:ext cx="5226050" cy="3919537"/>
+          </a:xfrm>
+        </p:spPr>
+      </p:sp>
+      <p:sp>
+        <p:nvSpPr>
+          <p:cNvPr id="3" name="Notes Placeholder 2"/>
+          <p:cNvSpPr>
+            <a:spLocks noGrp="1"/>
+          </p:cNvSpPr>
+          <p:nvPr>
+            <p:ph type="body" idx="1"/>
+          </p:nvPr>
+        </p:nvSpPr>
+        <p:spPr/>
+        <p:txBody>
+          <a:bodyPr>
+            <a:normAutofit/>
+          </a:bodyPr>
+          <a:lstStyle/>
+          <a:p>
+            <a:r>
+              <a:rPr lang="nb-NO" smtClean="0"/>
+              <a:t>Demo av MVC3</a:t>
+            </a:r>
+            <a:r>
+              <a:rPr lang="nb-NO" baseline="0" smtClean="0"/>
+              <a:t>//TDD/Ninject</a:t>
+            </a:r>
+            <a:endParaRPr lang="en-US" dirty="0"/>
+          </a:p>
+        </p:txBody>
+      </p:sp>
+    </p:spTree>
+    <p:extLst>
+      <p:ext uri="{BB962C8B-B14F-4D97-AF65-F5344CB8AC3E}">
+        <p14:creationId xmlns:p14="http://schemas.microsoft.com/office/powerpoint/2010/main" val="3158427047"/>
+      </p:ext>
+    </p:extLst>
   </p:cSld>
   <p:clrMapOvr>
     <a:masterClrMapping/>
@@ -3617,37 +3797,67 @@
           </a:bodyPr>
           <a:lstStyle/>
           <a:p>
-            <a:r>
-              <a:rPr lang="nb-NO" dirty="0" smtClean="0"/>
-              <a:t>Ikke nødvendigvis lettere å vedlikeholde</a:t>
-            </a:r>
-            <a:r>
-              <a:rPr lang="nb-NO" baseline="0" dirty="0" smtClean="0"/>
-              <a:t> – stiller store krav til utformingen av testene</a:t>
-            </a:r>
-          </a:p>
-          <a:p>
-            <a:r>
-              <a:rPr lang="nb-NO" baseline="0" dirty="0" smtClean="0"/>
-              <a:t>Lettere å forstå – testene fungerer som dokumentasjon og beskrivelse av brukerhistoriene</a:t>
-            </a:r>
-          </a:p>
-          <a:p>
-            <a:r>
-              <a:rPr lang="nb-NO" baseline="0" dirty="0" smtClean="0"/>
-              <a:t>Lettere å gjøre endringer når du kan stole på en test-suite. Hørt på prosjekt: ”Jeg får ikke denne testen til å bli grønn” – ”ikke tenk på det, den skal være sånn” &lt;- ikke lov! Fiks røde tester slik at man faktisk kan stole på de.</a:t>
-            </a:r>
-          </a:p>
-          <a:p>
-            <a:r>
-              <a:rPr lang="nb-NO" baseline="0" dirty="0" smtClean="0"/>
-              <a:t>Inkrementell utvikling gjør at man til enhver tid har fungerende system i stedet for Big Bang.</a:t>
-            </a:r>
+            <a:pPr marL="0" marR="0" indent="0" algn="l" defTabSz="457200" rtl="0" eaLnBrk="1" fontAlgn="auto" latinLnBrk="0" hangingPunct="1">
+              <a:lnSpc>
+                <a:spcPct val="100000"/>
+              </a:lnSpc>
+              <a:spcBef>
+                <a:spcPts val="0"/>
+              </a:spcBef>
+              <a:spcAft>
+                <a:spcPts val="0"/>
+              </a:spcAft>
+              <a:buClrTx/>
+              <a:buSzTx/>
+              <a:buFontTx/>
+              <a:buNone/>
+              <a:tabLst/>
+              <a:defRPr/>
+            </a:pPr>
+            <a:r>
+              <a:rPr lang="nb-NO" sz="1600" dirty="0" smtClean="0"/>
+              <a:t>Det</a:t>
+            </a:r>
+            <a:r>
+              <a:rPr lang="nb-NO" sz="1600" baseline="0" dirty="0" smtClean="0"/>
+              <a:t> kommer an på hvem man spør – personlig ser jeg på det som Test-drevet utvikling og design – skriv tester først og designet vil forme seg etterhvert. Man har også et utgangspunkt for et design når man starter.</a:t>
+            </a:r>
+            <a:endParaRPr lang="nb-NO" sz="1600" dirty="0" smtClean="0"/>
+          </a:p>
+          <a:p>
+            <a:pPr marL="0" marR="0" indent="0" algn="l" defTabSz="457200" rtl="0" eaLnBrk="1" fontAlgn="auto" latinLnBrk="0" hangingPunct="1">
+              <a:lnSpc>
+                <a:spcPct val="100000"/>
+              </a:lnSpc>
+              <a:spcBef>
+                <a:spcPts val="0"/>
+              </a:spcBef>
+              <a:spcAft>
+                <a:spcPts val="0"/>
+              </a:spcAft>
+              <a:buClrTx/>
+              <a:buSzTx/>
+              <a:buFontTx/>
+              <a:buNone/>
+              <a:tabLst/>
+              <a:defRPr/>
+            </a:pPr>
+            <a:r>
+              <a:rPr lang="nb-NO" sz="1600" dirty="0" smtClean="0"/>
+              <a:t>TDD er noe du velger selv – vil du skrive testen først? Gjør det!</a:t>
+            </a:r>
+          </a:p>
+          <a:p>
             <a:endParaRPr lang="en-US" dirty="0"/>
           </a:p>
         </p:txBody>
       </p:sp>
     </p:spTree>
+    <p:extLst>
+      <p:ext uri="{BB962C8B-B14F-4D97-AF65-F5344CB8AC3E}">
+        <p14:creationId xmlns:p14="http://schemas.microsoft.com/office/powerpoint/2010/main" val="629527504"/>
+      </p:ext>
+    </p:extLst>
   </p:cSld>
   <p:clrMapOvr>
     <a:masterClrMapping/>
@@ -3708,29 +3918,40 @@
           <a:p>
             <a:r>
               <a:rPr lang="nb-NO" dirty="0" smtClean="0"/>
-              <a:t>Red/Green/Refactor</a:t>
-            </a:r>
-          </a:p>
-          <a:p>
-            <a:r>
-              <a:rPr lang="nb-NO" dirty="0" smtClean="0"/>
-              <a:t>Do</a:t>
+              <a:t>Ikke nødvendigvis lettere å vedlikeholde</a:t>
             </a:r>
             <a:r>
               <a:rPr lang="nb-NO" baseline="0" dirty="0" smtClean="0"/>
-              <a:t> the simplest thing that could possibly work – ikke implementere noe som ikke er spesifisert</a:t>
+              <a:t> – stiller store krav til utformingen av testene</a:t>
             </a:r>
           </a:p>
           <a:p>
             <a:r>
               <a:rPr lang="nb-NO" baseline="0" dirty="0" smtClean="0"/>
-              <a:t>DEMO: lag subtract i Calculator</a:t>
+              <a:t>Lettere å forstå – testene fungerer som dokumentasjon og beskrivelse av brukerhistoriene</a:t>
+            </a:r>
+          </a:p>
+          <a:p>
+            <a:r>
+              <a:rPr lang="nb-NO" baseline="0" dirty="0" smtClean="0"/>
+              <a:t>Lettere å gjøre endringer når du kan stole på en test-suite. Hørt på prosjekt: ”Jeg får ikke denne testen til å bli grønn” – ”ikke tenk på det, den skal være sånn” &lt;- ikke lov! Fiks røde tester slik at man faktisk kan stole på de.</a:t>
+            </a:r>
+          </a:p>
+          <a:p>
+            <a:r>
+              <a:rPr lang="nb-NO" baseline="0" dirty="0" smtClean="0"/>
+              <a:t>Inkrementell utvikling gjør at man til enhver tid har fungerende system i stedet for Big Bang.</a:t>
             </a:r>
             <a:endParaRPr lang="en-US" dirty="0"/>
           </a:p>
         </p:txBody>
       </p:sp>
     </p:spTree>
+    <p:extLst>
+      <p:ext uri="{BB962C8B-B14F-4D97-AF65-F5344CB8AC3E}">
+        <p14:creationId xmlns:p14="http://schemas.microsoft.com/office/powerpoint/2010/main" val="1408619870"/>
+      </p:ext>
+    </p:extLst>
   </p:cSld>
   <p:clrMapOvr>
     <a:masterClrMapping/>
@@ -3791,17 +4012,34 @@
           <a:p>
             <a:r>
               <a:rPr lang="nb-NO" dirty="0" smtClean="0"/>
-              <a:t>ReSharper</a:t>
+              <a:t>Red/Green/Refactor</a:t>
+            </a:r>
+          </a:p>
+          <a:p>
+            <a:r>
+              <a:rPr lang="nb-NO" dirty="0" smtClean="0"/>
+              <a:t>Do</a:t>
             </a:r>
             <a:r>
               <a:rPr lang="nb-NO" baseline="0" dirty="0" smtClean="0"/>
-              <a:t> har testrunner som gjør at man kan kjøre Nunittester </a:t>
+              <a:t> the simplest thing that could possibly work – ikke implementere noe som ikke er spesifisert</a:t>
+            </a:r>
+          </a:p>
+          <a:p>
+            <a:r>
+              <a:rPr lang="nb-NO" baseline="0" dirty="0" smtClean="0"/>
+              <a:t>DEMO: lag subtract i Calculator</a:t>
             </a:r>
             <a:endParaRPr lang="en-US" dirty="0"/>
           </a:p>
         </p:txBody>
       </p:sp>
     </p:spTree>
+    <p:extLst>
+      <p:ext uri="{BB962C8B-B14F-4D97-AF65-F5344CB8AC3E}">
+        <p14:creationId xmlns:p14="http://schemas.microsoft.com/office/powerpoint/2010/main" val="1002959954"/>
+      </p:ext>
+    </p:extLst>
   </p:cSld>
   <p:clrMapOvr>
     <a:masterClrMapping/>
@@ -3860,120 +4098,24 @@
           </a:bodyPr>
           <a:lstStyle/>
           <a:p>
-            <a:pPr>
-              <a:spcBef>
-                <a:spcPts val="600"/>
-              </a:spcBef>
-            </a:pPr>
-            <a:r>
-              <a:rPr lang="nb-NO" sz="1600" dirty="0" smtClean="0"/>
-              <a:t>Deklarere en test</a:t>
-            </a:r>
-            <a:br>
-              <a:rPr lang="nb-NO" sz="1600" dirty="0" smtClean="0"/>
-            </a:br>
-            <a:r>
-              <a:rPr lang="nb-NO" sz="1600" dirty="0" smtClean="0"/>
-              <a:t>Navnekonvensjon</a:t>
-            </a:r>
-            <a:br>
-              <a:rPr lang="nb-NO" sz="1600" dirty="0" smtClean="0"/>
-            </a:br>
-            <a:r>
-              <a:rPr lang="nb-NO" sz="1600" dirty="0" smtClean="0"/>
-              <a:t>NavnPåMetodeUnderTest_Senario_ForventetOppførsel()</a:t>
-            </a:r>
-            <a:br>
-              <a:rPr lang="nb-NO" sz="1600" dirty="0" smtClean="0"/>
-            </a:br>
-            <a:r>
-              <a:rPr lang="nb-NO" sz="1600" dirty="0" smtClean="0"/>
-              <a:t>Testene  blir fint gruppert i oversikte oppe til høyre i VS</a:t>
-            </a:r>
-            <a:br>
-              <a:rPr lang="nb-NO" sz="1600" dirty="0" smtClean="0"/>
-            </a:br>
-            <a:r>
-              <a:rPr lang="nb-NO" sz="1600" dirty="0" smtClean="0"/>
-              <a:t/>
-            </a:r>
-            <a:br>
-              <a:rPr lang="nb-NO" sz="1600" dirty="0" smtClean="0"/>
-            </a:br>
-            <a:r>
-              <a:rPr lang="nb-NO" sz="1600" dirty="0" smtClean="0"/>
-              <a:t>Implementere en test</a:t>
-            </a:r>
-          </a:p>
-          <a:p>
-            <a:pPr>
-              <a:spcBef>
-                <a:spcPts val="600"/>
-              </a:spcBef>
-            </a:pPr>
-            <a:r>
-              <a:rPr lang="nb-NO" sz="1600" dirty="0" smtClean="0"/>
-              <a:t>//arrange </a:t>
-            </a:r>
-            <a:br>
-              <a:rPr lang="nb-NO" sz="1600" dirty="0" smtClean="0"/>
-            </a:br>
-            <a:r>
-              <a:rPr lang="nb-NO" sz="1600" dirty="0" smtClean="0"/>
-              <a:t>//act</a:t>
-            </a:r>
-            <a:br>
-              <a:rPr lang="nb-NO" sz="1600" dirty="0" smtClean="0"/>
-            </a:br>
-            <a:r>
-              <a:rPr lang="nb-NO" sz="1600" dirty="0" smtClean="0"/>
-              <a:t>//assert</a:t>
-            </a:r>
-          </a:p>
-          <a:p>
-            <a:pPr>
-              <a:spcBef>
-                <a:spcPts val="600"/>
-              </a:spcBef>
-            </a:pPr>
-            <a:r>
-              <a:rPr lang="nb-NO" sz="1600" dirty="0" smtClean="0"/>
-              <a:t>èn assert per test </a:t>
-            </a:r>
-            <a:br>
-              <a:rPr lang="nb-NO" sz="1600" dirty="0" smtClean="0"/>
-            </a:br>
-            <a:r>
-              <a:rPr lang="nb-NO" sz="1600" dirty="0" smtClean="0"/>
-              <a:t>en test skal teste èn ting</a:t>
-            </a:r>
-          </a:p>
-          <a:p>
-            <a:pPr>
-              <a:spcBef>
-                <a:spcPts val="600"/>
-              </a:spcBef>
-            </a:pPr>
-            <a:r>
-              <a:rPr lang="nb-NO" sz="1600" dirty="0" smtClean="0"/>
-              <a:t>Kjøre test med tastatur, Ctrl + R + T</a:t>
-            </a:r>
-          </a:p>
-          <a:p>
-            <a:pPr>
-              <a:spcBef>
-                <a:spcPts val="600"/>
-              </a:spcBef>
-            </a:pPr>
-            <a:r>
-              <a:rPr lang="nb-NO" sz="1600" dirty="0" smtClean="0"/>
-              <a:t>Resharper Live template</a:t>
-            </a:r>
-            <a:endParaRPr lang="en-US" sz="1600" dirty="0" smtClean="0"/>
+            <a:r>
+              <a:rPr lang="nb-NO" dirty="0" smtClean="0"/>
+              <a:t>ReSharper</a:t>
+            </a:r>
+            <a:r>
+              <a:rPr lang="nb-NO" baseline="0" dirty="0" smtClean="0"/>
+              <a:t> har testrunner som gjør at man kan kjøre Nunittester </a:t>
+            </a:r>
+            <a:endParaRPr lang="en-US" dirty="0"/>
           </a:p>
         </p:txBody>
       </p:sp>
     </p:spTree>
+    <p:extLst>
+      <p:ext uri="{BB962C8B-B14F-4D97-AF65-F5344CB8AC3E}">
+        <p14:creationId xmlns:p14="http://schemas.microsoft.com/office/powerpoint/2010/main" val="2846507134"/>
+      </p:ext>
+    </p:extLst>
   </p:cSld>
   <p:clrMapOvr>
     <a:masterClrMapping/>
@@ -4036,44 +4178,121 @@
               <a:spcBef>
                 <a:spcPts val="600"/>
               </a:spcBef>
-              <a:spcAft>
-                <a:spcPts val="400"/>
-              </a:spcAft>
             </a:pPr>
             <a:r>
               <a:rPr lang="nb-NO" sz="1600" dirty="0" smtClean="0"/>
-              <a:t>Vi tester ikke at eposten faktisk blir sendt –</a:t>
-            </a:r>
-            <a:r>
-              <a:rPr lang="nb-NO" sz="1600" baseline="0" dirty="0" smtClean="0"/>
-              <a:t> vi tester vår kode som enhet.</a:t>
-            </a:r>
-            <a:endParaRPr lang="nb-NO" sz="1600" dirty="0" smtClean="0"/>
+              <a:t>Deklarere en test</a:t>
+            </a:r>
+            <a:br>
+              <a:rPr lang="nb-NO" sz="1600" dirty="0" smtClean="0"/>
+            </a:br>
+            <a:r>
+              <a:rPr lang="nb-NO" sz="1600" dirty="0" smtClean="0"/>
+              <a:t>Navnekonvensjon</a:t>
+            </a:r>
+            <a:br>
+              <a:rPr lang="nb-NO" sz="1600" dirty="0" smtClean="0"/>
+            </a:br>
+            <a:r>
+              <a:rPr lang="nb-NO" sz="1600" dirty="0" smtClean="0"/>
+              <a:t>NavnPåMetodeUnderTest_Senario_ForventetOppførsel()</a:t>
+            </a:r>
+            <a:br>
+              <a:rPr lang="nb-NO" sz="1600" dirty="0" smtClean="0"/>
+            </a:br>
+            <a:r>
+              <a:rPr lang="nb-NO" sz="1600" dirty="0" smtClean="0"/>
+              <a:t>Testene  blir fint gruppert i oversikte oppe til høyre i VS</a:t>
+            </a:r>
+            <a:br>
+              <a:rPr lang="nb-NO" sz="1600" dirty="0" smtClean="0"/>
+            </a:br>
+            <a:r>
+              <a:rPr lang="nb-NO" sz="1600" dirty="0" smtClean="0"/>
+              <a:t/>
+            </a:r>
+            <a:br>
+              <a:rPr lang="nb-NO" sz="1600" dirty="0" smtClean="0"/>
+            </a:br>
+            <a:r>
+              <a:rPr lang="nb-NO" sz="1600" dirty="0" smtClean="0"/>
+              <a:t>Implementere en test</a:t>
+            </a:r>
           </a:p>
           <a:p>
             <a:pPr>
               <a:spcBef>
                 <a:spcPts val="600"/>
               </a:spcBef>
-              <a:spcAft>
-                <a:spcPts val="400"/>
-              </a:spcAft>
             </a:pPr>
             <a:r>
               <a:rPr lang="nb-NO" sz="1600" dirty="0" smtClean="0"/>
-              <a:t>Isolation framework</a:t>
+              <a:t>//arrange </a:t>
             </a:r>
             <a:br>
               <a:rPr lang="nb-NO" sz="1600" dirty="0" smtClean="0"/>
             </a:br>
             <a:r>
               <a:rPr lang="nb-NO" sz="1600" dirty="0" smtClean="0"/>
-              <a:t>klassifisering av tester unit-, integration- og systemintegrationtester</a:t>
-            </a:r>
+              <a:t>//act</a:t>
+            </a:r>
+            <a:br>
+              <a:rPr lang="nb-NO" sz="1600" dirty="0" smtClean="0"/>
+            </a:br>
+            <a:r>
+              <a:rPr lang="nb-NO" sz="1600" dirty="0" smtClean="0"/>
+              <a:t>//assert</a:t>
+            </a:r>
+          </a:p>
+          <a:p>
+            <a:pPr>
+              <a:spcBef>
+                <a:spcPts val="600"/>
+              </a:spcBef>
+            </a:pPr>
+            <a:r>
+              <a:rPr lang="nb-NO" sz="1600" dirty="0" smtClean="0"/>
+              <a:t>èn assert per test </a:t>
+            </a:r>
+            <a:br>
+              <a:rPr lang="nb-NO" sz="1600" dirty="0" smtClean="0"/>
+            </a:br>
+            <a:r>
+              <a:rPr lang="nb-NO" sz="1600" dirty="0" smtClean="0"/>
+              <a:t>en test skal teste èn ting</a:t>
+            </a:r>
+          </a:p>
+          <a:p>
+            <a:pPr>
+              <a:spcBef>
+                <a:spcPts val="600"/>
+              </a:spcBef>
+            </a:pPr>
+            <a:r>
+              <a:rPr lang="nb-NO" sz="1600" dirty="0" smtClean="0"/>
+              <a:t>Kjøre test med tastatur, Ctrl + R + T</a:t>
+            </a:r>
+          </a:p>
+          <a:p>
+            <a:pPr>
+              <a:spcBef>
+                <a:spcPts val="600"/>
+              </a:spcBef>
+            </a:pPr>
+            <a:r>
+              <a:rPr lang="nb-NO" sz="1600" dirty="0" smtClean="0"/>
+              <a:t>Resharper Live template</a:t>
+            </a:r>
+            <a:endParaRPr lang="en-US" sz="1600" dirty="0" smtClean="0"/>
           </a:p>
         </p:txBody>
       </p:sp>
     </p:spTree>
+    <p:extLst>
+      <p:ext uri="{BB962C8B-B14F-4D97-AF65-F5344CB8AC3E}">
+        <p14:creationId xmlns:p14="http://schemas.microsoft.com/office/powerpoint/2010/main" val="664909238"/>
+      </p:ext>
+    </p:extLst>
   </p:cSld>
   <p:clrMapOvr>
     <a:masterClrMapping/>
@@ -4132,34 +4351,53 @@
           </a:bodyPr>
           <a:lstStyle/>
           <a:p>
-            <a:r>
-              <a:rPr lang="nb-NO" dirty="0" smtClean="0"/>
-              <a:t>Mock –</a:t>
-            </a:r>
-            <a:r>
-              <a:rPr lang="nb-NO" baseline="0" dirty="0" smtClean="0"/>
-              <a:t> når vi tester mot en fake</a:t>
-            </a:r>
-          </a:p>
-          <a:p>
-            <a:r>
-              <a:rPr lang="nb-NO" baseline="0" dirty="0" smtClean="0"/>
-              <a:t>Stub – når den bare hjelper oss å gjennomføre testen</a:t>
-            </a:r>
-          </a:p>
-          <a:p>
-            <a:endParaRPr lang="nb-NO" baseline="0" dirty="0" smtClean="0"/>
-          </a:p>
-          <a:p>
-            <a:r>
-              <a:rPr lang="nb-NO" baseline="0" dirty="0" smtClean="0"/>
-              <a:t>DEMO: Vise i kode hvordan man kan gjøre dette med EmailService – først manuell så med Rhino Mocks.</a:t>
-            </a:r>
-            <a:endParaRPr lang="en-US" dirty="0"/>
+            <a:pPr>
+              <a:spcBef>
+                <a:spcPts val="600"/>
+              </a:spcBef>
+              <a:spcAft>
+                <a:spcPts val="400"/>
+              </a:spcAft>
+            </a:pPr>
+            <a:r>
+              <a:rPr lang="nb-NO" sz="1600" dirty="0" smtClean="0"/>
+              <a:t>Vi tester ikke at eposten faktisk blir sendt –</a:t>
+            </a:r>
+            <a:r>
+              <a:rPr lang="nb-NO" sz="1600" baseline="0" dirty="0" smtClean="0"/>
+              <a:t> vi tester vår kode som enhet.</a:t>
+            </a:r>
+            <a:endParaRPr lang="nb-NO" sz="1600" dirty="0" smtClean="0"/>
+          </a:p>
+          <a:p>
+            <a:pPr>
+              <a:spcBef>
+                <a:spcPts val="600"/>
+              </a:spcBef>
+              <a:spcAft>
+                <a:spcPts val="400"/>
+              </a:spcAft>
+            </a:pPr>
+            <a:r>
+              <a:rPr lang="nb-NO" sz="1600" dirty="0" smtClean="0"/>
+              <a:t>Isolation framework</a:t>
+            </a:r>
+            <a:br>
+              <a:rPr lang="nb-NO" sz="1600" dirty="0" smtClean="0"/>
+            </a:br>
+            <a:r>
+              <a:rPr lang="nb-NO" sz="1600" dirty="0" smtClean="0"/>
+              <a:t>klassifisering av tester unit-, integration- og systemintegrationtester</a:t>
+            </a:r>
           </a:p>
         </p:txBody>
       </p:sp>
     </p:spTree>
+    <p:extLst>
+      <p:ext uri="{BB962C8B-B14F-4D97-AF65-F5344CB8AC3E}">
+        <p14:creationId xmlns:p14="http://schemas.microsoft.com/office/powerpoint/2010/main" val="1627688278"/>
+      </p:ext>
+    </p:extLst>
   </p:cSld>
   <p:clrMapOvr>
     <a:masterClrMapping/>
@@ -4218,43 +4456,53 @@
           </a:bodyPr>
           <a:lstStyle/>
           <a:p>
-            <a:r>
-              <a:rPr lang="nb-NO" dirty="0" smtClean="0"/>
-              <a:t>Vis konkret eksempel i</a:t>
-            </a:r>
-            <a:r>
-              <a:rPr lang="nb-NO" baseline="0" dirty="0" smtClean="0"/>
-              <a:t> kode.</a:t>
-            </a:r>
-          </a:p>
-          <a:p>
-            <a:r>
-              <a:rPr lang="nb-NO" baseline="0" dirty="0" smtClean="0"/>
-              <a:t>F.Eks</a:t>
-            </a:r>
-          </a:p>
-          <a:p>
-            <a:r>
-              <a:rPr lang="nb-NO" baseline="0" dirty="0" smtClean="0"/>
-              <a:t>Med StringCalculator fra TDD KATA 2 der Parser bør </a:t>
-            </a:r>
-            <a:r>
-              <a:rPr lang="nb-NO" baseline="0" dirty="0" smtClean="0"/>
-              <a:t>injectes</a:t>
-            </a:r>
-          </a:p>
-          <a:p>
-            <a:r>
-              <a:rPr lang="en-US" dirty="0" smtClean="0">
-                <a:hlinkClick r:id="rId3"/>
-              </a:rPr>
-              <a:t>http://martinfowler.com/articles/injection.html#FormsOfDependencyInjection</a:t>
-            </a:r>
-            <a:endParaRPr lang="en-US" dirty="0"/>
+            <a:pPr>
+              <a:spcBef>
+                <a:spcPts val="600"/>
+              </a:spcBef>
+              <a:spcAft>
+                <a:spcPts val="400"/>
+              </a:spcAft>
+            </a:pPr>
+            <a:r>
+              <a:rPr lang="nb-NO" sz="1600" dirty="0" smtClean="0"/>
+              <a:t>Vi tester ikke at eposten faktisk blir sendt –</a:t>
+            </a:r>
+            <a:r>
+              <a:rPr lang="nb-NO" sz="1600" baseline="0" dirty="0" smtClean="0"/>
+              <a:t> vi tester vår kode som enhet.</a:t>
+            </a:r>
+            <a:endParaRPr lang="nb-NO" sz="1600" dirty="0" smtClean="0"/>
+          </a:p>
+          <a:p>
+            <a:pPr>
+              <a:spcBef>
+                <a:spcPts val="600"/>
+              </a:spcBef>
+              <a:spcAft>
+                <a:spcPts val="400"/>
+              </a:spcAft>
+            </a:pPr>
+            <a:r>
+              <a:rPr lang="nb-NO" sz="1600" dirty="0" smtClean="0"/>
+              <a:t>Isolation framework</a:t>
+            </a:r>
+            <a:br>
+              <a:rPr lang="nb-NO" sz="1600" dirty="0" smtClean="0"/>
+            </a:br>
+            <a:r>
+              <a:rPr lang="nb-NO" sz="1600" dirty="0" smtClean="0"/>
+              <a:t>klassifisering av tester unit-, integration- og systemintegrationtester</a:t>
+            </a:r>
           </a:p>
         </p:txBody>
       </p:sp>
     </p:spTree>
+    <p:extLst>
+      <p:ext uri="{BB962C8B-B14F-4D97-AF65-F5344CB8AC3E}">
+        <p14:creationId xmlns:p14="http://schemas.microsoft.com/office/powerpoint/2010/main" val="2603387403"/>
+      </p:ext>
+    </p:extLst>
   </p:cSld>
   <p:clrMapOvr>
     <a:masterClrMapping/>
@@ -4315,17 +4563,37 @@
           <a:p>
             <a:r>
               <a:rPr lang="nb-NO" dirty="0" smtClean="0"/>
-              <a:t>Demo</a:t>
+              <a:t>Mock –</a:t>
             </a:r>
             <a:r>
               <a:rPr lang="nb-NO" baseline="0" dirty="0" smtClean="0"/>
-              <a:t> ved: Bekk.dotnetintro.TDD.NinjectDemo</a:t>
+              <a:t> når vi tester mot en fake</a:t>
+            </a:r>
+          </a:p>
+          <a:p>
+            <a:r>
+              <a:rPr lang="nb-NO" baseline="0" dirty="0" smtClean="0"/>
+              <a:t>Stub – når den bare hjelper oss å gjennomføre testen</a:t>
+            </a:r>
+          </a:p>
+          <a:p>
+            <a:endParaRPr lang="nb-NO" baseline="0" dirty="0" smtClean="0"/>
+          </a:p>
+          <a:p>
+            <a:r>
+              <a:rPr lang="nb-NO" baseline="0" dirty="0" smtClean="0"/>
+              <a:t>DEMO: Vise i kode hvordan man kan gjøre dette med EmailService – først manuell så med Rhino Mocks.</a:t>
             </a:r>
             <a:endParaRPr lang="en-US" dirty="0"/>
           </a:p>
         </p:txBody>
       </p:sp>
     </p:spTree>
+    <p:extLst>
+      <p:ext uri="{BB962C8B-B14F-4D97-AF65-F5344CB8AC3E}">
+        <p14:creationId xmlns:p14="http://schemas.microsoft.com/office/powerpoint/2010/main" val="1422762481"/>
+      </p:ext>
+    </p:extLst>
   </p:cSld>
   <p:clrMapOvr>
     <a:masterClrMapping/>
@@ -4759,7 +5027,7 @@
     </p:spTree>
     <p:extLst>
       <p:ext uri="{BB962C8B-B14F-4D97-AF65-F5344CB8AC3E}">
-        <p14:creationId xmlns="" xmlns:p14="http://schemas.microsoft.com/office/powerpoint/2010/main" val="1631701370"/>
+        <p14:creationId xmlns:p14="http://schemas.microsoft.com/office/powerpoint/2010/main" val="1631701370"/>
       </p:ext>
     </p:extLst>
   </p:cSld>
@@ -5080,7 +5348,7 @@
     </p:spTree>
     <p:extLst>
       <p:ext uri="{BB962C8B-B14F-4D97-AF65-F5344CB8AC3E}">
-        <p14:creationId xmlns="" xmlns:p14="http://schemas.microsoft.com/office/powerpoint/2010/main" val="2627694574"/>
+        <p14:creationId xmlns:p14="http://schemas.microsoft.com/office/powerpoint/2010/main" val="2627694574"/>
       </p:ext>
     </p:extLst>
   </p:cSld>
@@ -5399,7 +5667,7 @@
     </p:spTree>
     <p:extLst>
       <p:ext uri="{BB962C8B-B14F-4D97-AF65-F5344CB8AC3E}">
-        <p14:creationId xmlns="" xmlns:p14="http://schemas.microsoft.com/office/powerpoint/2010/main" val="2472564093"/>
+        <p14:creationId xmlns:p14="http://schemas.microsoft.com/office/powerpoint/2010/main" val="2472564093"/>
       </p:ext>
     </p:extLst>
   </p:cSld>
@@ -5884,7 +6152,7 @@
     </p:spTree>
     <p:extLst>
       <p:ext uri="{BB962C8B-B14F-4D97-AF65-F5344CB8AC3E}">
-        <p14:creationId xmlns="" xmlns:p14="http://schemas.microsoft.com/office/powerpoint/2010/main" val="844442129"/>
+        <p14:creationId xmlns:p14="http://schemas.microsoft.com/office/powerpoint/2010/main" val="844442129"/>
       </p:ext>
     </p:extLst>
   </p:cSld>
@@ -6214,7 +6482,7 @@
     </p:spTree>
     <p:extLst>
       <p:ext uri="{BB962C8B-B14F-4D97-AF65-F5344CB8AC3E}">
-        <p14:creationId xmlns="" xmlns:p14="http://schemas.microsoft.com/office/powerpoint/2010/main" val="1607786633"/>
+        <p14:creationId xmlns:p14="http://schemas.microsoft.com/office/powerpoint/2010/main" val="1607786633"/>
       </p:ext>
     </p:extLst>
   </p:cSld>
@@ -6544,7 +6812,7 @@
     </p:spTree>
     <p:extLst>
       <p:ext uri="{BB962C8B-B14F-4D97-AF65-F5344CB8AC3E}">
-        <p14:creationId xmlns="" xmlns:p14="http://schemas.microsoft.com/office/powerpoint/2010/main" val="3400319444"/>
+        <p14:creationId xmlns:p14="http://schemas.microsoft.com/office/powerpoint/2010/main" val="3400319444"/>
       </p:ext>
     </p:extLst>
   </p:cSld>
@@ -8414,7 +8682,7 @@
     </p:spTree>
     <p:extLst>
       <p:ext uri="{BB962C8B-B14F-4D97-AF65-F5344CB8AC3E}">
-        <p14:creationId xmlns="" xmlns:p14="http://schemas.microsoft.com/office/powerpoint/2010/main" val="1273682958"/>
+        <p14:creationId xmlns:p14="http://schemas.microsoft.com/office/powerpoint/2010/main" val="1273682958"/>
       </p:ext>
     </p:extLst>
   </p:cSld>
@@ -8519,7 +8787,7 @@
     </p:spTree>
     <p:extLst>
       <p:ext uri="{BB962C8B-B14F-4D97-AF65-F5344CB8AC3E}">
-        <p14:creationId xmlns="" xmlns:p14="http://schemas.microsoft.com/office/powerpoint/2010/main" val="3654216826"/>
+        <p14:creationId xmlns:p14="http://schemas.microsoft.com/office/powerpoint/2010/main" val="3654216826"/>
       </p:ext>
     </p:extLst>
   </p:cSld>
@@ -8775,7 +9043,7 @@
     </p:spTree>
     <p:extLst>
       <p:ext uri="{BB962C8B-B14F-4D97-AF65-F5344CB8AC3E}">
-        <p14:creationId xmlns="" xmlns:p14="http://schemas.microsoft.com/office/powerpoint/2010/main" val="2837040887"/>
+        <p14:creationId xmlns:p14="http://schemas.microsoft.com/office/powerpoint/2010/main" val="2837040887"/>
       </p:ext>
     </p:extLst>
   </p:cSld>
@@ -8808,7 +9076,7 @@
     </p:spTree>
     <p:extLst>
       <p:ext uri="{BB962C8B-B14F-4D97-AF65-F5344CB8AC3E}">
-        <p14:creationId xmlns="" xmlns:p14="http://schemas.microsoft.com/office/powerpoint/2010/main" val="3283581558"/>
+        <p14:creationId xmlns:p14="http://schemas.microsoft.com/office/powerpoint/2010/main" val="3283581558"/>
       </p:ext>
     </p:extLst>
   </p:cSld>
@@ -9122,7 +9390,7 @@
     </p:spTree>
     <p:extLst>
       <p:ext uri="{BB962C8B-B14F-4D97-AF65-F5344CB8AC3E}">
-        <p14:creationId xmlns="" xmlns:p14="http://schemas.microsoft.com/office/powerpoint/2010/main" val="3151533342"/>
+        <p14:creationId xmlns:p14="http://schemas.microsoft.com/office/powerpoint/2010/main" val="3151533342"/>
       </p:ext>
     </p:extLst>
   </p:cSld>
@@ -9265,7 +9533,7 @@
     </p:spTree>
     <p:extLst>
       <p:ext uri="{BB962C8B-B14F-4D97-AF65-F5344CB8AC3E}">
-        <p14:creationId xmlns="" xmlns:p14="http://schemas.microsoft.com/office/powerpoint/2010/main" val="894352273"/>
+        <p14:creationId xmlns:p14="http://schemas.microsoft.com/office/powerpoint/2010/main" val="894352273"/>
       </p:ext>
     </p:extLst>
   </p:cSld>
@@ -9431,7 +9699,7 @@
     </p:spTree>
     <p:extLst>
       <p:ext uri="{BB962C8B-B14F-4D97-AF65-F5344CB8AC3E}">
-        <p14:creationId xmlns="" xmlns:p14="http://schemas.microsoft.com/office/powerpoint/2010/main" val="351067674"/>
+        <p14:creationId xmlns:p14="http://schemas.microsoft.com/office/powerpoint/2010/main" val="351067674"/>
       </p:ext>
     </p:extLst>
   </p:cSld>
@@ -9751,7 +10019,7 @@
     </p:spTree>
     <p:extLst>
       <p:ext uri="{BB962C8B-B14F-4D97-AF65-F5344CB8AC3E}">
-        <p14:creationId xmlns="" xmlns:p14="http://schemas.microsoft.com/office/powerpoint/2010/main" val="3938044995"/>
+        <p14:creationId xmlns:p14="http://schemas.microsoft.com/office/powerpoint/2010/main" val="3938044995"/>
       </p:ext>
     </p:extLst>
   </p:cSld>
@@ -10337,7 +10605,7 @@
     </p:spTree>
     <p:extLst>
       <p:ext uri="{BB962C8B-B14F-4D97-AF65-F5344CB8AC3E}">
-        <p14:creationId xmlns="" xmlns:p14="http://schemas.microsoft.com/office/powerpoint/2010/main" val="3192118728"/>
+        <p14:creationId xmlns:p14="http://schemas.microsoft.com/office/powerpoint/2010/main" val="3192118728"/>
       </p:ext>
     </p:extLst>
   </p:cSld>
@@ -10735,7 +11003,7 @@
     </p:spTree>
     <p:extLst>
       <p:ext uri="{BB962C8B-B14F-4D97-AF65-F5344CB8AC3E}">
-        <p14:creationId xmlns="" xmlns:p14="http://schemas.microsoft.com/office/powerpoint/2010/main" val="2190527855"/>
+        <p14:creationId xmlns:p14="http://schemas.microsoft.com/office/powerpoint/2010/main" val="2190527855"/>
       </p:ext>
     </p:extLst>
   </p:cSld>
@@ -11532,7 +11800,7 @@
     </p:spTree>
     <p:extLst>
       <p:ext uri="{BB962C8B-B14F-4D97-AF65-F5344CB8AC3E}">
-        <p14:creationId xmlns="" xmlns:p14="http://schemas.microsoft.com/office/powerpoint/2010/main" val="69886873"/>
+        <p14:creationId xmlns:p14="http://schemas.microsoft.com/office/powerpoint/2010/main" val="69886873"/>
       </p:ext>
     </p:extLst>
   </p:cSld>
@@ -12623,7 +12891,7 @@
     </p:spTree>
     <p:extLst>
       <p:ext uri="{BB962C8B-B14F-4D97-AF65-F5344CB8AC3E}">
-        <p14:creationId xmlns="" xmlns:p14="http://schemas.microsoft.com/office/powerpoint/2010/main" val="593901232"/>
+        <p14:creationId xmlns:p14="http://schemas.microsoft.com/office/powerpoint/2010/main" val="593901232"/>
       </p:ext>
     </p:extLst>
   </p:cSld>
@@ -12879,7 +13147,7 @@
     </p:spTree>
     <p:extLst>
       <p:ext uri="{BB962C8B-B14F-4D97-AF65-F5344CB8AC3E}">
-        <p14:creationId xmlns="" xmlns:p14="http://schemas.microsoft.com/office/powerpoint/2010/main" val="925662914"/>
+        <p14:creationId xmlns:p14="http://schemas.microsoft.com/office/powerpoint/2010/main" val="925662914"/>
       </p:ext>
     </p:extLst>
   </p:cSld>
@@ -13121,7 +13389,7 @@
     </p:spTree>
     <p:extLst>
       <p:ext uri="{BB962C8B-B14F-4D97-AF65-F5344CB8AC3E}">
-        <p14:creationId xmlns="" xmlns:p14="http://schemas.microsoft.com/office/powerpoint/2010/main" val="2463004899"/>
+        <p14:creationId xmlns:p14="http://schemas.microsoft.com/office/powerpoint/2010/main" val="2463004899"/>
       </p:ext>
     </p:extLst>
   </p:cSld>
@@ -13553,7 +13821,7 @@
     </p:spTree>
     <p:extLst>
       <p:ext uri="{BB962C8B-B14F-4D97-AF65-F5344CB8AC3E}">
-        <p14:creationId xmlns="" xmlns:p14="http://schemas.microsoft.com/office/powerpoint/2010/main" val="1193520387"/>
+        <p14:creationId xmlns:p14="http://schemas.microsoft.com/office/powerpoint/2010/main" val="1193520387"/>
       </p:ext>
     </p:extLst>
   </p:cSld>
@@ -13627,7 +13895,15 @@
                   <a:schemeClr val="bg1"/>
                 </a:solidFill>
               </a:rPr>
-              <a:t>Oppgave 2</a:t>
+              <a:t>Oppgave </a:t>
+            </a:r>
+            <a:r>
+              <a:rPr lang="nb-NO" dirty="0" smtClean="0">
+                <a:solidFill>
+                  <a:schemeClr val="bg1"/>
+                </a:solidFill>
+              </a:rPr>
+              <a:t>2</a:t>
             </a:r>
             <a:endParaRPr lang="en-US" dirty="0">
               <a:solidFill>
@@ -13684,7 +13960,7 @@
         <p:spPr>
           <a:xfrm>
             <a:off x="773723" y="1341070"/>
-            <a:ext cx="7957584" cy="1846659"/>
+            <a:ext cx="7957584" cy="2769989"/>
           </a:xfrm>
           <a:prstGeom prst="rect">
             <a:avLst/>
@@ -13699,22 +13975,22 @@
           </a:bodyPr>
           <a:lstStyle/>
           <a:p>
+            <a:pPr algn="just"/>
             <a:r>
               <a:rPr lang="nb-NO" sz="2000" dirty="0" smtClean="0">
                 <a:solidFill>
                   <a:schemeClr val="bg1"/>
                 </a:solidFill>
               </a:rPr>
-              <a:t>Gjennomfør TDD Kataen som er laget av Roy Osherove (</a:t>
-            </a:r>
-            <a:r>
-              <a:rPr lang="nb-NO" sz="2000" u="sng" dirty="0" smtClean="0">
+              <a:t>I denne oppgaven skal vi implementere en enkel Stack. Det skal være mulig å gjøre </a:t>
+            </a:r>
+            <a:r>
+              <a:rPr lang="nb-NO" sz="2000" i="1" dirty="0" smtClean="0">
                 <a:solidFill>
                   <a:schemeClr val="bg1"/>
                 </a:solidFill>
-                <a:hlinkClick r:id="rId2"/>
-              </a:rPr>
-              <a:t>http://osherove.com/</a:t>
+              </a:rPr>
+              <a:t>Push</a:t>
             </a:r>
             <a:r>
               <a:rPr lang="nb-NO" sz="2000" dirty="0" smtClean="0">
@@ -13722,16 +13998,15 @@
                   <a:schemeClr val="bg1"/>
                 </a:solidFill>
               </a:rPr>
-              <a:t>) som finnes </a:t>
-            </a:r>
-            <a:r>
-              <a:rPr lang="nb-NO" sz="2000" u="sng" dirty="0" smtClean="0">
+              <a:t> for å få elementer på stacken og </a:t>
+            </a:r>
+            <a:r>
+              <a:rPr lang="nb-NO" sz="2000" i="1" dirty="0" smtClean="0">
                 <a:solidFill>
                   <a:schemeClr val="bg1"/>
                 </a:solidFill>
-                <a:hlinkClick r:id="rId3"/>
-              </a:rPr>
-              <a:t>her.</a:t>
+              </a:rPr>
+              <a:t>Pop</a:t>
             </a:r>
             <a:r>
               <a:rPr lang="nb-NO" sz="2000" dirty="0" smtClean="0">
@@ -13739,24 +14014,130 @@
                   <a:schemeClr val="bg1"/>
                 </a:solidFill>
               </a:rPr>
-              <a:t> </a:t>
-            </a:r>
-          </a:p>
-          <a:p>
-            <a:endParaRPr lang="nb-NO" sz="2000" dirty="0" smtClean="0">
+              <a:t> for å få de av. </a:t>
+            </a:r>
+          </a:p>
+          <a:p>
+            <a:pPr algn="just"/>
+            <a:r>
+              <a:rPr lang="nb-NO" sz="2000" dirty="0" smtClean="0">
+                <a:solidFill>
+                  <a:schemeClr val="bg1"/>
+                </a:solidFill>
+              </a:rPr>
+              <a:t>I tillegg ønsker vi funksjonalitet for å se om stacken har noen elementer (f.eks </a:t>
+            </a:r>
+            <a:r>
+              <a:rPr lang="nb-NO" sz="2000" i="1" dirty="0" smtClean="0">
+                <a:solidFill>
+                  <a:schemeClr val="bg1"/>
+                </a:solidFill>
+              </a:rPr>
+              <a:t>IsEmpty</a:t>
+            </a:r>
+            <a:r>
+              <a:rPr lang="nb-NO" sz="2000" dirty="0" smtClean="0">
+                <a:solidFill>
+                  <a:schemeClr val="bg1"/>
+                </a:solidFill>
+              </a:rPr>
+              <a:t>) og vi ønsker en funksjon som kan returnere det siste elementet som er lagt på stacken (f.eks </a:t>
+            </a:r>
+            <a:r>
+              <a:rPr lang="nb-NO" sz="2000" i="1" dirty="0" smtClean="0">
+                <a:solidFill>
+                  <a:schemeClr val="bg1"/>
+                </a:solidFill>
+              </a:rPr>
+              <a:t>Top</a:t>
+            </a:r>
+            <a:r>
+              <a:rPr lang="nb-NO" sz="2000" dirty="0" smtClean="0">
+                <a:solidFill>
+                  <a:schemeClr val="bg1"/>
+                </a:solidFill>
+              </a:rPr>
+              <a:t>).</a:t>
+            </a:r>
+            <a:endParaRPr lang="en-US" sz="2000" dirty="0" smtClean="0">
               <a:solidFill>
                 <a:schemeClr val="bg1"/>
               </a:solidFill>
             </a:endParaRPr>
           </a:p>
           <a:p>
+            <a:pPr algn="just"/>
             <a:r>
               <a:rPr lang="nb-NO" sz="2000" dirty="0" smtClean="0">
                 <a:solidFill>
                   <a:schemeClr val="bg1"/>
                 </a:solidFill>
               </a:rPr>
-              <a:t>Kataen går på å implementere en String Calculator, løs èn og èn av oppgavene, prøv å ikke ”se fremover”.</a:t>
+              <a:t> </a:t>
+            </a:r>
+            <a:endParaRPr lang="en-US" sz="2000" dirty="0" smtClean="0">
+              <a:solidFill>
+                <a:schemeClr val="bg1"/>
+              </a:solidFill>
+            </a:endParaRPr>
+          </a:p>
+          <a:p>
+            <a:pPr algn="just"/>
+            <a:r>
+              <a:rPr lang="nb-NO" sz="2000" dirty="0" smtClean="0">
+                <a:solidFill>
+                  <a:schemeClr val="bg1"/>
+                </a:solidFill>
+              </a:rPr>
+              <a:t>Oppgaven skal gjennomføres test-drevet, det betyr at vi følger </a:t>
+            </a:r>
+            <a:r>
+              <a:rPr lang="nb-NO" sz="2000" dirty="0" smtClean="0">
+                <a:solidFill>
+                  <a:srgbClr val="FF0000"/>
+                </a:solidFill>
+              </a:rPr>
+              <a:t>red</a:t>
+            </a:r>
+            <a:r>
+              <a:rPr lang="nb-NO" sz="2000" dirty="0" smtClean="0">
+                <a:solidFill>
+                  <a:schemeClr val="bg1"/>
+                </a:solidFill>
+              </a:rPr>
+              <a:t>/</a:t>
+            </a:r>
+            <a:r>
+              <a:rPr lang="nb-NO" sz="2000" dirty="0" smtClean="0">
+                <a:solidFill>
+                  <a:srgbClr val="548343"/>
+                </a:solidFill>
+              </a:rPr>
+              <a:t>green</a:t>
+            </a:r>
+            <a:r>
+              <a:rPr lang="nb-NO" sz="2000" dirty="0" smtClean="0">
+                <a:solidFill>
+                  <a:schemeClr val="bg1"/>
+                </a:solidFill>
+              </a:rPr>
+              <a:t>/</a:t>
+            </a:r>
+            <a:r>
+              <a:rPr lang="nb-NO" sz="2000" dirty="0" smtClean="0">
+                <a:solidFill>
+                  <a:srgbClr val="F2B948"/>
+                </a:solidFill>
+              </a:rPr>
+              <a:t>refactor</a:t>
+            </a:r>
+            <a:r>
+              <a:rPr lang="nb-NO" sz="2000" dirty="0" smtClean="0">
+                <a:solidFill>
+                  <a:schemeClr val="bg1"/>
+                </a:solidFill>
+              </a:rPr>
+              <a:t> prinsippet.</a:t>
             </a:r>
             <a:endParaRPr lang="en-US" sz="2000" dirty="0" smtClean="0">
               <a:solidFill>
@@ -13805,6 +14186,13 @@
   <p:transition>
     <p:fade thruBlk="1"/>
   </p:transition>
+  <p:timing>
+    <p:tnLst>
+      <p:par>
+        <p:cTn id="1" dur="indefinite" restart="never" nodeType="tmRoot"/>
+      </p:par>
+    </p:tnLst>
+  </p:timing>
 </p:sld>
 </file>
 
@@ -13886,7 +14274,7 @@
         <p:spPr>
           <a:xfrm>
             <a:off x="362263" y="1417562"/>
-            <a:ext cx="8369044" cy="2031325"/>
+            <a:ext cx="8369044" cy="2159566"/>
           </a:xfrm>
           <a:prstGeom prst="rect">
             <a:avLst/>
@@ -14083,21 +14471,7 @@
                 <a:latin typeface="Consolas" pitchFamily="49" charset="0"/>
                 <a:cs typeface="Consolas" pitchFamily="49" charset="0"/>
               </a:rPr>
-              <a:t> </a:t>
-            </a:r>
-            <a:r>
-              <a:rPr lang="en-US" sz="1400" dirty="0" err="1" smtClean="0">
-                <a:latin typeface="Consolas" pitchFamily="49" charset="0"/>
-                <a:cs typeface="Consolas" pitchFamily="49" charset="0"/>
-              </a:rPr>
-              <a:t>person</a:t>
-            </a:r>
-            <a:r>
-              <a:rPr lang="en-US" sz="1400" dirty="0" smtClean="0">
-                <a:latin typeface="Consolas" pitchFamily="49" charset="0"/>
-                <a:cs typeface="Consolas" pitchFamily="49" charset="0"/>
-              </a:rPr>
-              <a:t>) </a:t>
+              <a:t> person) </a:t>
             </a:r>
             <a:br>
               <a:rPr lang="en-US" sz="1400" dirty="0" smtClean="0">
@@ -14123,33 +14497,135 @@
                 <a:latin typeface="Consolas" pitchFamily="49" charset="0"/>
                 <a:cs typeface="Consolas" pitchFamily="49" charset="0"/>
               </a:rPr>
-              <a:t>		…</a:t>
+              <a:t>		</a:t>
+            </a:r>
+            <a:r>
+              <a:rPr lang="en-US" sz="1400" dirty="0" err="1" smtClean="0">
+                <a:latin typeface="Consolas" pitchFamily="49" charset="0"/>
+                <a:cs typeface="Consolas" pitchFamily="49" charset="0"/>
+              </a:rPr>
+              <a:t>var</a:t>
+            </a:r>
+            <a:r>
+              <a:rPr lang="en-US" sz="1400" dirty="0" smtClean="0">
+                <a:latin typeface="Consolas" pitchFamily="49" charset="0"/>
+                <a:cs typeface="Consolas" pitchFamily="49" charset="0"/>
+              </a:rPr>
+              <a:t> </a:t>
+            </a:r>
+            <a:r>
+              <a:rPr lang="en-US" sz="1400" dirty="0">
+                <a:latin typeface="Consolas" pitchFamily="49" charset="0"/>
+                <a:cs typeface="Consolas" pitchFamily="49" charset="0"/>
+              </a:rPr>
+              <a:t>message = </a:t>
+            </a:r>
+            <a:r>
+              <a:rPr lang="en-US" sz="1400" dirty="0" err="1">
+                <a:latin typeface="Consolas" pitchFamily="49" charset="0"/>
+                <a:cs typeface="Consolas" pitchFamily="49" charset="0"/>
+              </a:rPr>
+              <a:t>ComposeMessage</a:t>
+            </a:r>
+            <a:r>
+              <a:rPr lang="en-US" sz="1400" dirty="0">
+                <a:latin typeface="Consolas" pitchFamily="49" charset="0"/>
+                <a:cs typeface="Consolas" pitchFamily="49" charset="0"/>
+              </a:rPr>
+              <a:t>(person);</a:t>
             </a:r>
             <a:br>
+              <a:rPr lang="en-US" sz="1400" dirty="0">
+                <a:latin typeface="Consolas" pitchFamily="49" charset="0"/>
+                <a:cs typeface="Consolas" pitchFamily="49" charset="0"/>
+              </a:rPr>
+            </a:br>
+            <a:r>
+              <a:rPr lang="en-US" sz="1400" dirty="0">
+                <a:latin typeface="Consolas" pitchFamily="49" charset="0"/>
+                <a:cs typeface="Consolas" pitchFamily="49" charset="0"/>
+              </a:rPr>
+              <a:t>		</a:t>
+            </a:r>
+            <a:r>
+              <a:rPr lang="en-US" sz="1400" dirty="0" err="1">
+                <a:latin typeface="Consolas" pitchFamily="49" charset="0"/>
+                <a:cs typeface="Consolas" pitchFamily="49" charset="0"/>
+              </a:rPr>
+              <a:t>var</a:t>
+            </a:r>
+            <a:r>
+              <a:rPr lang="en-US" sz="1400" dirty="0">
+                <a:latin typeface="Consolas" pitchFamily="49" charset="0"/>
+                <a:cs typeface="Consolas" pitchFamily="49" charset="0"/>
+              </a:rPr>
+              <a:t> </a:t>
+            </a:r>
+            <a:r>
+              <a:rPr lang="en-US" sz="1400" dirty="0" err="1">
+                <a:latin typeface="Consolas" pitchFamily="49" charset="0"/>
+                <a:cs typeface="Consolas" pitchFamily="49" charset="0"/>
+              </a:rPr>
+              <a:t>mailClient</a:t>
+            </a:r>
+            <a:r>
+              <a:rPr lang="en-US" sz="1400" dirty="0">
+                <a:latin typeface="Consolas" pitchFamily="49" charset="0"/>
+                <a:cs typeface="Consolas" pitchFamily="49" charset="0"/>
+              </a:rPr>
+              <a:t> = new </a:t>
+            </a:r>
+            <a:r>
+              <a:rPr lang="en-US" sz="1400" dirty="0" err="1">
+                <a:latin typeface="Consolas" pitchFamily="49" charset="0"/>
+                <a:cs typeface="Consolas" pitchFamily="49" charset="0"/>
+              </a:rPr>
+              <a:t>SmtpClient</a:t>
+            </a:r>
+            <a:r>
+              <a:rPr lang="en-US" sz="1400" dirty="0">
+                <a:latin typeface="Consolas" pitchFamily="49" charset="0"/>
+                <a:cs typeface="Consolas" pitchFamily="49" charset="0"/>
+              </a:rPr>
+              <a:t>();</a:t>
+            </a:r>
+          </a:p>
+          <a:p>
+            <a:pPr>
+              <a:spcBef>
+                <a:spcPts val="600"/>
+              </a:spcBef>
+              <a:spcAft>
+                <a:spcPts val="400"/>
+              </a:spcAft>
+            </a:pPr>
+            <a:r>
+              <a:rPr lang="en-US" sz="1400" dirty="0">
+                <a:latin typeface="Consolas" pitchFamily="49" charset="0"/>
+                <a:cs typeface="Consolas" pitchFamily="49" charset="0"/>
+              </a:rPr>
+              <a:t>		</a:t>
+            </a:r>
+            <a:r>
+              <a:rPr lang="en-US" sz="1400" dirty="0" err="1">
+                <a:latin typeface="Consolas" pitchFamily="49" charset="0"/>
+                <a:cs typeface="Consolas" pitchFamily="49" charset="0"/>
+              </a:rPr>
+              <a:t>mailclient.Send</a:t>
+            </a:r>
+            <a:r>
+              <a:rPr lang="en-US" sz="1400" dirty="0">
+                <a:latin typeface="Consolas" pitchFamily="49" charset="0"/>
+                <a:cs typeface="Consolas" pitchFamily="49" charset="0"/>
+              </a:rPr>
+              <a:t>(message);</a:t>
+            </a:r>
+            <a:r>
               <a:rPr lang="en-US" sz="1400" dirty="0" smtClean="0">
                 <a:latin typeface="Consolas" pitchFamily="49" charset="0"/>
                 <a:cs typeface="Consolas" pitchFamily="49" charset="0"/>
               </a:rPr>
-            </a:br>
-            <a:r>
-              <a:rPr lang="en-US" sz="1400" dirty="0" smtClean="0">
-                <a:latin typeface="Consolas" pitchFamily="49" charset="0"/>
-                <a:cs typeface="Consolas" pitchFamily="49" charset="0"/>
-              </a:rPr>
-              <a:t>		…</a:t>
-            </a:r>
-            <a:br>
-              <a:rPr lang="en-US" sz="1400" dirty="0" smtClean="0">
-                <a:latin typeface="Consolas" pitchFamily="49" charset="0"/>
-                <a:cs typeface="Consolas" pitchFamily="49" charset="0"/>
-              </a:rPr>
-            </a:br>
-            <a:r>
-              <a:rPr lang="en-US" sz="1400" dirty="0" smtClean="0">
-                <a:latin typeface="Consolas" pitchFamily="49" charset="0"/>
-                <a:cs typeface="Consolas" pitchFamily="49" charset="0"/>
-              </a:rPr>
-              <a:t>		…</a:t>
+              <a:t/>
             </a:r>
             <a:br>
               <a:rPr lang="en-US" sz="1400" dirty="0" smtClean="0">
@@ -14250,8 +14726,16 @@
               </a:spcAft>
             </a:pPr>
             <a:r>
+              <a:rPr lang="nb-NO" sz="1600" dirty="0"/>
+              <a:t>Vi ønsker her å teste at en epost blir </a:t>
+            </a:r>
+            <a:r>
               <a:rPr lang="nb-NO" sz="1600" dirty="0" smtClean="0"/>
-              <a:t>Hvordan går vi frem når vi skal skrive test for dette?</a:t>
+              <a:t>sendt</a:t>
+            </a:r>
+            <a:r>
+              <a:rPr lang="nb-NO" sz="1600" dirty="0" smtClean="0"/>
+              <a:t/>
             </a:r>
             <a:br>
               <a:rPr lang="nb-NO" sz="1600" dirty="0" smtClean="0"/>
@@ -14268,10 +14752,720 @@
   <p:transition>
     <p:fade thruBlk="1"/>
   </p:transition>
+  <p:timing>
+    <p:tnLst>
+      <p:par>
+        <p:cTn id="1" dur="indefinite" restart="never" nodeType="tmRoot"/>
+      </p:par>
+    </p:tnLst>
+  </p:timing>
 </p:sld>
 </file>
 
 <file path=ppt/slides/slide12.xml><?xml version="1.0" encoding="utf-8"?>
+<p:sld xmlns:a="http://schemas.openxmlformats.org/drawingml/2006/main" xmlns:r="http://schemas.openxmlformats.org/officeDocument/2006/relationships" xmlns:p="http://schemas.openxmlformats.org/presentationml/2006/main">
+  <p:cSld>
+    <p:spTree>
+      <p:nvGrpSpPr>
+        <p:cNvPr id="1" name=""/>
+        <p:cNvGrpSpPr/>
+        <p:nvPr/>
+      </p:nvGrpSpPr>
+      <p:grpSpPr>
+        <a:xfrm>
+          <a:off x="0" y="0"/>
+          <a:ext cx="0" cy="0"/>
+          <a:chOff x="0" y="0"/>
+          <a:chExt cx="0" cy="0"/>
+        </a:xfrm>
+      </p:grpSpPr>
+      <p:sp>
+        <p:nvSpPr>
+          <p:cNvPr id="2" name="Title 1"/>
+          <p:cNvSpPr>
+            <a:spLocks noGrp="1"/>
+          </p:cNvSpPr>
+          <p:nvPr>
+            <p:ph type="title"/>
+          </p:nvPr>
+        </p:nvSpPr>
+        <p:spPr>
+          <a:xfrm>
+            <a:off x="321623" y="418905"/>
+            <a:ext cx="3391313" cy="307777"/>
+          </a:xfrm>
+        </p:spPr>
+        <p:txBody>
+          <a:bodyPr/>
+          <a:lstStyle/>
+          <a:p>
+            <a:r>
+              <a:rPr lang="nb-NO" dirty="0" smtClean="0"/>
+              <a:t>Avhengigheter FORts</a:t>
+            </a:r>
+            <a:endParaRPr lang="en-US" dirty="0"/>
+          </a:p>
+        </p:txBody>
+      </p:sp>
+      <p:sp>
+        <p:nvSpPr>
+          <p:cNvPr id="3" name="Slide Number Placeholder 2"/>
+          <p:cNvSpPr>
+            <a:spLocks noGrp="1"/>
+          </p:cNvSpPr>
+          <p:nvPr>
+            <p:ph type="sldNum" sz="quarter" idx="10"/>
+          </p:nvPr>
+        </p:nvSpPr>
+        <p:spPr/>
+        <p:txBody>
+          <a:bodyPr/>
+          <a:lstStyle/>
+          <a:p>
+            <a:fld id="{FF67BF5B-7344-D747-A0C2-CBD7B2ACBC85}" type="slidenum">
+              <a:rPr lang="en-US" smtClean="0"/>
+              <a:pPr/>
+              <a:t>12</a:t>
+            </a:fld>
+            <a:endParaRPr lang="en-US" dirty="0"/>
+          </a:p>
+        </p:txBody>
+      </p:sp>
+      <p:sp>
+        <p:nvSpPr>
+          <p:cNvPr id="14" name="TextBox 13"/>
+          <p:cNvSpPr txBox="1"/>
+          <p:nvPr/>
+        </p:nvSpPr>
+        <p:spPr>
+          <a:xfrm>
+            <a:off x="362263" y="1417562"/>
+            <a:ext cx="8369044" cy="3662541"/>
+          </a:xfrm>
+          <a:prstGeom prst="rect">
+            <a:avLst/>
+          </a:prstGeom>
+          <a:noFill/>
+          <a:ln>
+            <a:solidFill>
+              <a:schemeClr val="accent2"/>
+            </a:solidFill>
+          </a:ln>
+        </p:spPr>
+        <p:txBody>
+          <a:bodyPr wrap="square" rtlCol="0">
+            <a:spAutoFit/>
+          </a:bodyPr>
+          <a:lstStyle/>
+          <a:p>
+            <a:pPr>
+              <a:spcBef>
+                <a:spcPts val="600"/>
+              </a:spcBef>
+              <a:spcAft>
+                <a:spcPts val="400"/>
+              </a:spcAft>
+            </a:pPr>
+            <a:r>
+              <a:rPr lang="en-US" sz="1400" dirty="0" smtClean="0">
+                <a:solidFill>
+                  <a:srgbClr val="0000FF"/>
+                </a:solidFill>
+                <a:latin typeface="Consolas" pitchFamily="49" charset="0"/>
+                <a:cs typeface="Consolas" pitchFamily="49" charset="0"/>
+              </a:rPr>
+              <a:t>public</a:t>
+            </a:r>
+            <a:r>
+              <a:rPr lang="en-US" sz="1400" dirty="0" smtClean="0">
+                <a:latin typeface="Consolas" pitchFamily="49" charset="0"/>
+                <a:cs typeface="Consolas" pitchFamily="49" charset="0"/>
+              </a:rPr>
+              <a:t> </a:t>
+            </a:r>
+            <a:r>
+              <a:rPr lang="en-US" sz="1400" dirty="0" smtClean="0">
+                <a:solidFill>
+                  <a:srgbClr val="0000FF"/>
+                </a:solidFill>
+                <a:latin typeface="Consolas" pitchFamily="49" charset="0"/>
+                <a:cs typeface="Consolas" pitchFamily="49" charset="0"/>
+              </a:rPr>
+              <a:t>class</a:t>
+            </a:r>
+            <a:r>
+              <a:rPr lang="en-US" sz="1400" dirty="0" smtClean="0">
+                <a:latin typeface="Consolas" pitchFamily="49" charset="0"/>
+                <a:cs typeface="Consolas" pitchFamily="49" charset="0"/>
+              </a:rPr>
+              <a:t> </a:t>
+            </a:r>
+            <a:r>
+              <a:rPr lang="en-US" sz="1400" dirty="0" err="1" smtClean="0">
+                <a:solidFill>
+                  <a:srgbClr val="2B91AF"/>
+                </a:solidFill>
+                <a:latin typeface="Consolas" pitchFamily="49" charset="0"/>
+                <a:cs typeface="Consolas" pitchFamily="49" charset="0"/>
+              </a:rPr>
+              <a:t>BookingComponent</a:t>
+            </a:r>
+            <a:r>
+              <a:rPr lang="en-US" sz="1400" dirty="0" smtClean="0">
+                <a:latin typeface="Consolas" pitchFamily="49" charset="0"/>
+                <a:cs typeface="Consolas" pitchFamily="49" charset="0"/>
+              </a:rPr>
+              <a:t>     </a:t>
+            </a:r>
+            <a:br>
+              <a:rPr lang="en-US" sz="1400" dirty="0" smtClean="0">
+                <a:latin typeface="Consolas" pitchFamily="49" charset="0"/>
+                <a:cs typeface="Consolas" pitchFamily="49" charset="0"/>
+              </a:rPr>
+            </a:br>
+            <a:r>
+              <a:rPr lang="en-US" sz="1400" dirty="0" smtClean="0">
+                <a:latin typeface="Consolas" pitchFamily="49" charset="0"/>
+                <a:cs typeface="Consolas" pitchFamily="49" charset="0"/>
+              </a:rPr>
+              <a:t>{      </a:t>
+            </a:r>
+            <a:endParaRPr lang="en-US" sz="1400" dirty="0" smtClean="0">
+              <a:latin typeface="Consolas" pitchFamily="49" charset="0"/>
+              <a:cs typeface="Consolas" pitchFamily="49" charset="0"/>
+            </a:endParaRPr>
+          </a:p>
+          <a:p>
+            <a:pPr>
+              <a:spcBef>
+                <a:spcPts val="600"/>
+              </a:spcBef>
+              <a:spcAft>
+                <a:spcPts val="400"/>
+              </a:spcAft>
+            </a:pPr>
+            <a:r>
+              <a:rPr lang="en-US" sz="1400" dirty="0">
+                <a:latin typeface="Consolas" pitchFamily="49" charset="0"/>
+                <a:cs typeface="Consolas" pitchFamily="49" charset="0"/>
+              </a:rPr>
+              <a:t>	</a:t>
+            </a:r>
+            <a:r>
+              <a:rPr lang="en-US" sz="1400" dirty="0" smtClean="0">
+                <a:latin typeface="Consolas" pitchFamily="49" charset="0"/>
+                <a:cs typeface="Consolas" pitchFamily="49" charset="0"/>
+              </a:rPr>
+              <a:t>private </a:t>
+            </a:r>
+            <a:r>
+              <a:rPr lang="en-US" sz="1400" dirty="0" err="1" smtClean="0">
+                <a:latin typeface="Consolas" pitchFamily="49" charset="0"/>
+                <a:cs typeface="Consolas" pitchFamily="49" charset="0"/>
+              </a:rPr>
+              <a:t>IMySmtpClient</a:t>
+            </a:r>
+            <a:r>
+              <a:rPr lang="en-US" sz="1400" dirty="0" smtClean="0">
+                <a:latin typeface="Consolas" pitchFamily="49" charset="0"/>
+                <a:cs typeface="Consolas" pitchFamily="49" charset="0"/>
+              </a:rPr>
+              <a:t> _</a:t>
+            </a:r>
+            <a:r>
+              <a:rPr lang="en-US" sz="1400" dirty="0" err="1" smtClean="0">
+                <a:latin typeface="Consolas" pitchFamily="49" charset="0"/>
+                <a:cs typeface="Consolas" pitchFamily="49" charset="0"/>
+              </a:rPr>
+              <a:t>smtpClient</a:t>
+            </a:r>
+            <a:r>
+              <a:rPr lang="en-US" sz="1400" dirty="0" smtClean="0">
+                <a:latin typeface="Consolas" pitchFamily="49" charset="0"/>
+                <a:cs typeface="Consolas" pitchFamily="49" charset="0"/>
+              </a:rPr>
+              <a:t>;</a:t>
+            </a:r>
+            <a:endParaRPr lang="en-US" sz="1400" dirty="0" smtClean="0">
+              <a:latin typeface="Consolas" pitchFamily="49" charset="0"/>
+              <a:cs typeface="Consolas" pitchFamily="49" charset="0"/>
+            </a:endParaRPr>
+          </a:p>
+          <a:p>
+            <a:pPr>
+              <a:spcBef>
+                <a:spcPts val="600"/>
+              </a:spcBef>
+              <a:spcAft>
+                <a:spcPts val="400"/>
+              </a:spcAft>
+            </a:pPr>
+            <a:r>
+              <a:rPr lang="en-US" sz="1400" dirty="0">
+                <a:latin typeface="Consolas" pitchFamily="49" charset="0"/>
+                <a:cs typeface="Consolas" pitchFamily="49" charset="0"/>
+              </a:rPr>
+              <a:t>	</a:t>
+            </a:r>
+            <a:r>
+              <a:rPr lang="en-US" sz="1400" dirty="0" smtClean="0">
+                <a:latin typeface="Consolas" pitchFamily="49" charset="0"/>
+                <a:cs typeface="Consolas" pitchFamily="49" charset="0"/>
+              </a:rPr>
+              <a:t>public </a:t>
+            </a:r>
+            <a:r>
+              <a:rPr lang="en-US" sz="1400" dirty="0" err="1" smtClean="0">
+                <a:latin typeface="Consolas" pitchFamily="49" charset="0"/>
+                <a:cs typeface="Consolas" pitchFamily="49" charset="0"/>
+              </a:rPr>
+              <a:t>BookingComponent</a:t>
+            </a:r>
+            <a:r>
+              <a:rPr lang="en-US" sz="1400" dirty="0" smtClean="0">
+                <a:latin typeface="Consolas" pitchFamily="49" charset="0"/>
+                <a:cs typeface="Consolas" pitchFamily="49" charset="0"/>
+              </a:rPr>
+              <a:t>(</a:t>
+            </a:r>
+            <a:r>
+              <a:rPr lang="en-US" sz="1400" dirty="0" err="1" smtClean="0">
+                <a:latin typeface="Consolas" pitchFamily="49" charset="0"/>
+                <a:cs typeface="Consolas" pitchFamily="49" charset="0"/>
+              </a:rPr>
+              <a:t>IMySmtpClient</a:t>
+            </a:r>
+            <a:r>
+              <a:rPr lang="en-US" sz="1400" dirty="0" smtClean="0">
+                <a:latin typeface="Consolas" pitchFamily="49" charset="0"/>
+                <a:cs typeface="Consolas" pitchFamily="49" charset="0"/>
+              </a:rPr>
+              <a:t> </a:t>
+            </a:r>
+            <a:r>
+              <a:rPr lang="en-US" sz="1400" dirty="0" err="1" smtClean="0">
+                <a:latin typeface="Consolas" pitchFamily="49" charset="0"/>
+                <a:cs typeface="Consolas" pitchFamily="49" charset="0"/>
+              </a:rPr>
+              <a:t>smtpClient</a:t>
+            </a:r>
+            <a:r>
+              <a:rPr lang="en-US" sz="1400" dirty="0" smtClean="0">
+                <a:latin typeface="Consolas" pitchFamily="49" charset="0"/>
+                <a:cs typeface="Consolas" pitchFamily="49" charset="0"/>
+              </a:rPr>
+              <a:t>){</a:t>
+            </a:r>
+          </a:p>
+          <a:p>
+            <a:pPr>
+              <a:spcBef>
+                <a:spcPts val="600"/>
+              </a:spcBef>
+              <a:spcAft>
+                <a:spcPts val="400"/>
+              </a:spcAft>
+            </a:pPr>
+            <a:r>
+              <a:rPr lang="en-US" sz="1400" dirty="0" smtClean="0">
+                <a:latin typeface="Consolas" pitchFamily="49" charset="0"/>
+                <a:cs typeface="Consolas" pitchFamily="49" charset="0"/>
+              </a:rPr>
+              <a:t>	_</a:t>
+            </a:r>
+            <a:r>
+              <a:rPr lang="en-US" sz="1400" dirty="0" err="1" smtClean="0">
+                <a:latin typeface="Consolas" pitchFamily="49" charset="0"/>
+                <a:cs typeface="Consolas" pitchFamily="49" charset="0"/>
+              </a:rPr>
+              <a:t>smtpClient</a:t>
+            </a:r>
+            <a:r>
+              <a:rPr lang="en-US" sz="1400" dirty="0" smtClean="0">
+                <a:latin typeface="Consolas" pitchFamily="49" charset="0"/>
+                <a:cs typeface="Consolas" pitchFamily="49" charset="0"/>
+              </a:rPr>
+              <a:t> = </a:t>
+            </a:r>
+            <a:r>
+              <a:rPr lang="en-US" sz="1400" dirty="0" err="1" smtClean="0">
+                <a:latin typeface="Consolas" pitchFamily="49" charset="0"/>
+                <a:cs typeface="Consolas" pitchFamily="49" charset="0"/>
+              </a:rPr>
+              <a:t>stmpClient</a:t>
+            </a:r>
+            <a:r>
+              <a:rPr lang="en-US" sz="1400" dirty="0" smtClean="0">
+                <a:latin typeface="Consolas" pitchFamily="49" charset="0"/>
+                <a:cs typeface="Consolas" pitchFamily="49" charset="0"/>
+              </a:rPr>
+              <a:t>;</a:t>
+            </a:r>
+          </a:p>
+          <a:p>
+            <a:pPr>
+              <a:spcBef>
+                <a:spcPts val="600"/>
+              </a:spcBef>
+              <a:spcAft>
+                <a:spcPts val="400"/>
+              </a:spcAft>
+            </a:pPr>
+            <a:r>
+              <a:rPr lang="en-US" sz="1400" dirty="0" smtClean="0">
+                <a:latin typeface="Consolas" pitchFamily="49" charset="0"/>
+                <a:cs typeface="Consolas" pitchFamily="49" charset="0"/>
+              </a:rPr>
+              <a:t>	}</a:t>
+            </a:r>
+          </a:p>
+          <a:p>
+            <a:pPr>
+              <a:spcBef>
+                <a:spcPts val="600"/>
+              </a:spcBef>
+              <a:spcAft>
+                <a:spcPts val="400"/>
+              </a:spcAft>
+            </a:pPr>
+            <a:r>
+              <a:rPr lang="en-US" sz="1400" dirty="0" smtClean="0">
+                <a:latin typeface="Consolas" pitchFamily="49" charset="0"/>
+                <a:cs typeface="Consolas" pitchFamily="49" charset="0"/>
+              </a:rPr>
+              <a:t/>
+            </a:r>
+            <a:br>
+              <a:rPr lang="en-US" sz="1400" dirty="0" smtClean="0">
+                <a:latin typeface="Consolas" pitchFamily="49" charset="0"/>
+                <a:cs typeface="Consolas" pitchFamily="49" charset="0"/>
+              </a:rPr>
+            </a:br>
+            <a:r>
+              <a:rPr lang="en-US" sz="1400" dirty="0" smtClean="0">
+                <a:latin typeface="Consolas" pitchFamily="49" charset="0"/>
+                <a:cs typeface="Consolas" pitchFamily="49" charset="0"/>
+              </a:rPr>
+              <a:t>	</a:t>
+            </a:r>
+            <a:r>
+              <a:rPr lang="en-US" sz="1400" dirty="0" smtClean="0">
+                <a:solidFill>
+                  <a:srgbClr val="0000FF"/>
+                </a:solidFill>
+                <a:latin typeface="Consolas" pitchFamily="49" charset="0"/>
+                <a:cs typeface="Consolas" pitchFamily="49" charset="0"/>
+              </a:rPr>
+              <a:t>public</a:t>
+            </a:r>
+            <a:r>
+              <a:rPr lang="en-US" sz="1400" dirty="0" smtClean="0">
+                <a:latin typeface="Consolas" pitchFamily="49" charset="0"/>
+                <a:cs typeface="Consolas" pitchFamily="49" charset="0"/>
+              </a:rPr>
+              <a:t> </a:t>
+            </a:r>
+            <a:r>
+              <a:rPr lang="en-US" sz="1400" dirty="0" smtClean="0">
+                <a:solidFill>
+                  <a:srgbClr val="0000FF"/>
+                </a:solidFill>
+                <a:latin typeface="Consolas" pitchFamily="49" charset="0"/>
+                <a:cs typeface="Consolas" pitchFamily="49" charset="0"/>
+              </a:rPr>
+              <a:t>void</a:t>
+            </a:r>
+            <a:r>
+              <a:rPr lang="en-US" sz="1400" dirty="0" smtClean="0">
+                <a:latin typeface="Consolas" pitchFamily="49" charset="0"/>
+                <a:cs typeface="Consolas" pitchFamily="49" charset="0"/>
+              </a:rPr>
+              <a:t> </a:t>
+            </a:r>
+            <a:r>
+              <a:rPr lang="en-US" sz="1400" dirty="0" err="1" smtClean="0">
+                <a:latin typeface="Consolas" pitchFamily="49" charset="0"/>
+                <a:cs typeface="Consolas" pitchFamily="49" charset="0"/>
+              </a:rPr>
+              <a:t>ConfirmBooking</a:t>
+            </a:r>
+            <a:r>
+              <a:rPr lang="en-US" sz="1400" dirty="0" smtClean="0">
+                <a:latin typeface="Consolas" pitchFamily="49" charset="0"/>
+                <a:cs typeface="Consolas" pitchFamily="49" charset="0"/>
+              </a:rPr>
+              <a:t>(</a:t>
+            </a:r>
+            <a:r>
+              <a:rPr lang="en-US" sz="1400" dirty="0" smtClean="0">
+                <a:solidFill>
+                  <a:srgbClr val="2B91AF"/>
+                </a:solidFill>
+                <a:latin typeface="Consolas" pitchFamily="49" charset="0"/>
+                <a:cs typeface="Consolas" pitchFamily="49" charset="0"/>
+              </a:rPr>
+              <a:t>Booking</a:t>
+            </a:r>
+            <a:r>
+              <a:rPr lang="en-US" sz="1400" dirty="0" smtClean="0">
+                <a:latin typeface="Consolas" pitchFamily="49" charset="0"/>
+                <a:cs typeface="Consolas" pitchFamily="49" charset="0"/>
+              </a:rPr>
+              <a:t> </a:t>
+            </a:r>
+            <a:r>
+              <a:rPr lang="en-US" sz="1400" dirty="0" err="1" smtClean="0">
+                <a:latin typeface="Consolas" pitchFamily="49" charset="0"/>
+                <a:cs typeface="Consolas" pitchFamily="49" charset="0"/>
+              </a:rPr>
+              <a:t>booking</a:t>
+            </a:r>
+            <a:r>
+              <a:rPr lang="en-US" sz="1400" dirty="0" smtClean="0">
+                <a:latin typeface="Consolas" pitchFamily="49" charset="0"/>
+                <a:cs typeface="Consolas" pitchFamily="49" charset="0"/>
+              </a:rPr>
+              <a:t>, </a:t>
+            </a:r>
+            <a:r>
+              <a:rPr lang="en-US" sz="1400" dirty="0" smtClean="0">
+                <a:solidFill>
+                  <a:srgbClr val="2B91AF"/>
+                </a:solidFill>
+                <a:latin typeface="Consolas" pitchFamily="49" charset="0"/>
+                <a:cs typeface="Consolas" pitchFamily="49" charset="0"/>
+              </a:rPr>
+              <a:t>Person</a:t>
+            </a:r>
+            <a:r>
+              <a:rPr lang="en-US" sz="1400" dirty="0" smtClean="0">
+                <a:latin typeface="Consolas" pitchFamily="49" charset="0"/>
+                <a:cs typeface="Consolas" pitchFamily="49" charset="0"/>
+              </a:rPr>
+              <a:t> person) </a:t>
+            </a:r>
+            <a:br>
+              <a:rPr lang="en-US" sz="1400" dirty="0" smtClean="0">
+                <a:latin typeface="Consolas" pitchFamily="49" charset="0"/>
+                <a:cs typeface="Consolas" pitchFamily="49" charset="0"/>
+              </a:rPr>
+            </a:br>
+            <a:r>
+              <a:rPr lang="en-US" sz="1400" dirty="0" smtClean="0">
+                <a:latin typeface="Consolas" pitchFamily="49" charset="0"/>
+                <a:cs typeface="Consolas" pitchFamily="49" charset="0"/>
+              </a:rPr>
+              <a:t>	{ </a:t>
+            </a:r>
+            <a:endParaRPr lang="en-US" sz="1400" dirty="0" smtClean="0">
+              <a:latin typeface="Consolas" pitchFamily="49" charset="0"/>
+              <a:cs typeface="Consolas" pitchFamily="49" charset="0"/>
+            </a:endParaRPr>
+          </a:p>
+          <a:p>
+            <a:pPr>
+              <a:spcBef>
+                <a:spcPts val="600"/>
+              </a:spcBef>
+              <a:spcAft>
+                <a:spcPts val="400"/>
+              </a:spcAft>
+            </a:pPr>
+            <a:r>
+              <a:rPr lang="en-US" sz="1400" dirty="0">
+                <a:latin typeface="Consolas" pitchFamily="49" charset="0"/>
+                <a:cs typeface="Consolas" pitchFamily="49" charset="0"/>
+              </a:rPr>
+              <a:t>		</a:t>
+            </a:r>
+            <a:r>
+              <a:rPr lang="en-US" sz="1400" dirty="0" err="1" smtClean="0">
+                <a:latin typeface="Consolas" pitchFamily="49" charset="0"/>
+                <a:cs typeface="Consolas" pitchFamily="49" charset="0"/>
+              </a:rPr>
+              <a:t>var</a:t>
+            </a:r>
+            <a:r>
+              <a:rPr lang="en-US" sz="1400" dirty="0" smtClean="0">
+                <a:latin typeface="Consolas" pitchFamily="49" charset="0"/>
+                <a:cs typeface="Consolas" pitchFamily="49" charset="0"/>
+              </a:rPr>
+              <a:t> message = </a:t>
+            </a:r>
+            <a:r>
+              <a:rPr lang="en-US" sz="1400" dirty="0" err="1" smtClean="0">
+                <a:latin typeface="Consolas" pitchFamily="49" charset="0"/>
+                <a:cs typeface="Consolas" pitchFamily="49" charset="0"/>
+              </a:rPr>
+              <a:t>ComposeMessage</a:t>
+            </a:r>
+            <a:r>
+              <a:rPr lang="en-US" sz="1400" dirty="0" smtClean="0">
+                <a:latin typeface="Consolas" pitchFamily="49" charset="0"/>
+                <a:cs typeface="Consolas" pitchFamily="49" charset="0"/>
+              </a:rPr>
+              <a:t>(person);</a:t>
+            </a:r>
+            <a:r>
+              <a:rPr lang="en-US" sz="1400" dirty="0" smtClean="0">
+                <a:latin typeface="Consolas" pitchFamily="49" charset="0"/>
+                <a:cs typeface="Consolas" pitchFamily="49" charset="0"/>
+              </a:rPr>
+              <a:t/>
+            </a:r>
+            <a:br>
+              <a:rPr lang="en-US" sz="1400" dirty="0" smtClean="0">
+                <a:latin typeface="Consolas" pitchFamily="49" charset="0"/>
+                <a:cs typeface="Consolas" pitchFamily="49" charset="0"/>
+              </a:rPr>
+            </a:br>
+            <a:r>
+              <a:rPr lang="en-US" sz="1400" dirty="0" smtClean="0">
+                <a:latin typeface="Consolas" pitchFamily="49" charset="0"/>
+                <a:cs typeface="Consolas" pitchFamily="49" charset="0"/>
+              </a:rPr>
+              <a:t>		</a:t>
+            </a:r>
+            <a:r>
+              <a:rPr lang="en-US" sz="1400" dirty="0" smtClean="0">
+                <a:latin typeface="Consolas" pitchFamily="49" charset="0"/>
+                <a:cs typeface="Consolas" pitchFamily="49" charset="0"/>
+              </a:rPr>
+              <a:t>_</a:t>
+            </a:r>
+            <a:r>
+              <a:rPr lang="en-US" sz="1400" dirty="0" err="1" smtClean="0">
+                <a:latin typeface="Consolas" pitchFamily="49" charset="0"/>
+                <a:cs typeface="Consolas" pitchFamily="49" charset="0"/>
+              </a:rPr>
+              <a:t>smtp</a:t>
+            </a:r>
+            <a:r>
+              <a:rPr lang="en-US" sz="1400" dirty="0" err="1">
+                <a:latin typeface="Consolas" pitchFamily="49" charset="0"/>
+                <a:cs typeface="Consolas" pitchFamily="49" charset="0"/>
+              </a:rPr>
+              <a:t>C</a:t>
+            </a:r>
+            <a:r>
+              <a:rPr lang="en-US" sz="1400" dirty="0" err="1" smtClean="0">
+                <a:latin typeface="Consolas" pitchFamily="49" charset="0"/>
+                <a:cs typeface="Consolas" pitchFamily="49" charset="0"/>
+              </a:rPr>
+              <a:t>lient.Send</a:t>
+            </a:r>
+            <a:r>
+              <a:rPr lang="en-US" sz="1400" dirty="0" smtClean="0">
+                <a:latin typeface="Consolas" pitchFamily="49" charset="0"/>
+                <a:cs typeface="Consolas" pitchFamily="49" charset="0"/>
+              </a:rPr>
+              <a:t>(message);</a:t>
+            </a:r>
+            <a:r>
+              <a:rPr lang="en-US" sz="1400" dirty="0" smtClean="0">
+                <a:latin typeface="Consolas" pitchFamily="49" charset="0"/>
+                <a:cs typeface="Consolas" pitchFamily="49" charset="0"/>
+              </a:rPr>
+              <a:t/>
+            </a:r>
+            <a:br>
+              <a:rPr lang="en-US" sz="1400" dirty="0" smtClean="0">
+                <a:latin typeface="Consolas" pitchFamily="49" charset="0"/>
+                <a:cs typeface="Consolas" pitchFamily="49" charset="0"/>
+              </a:rPr>
+            </a:br>
+            <a:r>
+              <a:rPr lang="en-US" sz="1400" dirty="0" smtClean="0">
+                <a:latin typeface="Consolas" pitchFamily="49" charset="0"/>
+                <a:cs typeface="Consolas" pitchFamily="49" charset="0"/>
+              </a:rPr>
+              <a:t>	}     </a:t>
+            </a:r>
+            <a:br>
+              <a:rPr lang="en-US" sz="1400" dirty="0" smtClean="0">
+                <a:latin typeface="Consolas" pitchFamily="49" charset="0"/>
+                <a:cs typeface="Consolas" pitchFamily="49" charset="0"/>
+              </a:rPr>
+            </a:br>
+            <a:r>
+              <a:rPr lang="en-US" sz="1400" dirty="0" smtClean="0">
+                <a:latin typeface="Consolas" pitchFamily="49" charset="0"/>
+                <a:cs typeface="Consolas" pitchFamily="49" charset="0"/>
+              </a:rPr>
+              <a:t>}</a:t>
+            </a:r>
+          </a:p>
+        </p:txBody>
+      </p:sp>
+      <p:sp>
+        <p:nvSpPr>
+          <p:cNvPr id="15" name="TextBox 14"/>
+          <p:cNvSpPr txBox="1"/>
+          <p:nvPr/>
+        </p:nvSpPr>
+        <p:spPr>
+          <a:xfrm>
+            <a:off x="362263" y="4608483"/>
+            <a:ext cx="8240500" cy="584775"/>
+          </a:xfrm>
+          <a:prstGeom prst="rect">
+            <a:avLst/>
+          </a:prstGeom>
+          <a:noFill/>
+        </p:spPr>
+        <p:txBody>
+          <a:bodyPr wrap="square" rtlCol="0">
+            <a:spAutoFit/>
+          </a:bodyPr>
+          <a:lstStyle/>
+          <a:p>
+            <a:pPr>
+              <a:spcBef>
+                <a:spcPts val="600"/>
+              </a:spcBef>
+              <a:spcAft>
+                <a:spcPts val="400"/>
+              </a:spcAft>
+            </a:pPr>
+            <a:r>
+              <a:rPr lang="nb-NO" sz="1600" dirty="0" smtClean="0"/>
+              <a:t>Mulig løsning</a:t>
+            </a:r>
+            <a:r>
+              <a:rPr lang="nb-NO" sz="1600" dirty="0" smtClean="0"/>
+              <a:t/>
+            </a:r>
+            <a:br>
+              <a:rPr lang="nb-NO" sz="1600" dirty="0" smtClean="0"/>
+            </a:br>
+            <a:endParaRPr lang="nb-NO" sz="1600" dirty="0" smtClean="0"/>
+          </a:p>
+        </p:txBody>
+      </p:sp>
+    </p:spTree>
+    <p:extLst>
+      <p:ext uri="{BB962C8B-B14F-4D97-AF65-F5344CB8AC3E}">
+        <p14:creationId xmlns:p14="http://schemas.microsoft.com/office/powerpoint/2010/main" val="4182893244"/>
+      </p:ext>
+    </p:extLst>
+  </p:cSld>
+  <p:clrMapOvr>
+    <a:masterClrMapping/>
+  </p:clrMapOvr>
+  <p:transition>
+    <p:fade thruBlk="1"/>
+  </p:transition>
+  <p:timing>
+    <p:tnLst>
+      <p:par>
+        <p:cTn id="1" dur="indefinite" restart="never" nodeType="tmRoot"/>
+      </p:par>
+    </p:tnLst>
+  </p:timing>
+</p:sld>
+</file>
+
+<file path=ppt/slides/slide13.xml><?xml version="1.0" encoding="utf-8"?>
 <p:sld xmlns:a="http://schemas.openxmlformats.org/drawingml/2006/main" xmlns:r="http://schemas.openxmlformats.org/officeDocument/2006/relationships" xmlns:p="http://schemas.openxmlformats.org/presentationml/2006/main">
   <p:cSld>
     <p:spTree>
@@ -14334,7 +15528,7 @@
             <a:fld id="{FF67BF5B-7344-D747-A0C2-CBD7B2ACBC85}" type="slidenum">
               <a:rPr lang="en-US" smtClean="0"/>
               <a:pPr/>
-              <a:t>12</a:t>
+              <a:t>13</a:t>
             </a:fld>
             <a:endParaRPr lang="en-US" dirty="0"/>
           </a:p>
@@ -14766,10 +15960,17 @@
   <p:transition>
     <p:fade thruBlk="1"/>
   </p:transition>
+  <p:timing>
+    <p:tnLst>
+      <p:par>
+        <p:cTn id="1" dur="indefinite" restart="never" nodeType="tmRoot"/>
+      </p:par>
+    </p:tnLst>
+  </p:timing>
 </p:sld>
 </file>
 
-<file path=ppt/slides/slide13.xml><?xml version="1.0" encoding="utf-8"?>
+<file path=ppt/slides/slide14.xml><?xml version="1.0" encoding="utf-8"?>
 <p:sld xmlns:a="http://schemas.openxmlformats.org/drawingml/2006/main" xmlns:r="http://schemas.openxmlformats.org/officeDocument/2006/relationships" xmlns:p="http://schemas.openxmlformats.org/presentationml/2006/main">
   <p:cSld>
     <p:bg>
@@ -14859,7 +16060,7 @@
                 </a:solidFill>
               </a:rPr>
               <a:pPr/>
-              <a:t>13</a:t>
+              <a:t>14</a:t>
             </a:fld>
             <a:endParaRPr lang="en-US" dirty="0">
               <a:solidFill>
@@ -14952,7 +16153,23 @@
                   <a:schemeClr val="bg1"/>
                 </a:solidFill>
               </a:rPr>
-              <a:t>Kataen går på å utvide funksjonaliteten til StringCalculator som ble opprettet i oppgave 2, løs èn og èn av oppgavene, prøv å ikke ”se fremover”.</a:t>
+              <a:t>Kataen går på å utvide funksjonaliteten til StringCalculator som ble opprettet i oppgave </a:t>
+            </a:r>
+            <a:r>
+              <a:rPr lang="nb-NO" sz="2000" dirty="0" smtClean="0">
+                <a:solidFill>
+                  <a:schemeClr val="bg1"/>
+                </a:solidFill>
+              </a:rPr>
+              <a:t>1, </a:t>
+            </a:r>
+            <a:r>
+              <a:rPr lang="nb-NO" sz="2000" dirty="0" smtClean="0">
+                <a:solidFill>
+                  <a:schemeClr val="bg1"/>
+                </a:solidFill>
+              </a:rPr>
+              <a:t>løs èn og èn av oppgavene, prøv å ikke ”se fremover”.</a:t>
             </a:r>
             <a:endParaRPr lang="en-US" sz="2000" dirty="0" smtClean="0">
               <a:solidFill>
@@ -15001,318 +16218,13 @@
   <p:transition>
     <p:fade thruBlk="1"/>
   </p:transition>
-</p:sld>
-</file>
-
-<file path=ppt/slides/slide14.xml><?xml version="1.0" encoding="utf-8"?>
-<p:sld xmlns:a="http://schemas.openxmlformats.org/drawingml/2006/main" xmlns:r="http://schemas.openxmlformats.org/officeDocument/2006/relationships" xmlns:p="http://schemas.openxmlformats.org/presentationml/2006/main">
-  <p:cSld>
-    <p:bg>
-      <p:bgPr>
-        <a:solidFill>
-          <a:schemeClr val="accent1"/>
-        </a:solidFill>
-        <a:effectLst/>
-      </p:bgPr>
-    </p:bg>
-    <p:spTree>
-      <p:nvGrpSpPr>
-        <p:cNvPr id="1" name=""/>
-        <p:cNvGrpSpPr/>
-        <p:nvPr/>
-      </p:nvGrpSpPr>
-      <p:grpSpPr>
-        <a:xfrm>
-          <a:off x="0" y="0"/>
-          <a:ext cx="0" cy="0"/>
-          <a:chOff x="0" y="0"/>
-          <a:chExt cx="0" cy="0"/>
-        </a:xfrm>
-      </p:grpSpPr>
-      <p:sp>
-        <p:nvSpPr>
-          <p:cNvPr id="2" name="Title 1"/>
-          <p:cNvSpPr>
-            <a:spLocks noGrp="1"/>
-          </p:cNvSpPr>
-          <p:nvPr>
-            <p:ph type="title"/>
-          </p:nvPr>
-        </p:nvSpPr>
-        <p:spPr>
-          <a:xfrm>
-            <a:off x="321623" y="418905"/>
-            <a:ext cx="1613583" cy="307777"/>
-          </a:xfrm>
-          <a:solidFill>
-            <a:schemeClr val="accent1"/>
-          </a:solidFill>
-        </p:spPr>
-        <p:txBody>
-          <a:bodyPr/>
-          <a:lstStyle/>
-          <a:p>
-            <a:r>
-              <a:rPr lang="nb-NO" dirty="0" smtClean="0">
-                <a:solidFill>
-                  <a:schemeClr val="bg1"/>
-                </a:solidFill>
-              </a:rPr>
-              <a:t>Oppgave 4</a:t>
-            </a:r>
-            <a:endParaRPr lang="en-US" dirty="0">
-              <a:solidFill>
-                <a:schemeClr val="bg1"/>
-              </a:solidFill>
-            </a:endParaRPr>
-          </a:p>
-        </p:txBody>
-      </p:sp>
-      <p:sp>
-        <p:nvSpPr>
-          <p:cNvPr id="3" name="Slide Number Placeholder 2"/>
-          <p:cNvSpPr>
-            <a:spLocks noGrp="1"/>
-          </p:cNvSpPr>
-          <p:nvPr>
-            <p:ph type="sldNum" sz="quarter" idx="10"/>
-          </p:nvPr>
-        </p:nvSpPr>
-        <p:spPr>
-          <a:solidFill>
-            <a:schemeClr val="accent1"/>
-          </a:solidFill>
-        </p:spPr>
-        <p:txBody>
-          <a:bodyPr/>
-          <a:lstStyle/>
-          <a:p>
-            <a:fld id="{FF67BF5B-7344-D747-A0C2-CBD7B2ACBC85}" type="slidenum">
-              <a:rPr lang="en-US" smtClean="0">
-                <a:solidFill>
-                  <a:schemeClr val="bg1"/>
-                </a:solidFill>
-              </a:rPr>
-              <a:pPr/>
-              <a:t>14</a:t>
-            </a:fld>
-            <a:endParaRPr lang="en-US" dirty="0">
-              <a:solidFill>
-                <a:schemeClr val="bg1"/>
-              </a:solidFill>
-            </a:endParaRPr>
-          </a:p>
-        </p:txBody>
-      </p:sp>
-      <p:sp>
-        <p:nvSpPr>
-          <p:cNvPr id="7" name="Title 1"/>
-          <p:cNvSpPr txBox="1">
-            <a:spLocks/>
-          </p:cNvSpPr>
-          <p:nvPr/>
-        </p:nvSpPr>
-        <p:spPr>
-          <a:xfrm>
-            <a:off x="773723" y="1341070"/>
-            <a:ext cx="7957584" cy="3693319"/>
-          </a:xfrm>
-          <a:prstGeom prst="rect">
-            <a:avLst/>
-          </a:prstGeom>
-          <a:solidFill>
-            <a:schemeClr val="accent1"/>
-          </a:solidFill>
-        </p:spPr>
-        <p:txBody>
-          <a:bodyPr vert="horz" wrap="square" lIns="91440" tIns="0" rIns="91440" bIns="0" rtlCol="0" anchor="t">
-            <a:spAutoFit/>
-          </a:bodyPr>
-          <a:lstStyle/>
-          <a:p>
-            <a:pPr algn="just"/>
-            <a:r>
-              <a:rPr lang="nb-NO" sz="2000" dirty="0" smtClean="0">
-                <a:solidFill>
-                  <a:schemeClr val="bg1"/>
-                </a:solidFill>
-              </a:rPr>
-              <a:t>I denne oppgaven skal vi implementere en Logger. Det skal være mulig å logge informasjon(</a:t>
-            </a:r>
-            <a:r>
-              <a:rPr lang="nb-NO" sz="2000" i="1" dirty="0" smtClean="0">
-                <a:solidFill>
-                  <a:schemeClr val="bg1"/>
-                </a:solidFill>
-              </a:rPr>
-              <a:t>Info</a:t>
-            </a:r>
-            <a:r>
-              <a:rPr lang="nb-NO" sz="2000" dirty="0" smtClean="0">
-                <a:solidFill>
-                  <a:schemeClr val="bg1"/>
-                </a:solidFill>
-              </a:rPr>
-              <a:t>), advarseler (</a:t>
-            </a:r>
-            <a:r>
-              <a:rPr lang="nb-NO" sz="2000" i="1" dirty="0" smtClean="0">
-                <a:solidFill>
-                  <a:schemeClr val="bg1"/>
-                </a:solidFill>
-              </a:rPr>
-              <a:t>Warning</a:t>
-            </a:r>
-            <a:r>
-              <a:rPr lang="nb-NO" sz="2000" dirty="0" smtClean="0">
-                <a:solidFill>
-                  <a:schemeClr val="bg1"/>
-                </a:solidFill>
-              </a:rPr>
-              <a:t>) og unntak (</a:t>
-            </a:r>
-            <a:r>
-              <a:rPr lang="nb-NO" sz="2000" i="1" dirty="0" smtClean="0">
-                <a:solidFill>
-                  <a:schemeClr val="bg1"/>
-                </a:solidFill>
-              </a:rPr>
-              <a:t>Exception</a:t>
-            </a:r>
-            <a:r>
-              <a:rPr lang="nb-NO" sz="2000" dirty="0" smtClean="0">
-                <a:solidFill>
-                  <a:schemeClr val="bg1"/>
-                </a:solidFill>
-              </a:rPr>
-              <a:t>). </a:t>
-            </a:r>
-          </a:p>
-          <a:p>
-            <a:pPr algn="just"/>
-            <a:endParaRPr lang="nb-NO" sz="2000" dirty="0" smtClean="0">
-              <a:solidFill>
-                <a:schemeClr val="bg1"/>
-              </a:solidFill>
-            </a:endParaRPr>
-          </a:p>
-          <a:p>
-            <a:pPr algn="just"/>
-            <a:r>
-              <a:rPr lang="nb-NO" sz="2000" dirty="0" smtClean="0">
-                <a:solidFill>
-                  <a:schemeClr val="bg1"/>
-                </a:solidFill>
-              </a:rPr>
-              <a:t>Loggeren bør konstruere et format på meldingen som skal skrives, dette formatet bør inneholde dato, klokkeslett, type melding og selvfølgelig meldingen selv. F.eks:</a:t>
-            </a:r>
-          </a:p>
-          <a:p>
-            <a:pPr algn="just"/>
-            <a:endParaRPr lang="en-US" sz="2000" dirty="0" smtClean="0">
-              <a:solidFill>
-                <a:schemeClr val="bg1"/>
-              </a:solidFill>
-            </a:endParaRPr>
-          </a:p>
-          <a:p>
-            <a:pPr algn="just"/>
-            <a:r>
-              <a:rPr lang="nb-NO" sz="2000" i="1" dirty="0" smtClean="0">
-                <a:solidFill>
-                  <a:schemeClr val="bg1"/>
-                </a:solidFill>
-              </a:rPr>
-              <a:t>[08.08.2012 15:00][Info] Epost sendt til bruker </a:t>
-            </a:r>
-            <a:r>
-              <a:rPr lang="nb-NO" sz="2000" i="1" u="sng" dirty="0" smtClean="0">
-                <a:solidFill>
-                  <a:schemeClr val="bg1"/>
-                </a:solidFill>
-                <a:hlinkClick r:id="rId2"/>
-              </a:rPr>
-              <a:t>arthur@dent.com</a:t>
-            </a:r>
-            <a:r>
-              <a:rPr lang="nb-NO" sz="2000" i="1" dirty="0" smtClean="0">
-                <a:solidFill>
-                  <a:schemeClr val="bg1"/>
-                </a:solidFill>
-              </a:rPr>
-              <a:t>.</a:t>
-            </a:r>
-            <a:endParaRPr lang="en-US" sz="2000" i="1" dirty="0" smtClean="0">
-              <a:solidFill>
-                <a:schemeClr val="bg1"/>
-              </a:solidFill>
-            </a:endParaRPr>
-          </a:p>
-          <a:p>
-            <a:pPr algn="just"/>
-            <a:endParaRPr lang="nb-NO" sz="2000" dirty="0" smtClean="0">
-              <a:solidFill>
-                <a:schemeClr val="bg1"/>
-              </a:solidFill>
-            </a:endParaRPr>
-          </a:p>
-          <a:p>
-            <a:pPr algn="just"/>
-            <a:r>
-              <a:rPr lang="nb-NO" sz="2000" dirty="0" smtClean="0">
-                <a:solidFill>
-                  <a:schemeClr val="bg1"/>
-                </a:solidFill>
-              </a:rPr>
-              <a:t>Denne informasjonen skal skrives til fil.</a:t>
-            </a:r>
-            <a:endParaRPr lang="en-US" sz="2000" dirty="0" smtClean="0">
-              <a:solidFill>
-                <a:schemeClr val="bg1"/>
-              </a:solidFill>
-            </a:endParaRPr>
-          </a:p>
-          <a:p>
-            <a:pPr marL="457200" marR="0" lvl="0" indent="-457200" algn="just" defTabSz="457200" rtl="0" eaLnBrk="1" fontAlgn="auto" latinLnBrk="0" hangingPunct="1">
-              <a:lnSpc>
-                <a:spcPct val="100000"/>
-              </a:lnSpc>
-              <a:spcBef>
-                <a:spcPct val="0"/>
-              </a:spcBef>
-              <a:spcAft>
-                <a:spcPts val="0"/>
-              </a:spcAft>
-              <a:buClrTx/>
-              <a:buSzTx/>
-              <a:tabLst/>
-              <a:defRPr/>
-            </a:pPr>
-            <a:endParaRPr kumimoji="0" lang="en-US" sz="2000" b="0" i="1" u="none" strike="noStrike" kern="1200" cap="all" spc="20" normalizeH="0" baseline="0" noProof="0" dirty="0">
-              <a:ln>
-                <a:noFill/>
-              </a:ln>
-              <a:solidFill>
-                <a:schemeClr val="bg1"/>
-              </a:solidFill>
-              <a:effectLst/>
-              <a:uLnTx/>
-              <a:uFillTx/>
-              <a:latin typeface="Georgia"/>
-              <a:ea typeface="+mj-ea"/>
-              <a:cs typeface="Georgia"/>
-            </a:endParaRPr>
-          </a:p>
-        </p:txBody>
-      </p:sp>
-    </p:spTree>
-  </p:cSld>
-  <p:clrMapOvr>
-    <a:masterClrMapping/>
-  </p:clrMapOvr>
-  <p:transition>
-    <p:fade thruBlk="1"/>
-  </p:transition>
+  <p:timing>
+    <p:tnLst>
+      <p:par>
+        <p:cTn id="1" dur="indefinite" restart="never" nodeType="tmRoot"/>
+      </p:par>
+    </p:tnLst>
+  </p:timing>
 </p:sld>
 </file>
 
@@ -15866,7 +16778,6 @@
               <a:rPr lang="nb-NO" sz="1600" dirty="0" smtClean="0"/>
               <a:t>Send objekter inn i en klasse i stedet for at klassen selv er ansvarlig for å opprette disse</a:t>
             </a:r>
-            <a:endParaRPr lang="nb-NO" sz="1600" dirty="0" smtClean="0"/>
           </a:p>
         </p:txBody>
       </p:sp>
@@ -15904,10 +16815,6 @@
               <a:rPr lang="nb-NO" sz="1600" dirty="0" smtClean="0"/>
               <a:t>Tre typer:</a:t>
             </a:r>
-            <a:r>
-              <a:rPr lang="nb-NO" sz="1600" dirty="0" smtClean="0"/>
-              <a:t/>
-            </a:r>
             <a:br>
               <a:rPr lang="nb-NO" sz="1600" dirty="0" smtClean="0"/>
             </a:br>
@@ -15926,11 +16833,7 @@
             </a:pPr>
             <a:r>
               <a:rPr lang="nb-NO" sz="1600" dirty="0" smtClean="0"/>
-              <a:t> </a:t>
-            </a:r>
-            <a:r>
-              <a:rPr lang="nb-NO" sz="1600" dirty="0" smtClean="0"/>
-              <a:t>Constructor injection</a:t>
+              <a:t> Constructor injection</a:t>
             </a:r>
           </a:p>
           <a:p>
@@ -15962,11 +16865,7 @@
             </a:pPr>
             <a:r>
               <a:rPr lang="nb-NO" sz="1600" dirty="0" smtClean="0"/>
-              <a:t> </a:t>
-            </a:r>
-            <a:r>
-              <a:rPr lang="nb-NO" sz="1600" dirty="0" smtClean="0"/>
-              <a:t>Interface injection</a:t>
+              <a:t> Interface injection</a:t>
             </a:r>
             <a:endParaRPr lang="nb-NO" sz="1100" dirty="0" smtClean="0"/>
           </a:p>
@@ -16836,6 +17735,352 @@
 <file path=ppt/slides/slide17.xml><?xml version="1.0" encoding="utf-8"?>
 <p:sld xmlns:a="http://schemas.openxmlformats.org/drawingml/2006/main" xmlns:r="http://schemas.openxmlformats.org/officeDocument/2006/relationships" xmlns:p="http://schemas.openxmlformats.org/presentationml/2006/main">
   <p:cSld>
+    <p:bg>
+      <p:bgPr>
+        <a:solidFill>
+          <a:schemeClr val="accent1"/>
+        </a:solidFill>
+        <a:effectLst/>
+      </p:bgPr>
+    </p:bg>
+    <p:spTree>
+      <p:nvGrpSpPr>
+        <p:cNvPr id="1" name=""/>
+        <p:cNvGrpSpPr/>
+        <p:nvPr/>
+      </p:nvGrpSpPr>
+      <p:grpSpPr>
+        <a:xfrm>
+          <a:off x="0" y="0"/>
+          <a:ext cx="0" cy="0"/>
+          <a:chOff x="0" y="0"/>
+          <a:chExt cx="0" cy="0"/>
+        </a:xfrm>
+      </p:grpSpPr>
+      <p:sp>
+        <p:nvSpPr>
+          <p:cNvPr id="2" name="Title 1"/>
+          <p:cNvSpPr>
+            <a:spLocks noGrp="1"/>
+          </p:cNvSpPr>
+          <p:nvPr>
+            <p:ph type="title"/>
+          </p:nvPr>
+        </p:nvSpPr>
+        <p:spPr>
+          <a:xfrm>
+            <a:off x="321623" y="418905"/>
+            <a:ext cx="1088760" cy="307777"/>
+          </a:xfrm>
+          <a:solidFill>
+            <a:schemeClr val="accent1"/>
+          </a:solidFill>
+        </p:spPr>
+        <p:txBody>
+          <a:bodyPr/>
+          <a:lstStyle/>
+          <a:p>
+            <a:r>
+              <a:rPr lang="nb-NO" dirty="0" smtClean="0">
+                <a:solidFill>
+                  <a:schemeClr val="bg1"/>
+                </a:solidFill>
+              </a:rPr>
+              <a:t>Bonus</a:t>
+            </a:r>
+            <a:endParaRPr lang="en-US" dirty="0">
+              <a:solidFill>
+                <a:schemeClr val="bg1"/>
+              </a:solidFill>
+            </a:endParaRPr>
+          </a:p>
+        </p:txBody>
+      </p:sp>
+      <p:sp>
+        <p:nvSpPr>
+          <p:cNvPr id="3" name="Slide Number Placeholder 2"/>
+          <p:cNvSpPr>
+            <a:spLocks noGrp="1"/>
+          </p:cNvSpPr>
+          <p:nvPr>
+            <p:ph type="sldNum" sz="quarter" idx="10"/>
+          </p:nvPr>
+        </p:nvSpPr>
+        <p:spPr>
+          <a:solidFill>
+            <a:schemeClr val="accent1"/>
+          </a:solidFill>
+        </p:spPr>
+        <p:txBody>
+          <a:bodyPr/>
+          <a:lstStyle/>
+          <a:p>
+            <a:fld id="{FF67BF5B-7344-D747-A0C2-CBD7B2ACBC85}" type="slidenum">
+              <a:rPr lang="en-US" smtClean="0">
+                <a:solidFill>
+                  <a:schemeClr val="bg1"/>
+                </a:solidFill>
+              </a:rPr>
+              <a:pPr/>
+              <a:t>17</a:t>
+            </a:fld>
+            <a:endParaRPr lang="en-US" dirty="0">
+              <a:solidFill>
+                <a:schemeClr val="bg1"/>
+              </a:solidFill>
+            </a:endParaRPr>
+          </a:p>
+        </p:txBody>
+      </p:sp>
+      <p:sp>
+        <p:nvSpPr>
+          <p:cNvPr id="7" name="Title 1"/>
+          <p:cNvSpPr txBox="1">
+            <a:spLocks/>
+          </p:cNvSpPr>
+          <p:nvPr/>
+        </p:nvSpPr>
+        <p:spPr>
+          <a:xfrm>
+            <a:off x="773723" y="1341070"/>
+            <a:ext cx="7957584" cy="4308872"/>
+          </a:xfrm>
+          <a:prstGeom prst="rect">
+            <a:avLst/>
+          </a:prstGeom>
+          <a:solidFill>
+            <a:schemeClr val="accent1"/>
+          </a:solidFill>
+        </p:spPr>
+        <p:txBody>
+          <a:bodyPr vert="horz" wrap="square" lIns="91440" tIns="0" rIns="91440" bIns="0" rtlCol="0" anchor="t">
+            <a:spAutoFit/>
+          </a:bodyPr>
+          <a:lstStyle/>
+          <a:p>
+            <a:pPr algn="just"/>
+            <a:r>
+              <a:rPr lang="nb-NO" sz="2000" dirty="0" smtClean="0">
+                <a:solidFill>
+                  <a:schemeClr val="bg1"/>
+                </a:solidFill>
+              </a:rPr>
+              <a:t>I denne oppgaven skal vi implementere en Logger. Det skal være mulig å logge informasjon(</a:t>
+            </a:r>
+            <a:r>
+              <a:rPr lang="nb-NO" sz="2000" i="1" dirty="0" smtClean="0">
+                <a:solidFill>
+                  <a:schemeClr val="bg1"/>
+                </a:solidFill>
+              </a:rPr>
+              <a:t>Info</a:t>
+            </a:r>
+            <a:r>
+              <a:rPr lang="nb-NO" sz="2000" dirty="0" smtClean="0">
+                <a:solidFill>
+                  <a:schemeClr val="bg1"/>
+                </a:solidFill>
+              </a:rPr>
+              <a:t>), advarseler (</a:t>
+            </a:r>
+            <a:r>
+              <a:rPr lang="nb-NO" sz="2000" i="1" dirty="0" smtClean="0">
+                <a:solidFill>
+                  <a:schemeClr val="bg1"/>
+                </a:solidFill>
+              </a:rPr>
+              <a:t>Warning</a:t>
+            </a:r>
+            <a:r>
+              <a:rPr lang="nb-NO" sz="2000" dirty="0" smtClean="0">
+                <a:solidFill>
+                  <a:schemeClr val="bg1"/>
+                </a:solidFill>
+              </a:rPr>
+              <a:t>) og unntak (</a:t>
+            </a:r>
+            <a:r>
+              <a:rPr lang="nb-NO" sz="2000" i="1" dirty="0" smtClean="0">
+                <a:solidFill>
+                  <a:schemeClr val="bg1"/>
+                </a:solidFill>
+              </a:rPr>
+              <a:t>Exception</a:t>
+            </a:r>
+            <a:r>
+              <a:rPr lang="nb-NO" sz="2000" dirty="0" smtClean="0">
+                <a:solidFill>
+                  <a:schemeClr val="bg1"/>
+                </a:solidFill>
+              </a:rPr>
+              <a:t>). </a:t>
+            </a:r>
+          </a:p>
+          <a:p>
+            <a:pPr algn="just"/>
+            <a:endParaRPr lang="nb-NO" sz="2000" dirty="0" smtClean="0">
+              <a:solidFill>
+                <a:schemeClr val="bg1"/>
+              </a:solidFill>
+            </a:endParaRPr>
+          </a:p>
+          <a:p>
+            <a:pPr algn="just"/>
+            <a:r>
+              <a:rPr lang="nb-NO" sz="2000" dirty="0" smtClean="0">
+                <a:solidFill>
+                  <a:schemeClr val="bg1"/>
+                </a:solidFill>
+              </a:rPr>
+              <a:t>Loggeren bør konstruere et format på meldingen som skal skrives, dette formatet bør inneholde dato, klokkeslett, type melding og selvfølgelig meldingen selv. F.eks:</a:t>
+            </a:r>
+          </a:p>
+          <a:p>
+            <a:pPr algn="just"/>
+            <a:endParaRPr lang="en-US" sz="2000" dirty="0" smtClean="0">
+              <a:solidFill>
+                <a:schemeClr val="bg1"/>
+              </a:solidFill>
+            </a:endParaRPr>
+          </a:p>
+          <a:p>
+            <a:pPr algn="just"/>
+            <a:r>
+              <a:rPr lang="nb-NO" sz="2000" i="1" dirty="0" smtClean="0">
+                <a:solidFill>
+                  <a:schemeClr val="bg1"/>
+                </a:solidFill>
+              </a:rPr>
+              <a:t>[08.08.2012 15:00][Info] Epost sendt til bruker </a:t>
+            </a:r>
+            <a:r>
+              <a:rPr lang="nb-NO" sz="2000" i="1" u="sng" dirty="0" smtClean="0">
+                <a:solidFill>
+                  <a:schemeClr val="bg1"/>
+                </a:solidFill>
+                <a:hlinkClick r:id="rId2"/>
+              </a:rPr>
+              <a:t>arthur@dent.com</a:t>
+            </a:r>
+            <a:r>
+              <a:rPr lang="nb-NO" sz="2000" i="1" dirty="0" smtClean="0">
+                <a:solidFill>
+                  <a:schemeClr val="bg1"/>
+                </a:solidFill>
+              </a:rPr>
+              <a:t>.</a:t>
+            </a:r>
+            <a:endParaRPr lang="en-US" sz="2000" i="1" dirty="0" smtClean="0">
+              <a:solidFill>
+                <a:schemeClr val="bg1"/>
+              </a:solidFill>
+            </a:endParaRPr>
+          </a:p>
+          <a:p>
+            <a:pPr algn="just"/>
+            <a:endParaRPr lang="nb-NO" sz="2000" dirty="0" smtClean="0">
+              <a:solidFill>
+                <a:schemeClr val="bg1"/>
+              </a:solidFill>
+            </a:endParaRPr>
+          </a:p>
+          <a:p>
+            <a:pPr algn="just"/>
+            <a:r>
+              <a:rPr lang="nb-NO" sz="2000" dirty="0" smtClean="0">
+                <a:solidFill>
+                  <a:schemeClr val="bg1"/>
+                </a:solidFill>
+              </a:rPr>
+              <a:t>Følgende kontrakt er gyldig for å skrive til loggen:</a:t>
+            </a:r>
+          </a:p>
+          <a:p>
+            <a:pPr algn="just"/>
+            <a:endParaRPr lang="nb-NO" sz="2000" dirty="0">
+              <a:solidFill>
+                <a:schemeClr val="bg1"/>
+              </a:solidFill>
+            </a:endParaRPr>
+          </a:p>
+          <a:p>
+            <a:pPr algn="just"/>
+            <a:r>
+              <a:rPr lang="nb-NO" sz="2000" dirty="0">
+                <a:solidFill>
+                  <a:schemeClr val="bg1"/>
+                </a:solidFill>
+              </a:rPr>
+              <a:t>i</a:t>
+            </a:r>
+            <a:r>
+              <a:rPr lang="nb-NO" sz="2000" dirty="0" smtClean="0">
+                <a:solidFill>
+                  <a:schemeClr val="bg1"/>
+                </a:solidFill>
+              </a:rPr>
+              <a:t>nterface Logger{}</a:t>
+            </a:r>
+            <a:endParaRPr lang="en-US" sz="2000" dirty="0" smtClean="0">
+              <a:solidFill>
+                <a:schemeClr val="bg1"/>
+              </a:solidFill>
+            </a:endParaRPr>
+          </a:p>
+          <a:p>
+            <a:pPr marL="457200" marR="0" lvl="0" indent="-457200" algn="just" defTabSz="457200" rtl="0" eaLnBrk="1" fontAlgn="auto" latinLnBrk="0" hangingPunct="1">
+              <a:lnSpc>
+                <a:spcPct val="100000"/>
+              </a:lnSpc>
+              <a:spcBef>
+                <a:spcPct val="0"/>
+              </a:spcBef>
+              <a:spcAft>
+                <a:spcPts val="0"/>
+              </a:spcAft>
+              <a:buClrTx/>
+              <a:buSzTx/>
+              <a:tabLst/>
+              <a:defRPr/>
+            </a:pPr>
+            <a:endParaRPr kumimoji="0" lang="en-US" sz="2000" b="0" i="1" u="none" strike="noStrike" kern="1200" cap="all" spc="20" normalizeH="0" baseline="0" noProof="0" dirty="0">
+              <a:ln>
+                <a:noFill/>
+              </a:ln>
+              <a:solidFill>
+                <a:schemeClr val="bg1"/>
+              </a:solidFill>
+              <a:effectLst/>
+              <a:uLnTx/>
+              <a:uFillTx/>
+              <a:latin typeface="Georgia"/>
+              <a:ea typeface="+mj-ea"/>
+              <a:cs typeface="Georgia"/>
+            </a:endParaRPr>
+          </a:p>
+        </p:txBody>
+      </p:sp>
+    </p:spTree>
+  </p:cSld>
+  <p:clrMapOvr>
+    <a:masterClrMapping/>
+  </p:clrMapOvr>
+  <p:transition>
+    <p:fade thruBlk="1"/>
+  </p:transition>
+  <p:timing>
+    <p:tnLst>
+      <p:par>
+        <p:cTn id="1" dur="indefinite" restart="never" nodeType="tmRoot"/>
+      </p:par>
+    </p:tnLst>
+  </p:timing>
+</p:sld>
+</file>
+
+<file path=ppt/slides/slide18.xml><?xml version="1.0" encoding="utf-8"?>
+<p:sld xmlns:a="http://schemas.openxmlformats.org/drawingml/2006/main" xmlns:r="http://schemas.openxmlformats.org/officeDocument/2006/relationships" xmlns:p="http://schemas.openxmlformats.org/presentationml/2006/main">
+  <p:cSld>
     <p:spTree>
       <p:nvGrpSpPr>
         <p:cNvPr id="1" name=""/>
@@ -16896,7 +18141,7 @@
             <a:fld id="{FF67BF5B-7344-D747-A0C2-CBD7B2ACBC85}" type="slidenum">
               <a:rPr lang="en-US" smtClean="0"/>
               <a:pPr/>
-              <a:t>17</a:t>
+              <a:t>18</a:t>
             </a:fld>
             <a:endParaRPr lang="en-US" dirty="0"/>
           </a:p>
@@ -16961,7 +18206,7 @@
 </p:sld>
 </file>
 
-<file path=ppt/slides/slide18.xml><?xml version="1.0" encoding="utf-8"?>
+<file path=ppt/slides/slide19.xml><?xml version="1.0" encoding="utf-8"?>
 <p:sld xmlns:a="http://schemas.openxmlformats.org/drawingml/2006/main" xmlns:r="http://schemas.openxmlformats.org/officeDocument/2006/relationships" xmlns:p="http://schemas.openxmlformats.org/presentationml/2006/main">
   <p:cSld>
     <p:spTree>
@@ -17024,7 +18269,7 @@
             <a:fld id="{FF67BF5B-7344-D747-A0C2-CBD7B2ACBC85}" type="slidenum">
               <a:rPr lang="en-US" smtClean="0"/>
               <a:pPr/>
-              <a:t>18</a:t>
+              <a:t>19</a:t>
             </a:fld>
             <a:endParaRPr lang="en-US" dirty="0"/>
           </a:p>
@@ -18365,176 +19610,6 @@
 </p:sld>
 </file>
 
-<file path=ppt/slides/slide19.xml><?xml version="1.0" encoding="utf-8"?>
-<p:sld xmlns:a="http://schemas.openxmlformats.org/drawingml/2006/main" xmlns:r="http://schemas.openxmlformats.org/officeDocument/2006/relationships" xmlns:p="http://schemas.openxmlformats.org/presentationml/2006/main">
-  <p:cSld>
-    <p:spTree>
-      <p:nvGrpSpPr>
-        <p:cNvPr id="1" name=""/>
-        <p:cNvGrpSpPr/>
-        <p:nvPr/>
-      </p:nvGrpSpPr>
-      <p:grpSpPr>
-        <a:xfrm>
-          <a:off x="0" y="0"/>
-          <a:ext cx="0" cy="0"/>
-          <a:chOff x="0" y="0"/>
-          <a:chExt cx="0" cy="0"/>
-        </a:xfrm>
-      </p:grpSpPr>
-      <p:sp>
-        <p:nvSpPr>
-          <p:cNvPr id="5" name="Title 4"/>
-          <p:cNvSpPr>
-            <a:spLocks noGrp="1"/>
-          </p:cNvSpPr>
-          <p:nvPr>
-            <p:ph type="ctrTitle"/>
-          </p:nvPr>
-        </p:nvSpPr>
-        <p:spPr>
-          <a:xfrm>
-            <a:off x="2375091" y="3304566"/>
-            <a:ext cx="4396995" cy="312906"/>
-          </a:xfrm>
-        </p:spPr>
-        <p:txBody>
-          <a:bodyPr/>
-          <a:lstStyle/>
-          <a:p>
-            <a:r>
-              <a:rPr lang="en-US" dirty="0" err="1" smtClean="0"/>
-              <a:t>Takk</a:t>
-            </a:r>
-            <a:r>
-              <a:rPr lang="en-US" dirty="0" smtClean="0"/>
-              <a:t> for meg</a:t>
-            </a:r>
-            <a:endParaRPr lang="en-US" dirty="0"/>
-          </a:p>
-        </p:txBody>
-      </p:sp>
-      <p:sp>
-        <p:nvSpPr>
-          <p:cNvPr id="6" name="Text Placeholder 5"/>
-          <p:cNvSpPr>
-            <a:spLocks noGrp="1"/>
-          </p:cNvSpPr>
-          <p:nvPr>
-            <p:ph type="body" sz="quarter" idx="10"/>
-          </p:nvPr>
-        </p:nvSpPr>
-        <p:spPr/>
-        <p:txBody>
-          <a:bodyPr/>
-          <a:lstStyle/>
-          <a:p>
-            <a:r>
-              <a:rPr lang="nb-NO" dirty="0" smtClean="0"/>
-              <a:t>Espen Ekvang</a:t>
-            </a:r>
-            <a:endParaRPr lang="en-US" dirty="0"/>
-          </a:p>
-        </p:txBody>
-      </p:sp>
-      <p:sp>
-        <p:nvSpPr>
-          <p:cNvPr id="7" name="Text Placeholder 6"/>
-          <p:cNvSpPr>
-            <a:spLocks noGrp="1"/>
-          </p:cNvSpPr>
-          <p:nvPr>
-            <p:ph type="body" sz="quarter" idx="11"/>
-          </p:nvPr>
-        </p:nvSpPr>
-        <p:spPr/>
-        <p:txBody>
-          <a:bodyPr/>
-          <a:lstStyle/>
-          <a:p>
-            <a:r>
-              <a:rPr lang="nb-NO" dirty="0" smtClean="0"/>
-              <a:t>espen.ekvang@bekk.no</a:t>
-            </a:r>
-            <a:endParaRPr lang="en-US" dirty="0"/>
-          </a:p>
-        </p:txBody>
-      </p:sp>
-      <p:sp>
-        <p:nvSpPr>
-          <p:cNvPr id="8" name="Text Placeholder 7"/>
-          <p:cNvSpPr>
-            <a:spLocks noGrp="1"/>
-          </p:cNvSpPr>
-          <p:nvPr>
-            <p:ph type="body" sz="quarter" idx="12"/>
-          </p:nvPr>
-        </p:nvSpPr>
-        <p:spPr/>
-        <p:txBody>
-          <a:bodyPr/>
-          <a:lstStyle/>
-          <a:p>
-            <a:r>
-              <a:rPr lang="nb-NO" dirty="0" smtClean="0"/>
-              <a:t>http://github.com/bekk/dotnetkurs</a:t>
-            </a:r>
-            <a:endParaRPr lang="en-US" dirty="0"/>
-          </a:p>
-        </p:txBody>
-      </p:sp>
-      <p:sp>
-        <p:nvSpPr>
-          <p:cNvPr id="3" name="Slide Number Placeholder 2"/>
-          <p:cNvSpPr>
-            <a:spLocks noGrp="1"/>
-          </p:cNvSpPr>
-          <p:nvPr>
-            <p:ph type="sldNum" sz="quarter" idx="4294967295"/>
-          </p:nvPr>
-        </p:nvSpPr>
-        <p:spPr>
-          <a:xfrm>
-            <a:off x="8837613" y="431800"/>
-            <a:ext cx="306387" cy="276225"/>
-          </a:xfrm>
-        </p:spPr>
-        <p:txBody>
-          <a:bodyPr/>
-          <a:lstStyle/>
-          <a:p>
-            <a:fld id="{FF67BF5B-7344-D747-A0C2-CBD7B2ACBC85}" type="slidenum">
-              <a:rPr lang="en-US" smtClean="0"/>
-              <a:pPr/>
-              <a:t>19</a:t>
-            </a:fld>
-            <a:endParaRPr lang="en-US" dirty="0"/>
-          </a:p>
-        </p:txBody>
-      </p:sp>
-    </p:spTree>
-    <p:extLst>
-      <p:ext uri="{BB962C8B-B14F-4D97-AF65-F5344CB8AC3E}">
-        <p14:creationId xmlns:p14="http://schemas.microsoft.com/office/powerpoint/2010/main" xmlns="" val="1013825328"/>
-      </p:ext>
-    </p:extLst>
-  </p:cSld>
-  <p:clrMapOvr>
-    <a:masterClrMapping/>
-  </p:clrMapOvr>
-  <p:transition>
-    <p:fade thruBlk="1"/>
-  </p:transition>
-  <p:timing>
-    <p:tnLst>
-      <p:par>
-        <p:cTn id="1" dur="indefinite" restart="never" nodeType="tmRoot"/>
-      </p:par>
-    </p:tnLst>
-  </p:timing>
-</p:sld>
-</file>
-
 <file path=ppt/slides/slide2.xml><?xml version="1.0" encoding="utf-8"?>
 <p:sld xmlns:a="http://schemas.openxmlformats.org/drawingml/2006/main" xmlns:r="http://schemas.openxmlformats.org/officeDocument/2006/relationships" xmlns:p="http://schemas.openxmlformats.org/presentationml/2006/main">
   <p:cSld>
@@ -18756,6 +19831,176 @@
         </p:txBody>
       </p:sp>
     </p:spTree>
+  </p:cSld>
+  <p:clrMapOvr>
+    <a:masterClrMapping/>
+  </p:clrMapOvr>
+  <p:transition>
+    <p:fade thruBlk="1"/>
+  </p:transition>
+  <p:timing>
+    <p:tnLst>
+      <p:par>
+        <p:cTn id="1" dur="indefinite" restart="never" nodeType="tmRoot"/>
+      </p:par>
+    </p:tnLst>
+  </p:timing>
+</p:sld>
+</file>
+
+<file path=ppt/slides/slide20.xml><?xml version="1.0" encoding="utf-8"?>
+<p:sld xmlns:a="http://schemas.openxmlformats.org/drawingml/2006/main" xmlns:r="http://schemas.openxmlformats.org/officeDocument/2006/relationships" xmlns:p="http://schemas.openxmlformats.org/presentationml/2006/main">
+  <p:cSld>
+    <p:spTree>
+      <p:nvGrpSpPr>
+        <p:cNvPr id="1" name=""/>
+        <p:cNvGrpSpPr/>
+        <p:nvPr/>
+      </p:nvGrpSpPr>
+      <p:grpSpPr>
+        <a:xfrm>
+          <a:off x="0" y="0"/>
+          <a:ext cx="0" cy="0"/>
+          <a:chOff x="0" y="0"/>
+          <a:chExt cx="0" cy="0"/>
+        </a:xfrm>
+      </p:grpSpPr>
+      <p:sp>
+        <p:nvSpPr>
+          <p:cNvPr id="5" name="Title 4"/>
+          <p:cNvSpPr>
+            <a:spLocks noGrp="1"/>
+          </p:cNvSpPr>
+          <p:nvPr>
+            <p:ph type="ctrTitle"/>
+          </p:nvPr>
+        </p:nvSpPr>
+        <p:spPr>
+          <a:xfrm>
+            <a:off x="2375091" y="3304566"/>
+            <a:ext cx="4396995" cy="312906"/>
+          </a:xfrm>
+        </p:spPr>
+        <p:txBody>
+          <a:bodyPr/>
+          <a:lstStyle/>
+          <a:p>
+            <a:r>
+              <a:rPr lang="en-US" dirty="0" err="1" smtClean="0"/>
+              <a:t>Takk</a:t>
+            </a:r>
+            <a:r>
+              <a:rPr lang="en-US" dirty="0" smtClean="0"/>
+              <a:t> for meg</a:t>
+            </a:r>
+            <a:endParaRPr lang="en-US" dirty="0"/>
+          </a:p>
+        </p:txBody>
+      </p:sp>
+      <p:sp>
+        <p:nvSpPr>
+          <p:cNvPr id="6" name="Text Placeholder 5"/>
+          <p:cNvSpPr>
+            <a:spLocks noGrp="1"/>
+          </p:cNvSpPr>
+          <p:nvPr>
+            <p:ph type="body" sz="quarter" idx="10"/>
+          </p:nvPr>
+        </p:nvSpPr>
+        <p:spPr/>
+        <p:txBody>
+          <a:bodyPr/>
+          <a:lstStyle/>
+          <a:p>
+            <a:r>
+              <a:rPr lang="nb-NO" dirty="0" smtClean="0"/>
+              <a:t>Espen Ekvang</a:t>
+            </a:r>
+            <a:endParaRPr lang="en-US" dirty="0"/>
+          </a:p>
+        </p:txBody>
+      </p:sp>
+      <p:sp>
+        <p:nvSpPr>
+          <p:cNvPr id="7" name="Text Placeholder 6"/>
+          <p:cNvSpPr>
+            <a:spLocks noGrp="1"/>
+          </p:cNvSpPr>
+          <p:nvPr>
+            <p:ph type="body" sz="quarter" idx="11"/>
+          </p:nvPr>
+        </p:nvSpPr>
+        <p:spPr/>
+        <p:txBody>
+          <a:bodyPr/>
+          <a:lstStyle/>
+          <a:p>
+            <a:r>
+              <a:rPr lang="nb-NO" dirty="0" smtClean="0"/>
+              <a:t>espen.ekvang@bekk.no</a:t>
+            </a:r>
+            <a:endParaRPr lang="en-US" dirty="0"/>
+          </a:p>
+        </p:txBody>
+      </p:sp>
+      <p:sp>
+        <p:nvSpPr>
+          <p:cNvPr id="8" name="Text Placeholder 7"/>
+          <p:cNvSpPr>
+            <a:spLocks noGrp="1"/>
+          </p:cNvSpPr>
+          <p:nvPr>
+            <p:ph type="body" sz="quarter" idx="12"/>
+          </p:nvPr>
+        </p:nvSpPr>
+        <p:spPr/>
+        <p:txBody>
+          <a:bodyPr/>
+          <a:lstStyle/>
+          <a:p>
+            <a:r>
+              <a:rPr lang="nb-NO" dirty="0" smtClean="0"/>
+              <a:t>http://github.com/bekk/dotnetkurs</a:t>
+            </a:r>
+            <a:endParaRPr lang="en-US" dirty="0"/>
+          </a:p>
+        </p:txBody>
+      </p:sp>
+      <p:sp>
+        <p:nvSpPr>
+          <p:cNvPr id="3" name="Slide Number Placeholder 2"/>
+          <p:cNvSpPr>
+            <a:spLocks noGrp="1"/>
+          </p:cNvSpPr>
+          <p:nvPr>
+            <p:ph type="sldNum" sz="quarter" idx="4294967295"/>
+          </p:nvPr>
+        </p:nvSpPr>
+        <p:spPr>
+          <a:xfrm>
+            <a:off x="8837613" y="431800"/>
+            <a:ext cx="306387" cy="276225"/>
+          </a:xfrm>
+        </p:spPr>
+        <p:txBody>
+          <a:bodyPr/>
+          <a:lstStyle/>
+          <a:p>
+            <a:fld id="{FF67BF5B-7344-D747-A0C2-CBD7B2ACBC85}" type="slidenum">
+              <a:rPr lang="en-US" smtClean="0"/>
+              <a:pPr/>
+              <a:t>20</a:t>
+            </a:fld>
+            <a:endParaRPr lang="en-US" dirty="0"/>
+          </a:p>
+        </p:txBody>
+      </p:sp>
+    </p:spTree>
+    <p:extLst>
+      <p:ext uri="{BB962C8B-B14F-4D97-AF65-F5344CB8AC3E}">
+        <p14:creationId xmlns:p14="http://schemas.microsoft.com/office/powerpoint/2010/main" val="1013825328"/>
+      </p:ext>
+    </p:extLst>
   </p:cSld>
   <p:clrMapOvr>
     <a:masterClrMapping/>
@@ -19103,7 +20348,7 @@
         <p:spPr>
           <a:xfrm>
             <a:off x="572423" y="3763663"/>
-            <a:ext cx="8158884" cy="2031325"/>
+            <a:ext cx="8158884" cy="2159566"/>
           </a:xfrm>
           <a:prstGeom prst="rect">
             <a:avLst/>
@@ -19137,21 +20382,28 @@
               <a:t>[</a:t>
             </a:r>
             <a:r>
-              <a:rPr lang="en-US" sz="1400" dirty="0" err="1" smtClean="0">
+              <a:rPr lang="en-US" sz="1400" dirty="0" smtClean="0">
                 <a:solidFill>
                   <a:srgbClr val="2B91AF"/>
                 </a:solidFill>
                 <a:latin typeface="Consolas" pitchFamily="49" charset="0"/>
                 <a:cs typeface="Consolas" pitchFamily="49" charset="0"/>
               </a:rPr>
-              <a:t>TestMethod</a:t>
+              <a:t>Test</a:t>
             </a:r>
             <a:r>
               <a:rPr lang="en-US" sz="1400" dirty="0" smtClean="0">
                 <a:latin typeface="Consolas" pitchFamily="49" charset="0"/>
                 <a:cs typeface="Consolas" pitchFamily="49" charset="0"/>
               </a:rPr>
-              <a:t>]         </a:t>
+              <a:t>] </a:t>
+            </a:r>
+            <a:r>
+              <a:rPr lang="en-US" sz="1400" dirty="0" smtClean="0">
+                <a:latin typeface="Consolas" pitchFamily="49" charset="0"/>
+                <a:cs typeface="Consolas" pitchFamily="49" charset="0"/>
+              </a:rPr>
+              <a:t>        </a:t>
             </a:r>
             <a:br>
               <a:rPr lang="en-US" sz="1400" dirty="0" smtClean="0">
@@ -19348,48 +20600,53 @@
               </a:rPr>
             </a:br>
             <a:r>
+              <a:rPr lang="en-US" sz="1400" dirty="0">
+                <a:latin typeface="Consolas" pitchFamily="49" charset="0"/>
+                <a:cs typeface="Consolas" pitchFamily="49" charset="0"/>
+              </a:rPr>
+              <a:t>	</a:t>
+            </a:r>
+            <a:endParaRPr lang="en-US" sz="1400" dirty="0" smtClean="0">
+              <a:latin typeface="Consolas" pitchFamily="49" charset="0"/>
+              <a:cs typeface="Consolas" pitchFamily="49" charset="0"/>
+            </a:endParaRPr>
+          </a:p>
+          <a:p>
+            <a:pPr>
+              <a:spcBef>
+                <a:spcPts val="600"/>
+              </a:spcBef>
+              <a:spcAft>
+                <a:spcPts val="400"/>
+              </a:spcAft>
+            </a:pPr>
+            <a:r>
+              <a:rPr lang="en-US" sz="1400" dirty="0">
+                <a:latin typeface="Consolas" pitchFamily="49" charset="0"/>
+                <a:cs typeface="Consolas" pitchFamily="49" charset="0"/>
+              </a:rPr>
+              <a:t>	</a:t>
+            </a:r>
+            <a:r>
+              <a:rPr lang="en-US" sz="1400" dirty="0" err="1" smtClean="0">
+                <a:latin typeface="Consolas" pitchFamily="49" charset="0"/>
+                <a:cs typeface="Consolas" pitchFamily="49" charset="0"/>
+              </a:rPr>
+              <a:t>result.Should</a:t>
+            </a:r>
+            <a:r>
               <a:rPr lang="en-US" sz="1400" dirty="0" smtClean="0">
                 <a:latin typeface="Consolas" pitchFamily="49" charset="0"/>
                 <a:cs typeface="Consolas" pitchFamily="49" charset="0"/>
               </a:rPr>
-              <a:t/>
-            </a:r>
-            <a:br>
+              <a:t>().Be(3);</a:t>
+            </a:r>
+            <a:r>
               <a:rPr lang="en-US" sz="1400" dirty="0" smtClean="0">
                 <a:latin typeface="Consolas" pitchFamily="49" charset="0"/>
                 <a:cs typeface="Consolas" pitchFamily="49" charset="0"/>
               </a:rPr>
-            </a:br>
-            <a:r>
-              <a:rPr lang="en-US" sz="1400" dirty="0" smtClean="0">
-                <a:latin typeface="Consolas" pitchFamily="49" charset="0"/>
-                <a:cs typeface="Consolas" pitchFamily="49" charset="0"/>
-              </a:rPr>
-              <a:t>	</a:t>
-            </a:r>
-            <a:r>
-              <a:rPr lang="en-US" sz="1400" dirty="0" err="1" smtClean="0">
-                <a:solidFill>
-                  <a:srgbClr val="2B91AF"/>
-                </a:solidFill>
-                <a:latin typeface="Consolas" pitchFamily="49" charset="0"/>
-                <a:cs typeface="Consolas" pitchFamily="49" charset="0"/>
-              </a:rPr>
-              <a:t>Assert</a:t>
-            </a:r>
-            <a:r>
-              <a:rPr lang="en-US" sz="1400" dirty="0" err="1" smtClean="0">
-                <a:latin typeface="Consolas" pitchFamily="49" charset="0"/>
-                <a:cs typeface="Consolas" pitchFamily="49" charset="0"/>
-              </a:rPr>
-              <a:t>.AreEqual</a:t>
-            </a:r>
-            <a:r>
-              <a:rPr lang="en-US" sz="1400" dirty="0" smtClean="0">
-                <a:latin typeface="Consolas" pitchFamily="49" charset="0"/>
-                <a:cs typeface="Consolas" pitchFamily="49" charset="0"/>
-              </a:rPr>
-              <a:t>(3, result);         </a:t>
+              <a:t>        </a:t>
             </a:r>
             <a:br>
               <a:rPr lang="en-US" sz="1400" dirty="0" smtClean="0">
@@ -19415,6 +20672,13 @@
   <p:transition>
     <p:fade thruBlk="1"/>
   </p:transition>
+  <p:timing>
+    <p:tnLst>
+      <p:par>
+        <p:cTn id="1" dur="indefinite" restart="never" nodeType="tmRoot"/>
+      </p:par>
+    </p:tnLst>
+  </p:timing>
 </p:sld>
 </file>
 
@@ -20065,7 +21329,15 @@
             </a:pPr>
             <a:r>
               <a:rPr lang="nb-NO" sz="1600" dirty="0" smtClean="0"/>
-              <a:t> letter å forstå</a:t>
+              <a:t> </a:t>
+            </a:r>
+            <a:r>
+              <a:rPr lang="nb-NO" sz="1600" dirty="0" smtClean="0"/>
+              <a:t>lettere </a:t>
+            </a:r>
+            <a:r>
+              <a:rPr lang="nb-NO" sz="1600" dirty="0" smtClean="0"/>
+              <a:t>å forstå</a:t>
             </a:r>
           </a:p>
           <a:p>
@@ -20397,6 +21669,13 @@
   <p:transition>
     <p:fade thruBlk="1"/>
   </p:transition>
+  <p:timing>
+    <p:tnLst>
+      <p:par>
+        <p:cTn id="1" dur="indefinite" restart="never" nodeType="tmRoot"/>
+      </p:par>
+    </p:tnLst>
+  </p:timing>
 </p:sld>
 </file>
 
@@ -20897,6 +22176,13 @@
   <p:transition>
     <p:fade thruBlk="1"/>
   </p:transition>
+  <p:timing>
+    <p:tnLst>
+      <p:par>
+        <p:cTn id="1" dur="indefinite" restart="never" nodeType="tmRoot"/>
+      </p:par>
+    </p:tnLst>
+  </p:timing>
 </p:sld>
 </file>
 
@@ -20978,7 +22264,7 @@
         <p:spPr>
           <a:xfrm>
             <a:off x="572424" y="1657350"/>
-            <a:ext cx="8158884" cy="2339102"/>
+            <a:ext cx="8158884" cy="2436564"/>
           </a:xfrm>
           <a:prstGeom prst="rect">
             <a:avLst/>
@@ -21257,48 +22543,70 @@
               </a:rPr>
             </a:br>
             <a:r>
+              <a:rPr lang="en-US" sz="1600" dirty="0">
+                <a:latin typeface="Consolas" pitchFamily="49" charset="0"/>
+                <a:cs typeface="Consolas" pitchFamily="49" charset="0"/>
+              </a:rPr>
+              <a:t>	</a:t>
+            </a:r>
+            <a:endParaRPr lang="en-US" sz="1600" dirty="0" smtClean="0">
+              <a:latin typeface="Consolas" pitchFamily="49" charset="0"/>
+              <a:cs typeface="Consolas" pitchFamily="49" charset="0"/>
+            </a:endParaRPr>
+          </a:p>
+          <a:p>
+            <a:pPr>
+              <a:spcBef>
+                <a:spcPts val="600"/>
+              </a:spcBef>
+              <a:spcAft>
+                <a:spcPts val="400"/>
+              </a:spcAft>
+            </a:pPr>
+            <a:r>
+              <a:rPr lang="en-US" sz="1600" dirty="0">
+                <a:latin typeface="Consolas" pitchFamily="49" charset="0"/>
+                <a:cs typeface="Consolas" pitchFamily="49" charset="0"/>
+              </a:rPr>
+              <a:t>	</a:t>
+            </a:r>
+            <a:r>
+              <a:rPr lang="en-US" sz="1600" dirty="0" err="1" smtClean="0">
+                <a:latin typeface="Consolas" pitchFamily="49" charset="0"/>
+                <a:cs typeface="Consolas" pitchFamily="49" charset="0"/>
+              </a:rPr>
+              <a:t>result.Should</a:t>
+            </a:r>
+            <a:r>
               <a:rPr lang="en-US" sz="1600" dirty="0" smtClean="0">
                 <a:latin typeface="Consolas" pitchFamily="49" charset="0"/>
                 <a:cs typeface="Consolas" pitchFamily="49" charset="0"/>
               </a:rPr>
-              <a:t/>
-            </a:r>
-            <a:br>
+              <a:t>().Be(3); </a:t>
+            </a:r>
+            <a:r>
               <a:rPr lang="en-US" sz="1600" dirty="0" smtClean="0">
                 <a:latin typeface="Consolas" pitchFamily="49" charset="0"/>
                 <a:cs typeface="Consolas" pitchFamily="49" charset="0"/>
               </a:rPr>
-            </a:br>
+              <a:t>              </a:t>
+            </a:r>
             <a:r>
               <a:rPr lang="en-US" sz="1600" dirty="0" smtClean="0">
                 <a:latin typeface="Consolas" pitchFamily="49" charset="0"/>
                 <a:cs typeface="Consolas" pitchFamily="49" charset="0"/>
               </a:rPr>
-              <a:t>	</a:t>
-            </a:r>
-            <a:r>
-              <a:rPr lang="en-US" sz="1600" dirty="0" err="1" smtClean="0">
-                <a:solidFill>
-                  <a:srgbClr val="2B91AF"/>
-                </a:solidFill>
-                <a:latin typeface="Consolas" pitchFamily="49" charset="0"/>
-                <a:cs typeface="Consolas" pitchFamily="49" charset="0"/>
-              </a:rPr>
-              <a:t>Assert</a:t>
-            </a:r>
-            <a:r>
-              <a:rPr lang="en-US" sz="1600" dirty="0" err="1" smtClean="0">
-                <a:latin typeface="Consolas" pitchFamily="49" charset="0"/>
-                <a:cs typeface="Consolas" pitchFamily="49" charset="0"/>
-              </a:rPr>
-              <a:t>.AreEqual</a:t>
+              <a:t>     </a:t>
             </a:r>
             <a:r>
               <a:rPr lang="en-US" sz="1600" dirty="0" smtClean="0">
-                <a:latin typeface="Consolas" pitchFamily="49" charset="0"/>
-                <a:cs typeface="Consolas" pitchFamily="49" charset="0"/>
-              </a:rPr>
-              <a:t>(3, result);               </a:t>
+                <a:solidFill>
+                  <a:srgbClr val="008000"/>
+                </a:solidFill>
+                <a:latin typeface="Consolas" pitchFamily="49" charset="0"/>
+                <a:cs typeface="Consolas" pitchFamily="49" charset="0"/>
+              </a:rPr>
+              <a:t>//</a:t>
             </a:r>
             <a:r>
               <a:rPr lang="en-US" sz="1600" dirty="0" smtClean="0">
@@ -21308,7 +22616,7 @@
                 <a:latin typeface="Consolas" pitchFamily="49" charset="0"/>
                 <a:cs typeface="Consolas" pitchFamily="49" charset="0"/>
               </a:rPr>
-              <a:t>//assert</a:t>
+              <a:t>assert</a:t>
             </a:r>
             <a:r>
               <a:rPr lang="en-US" sz="1600" dirty="0" smtClean="0">
@@ -21419,7 +22727,7 @@
         </p:nvCxnSpPr>
         <p:spPr>
           <a:xfrm flipH="1">
-            <a:off x="5355213" y="3559175"/>
+            <a:off x="5355213" y="3685299"/>
             <a:ext cx="361950" cy="0"/>
           </a:xfrm>
           <a:prstGeom prst="straightConnector1">
@@ -21456,6 +22764,13 @@
   <p:transition>
     <p:fade thruBlk="1"/>
   </p:transition>
+  <p:timing>
+    <p:tnLst>
+      <p:par>
+        <p:cTn id="1" dur="indefinite" restart="never" nodeType="tmRoot"/>
+      </p:par>
+    </p:tnLst>
+  </p:timing>
 </p:sld>
 </file>
 
@@ -21513,7 +22828,15 @@
                   <a:schemeClr val="bg1"/>
                 </a:solidFill>
               </a:rPr>
-              <a:t>Oppgave 1</a:t>
+              <a:t>Oppgave </a:t>
+            </a:r>
+            <a:r>
+              <a:rPr lang="nb-NO" dirty="0" smtClean="0">
+                <a:solidFill>
+                  <a:schemeClr val="bg1"/>
+                </a:solidFill>
+              </a:rPr>
+              <a:t>1</a:t>
             </a:r>
             <a:endParaRPr lang="en-US" dirty="0">
               <a:solidFill>
@@ -21570,7 +22893,7 @@
         <p:spPr>
           <a:xfrm>
             <a:off x="773723" y="1341070"/>
-            <a:ext cx="7957584" cy="2769989"/>
+            <a:ext cx="7957584" cy="1846659"/>
           </a:xfrm>
           <a:prstGeom prst="rect">
             <a:avLst/>
@@ -21585,22 +22908,22 @@
           </a:bodyPr>
           <a:lstStyle/>
           <a:p>
-            <a:pPr algn="just"/>
             <a:r>
               <a:rPr lang="nb-NO" sz="2000" dirty="0" smtClean="0">
                 <a:solidFill>
                   <a:schemeClr val="bg1"/>
                 </a:solidFill>
               </a:rPr>
-              <a:t>I denne oppgaven skal vi implementere en enkel Stack. Det skal være mulig å gjøre </a:t>
-            </a:r>
-            <a:r>
-              <a:rPr lang="nb-NO" sz="2000" i="1" dirty="0" smtClean="0">
+              <a:t>Gjennomfør TDD Kataen som er laget av Roy Osherove (</a:t>
+            </a:r>
+            <a:r>
+              <a:rPr lang="nb-NO" sz="2000" u="sng" dirty="0" smtClean="0">
                 <a:solidFill>
                   <a:schemeClr val="bg1"/>
                 </a:solidFill>
-              </a:rPr>
-              <a:t>Push</a:t>
+                <a:hlinkClick r:id="rId2"/>
+              </a:rPr>
+              <a:t>http://osherove.com/</a:t>
             </a:r>
             <a:r>
               <a:rPr lang="nb-NO" sz="2000" dirty="0" smtClean="0">
@@ -21608,15 +22931,16 @@
                   <a:schemeClr val="bg1"/>
                 </a:solidFill>
               </a:rPr>
-              <a:t> for å få elementer på stacken og </a:t>
-            </a:r>
-            <a:r>
-              <a:rPr lang="nb-NO" sz="2000" i="1" dirty="0" smtClean="0">
+              <a:t>) som finnes </a:t>
+            </a:r>
+            <a:r>
+              <a:rPr lang="nb-NO" sz="2000" u="sng" dirty="0" smtClean="0">
                 <a:solidFill>
                   <a:schemeClr val="bg1"/>
                 </a:solidFill>
-              </a:rPr>
-              <a:t>Pop</a:t>
+                <a:hlinkClick r:id="rId3"/>
+              </a:rPr>
+              <a:t>her.</a:t>
             </a:r>
             <a:r>
               <a:rPr lang="nb-NO" sz="2000" dirty="0" smtClean="0">
@@ -21624,130 +22948,24 @@
                   <a:schemeClr val="bg1"/>
                 </a:solidFill>
               </a:rPr>
-              <a:t> for å få de av. </a:t>
-            </a:r>
-          </a:p>
-          <a:p>
-            <a:pPr algn="just"/>
-            <a:r>
-              <a:rPr lang="nb-NO" sz="2000" dirty="0" smtClean="0">
-                <a:solidFill>
-                  <a:schemeClr val="bg1"/>
-                </a:solidFill>
-              </a:rPr>
-              <a:t>I tillegg ønsker vi funksjonalitet for å se om stacken har noen elementer (f.eks </a:t>
-            </a:r>
-            <a:r>
-              <a:rPr lang="nb-NO" sz="2000" i="1" dirty="0" smtClean="0">
-                <a:solidFill>
-                  <a:schemeClr val="bg1"/>
-                </a:solidFill>
-              </a:rPr>
-              <a:t>IsEmpty</a:t>
-            </a:r>
-            <a:r>
-              <a:rPr lang="nb-NO" sz="2000" dirty="0" smtClean="0">
-                <a:solidFill>
-                  <a:schemeClr val="bg1"/>
-                </a:solidFill>
-              </a:rPr>
-              <a:t>) og vi ønsker en funksjon som kan returnere det siste elementet som er lagt på stacken (f.eks </a:t>
-            </a:r>
-            <a:r>
-              <a:rPr lang="nb-NO" sz="2000" i="1" dirty="0" smtClean="0">
-                <a:solidFill>
-                  <a:schemeClr val="bg1"/>
-                </a:solidFill>
-              </a:rPr>
-              <a:t>Top</a:t>
-            </a:r>
-            <a:r>
-              <a:rPr lang="nb-NO" sz="2000" dirty="0" smtClean="0">
-                <a:solidFill>
-                  <a:schemeClr val="bg1"/>
-                </a:solidFill>
-              </a:rPr>
-              <a:t>).</a:t>
-            </a:r>
-            <a:endParaRPr lang="en-US" sz="2000" dirty="0" smtClean="0">
+              <a:t> </a:t>
+            </a:r>
+          </a:p>
+          <a:p>
+            <a:endParaRPr lang="nb-NO" sz="2000" dirty="0" smtClean="0">
               <a:solidFill>
                 <a:schemeClr val="bg1"/>
               </a:solidFill>
             </a:endParaRPr>
           </a:p>
           <a:p>
-            <a:pPr algn="just"/>
             <a:r>
               <a:rPr lang="nb-NO" sz="2000" dirty="0" smtClean="0">
                 <a:solidFill>
                   <a:schemeClr val="bg1"/>
                 </a:solidFill>
               </a:rPr>
-              <a:t> </a:t>
-            </a:r>
-            <a:endParaRPr lang="en-US" sz="2000" dirty="0" smtClean="0">
-              <a:solidFill>
-                <a:schemeClr val="bg1"/>
-              </a:solidFill>
-            </a:endParaRPr>
-          </a:p>
-          <a:p>
-            <a:pPr algn="just"/>
-            <a:r>
-              <a:rPr lang="nb-NO" sz="2000" dirty="0" smtClean="0">
-                <a:solidFill>
-                  <a:schemeClr val="bg1"/>
-                </a:solidFill>
-              </a:rPr>
-              <a:t>Oppgaven skal gjennomføres test-drevet, det betyr at vi følger </a:t>
-            </a:r>
-            <a:r>
-              <a:rPr lang="nb-NO" sz="2000" dirty="0" smtClean="0">
-                <a:solidFill>
-                  <a:srgbClr val="FF0000"/>
-                </a:solidFill>
-              </a:rPr>
-              <a:t>red</a:t>
-            </a:r>
-            <a:r>
-              <a:rPr lang="nb-NO" sz="2000" dirty="0" smtClean="0">
-                <a:solidFill>
-                  <a:schemeClr val="bg1"/>
-                </a:solidFill>
-              </a:rPr>
-              <a:t>/</a:t>
-            </a:r>
-            <a:r>
-              <a:rPr lang="nb-NO" sz="2000" dirty="0" smtClean="0">
-                <a:solidFill>
-                  <a:srgbClr val="548343"/>
-                </a:solidFill>
-              </a:rPr>
-              <a:t>green</a:t>
-            </a:r>
-            <a:r>
-              <a:rPr lang="nb-NO" sz="2000" dirty="0" smtClean="0">
-                <a:solidFill>
-                  <a:schemeClr val="bg1"/>
-                </a:solidFill>
-              </a:rPr>
-              <a:t>/</a:t>
-            </a:r>
-            <a:r>
-              <a:rPr lang="nb-NO" sz="2000" dirty="0" smtClean="0">
-                <a:solidFill>
-                  <a:srgbClr val="F2B948"/>
-                </a:solidFill>
-              </a:rPr>
-              <a:t>refactor</a:t>
-            </a:r>
-            <a:r>
-              <a:rPr lang="nb-NO" sz="2000" dirty="0" smtClean="0">
-                <a:solidFill>
-                  <a:schemeClr val="bg1"/>
-                </a:solidFill>
-              </a:rPr>
-              <a:t> prinsippet.</a:t>
+              <a:t>Kataen går på å implementere en String Calculator, løs èn og èn av oppgavene, prøv å ikke ”se fremover”.</a:t>
             </a:r>
             <a:endParaRPr lang="en-US" sz="2000" dirty="0" smtClean="0">
               <a:solidFill>
@@ -21796,6 +23014,13 @@
   <p:transition>
     <p:fade thruBlk="1"/>
   </p:transition>
+  <p:timing>
+    <p:tnLst>
+      <p:par>
+        <p:cTn id="1" dur="indefinite" restart="never" nodeType="tmRoot"/>
+      </p:par>
+    </p:tnLst>
+  </p:timing>
 </p:sld>
 </file>
 

--- a/tdd/TDD.pptx
+++ b/tdd/TDD.pptx
@@ -5,10 +5,10 @@
     <p:sldMasterId id="2147483648" r:id="rId1"/>
   </p:sldMasterIdLst>
   <p:notesMasterIdLst>
-    <p:notesMasterId r:id="rId22"/>
+    <p:notesMasterId r:id="rId23"/>
   </p:notesMasterIdLst>
   <p:handoutMasterIdLst>
-    <p:handoutMasterId r:id="rId23"/>
+    <p:handoutMasterId r:id="rId24"/>
   </p:handoutMasterIdLst>
   <p:sldIdLst>
     <p:sldId id="256" r:id="rId2"/>
@@ -18,19 +18,20 @@
     <p:sldId id="271" r:id="rId6"/>
     <p:sldId id="270" r:id="rId7"/>
     <p:sldId id="268" r:id="rId8"/>
-    <p:sldId id="277" r:id="rId9"/>
-    <p:sldId id="283" r:id="rId10"/>
-    <p:sldId id="269" r:id="rId11"/>
-    <p:sldId id="274" r:id="rId12"/>
-    <p:sldId id="287" r:id="rId13"/>
-    <p:sldId id="278" r:id="rId14"/>
-    <p:sldId id="284" r:id="rId15"/>
-    <p:sldId id="279" r:id="rId16"/>
-    <p:sldId id="280" r:id="rId17"/>
-    <p:sldId id="276" r:id="rId18"/>
-    <p:sldId id="267" r:id="rId19"/>
-    <p:sldId id="281" r:id="rId20"/>
-    <p:sldId id="286" r:id="rId21"/>
+    <p:sldId id="288" r:id="rId9"/>
+    <p:sldId id="277" r:id="rId10"/>
+    <p:sldId id="283" r:id="rId11"/>
+    <p:sldId id="269" r:id="rId12"/>
+    <p:sldId id="274" r:id="rId13"/>
+    <p:sldId id="287" r:id="rId14"/>
+    <p:sldId id="278" r:id="rId15"/>
+    <p:sldId id="284" r:id="rId16"/>
+    <p:sldId id="279" r:id="rId17"/>
+    <p:sldId id="280" r:id="rId18"/>
+    <p:sldId id="276" r:id="rId19"/>
+    <p:sldId id="267" r:id="rId20"/>
+    <p:sldId id="281" r:id="rId21"/>
+    <p:sldId id="286" r:id="rId22"/>
   </p:sldIdLst>
   <p:sldSz cx="9144000" cy="6858000" type="screen4x3"/>
   <p:notesSz cx="6858000" cy="9144000"/>
@@ -3464,7 +3465,12 @@
             <p:ph type="sldImg"/>
           </p:nvPr>
         </p:nvSpPr>
-        <p:spPr/>
+        <p:spPr>
+          <a:xfrm>
+            <a:off x="827088" y="592138"/>
+            <a:ext cx="5226050" cy="3919537"/>
+          </a:xfrm>
+        </p:spPr>
       </p:sp>
       <p:sp>
         <p:nvSpPr>
@@ -3551,31 +3557,26 @@
           <a:p>
             <a:r>
               <a:rPr lang="nb-NO" dirty="0" smtClean="0"/>
-              <a:t>Vis konkret eksempel i</a:t>
+              <a:t>Mock –</a:t>
             </a:r>
             <a:r>
               <a:rPr lang="nb-NO" baseline="0" dirty="0" smtClean="0"/>
-              <a:t> kode.</a:t>
+              <a:t> når vi tester mot en fake</a:t>
             </a:r>
           </a:p>
           <a:p>
             <a:r>
               <a:rPr lang="nb-NO" baseline="0" dirty="0" smtClean="0"/>
-              <a:t>F.Eks</a:t>
-            </a:r>
+              <a:t>Stub – når den bare hjelper oss å gjennomføre testen</a:t>
+            </a:r>
+          </a:p>
+          <a:p>
+            <a:endParaRPr lang="nb-NO" baseline="0" dirty="0" smtClean="0"/>
           </a:p>
           <a:p>
             <a:r>
               <a:rPr lang="nb-NO" baseline="0" dirty="0" smtClean="0"/>
-              <a:t>Med StringCalculator fra TDD KATA 2 der Parser bør injectes</a:t>
-            </a:r>
-          </a:p>
-          <a:p>
-            <a:r>
-              <a:rPr lang="en-US" dirty="0" smtClean="0">
-                <a:hlinkClick r:id="rId3"/>
-              </a:rPr>
-              <a:t>http://martinfowler.com/articles/injection.html#FormsOfDependencyInjection</a:t>
+              <a:t>DEMO: Vise i kode hvordan man kan gjøre dette med EmailService – først manuell så med Rhino Mocks.</a:t>
             </a:r>
             <a:endParaRPr lang="en-US" dirty="0"/>
           </a:p>
@@ -3584,7 +3585,7 @@
     </p:spTree>
     <p:extLst>
       <p:ext uri="{BB962C8B-B14F-4D97-AF65-F5344CB8AC3E}">
-        <p14:creationId xmlns:p14="http://schemas.microsoft.com/office/powerpoint/2010/main" val="3645721060"/>
+        <p14:creationId xmlns:p14="http://schemas.microsoft.com/office/powerpoint/2010/main" val="1422762481"/>
       </p:ext>
     </p:extLst>
   </p:cSld>
@@ -3647,6 +3648,102 @@
           <a:p>
             <a:r>
               <a:rPr lang="nb-NO" dirty="0" smtClean="0"/>
+              <a:t>Vis konkret eksempel i</a:t>
+            </a:r>
+            <a:r>
+              <a:rPr lang="nb-NO" baseline="0" dirty="0" smtClean="0"/>
+              <a:t> kode.</a:t>
+            </a:r>
+          </a:p>
+          <a:p>
+            <a:r>
+              <a:rPr lang="nb-NO" baseline="0" dirty="0" smtClean="0"/>
+              <a:t>F.Eks</a:t>
+            </a:r>
+          </a:p>
+          <a:p>
+            <a:r>
+              <a:rPr lang="nb-NO" baseline="0" dirty="0" smtClean="0"/>
+              <a:t>Med StringCalculator fra TDD KATA 2 der Parser bør injectes</a:t>
+            </a:r>
+          </a:p>
+          <a:p>
+            <a:r>
+              <a:rPr lang="en-US" dirty="0" smtClean="0">
+                <a:hlinkClick r:id="rId3"/>
+              </a:rPr>
+              <a:t>http://martinfowler.com/articles/injection.html#FormsOfDependencyInjection</a:t>
+            </a:r>
+            <a:endParaRPr lang="en-US" dirty="0"/>
+          </a:p>
+        </p:txBody>
+      </p:sp>
+    </p:spTree>
+    <p:extLst>
+      <p:ext uri="{BB962C8B-B14F-4D97-AF65-F5344CB8AC3E}">
+        <p14:creationId xmlns:p14="http://schemas.microsoft.com/office/powerpoint/2010/main" val="3645721060"/>
+      </p:ext>
+    </p:extLst>
+  </p:cSld>
+  <p:clrMapOvr>
+    <a:masterClrMapping/>
+  </p:clrMapOvr>
+</p:notes>
+</file>
+
+<file path=ppt/notesSlides/notesSlide12.xml><?xml version="1.0" encoding="utf-8"?>
+<p:notes xmlns:a="http://schemas.openxmlformats.org/drawingml/2006/main" xmlns:r="http://schemas.openxmlformats.org/officeDocument/2006/relationships" xmlns:p="http://schemas.openxmlformats.org/presentationml/2006/main">
+  <p:cSld>
+    <p:spTree>
+      <p:nvGrpSpPr>
+        <p:cNvPr id="1" name=""/>
+        <p:cNvGrpSpPr/>
+        <p:nvPr/>
+      </p:nvGrpSpPr>
+      <p:grpSpPr>
+        <a:xfrm>
+          <a:off x="0" y="0"/>
+          <a:ext cx="0" cy="0"/>
+          <a:chOff x="0" y="0"/>
+          <a:chExt cx="0" cy="0"/>
+        </a:xfrm>
+      </p:grpSpPr>
+      <p:sp>
+        <p:nvSpPr>
+          <p:cNvPr id="2" name="Slide Image Placeholder 1"/>
+          <p:cNvSpPr>
+            <a:spLocks noGrp="1" noRot="1" noChangeAspect="1"/>
+          </p:cNvSpPr>
+          <p:nvPr>
+            <p:ph type="sldImg"/>
+          </p:nvPr>
+        </p:nvSpPr>
+        <p:spPr>
+          <a:xfrm>
+            <a:off x="827088" y="592138"/>
+            <a:ext cx="5226050" cy="3919537"/>
+          </a:xfrm>
+        </p:spPr>
+      </p:sp>
+      <p:sp>
+        <p:nvSpPr>
+          <p:cNvPr id="3" name="Notes Placeholder 2"/>
+          <p:cNvSpPr>
+            <a:spLocks noGrp="1"/>
+          </p:cNvSpPr>
+          <p:nvPr>
+            <p:ph type="body" idx="1"/>
+          </p:nvPr>
+        </p:nvSpPr>
+        <p:spPr/>
+        <p:txBody>
+          <a:bodyPr>
+            <a:normAutofit/>
+          </a:bodyPr>
+          <a:lstStyle/>
+          <a:p>
+            <a:r>
+              <a:rPr lang="nb-NO" dirty="0" smtClean="0"/>
               <a:t>Demo</a:t>
             </a:r>
             <a:r>
@@ -3670,7 +3767,7 @@
 </p:notes>
 </file>
 
-<file path=ppt/notesSlides/notesSlide12.xml><?xml version="1.0" encoding="utf-8"?>
+<file path=ppt/notesSlides/notesSlide13.xml><?xml version="1.0" encoding="utf-8"?>
 <p:notes xmlns:a="http://schemas.openxmlformats.org/drawingml/2006/main" xmlns:r="http://schemas.openxmlformats.org/officeDocument/2006/relationships" xmlns:p="http://schemas.openxmlformats.org/presentationml/2006/main">
   <p:cSld>
     <p:spTree>
@@ -4174,123 +4271,22 @@
           </a:bodyPr>
           <a:lstStyle/>
           <a:p>
-            <a:pPr>
-              <a:spcBef>
-                <a:spcPts val="600"/>
-              </a:spcBef>
-            </a:pPr>
-            <a:r>
-              <a:rPr lang="nb-NO" sz="1600" dirty="0" smtClean="0"/>
-              <a:t>Deklarere en test</a:t>
-            </a:r>
-            <a:br>
-              <a:rPr lang="nb-NO" sz="1600" dirty="0" smtClean="0"/>
-            </a:br>
-            <a:r>
-              <a:rPr lang="nb-NO" sz="1600" dirty="0" smtClean="0"/>
-              <a:t>Navnekonvensjon</a:t>
-            </a:r>
-            <a:br>
-              <a:rPr lang="nb-NO" sz="1600" dirty="0" smtClean="0"/>
-            </a:br>
-            <a:r>
-              <a:rPr lang="nb-NO" sz="1600" dirty="0" smtClean="0"/>
-              <a:t>NavnPåMetodeUnderTest_Senario_ForventetOppførsel()</a:t>
-            </a:r>
-            <a:br>
-              <a:rPr lang="nb-NO" sz="1600" dirty="0" smtClean="0"/>
-            </a:br>
-            <a:r>
-              <a:rPr lang="nb-NO" sz="1600" dirty="0" smtClean="0"/>
-              <a:t>Testene  blir fint gruppert i oversikte oppe til høyre i VS</a:t>
-            </a:r>
-            <a:br>
-              <a:rPr lang="nb-NO" sz="1600" dirty="0" smtClean="0"/>
-            </a:br>
-            <a:r>
-              <a:rPr lang="nb-NO" sz="1600" dirty="0" smtClean="0"/>
-              <a:t/>
-            </a:r>
-            <a:br>
-              <a:rPr lang="nb-NO" sz="1600" dirty="0" smtClean="0"/>
-            </a:br>
-            <a:r>
-              <a:rPr lang="nb-NO" sz="1600" dirty="0" smtClean="0"/>
-              <a:t>Implementere en test</a:t>
-            </a:r>
-          </a:p>
-          <a:p>
-            <a:pPr>
-              <a:spcBef>
-                <a:spcPts val="600"/>
-              </a:spcBef>
-            </a:pPr>
-            <a:r>
-              <a:rPr lang="nb-NO" sz="1600" dirty="0" smtClean="0"/>
-              <a:t>//arrange </a:t>
-            </a:r>
-            <a:br>
-              <a:rPr lang="nb-NO" sz="1600" dirty="0" smtClean="0"/>
-            </a:br>
-            <a:r>
-              <a:rPr lang="nb-NO" sz="1600" dirty="0" smtClean="0"/>
-              <a:t>//act</a:t>
-            </a:r>
-            <a:br>
-              <a:rPr lang="nb-NO" sz="1600" dirty="0" smtClean="0"/>
-            </a:br>
-            <a:r>
-              <a:rPr lang="nb-NO" sz="1600" dirty="0" smtClean="0"/>
-              <a:t>//assert</a:t>
-            </a:r>
-          </a:p>
-          <a:p>
-            <a:pPr>
-              <a:spcBef>
-                <a:spcPts val="600"/>
-              </a:spcBef>
-            </a:pPr>
-            <a:r>
-              <a:rPr lang="nb-NO" sz="1600" dirty="0" smtClean="0"/>
-              <a:t>èn assert per test </a:t>
-            </a:r>
-            <a:br>
-              <a:rPr lang="nb-NO" sz="1600" dirty="0" smtClean="0"/>
-            </a:br>
-            <a:r>
-              <a:rPr lang="nb-NO" sz="1600" dirty="0" smtClean="0"/>
-              <a:t>en test skal teste èn ting</a:t>
-            </a:r>
-          </a:p>
-          <a:p>
-            <a:pPr>
-              <a:spcBef>
-                <a:spcPts val="600"/>
-              </a:spcBef>
-            </a:pPr>
-            <a:r>
-              <a:rPr lang="nb-NO" sz="1600" dirty="0" smtClean="0"/>
-              <a:t>Kjøre test med tastatur, Ctrl + R + T</a:t>
-            </a:r>
-          </a:p>
-          <a:p>
-            <a:pPr>
-              <a:spcBef>
-                <a:spcPts val="600"/>
-              </a:spcBef>
-            </a:pPr>
-            <a:r>
-              <a:rPr lang="nb-NO" sz="1600" dirty="0" smtClean="0"/>
-              <a:t>Resharper Live template</a:t>
-            </a:r>
-            <a:endParaRPr lang="en-US" sz="1600" dirty="0" smtClean="0"/>
+            <a:r>
+              <a:rPr lang="nb-NO" dirty="0" smtClean="0"/>
+              <a:t>ReSharper</a:t>
+            </a:r>
+            <a:r>
+              <a:rPr lang="nb-NO" baseline="0" dirty="0" smtClean="0"/>
+              <a:t> har testrunner som gjør at man kan kjøre Nunittester </a:t>
+            </a:r>
+            <a:endParaRPr lang="en-US" dirty="0"/>
           </a:p>
         </p:txBody>
       </p:sp>
     </p:spTree>
     <p:extLst>
       <p:ext uri="{BB962C8B-B14F-4D97-AF65-F5344CB8AC3E}">
-        <p14:creationId xmlns:p14="http://schemas.microsoft.com/office/powerpoint/2010/main" val="664909238"/>
+        <p14:creationId xmlns:p14="http://schemas.microsoft.com/office/powerpoint/2010/main" val="10656529"/>
       </p:ext>
     </p:extLst>
   </p:cSld>
@@ -4355,47 +4351,119 @@
               <a:spcBef>
                 <a:spcPts val="600"/>
               </a:spcBef>
-              <a:spcAft>
-                <a:spcPts val="400"/>
-              </a:spcAft>
             </a:pPr>
             <a:r>
               <a:rPr lang="nb-NO" sz="1600" dirty="0" smtClean="0"/>
-              <a:t>Vi tester ikke at eposten faktisk blir sendt –</a:t>
-            </a:r>
-            <a:r>
-              <a:rPr lang="nb-NO" sz="1600" baseline="0" dirty="0" smtClean="0"/>
-              <a:t> vi tester vår kode som enhet.</a:t>
-            </a:r>
-            <a:endParaRPr lang="nb-NO" sz="1600" dirty="0" smtClean="0"/>
+              <a:t>Deklarere en test</a:t>
+            </a:r>
+            <a:br>
+              <a:rPr lang="nb-NO" sz="1600" dirty="0" smtClean="0"/>
+            </a:br>
+            <a:r>
+              <a:rPr lang="nb-NO" sz="1600" dirty="0" smtClean="0"/>
+              <a:t>Navnekonvensjon</a:t>
+            </a:r>
+            <a:br>
+              <a:rPr lang="nb-NO" sz="1600" dirty="0" smtClean="0"/>
+            </a:br>
+            <a:r>
+              <a:rPr lang="nb-NO" sz="1600" dirty="0" smtClean="0"/>
+              <a:t>NavnPåMetodeUnderTest_Senario_ForventetOppførsel()</a:t>
+            </a:r>
+            <a:br>
+              <a:rPr lang="nb-NO" sz="1600" dirty="0" smtClean="0"/>
+            </a:br>
+            <a:r>
+              <a:rPr lang="nb-NO" sz="1600" dirty="0" smtClean="0"/>
+              <a:t>Testene  blir fint gruppert i oversikte oppe til høyre i VS</a:t>
+            </a:r>
+            <a:br>
+              <a:rPr lang="nb-NO" sz="1600" dirty="0" smtClean="0"/>
+            </a:br>
+            <a:r>
+              <a:rPr lang="nb-NO" sz="1600" dirty="0" smtClean="0"/>
+              <a:t/>
+            </a:r>
+            <a:br>
+              <a:rPr lang="nb-NO" sz="1600" dirty="0" smtClean="0"/>
+            </a:br>
+            <a:r>
+              <a:rPr lang="nb-NO" sz="1600" dirty="0" smtClean="0"/>
+              <a:t>Implementere en test</a:t>
+            </a:r>
           </a:p>
           <a:p>
             <a:pPr>
               <a:spcBef>
                 <a:spcPts val="600"/>
               </a:spcBef>
-              <a:spcAft>
-                <a:spcPts val="400"/>
-              </a:spcAft>
             </a:pPr>
             <a:r>
               <a:rPr lang="nb-NO" sz="1600" dirty="0" smtClean="0"/>
-              <a:t>Isolation framework</a:t>
+              <a:t>//arrange </a:t>
             </a:r>
             <a:br>
               <a:rPr lang="nb-NO" sz="1600" dirty="0" smtClean="0"/>
             </a:br>
             <a:r>
               <a:rPr lang="nb-NO" sz="1600" dirty="0" smtClean="0"/>
-              <a:t>klassifisering av tester unit-, integration- og systemintegrationtester</a:t>
-            </a:r>
+              <a:t>//act</a:t>
+            </a:r>
+            <a:br>
+              <a:rPr lang="nb-NO" sz="1600" dirty="0" smtClean="0"/>
+            </a:br>
+            <a:r>
+              <a:rPr lang="nb-NO" sz="1600" dirty="0" smtClean="0"/>
+              <a:t>//assert</a:t>
+            </a:r>
+          </a:p>
+          <a:p>
+            <a:pPr>
+              <a:spcBef>
+                <a:spcPts val="600"/>
+              </a:spcBef>
+            </a:pPr>
+            <a:r>
+              <a:rPr lang="nb-NO" sz="1600" dirty="0" smtClean="0"/>
+              <a:t>èn assert per test </a:t>
+            </a:r>
+            <a:br>
+              <a:rPr lang="nb-NO" sz="1600" dirty="0" smtClean="0"/>
+            </a:br>
+            <a:r>
+              <a:rPr lang="nb-NO" sz="1600" dirty="0" smtClean="0"/>
+              <a:t>en test skal teste èn ting</a:t>
+            </a:r>
+          </a:p>
+          <a:p>
+            <a:pPr>
+              <a:spcBef>
+                <a:spcPts val="600"/>
+              </a:spcBef>
+            </a:pPr>
+            <a:r>
+              <a:rPr lang="nb-NO" sz="1600" dirty="0" smtClean="0"/>
+              <a:t>Kjøre test med tastatur, Ctrl + R + T</a:t>
+            </a:r>
+          </a:p>
+          <a:p>
+            <a:pPr>
+              <a:spcBef>
+                <a:spcPts val="600"/>
+              </a:spcBef>
+            </a:pPr>
+            <a:r>
+              <a:rPr lang="nb-NO" sz="1600" dirty="0" smtClean="0"/>
+              <a:t>Resharper Live template</a:t>
+            </a:r>
+            <a:endParaRPr lang="en-US" sz="1600" dirty="0" smtClean="0"/>
           </a:p>
         </p:txBody>
       </p:sp>
     </p:spTree>
     <p:extLst>
       <p:ext uri="{BB962C8B-B14F-4D97-AF65-F5344CB8AC3E}">
-        <p14:creationId xmlns:p14="http://schemas.microsoft.com/office/powerpoint/2010/main" val="1627688278"/>
+        <p14:creationId xmlns:p14="http://schemas.microsoft.com/office/powerpoint/2010/main" val="664909238"/>
       </p:ext>
     </p:extLst>
   </p:cSld>
@@ -4500,7 +4568,7 @@
     </p:spTree>
     <p:extLst>
       <p:ext uri="{BB962C8B-B14F-4D97-AF65-F5344CB8AC3E}">
-        <p14:creationId xmlns:p14="http://schemas.microsoft.com/office/powerpoint/2010/main" val="2603387403"/>
+        <p14:creationId xmlns:p14="http://schemas.microsoft.com/office/powerpoint/2010/main" val="1627688278"/>
       </p:ext>
     </p:extLst>
   </p:cSld>
@@ -4561,37 +4629,51 @@
           </a:bodyPr>
           <a:lstStyle/>
           <a:p>
-            <a:r>
-              <a:rPr lang="nb-NO" dirty="0" smtClean="0"/>
-              <a:t>Mock –</a:t>
-            </a:r>
-            <a:r>
-              <a:rPr lang="nb-NO" baseline="0" dirty="0" smtClean="0"/>
-              <a:t> når vi tester mot en fake</a:t>
-            </a:r>
-          </a:p>
-          <a:p>
-            <a:r>
-              <a:rPr lang="nb-NO" baseline="0" dirty="0" smtClean="0"/>
-              <a:t>Stub – når den bare hjelper oss å gjennomføre testen</a:t>
-            </a:r>
-          </a:p>
-          <a:p>
-            <a:endParaRPr lang="nb-NO" baseline="0" dirty="0" smtClean="0"/>
-          </a:p>
-          <a:p>
-            <a:r>
-              <a:rPr lang="nb-NO" baseline="0" dirty="0" smtClean="0"/>
-              <a:t>DEMO: Vise i kode hvordan man kan gjøre dette med EmailService – først manuell så med Rhino Mocks.</a:t>
-            </a:r>
-            <a:endParaRPr lang="en-US" dirty="0"/>
+            <a:pPr>
+              <a:spcBef>
+                <a:spcPts val="600"/>
+              </a:spcBef>
+              <a:spcAft>
+                <a:spcPts val="400"/>
+              </a:spcAft>
+            </a:pPr>
+            <a:r>
+              <a:rPr lang="nb-NO" sz="1600" dirty="0" smtClean="0"/>
+              <a:t>Vi tester ikke at eposten faktisk blir sendt –</a:t>
+            </a:r>
+            <a:r>
+              <a:rPr lang="nb-NO" sz="1600" baseline="0" dirty="0" smtClean="0"/>
+              <a:t> vi tester vår kode som enhet.</a:t>
+            </a:r>
+            <a:endParaRPr lang="nb-NO" sz="1600" dirty="0" smtClean="0"/>
+          </a:p>
+          <a:p>
+            <a:pPr>
+              <a:spcBef>
+                <a:spcPts val="600"/>
+              </a:spcBef>
+              <a:spcAft>
+                <a:spcPts val="400"/>
+              </a:spcAft>
+            </a:pPr>
+            <a:r>
+              <a:rPr lang="nb-NO" sz="1600" dirty="0" smtClean="0"/>
+              <a:t>Isolation framework</a:t>
+            </a:r>
+            <a:br>
+              <a:rPr lang="nb-NO" sz="1600" dirty="0" smtClean="0"/>
+            </a:br>
+            <a:r>
+              <a:rPr lang="nb-NO" sz="1600" dirty="0" smtClean="0"/>
+              <a:t>klassifisering av tester unit-, integration- og systemintegrationtester</a:t>
+            </a:r>
           </a:p>
         </p:txBody>
       </p:sp>
     </p:spTree>
     <p:extLst>
       <p:ext uri="{BB962C8B-B14F-4D97-AF65-F5344CB8AC3E}">
-        <p14:creationId xmlns:p14="http://schemas.microsoft.com/office/powerpoint/2010/main" val="1422762481"/>
+        <p14:creationId xmlns:p14="http://schemas.microsoft.com/office/powerpoint/2010/main" val="2603387403"/>
       </p:ext>
     </p:extLst>
   </p:cSld>
@@ -13782,14 +13864,38 @@
             <p:ph type="body" sz="quarter" idx="11"/>
           </p:nvPr>
         </p:nvSpPr>
-        <p:spPr/>
+        <p:spPr>
+          <a:xfrm>
+            <a:off x="2423032" y="5820025"/>
+            <a:ext cx="4396995" cy="251795"/>
+          </a:xfrm>
+        </p:spPr>
         <p:txBody>
           <a:bodyPr/>
           <a:lstStyle/>
           <a:p>
+            <a:pPr algn="ctr"/>
             <a:r>
               <a:rPr lang="nb-NO" dirty="0" smtClean="0"/>
-              <a:t>Espen Ekvang</a:t>
+              <a:t>Thor Ånderbakk Olsen</a:t>
+            </a:r>
+            <a:br>
+              <a:rPr lang="nb-NO" dirty="0" smtClean="0"/>
+            </a:br>
+            <a:r>
+              <a:rPr lang="nb-NO" dirty="0" smtClean="0"/>
+              <a:t>Mats Mortensen</a:t>
+            </a:r>
+            <a:br>
+              <a:rPr lang="nb-NO" dirty="0" smtClean="0"/>
+            </a:br>
+            <a:r>
+              <a:rPr lang="nb-NO" dirty="0" smtClean="0"/>
+              <a:t>Espen </a:t>
+            </a:r>
+            <a:r>
+              <a:rPr lang="nb-NO" dirty="0" smtClean="0"/>
+              <a:t>Ekvang</a:t>
             </a:r>
             <a:endParaRPr lang="en-US" dirty="0"/>
           </a:p>
@@ -13812,7 +13918,7 @@
           <a:p>
             <a:r>
               <a:rPr lang="nb-NO" dirty="0" smtClean="0"/>
-              <a:t>August 2012</a:t>
+              <a:t>November 2013</a:t>
             </a:r>
             <a:endParaRPr lang="en-US" dirty="0"/>
           </a:p>
@@ -13879,7 +13985,7 @@
         <p:spPr>
           <a:xfrm>
             <a:off x="321623" y="418905"/>
-            <a:ext cx="1611980" cy="307777"/>
+            <a:ext cx="1579920" cy="307777"/>
           </a:xfrm>
           <a:solidFill>
             <a:schemeClr val="accent1"/>
@@ -13895,15 +14001,7 @@
                   <a:schemeClr val="bg1"/>
                 </a:solidFill>
               </a:rPr>
-              <a:t>Oppgave </a:t>
-            </a:r>
-            <a:r>
-              <a:rPr lang="nb-NO" dirty="0" smtClean="0">
-                <a:solidFill>
-                  <a:schemeClr val="bg1"/>
-                </a:solidFill>
-              </a:rPr>
-              <a:t>2</a:t>
+              <a:t>Oppgave 1</a:t>
             </a:r>
             <a:endParaRPr lang="en-US" dirty="0">
               <a:solidFill>
@@ -13960,7 +14058,7 @@
         <p:spPr>
           <a:xfrm>
             <a:off x="773723" y="1341070"/>
-            <a:ext cx="7957584" cy="2769989"/>
+            <a:ext cx="7957584" cy="1846659"/>
           </a:xfrm>
           <a:prstGeom prst="rect">
             <a:avLst/>
@@ -13975,22 +14073,22 @@
           </a:bodyPr>
           <a:lstStyle/>
           <a:p>
-            <a:pPr algn="just"/>
             <a:r>
               <a:rPr lang="nb-NO" sz="2000" dirty="0" smtClean="0">
                 <a:solidFill>
                   <a:schemeClr val="bg1"/>
                 </a:solidFill>
               </a:rPr>
-              <a:t>I denne oppgaven skal vi implementere en enkel Stack. Det skal være mulig å gjøre </a:t>
-            </a:r>
-            <a:r>
-              <a:rPr lang="nb-NO" sz="2000" i="1" dirty="0" smtClean="0">
+              <a:t>Gjennomfør TDD Kataen som er laget av Roy Osherove (</a:t>
+            </a:r>
+            <a:r>
+              <a:rPr lang="nb-NO" sz="2000" u="sng" dirty="0" smtClean="0">
                 <a:solidFill>
                   <a:schemeClr val="bg1"/>
                 </a:solidFill>
-              </a:rPr>
-              <a:t>Push</a:t>
+                <a:hlinkClick r:id="rId2"/>
+              </a:rPr>
+              <a:t>http://osherove.com/</a:t>
             </a:r>
             <a:r>
               <a:rPr lang="nb-NO" sz="2000" dirty="0" smtClean="0">
@@ -13998,15 +14096,16 @@
                   <a:schemeClr val="bg1"/>
                 </a:solidFill>
               </a:rPr>
-              <a:t> for å få elementer på stacken og </a:t>
-            </a:r>
-            <a:r>
-              <a:rPr lang="nb-NO" sz="2000" i="1" dirty="0" smtClean="0">
+              <a:t>) som finnes </a:t>
+            </a:r>
+            <a:r>
+              <a:rPr lang="nb-NO" sz="2000" u="sng" dirty="0" smtClean="0">
                 <a:solidFill>
                   <a:schemeClr val="bg1"/>
                 </a:solidFill>
-              </a:rPr>
-              <a:t>Pop</a:t>
+                <a:hlinkClick r:id="rId3"/>
+              </a:rPr>
+              <a:t>her.</a:t>
             </a:r>
             <a:r>
               <a:rPr lang="nb-NO" sz="2000" dirty="0" smtClean="0">
@@ -14014,130 +14113,24 @@
                   <a:schemeClr val="bg1"/>
                 </a:solidFill>
               </a:rPr>
-              <a:t> for å få de av. </a:t>
-            </a:r>
-          </a:p>
-          <a:p>
-            <a:pPr algn="just"/>
-            <a:r>
-              <a:rPr lang="nb-NO" sz="2000" dirty="0" smtClean="0">
-                <a:solidFill>
-                  <a:schemeClr val="bg1"/>
-                </a:solidFill>
-              </a:rPr>
-              <a:t>I tillegg ønsker vi funksjonalitet for å se om stacken har noen elementer (f.eks </a:t>
-            </a:r>
-            <a:r>
-              <a:rPr lang="nb-NO" sz="2000" i="1" dirty="0" smtClean="0">
-                <a:solidFill>
-                  <a:schemeClr val="bg1"/>
-                </a:solidFill>
-              </a:rPr>
-              <a:t>IsEmpty</a:t>
-            </a:r>
-            <a:r>
-              <a:rPr lang="nb-NO" sz="2000" dirty="0" smtClean="0">
-                <a:solidFill>
-                  <a:schemeClr val="bg1"/>
-                </a:solidFill>
-              </a:rPr>
-              <a:t>) og vi ønsker en funksjon som kan returnere det siste elementet som er lagt på stacken (f.eks </a:t>
-            </a:r>
-            <a:r>
-              <a:rPr lang="nb-NO" sz="2000" i="1" dirty="0" smtClean="0">
-                <a:solidFill>
-                  <a:schemeClr val="bg1"/>
-                </a:solidFill>
-              </a:rPr>
-              <a:t>Top</a:t>
-            </a:r>
-            <a:r>
-              <a:rPr lang="nb-NO" sz="2000" dirty="0" smtClean="0">
-                <a:solidFill>
-                  <a:schemeClr val="bg1"/>
-                </a:solidFill>
-              </a:rPr>
-              <a:t>).</a:t>
-            </a:r>
-            <a:endParaRPr lang="en-US" sz="2000" dirty="0" smtClean="0">
+              <a:t> </a:t>
+            </a:r>
+          </a:p>
+          <a:p>
+            <a:endParaRPr lang="nb-NO" sz="2000" dirty="0" smtClean="0">
               <a:solidFill>
                 <a:schemeClr val="bg1"/>
               </a:solidFill>
             </a:endParaRPr>
           </a:p>
           <a:p>
-            <a:pPr algn="just"/>
             <a:r>
               <a:rPr lang="nb-NO" sz="2000" dirty="0" smtClean="0">
                 <a:solidFill>
                   <a:schemeClr val="bg1"/>
                 </a:solidFill>
               </a:rPr>
-              <a:t> </a:t>
-            </a:r>
-            <a:endParaRPr lang="en-US" sz="2000" dirty="0" smtClean="0">
-              <a:solidFill>
-                <a:schemeClr val="bg1"/>
-              </a:solidFill>
-            </a:endParaRPr>
-          </a:p>
-          <a:p>
-            <a:pPr algn="just"/>
-            <a:r>
-              <a:rPr lang="nb-NO" sz="2000" dirty="0" smtClean="0">
-                <a:solidFill>
-                  <a:schemeClr val="bg1"/>
-                </a:solidFill>
-              </a:rPr>
-              <a:t>Oppgaven skal gjennomføres test-drevet, det betyr at vi følger </a:t>
-            </a:r>
-            <a:r>
-              <a:rPr lang="nb-NO" sz="2000" dirty="0" smtClean="0">
-                <a:solidFill>
-                  <a:srgbClr val="FF0000"/>
-                </a:solidFill>
-              </a:rPr>
-              <a:t>red</a:t>
-            </a:r>
-            <a:r>
-              <a:rPr lang="nb-NO" sz="2000" dirty="0" smtClean="0">
-                <a:solidFill>
-                  <a:schemeClr val="bg1"/>
-                </a:solidFill>
-              </a:rPr>
-              <a:t>/</a:t>
-            </a:r>
-            <a:r>
-              <a:rPr lang="nb-NO" sz="2000" dirty="0" smtClean="0">
-                <a:solidFill>
-                  <a:srgbClr val="548343"/>
-                </a:solidFill>
-              </a:rPr>
-              <a:t>green</a:t>
-            </a:r>
-            <a:r>
-              <a:rPr lang="nb-NO" sz="2000" dirty="0" smtClean="0">
-                <a:solidFill>
-                  <a:schemeClr val="bg1"/>
-                </a:solidFill>
-              </a:rPr>
-              <a:t>/</a:t>
-            </a:r>
-            <a:r>
-              <a:rPr lang="nb-NO" sz="2000" dirty="0" smtClean="0">
-                <a:solidFill>
-                  <a:srgbClr val="F2B948"/>
-                </a:solidFill>
-              </a:rPr>
-              <a:t>refactor</a:t>
-            </a:r>
-            <a:r>
-              <a:rPr lang="nb-NO" sz="2000" dirty="0" smtClean="0">
-                <a:solidFill>
-                  <a:schemeClr val="bg1"/>
-                </a:solidFill>
-              </a:rPr>
-              <a:t> prinsippet.</a:t>
+              <a:t>Kataen går på å implementere en String Calculator, løs èn og èn av oppgavene, prøv å ikke ”se fremover”.</a:t>
             </a:r>
             <a:endParaRPr lang="en-US" sz="2000" dirty="0" smtClean="0">
               <a:solidFill>
@@ -14199,6 +14192,14 @@
 <file path=ppt/slides/slide11.xml><?xml version="1.0" encoding="utf-8"?>
 <p:sld xmlns:a="http://schemas.openxmlformats.org/drawingml/2006/main" xmlns:r="http://schemas.openxmlformats.org/officeDocument/2006/relationships" xmlns:p="http://schemas.openxmlformats.org/presentationml/2006/main">
   <p:cSld>
+    <p:bg>
+      <p:bgPr>
+        <a:solidFill>
+          <a:schemeClr val="accent1"/>
+        </a:solidFill>
+        <a:effectLst/>
+      </p:bgPr>
+    </p:bg>
     <p:spTree>
       <p:nvGrpSpPr>
         <p:cNvPr id="1" name=""/>
@@ -14226,18 +14227,29 @@
         <p:spPr>
           <a:xfrm>
             <a:off x="321623" y="418905"/>
-            <a:ext cx="2421577" cy="307777"/>
+            <a:ext cx="1611980" cy="307777"/>
           </a:xfrm>
+          <a:solidFill>
+            <a:schemeClr val="accent1"/>
+          </a:solidFill>
         </p:spPr>
         <p:txBody>
           <a:bodyPr/>
           <a:lstStyle/>
           <a:p>
             <a:r>
-              <a:rPr lang="nb-NO" dirty="0" smtClean="0"/>
-              <a:t>Avhengigheter</a:t>
-            </a:r>
-            <a:endParaRPr lang="en-US" dirty="0"/>
+              <a:rPr lang="nb-NO" dirty="0" smtClean="0">
+                <a:solidFill>
+                  <a:schemeClr val="bg1"/>
+                </a:solidFill>
+              </a:rPr>
+              <a:t>Oppgave 2</a:t>
+            </a:r>
+            <a:endParaRPr lang="en-US" dirty="0">
+              <a:solidFill>
+                <a:schemeClr val="bg1"/>
+              </a:solidFill>
+            </a:endParaRPr>
           </a:p>
         </p:txBody>
       </p:sp>
@@ -14251,496 +14263,258 @@
             <p:ph type="sldNum" sz="quarter" idx="10"/>
           </p:nvPr>
         </p:nvSpPr>
-        <p:spPr/>
+        <p:spPr>
+          <a:solidFill>
+            <a:schemeClr val="accent1"/>
+          </a:solidFill>
+        </p:spPr>
         <p:txBody>
           <a:bodyPr/>
           <a:lstStyle/>
           <a:p>
             <a:fld id="{FF67BF5B-7344-D747-A0C2-CBD7B2ACBC85}" type="slidenum">
-              <a:rPr lang="en-US" smtClean="0"/>
+              <a:rPr lang="en-US" smtClean="0">
+                <a:solidFill>
+                  <a:schemeClr val="bg1"/>
+                </a:solidFill>
+              </a:rPr>
               <a:pPr/>
               <a:t>11</a:t>
             </a:fld>
-            <a:endParaRPr lang="en-US" dirty="0"/>
+            <a:endParaRPr lang="en-US" dirty="0">
+              <a:solidFill>
+                <a:schemeClr val="bg1"/>
+              </a:solidFill>
+            </a:endParaRPr>
           </a:p>
         </p:txBody>
       </p:sp>
       <p:sp>
         <p:nvSpPr>
-          <p:cNvPr id="14" name="TextBox 13"/>
-          <p:cNvSpPr txBox="1"/>
+          <p:cNvPr id="6" name="Title 1"/>
+          <p:cNvSpPr txBox="1">
+            <a:spLocks/>
+          </p:cNvSpPr>
           <p:nvPr/>
         </p:nvSpPr>
         <p:spPr>
           <a:xfrm>
-            <a:off x="362263" y="1417562"/>
-            <a:ext cx="8369044" cy="2159566"/>
+            <a:off x="773723" y="1341070"/>
+            <a:ext cx="7957584" cy="2769989"/>
           </a:xfrm>
           <a:prstGeom prst="rect">
             <a:avLst/>
           </a:prstGeom>
-          <a:noFill/>
-          <a:ln>
-            <a:solidFill>
-              <a:schemeClr val="accent2"/>
-            </a:solidFill>
-          </a:ln>
+          <a:solidFill>
+            <a:schemeClr val="accent1"/>
+          </a:solidFill>
         </p:spPr>
         <p:txBody>
-          <a:bodyPr wrap="square" rtlCol="0">
+          <a:bodyPr vert="horz" wrap="square" lIns="91440" tIns="0" rIns="91440" bIns="0" rtlCol="0" anchor="t">
             <a:spAutoFit/>
           </a:bodyPr>
           <a:lstStyle/>
           <a:p>
-            <a:pPr>
+            <a:pPr algn="just"/>
+            <a:r>
+              <a:rPr lang="nb-NO" sz="2000" dirty="0" smtClean="0">
+                <a:solidFill>
+                  <a:schemeClr val="bg1"/>
+                </a:solidFill>
+              </a:rPr>
+              <a:t>I denne oppgaven skal vi implementere en enkel Stack. Det skal være mulig å gjøre </a:t>
+            </a:r>
+            <a:r>
+              <a:rPr lang="nb-NO" sz="2000" i="1" dirty="0" smtClean="0">
+                <a:solidFill>
+                  <a:schemeClr val="bg1"/>
+                </a:solidFill>
+              </a:rPr>
+              <a:t>Push</a:t>
+            </a:r>
+            <a:r>
+              <a:rPr lang="nb-NO" sz="2000" dirty="0" smtClean="0">
+                <a:solidFill>
+                  <a:schemeClr val="bg1"/>
+                </a:solidFill>
+              </a:rPr>
+              <a:t> for å få elementer på stacken og </a:t>
+            </a:r>
+            <a:r>
+              <a:rPr lang="nb-NO" sz="2000" i="1" dirty="0" smtClean="0">
+                <a:solidFill>
+                  <a:schemeClr val="bg1"/>
+                </a:solidFill>
+              </a:rPr>
+              <a:t>Pop</a:t>
+            </a:r>
+            <a:r>
+              <a:rPr lang="nb-NO" sz="2000" dirty="0" smtClean="0">
+                <a:solidFill>
+                  <a:schemeClr val="bg1"/>
+                </a:solidFill>
+              </a:rPr>
+              <a:t> for å få de av. </a:t>
+            </a:r>
+          </a:p>
+          <a:p>
+            <a:pPr algn="just"/>
+            <a:r>
+              <a:rPr lang="nb-NO" sz="2000" dirty="0" smtClean="0">
+                <a:solidFill>
+                  <a:schemeClr val="bg1"/>
+                </a:solidFill>
+              </a:rPr>
+              <a:t>I tillegg ønsker vi funksjonalitet for å se om stacken har noen elementer (f.eks </a:t>
+            </a:r>
+            <a:r>
+              <a:rPr lang="nb-NO" sz="2000" i="1" dirty="0" smtClean="0">
+                <a:solidFill>
+                  <a:schemeClr val="bg1"/>
+                </a:solidFill>
+              </a:rPr>
+              <a:t>IsEmpty</a:t>
+            </a:r>
+            <a:r>
+              <a:rPr lang="nb-NO" sz="2000" dirty="0" smtClean="0">
+                <a:solidFill>
+                  <a:schemeClr val="bg1"/>
+                </a:solidFill>
+              </a:rPr>
+              <a:t>) og vi ønsker en funksjon som kan returnere det siste elementet som er lagt på stacken (f.eks </a:t>
+            </a:r>
+            <a:r>
+              <a:rPr lang="nb-NO" sz="2000" i="1" dirty="0" smtClean="0">
+                <a:solidFill>
+                  <a:schemeClr val="bg1"/>
+                </a:solidFill>
+              </a:rPr>
+              <a:t>Top</a:t>
+            </a:r>
+            <a:r>
+              <a:rPr lang="nb-NO" sz="2000" dirty="0" smtClean="0">
+                <a:solidFill>
+                  <a:schemeClr val="bg1"/>
+                </a:solidFill>
+              </a:rPr>
+              <a:t>).</a:t>
+            </a:r>
+            <a:endParaRPr lang="en-US" sz="2000" dirty="0" smtClean="0">
+              <a:solidFill>
+                <a:schemeClr val="bg1"/>
+              </a:solidFill>
+            </a:endParaRPr>
+          </a:p>
+          <a:p>
+            <a:pPr algn="just"/>
+            <a:r>
+              <a:rPr lang="nb-NO" sz="2000" dirty="0" smtClean="0">
+                <a:solidFill>
+                  <a:schemeClr val="bg1"/>
+                </a:solidFill>
+              </a:rPr>
+              <a:t> </a:t>
+            </a:r>
+            <a:endParaRPr lang="en-US" sz="2000" dirty="0" smtClean="0">
+              <a:solidFill>
+                <a:schemeClr val="bg1"/>
+              </a:solidFill>
+            </a:endParaRPr>
+          </a:p>
+          <a:p>
+            <a:pPr algn="just"/>
+            <a:r>
+              <a:rPr lang="nb-NO" sz="2000" dirty="0" smtClean="0">
+                <a:solidFill>
+                  <a:schemeClr val="bg1"/>
+                </a:solidFill>
+              </a:rPr>
+              <a:t>Oppgaven skal gjennomføres test-drevet, det betyr at vi følger </a:t>
+            </a:r>
+            <a:r>
+              <a:rPr lang="nb-NO" sz="2000" dirty="0" smtClean="0">
+                <a:solidFill>
+                  <a:srgbClr val="FF0000"/>
+                </a:solidFill>
+              </a:rPr>
+              <a:t>red</a:t>
+            </a:r>
+            <a:r>
+              <a:rPr lang="nb-NO" sz="2000" dirty="0" smtClean="0">
+                <a:solidFill>
+                  <a:schemeClr val="bg1"/>
+                </a:solidFill>
+              </a:rPr>
+              <a:t>/</a:t>
+            </a:r>
+            <a:r>
+              <a:rPr lang="nb-NO" sz="2000" dirty="0" smtClean="0">
+                <a:solidFill>
+                  <a:srgbClr val="548343"/>
+                </a:solidFill>
+              </a:rPr>
+              <a:t>green</a:t>
+            </a:r>
+            <a:r>
+              <a:rPr lang="nb-NO" sz="2000" dirty="0" smtClean="0">
+                <a:solidFill>
+                  <a:schemeClr val="bg1"/>
+                </a:solidFill>
+              </a:rPr>
+              <a:t>/</a:t>
+            </a:r>
+            <a:r>
+              <a:rPr lang="nb-NO" sz="2000" dirty="0" smtClean="0">
+                <a:solidFill>
+                  <a:srgbClr val="F2B948"/>
+                </a:solidFill>
+              </a:rPr>
+              <a:t>refactor</a:t>
+            </a:r>
+            <a:r>
+              <a:rPr lang="nb-NO" sz="2000" dirty="0" smtClean="0">
+                <a:solidFill>
+                  <a:schemeClr val="bg1"/>
+                </a:solidFill>
+              </a:rPr>
+              <a:t> prinsippet.</a:t>
+            </a:r>
+            <a:endParaRPr lang="en-US" sz="2000" dirty="0" smtClean="0">
+              <a:solidFill>
+                <a:schemeClr val="bg1"/>
+              </a:solidFill>
+            </a:endParaRPr>
+          </a:p>
+          <a:p>
+            <a:pPr marL="457200" marR="0" lvl="0" indent="-457200" algn="just" defTabSz="457200" rtl="0" eaLnBrk="1" fontAlgn="auto" latinLnBrk="0" hangingPunct="1">
+              <a:lnSpc>
+                <a:spcPct val="100000"/>
+              </a:lnSpc>
               <a:spcBef>
-                <a:spcPts val="600"/>
+                <a:spcPct val="0"/>
               </a:spcBef>
               <a:spcAft>
-                <a:spcPts val="400"/>
+                <a:spcPts val="0"/>
               </a:spcAft>
+              <a:buClrTx/>
+              <a:buSzTx/>
+              <a:tabLst/>
+              <a:defRPr/>
             </a:pPr>
-            <a:r>
-              <a:rPr lang="en-US" sz="1400" dirty="0" smtClean="0">
-                <a:solidFill>
-                  <a:srgbClr val="0000FF"/>
-                </a:solidFill>
-                <a:latin typeface="Consolas" pitchFamily="49" charset="0"/>
-                <a:cs typeface="Consolas" pitchFamily="49" charset="0"/>
-              </a:rPr>
-              <a:t>public</a:t>
-            </a:r>
-            <a:r>
-              <a:rPr lang="en-US" sz="1400" dirty="0" smtClean="0">
-                <a:latin typeface="Consolas" pitchFamily="49" charset="0"/>
-                <a:cs typeface="Consolas" pitchFamily="49" charset="0"/>
-              </a:rPr>
-              <a:t> </a:t>
-            </a:r>
-            <a:r>
-              <a:rPr lang="en-US" sz="1400" dirty="0" smtClean="0">
-                <a:solidFill>
-                  <a:srgbClr val="0000FF"/>
-                </a:solidFill>
-                <a:latin typeface="Consolas" pitchFamily="49" charset="0"/>
-                <a:cs typeface="Consolas" pitchFamily="49" charset="0"/>
-              </a:rPr>
-              <a:t>class</a:t>
-            </a:r>
-            <a:r>
-              <a:rPr lang="en-US" sz="1400" dirty="0" smtClean="0">
-                <a:latin typeface="Consolas" pitchFamily="49" charset="0"/>
-                <a:cs typeface="Consolas" pitchFamily="49" charset="0"/>
-              </a:rPr>
-              <a:t> </a:t>
-            </a:r>
-            <a:r>
-              <a:rPr lang="en-US" sz="1400" dirty="0" err="1" smtClean="0">
-                <a:solidFill>
-                  <a:srgbClr val="2B91AF"/>
-                </a:solidFill>
-                <a:latin typeface="Consolas" pitchFamily="49" charset="0"/>
-                <a:cs typeface="Consolas" pitchFamily="49" charset="0"/>
-              </a:rPr>
-              <a:t>BookingComponent</a:t>
-            </a:r>
-            <a:r>
-              <a:rPr lang="en-US" sz="1400" dirty="0" smtClean="0">
-                <a:latin typeface="Consolas" pitchFamily="49" charset="0"/>
-                <a:cs typeface="Consolas" pitchFamily="49" charset="0"/>
-              </a:rPr>
-              <a:t>     </a:t>
-            </a:r>
-            <a:br>
-              <a:rPr lang="en-US" sz="1400" dirty="0" smtClean="0">
-                <a:latin typeface="Consolas" pitchFamily="49" charset="0"/>
-                <a:cs typeface="Consolas" pitchFamily="49" charset="0"/>
-              </a:rPr>
-            </a:br>
-            <a:r>
-              <a:rPr lang="en-US" sz="1400" dirty="0" smtClean="0">
-                <a:latin typeface="Consolas" pitchFamily="49" charset="0"/>
-                <a:cs typeface="Consolas" pitchFamily="49" charset="0"/>
-              </a:rPr>
-              <a:t>{      </a:t>
-            </a:r>
-            <a:br>
-              <a:rPr lang="en-US" sz="1400" dirty="0" smtClean="0">
-                <a:latin typeface="Consolas" pitchFamily="49" charset="0"/>
-                <a:cs typeface="Consolas" pitchFamily="49" charset="0"/>
-              </a:rPr>
-            </a:br>
-            <a:r>
-              <a:rPr lang="en-US" sz="1400" dirty="0" smtClean="0">
-                <a:latin typeface="Consolas" pitchFamily="49" charset="0"/>
-                <a:cs typeface="Consolas" pitchFamily="49" charset="0"/>
-              </a:rPr>
-              <a:t>	</a:t>
-            </a:r>
-            <a:r>
-              <a:rPr lang="en-US" sz="1400" dirty="0" smtClean="0">
-                <a:solidFill>
-                  <a:srgbClr val="0000FF"/>
-                </a:solidFill>
-                <a:latin typeface="Consolas" pitchFamily="49" charset="0"/>
-                <a:cs typeface="Consolas" pitchFamily="49" charset="0"/>
-              </a:rPr>
-              <a:t>public</a:t>
-            </a:r>
-            <a:r>
-              <a:rPr lang="en-US" sz="1400" dirty="0" smtClean="0">
-                <a:latin typeface="Consolas" pitchFamily="49" charset="0"/>
-                <a:cs typeface="Consolas" pitchFamily="49" charset="0"/>
-              </a:rPr>
-              <a:t> </a:t>
-            </a:r>
-            <a:r>
-              <a:rPr lang="en-US" sz="1400" dirty="0" smtClean="0">
-                <a:solidFill>
-                  <a:srgbClr val="0000FF"/>
-                </a:solidFill>
-                <a:latin typeface="Consolas" pitchFamily="49" charset="0"/>
-                <a:cs typeface="Consolas" pitchFamily="49" charset="0"/>
-              </a:rPr>
-              <a:t>void</a:t>
-            </a:r>
-            <a:r>
-              <a:rPr lang="en-US" sz="1400" dirty="0" smtClean="0">
-                <a:latin typeface="Consolas" pitchFamily="49" charset="0"/>
-                <a:cs typeface="Consolas" pitchFamily="49" charset="0"/>
-              </a:rPr>
-              <a:t> </a:t>
-            </a:r>
-            <a:r>
-              <a:rPr lang="en-US" sz="1400" dirty="0" err="1" smtClean="0">
-                <a:latin typeface="Consolas" pitchFamily="49" charset="0"/>
-                <a:cs typeface="Consolas" pitchFamily="49" charset="0"/>
-              </a:rPr>
-              <a:t>ConfirmBooking</a:t>
-            </a:r>
-            <a:r>
-              <a:rPr lang="en-US" sz="1400" dirty="0" smtClean="0">
-                <a:latin typeface="Consolas" pitchFamily="49" charset="0"/>
-                <a:cs typeface="Consolas" pitchFamily="49" charset="0"/>
-              </a:rPr>
-              <a:t>(</a:t>
-            </a:r>
-            <a:r>
-              <a:rPr lang="en-US" sz="1400" dirty="0" smtClean="0">
-                <a:solidFill>
-                  <a:srgbClr val="2B91AF"/>
-                </a:solidFill>
-                <a:latin typeface="Consolas" pitchFamily="49" charset="0"/>
-                <a:cs typeface="Consolas" pitchFamily="49" charset="0"/>
-              </a:rPr>
-              <a:t>Booking</a:t>
-            </a:r>
-            <a:r>
-              <a:rPr lang="en-US" sz="1400" dirty="0" smtClean="0">
-                <a:latin typeface="Consolas" pitchFamily="49" charset="0"/>
-                <a:cs typeface="Consolas" pitchFamily="49" charset="0"/>
-              </a:rPr>
-              <a:t> </a:t>
-            </a:r>
-            <a:r>
-              <a:rPr lang="en-US" sz="1400" dirty="0" err="1" smtClean="0">
-                <a:latin typeface="Consolas" pitchFamily="49" charset="0"/>
-                <a:cs typeface="Consolas" pitchFamily="49" charset="0"/>
-              </a:rPr>
-              <a:t>booking</a:t>
-            </a:r>
-            <a:r>
-              <a:rPr lang="en-US" sz="1400" dirty="0" smtClean="0">
-                <a:latin typeface="Consolas" pitchFamily="49" charset="0"/>
-                <a:cs typeface="Consolas" pitchFamily="49" charset="0"/>
-              </a:rPr>
-              <a:t>, </a:t>
-            </a:r>
-            <a:r>
-              <a:rPr lang="en-US" sz="1400" dirty="0" smtClean="0">
-                <a:solidFill>
-                  <a:srgbClr val="2B91AF"/>
-                </a:solidFill>
-                <a:latin typeface="Consolas" pitchFamily="49" charset="0"/>
-                <a:cs typeface="Consolas" pitchFamily="49" charset="0"/>
-              </a:rPr>
-              <a:t>Person</a:t>
-            </a:r>
-            <a:r>
-              <a:rPr lang="en-US" sz="1400" dirty="0" smtClean="0">
-                <a:latin typeface="Consolas" pitchFamily="49" charset="0"/>
-                <a:cs typeface="Consolas" pitchFamily="49" charset="0"/>
-              </a:rPr>
-              <a:t> person) </a:t>
-            </a:r>
-            <a:br>
-              <a:rPr lang="en-US" sz="1400" dirty="0" smtClean="0">
-                <a:latin typeface="Consolas" pitchFamily="49" charset="0"/>
-                <a:cs typeface="Consolas" pitchFamily="49" charset="0"/>
-              </a:rPr>
-            </a:br>
-            <a:r>
-              <a:rPr lang="en-US" sz="1400" dirty="0" smtClean="0">
-                <a:latin typeface="Consolas" pitchFamily="49" charset="0"/>
-                <a:cs typeface="Consolas" pitchFamily="49" charset="0"/>
-              </a:rPr>
-              <a:t>	{ </a:t>
-            </a:r>
-            <a:br>
-              <a:rPr lang="en-US" sz="1400" dirty="0" smtClean="0">
-                <a:latin typeface="Consolas" pitchFamily="49" charset="0"/>
-                <a:cs typeface="Consolas" pitchFamily="49" charset="0"/>
-              </a:rPr>
-            </a:br>
-            <a:r>
-              <a:rPr lang="en-US" sz="1400" dirty="0" smtClean="0">
-                <a:latin typeface="Consolas" pitchFamily="49" charset="0"/>
-                <a:cs typeface="Consolas" pitchFamily="49" charset="0"/>
-              </a:rPr>
-              <a:t>		</a:t>
-            </a:r>
-            <a:r>
-              <a:rPr lang="en-US" sz="1400" dirty="0" err="1" smtClean="0">
-                <a:latin typeface="Consolas" pitchFamily="49" charset="0"/>
-                <a:cs typeface="Consolas" pitchFamily="49" charset="0"/>
-              </a:rPr>
-              <a:t>var</a:t>
-            </a:r>
-            <a:r>
-              <a:rPr lang="en-US" sz="1400" dirty="0" smtClean="0">
-                <a:latin typeface="Consolas" pitchFamily="49" charset="0"/>
-                <a:cs typeface="Consolas" pitchFamily="49" charset="0"/>
-              </a:rPr>
-              <a:t> </a:t>
-            </a:r>
-            <a:r>
-              <a:rPr lang="en-US" sz="1400" dirty="0">
-                <a:latin typeface="Consolas" pitchFamily="49" charset="0"/>
-                <a:cs typeface="Consolas" pitchFamily="49" charset="0"/>
-              </a:rPr>
-              <a:t>message = </a:t>
-            </a:r>
-            <a:r>
-              <a:rPr lang="en-US" sz="1400" dirty="0" err="1">
-                <a:latin typeface="Consolas" pitchFamily="49" charset="0"/>
-                <a:cs typeface="Consolas" pitchFamily="49" charset="0"/>
-              </a:rPr>
-              <a:t>ComposeMessage</a:t>
-            </a:r>
-            <a:r>
-              <a:rPr lang="en-US" sz="1400" dirty="0">
-                <a:latin typeface="Consolas" pitchFamily="49" charset="0"/>
-                <a:cs typeface="Consolas" pitchFamily="49" charset="0"/>
-              </a:rPr>
-              <a:t>(person);</a:t>
-            </a:r>
-            <a:br>
-              <a:rPr lang="en-US" sz="1400" dirty="0">
-                <a:latin typeface="Consolas" pitchFamily="49" charset="0"/>
-                <a:cs typeface="Consolas" pitchFamily="49" charset="0"/>
-              </a:rPr>
-            </a:br>
-            <a:r>
-              <a:rPr lang="en-US" sz="1400" dirty="0">
-                <a:latin typeface="Consolas" pitchFamily="49" charset="0"/>
-                <a:cs typeface="Consolas" pitchFamily="49" charset="0"/>
-              </a:rPr>
-              <a:t>		</a:t>
-            </a:r>
-            <a:r>
-              <a:rPr lang="en-US" sz="1400" dirty="0" err="1">
-                <a:latin typeface="Consolas" pitchFamily="49" charset="0"/>
-                <a:cs typeface="Consolas" pitchFamily="49" charset="0"/>
-              </a:rPr>
-              <a:t>var</a:t>
-            </a:r>
-            <a:r>
-              <a:rPr lang="en-US" sz="1400" dirty="0">
-                <a:latin typeface="Consolas" pitchFamily="49" charset="0"/>
-                <a:cs typeface="Consolas" pitchFamily="49" charset="0"/>
-              </a:rPr>
-              <a:t> </a:t>
-            </a:r>
-            <a:r>
-              <a:rPr lang="en-US" sz="1400" dirty="0" err="1">
-                <a:latin typeface="Consolas" pitchFamily="49" charset="0"/>
-                <a:cs typeface="Consolas" pitchFamily="49" charset="0"/>
-              </a:rPr>
-              <a:t>mailClient</a:t>
-            </a:r>
-            <a:r>
-              <a:rPr lang="en-US" sz="1400" dirty="0">
-                <a:latin typeface="Consolas" pitchFamily="49" charset="0"/>
-                <a:cs typeface="Consolas" pitchFamily="49" charset="0"/>
-              </a:rPr>
-              <a:t> = new </a:t>
-            </a:r>
-            <a:r>
-              <a:rPr lang="en-US" sz="1400" dirty="0" err="1">
-                <a:latin typeface="Consolas" pitchFamily="49" charset="0"/>
-                <a:cs typeface="Consolas" pitchFamily="49" charset="0"/>
-              </a:rPr>
-              <a:t>SmtpClient</a:t>
-            </a:r>
-            <a:r>
-              <a:rPr lang="en-US" sz="1400" dirty="0">
-                <a:latin typeface="Consolas" pitchFamily="49" charset="0"/>
-                <a:cs typeface="Consolas" pitchFamily="49" charset="0"/>
-              </a:rPr>
-              <a:t>();</a:t>
-            </a:r>
-          </a:p>
-          <a:p>
-            <a:pPr>
-              <a:spcBef>
-                <a:spcPts val="600"/>
-              </a:spcBef>
-              <a:spcAft>
-                <a:spcPts val="400"/>
-              </a:spcAft>
-            </a:pPr>
-            <a:r>
-              <a:rPr lang="en-US" sz="1400" dirty="0">
-                <a:latin typeface="Consolas" pitchFamily="49" charset="0"/>
-                <a:cs typeface="Consolas" pitchFamily="49" charset="0"/>
-              </a:rPr>
-              <a:t>		</a:t>
-            </a:r>
-            <a:r>
-              <a:rPr lang="en-US" sz="1400" dirty="0" err="1">
-                <a:latin typeface="Consolas" pitchFamily="49" charset="0"/>
-                <a:cs typeface="Consolas" pitchFamily="49" charset="0"/>
-              </a:rPr>
-              <a:t>mailclient.Send</a:t>
-            </a:r>
-            <a:r>
-              <a:rPr lang="en-US" sz="1400" dirty="0">
-                <a:latin typeface="Consolas" pitchFamily="49" charset="0"/>
-                <a:cs typeface="Consolas" pitchFamily="49" charset="0"/>
-              </a:rPr>
-              <a:t>(message);</a:t>
-            </a:r>
-            <a:r>
-              <a:rPr lang="en-US" sz="1400" dirty="0" smtClean="0">
-                <a:latin typeface="Consolas" pitchFamily="49" charset="0"/>
-                <a:cs typeface="Consolas" pitchFamily="49" charset="0"/>
-              </a:rPr>
-              <a:t/>
-            </a:r>
-            <a:br>
-              <a:rPr lang="en-US" sz="1400" dirty="0" smtClean="0">
-                <a:latin typeface="Consolas" pitchFamily="49" charset="0"/>
-                <a:cs typeface="Consolas" pitchFamily="49" charset="0"/>
-              </a:rPr>
-            </a:br>
-            <a:r>
-              <a:rPr lang="en-US" sz="1400" dirty="0" smtClean="0">
-                <a:latin typeface="Consolas" pitchFamily="49" charset="0"/>
-                <a:cs typeface="Consolas" pitchFamily="49" charset="0"/>
-              </a:rPr>
-              <a:t>	}     </a:t>
-            </a:r>
-            <a:br>
-              <a:rPr lang="en-US" sz="1400" dirty="0" smtClean="0">
-                <a:latin typeface="Consolas" pitchFamily="49" charset="0"/>
-                <a:cs typeface="Consolas" pitchFamily="49" charset="0"/>
-              </a:rPr>
-            </a:br>
-            <a:r>
-              <a:rPr lang="en-US" sz="1400" dirty="0" smtClean="0">
-                <a:latin typeface="Consolas" pitchFamily="49" charset="0"/>
-                <a:cs typeface="Consolas" pitchFamily="49" charset="0"/>
-              </a:rPr>
-              <a:t>}</a:t>
-            </a:r>
-          </a:p>
-        </p:txBody>
-      </p:sp>
-      <p:sp>
-        <p:nvSpPr>
-          <p:cNvPr id="15" name="TextBox 14"/>
-          <p:cNvSpPr txBox="1"/>
-          <p:nvPr/>
-        </p:nvSpPr>
-        <p:spPr>
-          <a:xfrm>
-            <a:off x="362263" y="4608483"/>
-            <a:ext cx="8240500" cy="1708160"/>
-          </a:xfrm>
-          <a:prstGeom prst="rect">
-            <a:avLst/>
-          </a:prstGeom>
-          <a:noFill/>
-        </p:spPr>
-        <p:txBody>
-          <a:bodyPr wrap="square" rtlCol="0">
-            <a:spAutoFit/>
-          </a:bodyPr>
-          <a:lstStyle/>
-          <a:p>
-            <a:pPr>
-              <a:spcBef>
-                <a:spcPts val="600"/>
-              </a:spcBef>
-              <a:spcAft>
-                <a:spcPts val="400"/>
-              </a:spcAft>
-            </a:pPr>
-            <a:r>
-              <a:rPr lang="nb-NO" sz="1600" dirty="0" smtClean="0"/>
-              <a:t>Krav:</a:t>
-            </a:r>
-          </a:p>
-          <a:p>
-            <a:pPr>
-              <a:spcBef>
-                <a:spcPts val="600"/>
-              </a:spcBef>
-              <a:spcAft>
-                <a:spcPts val="400"/>
-              </a:spcAft>
-            </a:pPr>
-            <a:r>
-              <a:rPr lang="nb-NO" sz="1600" dirty="0" smtClean="0"/>
-              <a:t>Send epost til personen som har gjort bookingen.</a:t>
-            </a:r>
-          </a:p>
-          <a:p>
-            <a:pPr>
-              <a:spcBef>
-                <a:spcPts val="600"/>
-              </a:spcBef>
-              <a:spcAft>
-                <a:spcPts val="400"/>
-              </a:spcAft>
-            </a:pPr>
-            <a:endParaRPr lang="nb-NO" sz="1600" dirty="0" smtClean="0"/>
-          </a:p>
-          <a:p>
-            <a:pPr>
-              <a:spcBef>
-                <a:spcPts val="600"/>
-              </a:spcBef>
-              <a:spcAft>
-                <a:spcPts val="400"/>
-              </a:spcAft>
-            </a:pPr>
-            <a:r>
-              <a:rPr lang="nb-NO" sz="1600" dirty="0"/>
-              <a:t>Vi ønsker her å teste at en epost blir </a:t>
-            </a:r>
-            <a:r>
-              <a:rPr lang="nb-NO" sz="1600" dirty="0" smtClean="0"/>
-              <a:t>sendt</a:t>
-            </a:r>
-            <a:r>
-              <a:rPr lang="nb-NO" sz="1600" dirty="0" smtClean="0"/>
-              <a:t/>
-            </a:r>
-            <a:br>
-              <a:rPr lang="nb-NO" sz="1600" dirty="0" smtClean="0"/>
-            </a:br>
-            <a:endParaRPr lang="nb-NO" sz="1600" dirty="0" smtClean="0"/>
+            <a:endParaRPr kumimoji="0" lang="en-US" sz="2000" b="0" i="1" u="none" strike="noStrike" kern="1200" cap="all" spc="20" normalizeH="0" baseline="0" noProof="0" dirty="0">
+              <a:ln>
+                <a:noFill/>
+              </a:ln>
+              <a:solidFill>
+                <a:schemeClr val="bg1"/>
+              </a:solidFill>
+              <a:effectLst/>
+              <a:uLnTx/>
+              <a:uFillTx/>
+              <a:latin typeface="Georgia"/>
+              <a:ea typeface="+mj-ea"/>
+              <a:cs typeface="Georgia"/>
+            </a:endParaRPr>
           </a:p>
         </p:txBody>
       </p:sp>
@@ -14792,7 +14566,7 @@
         <p:spPr>
           <a:xfrm>
             <a:off x="321623" y="418905"/>
-            <a:ext cx="3391313" cy="307777"/>
+            <a:ext cx="2421577" cy="307777"/>
           </a:xfrm>
         </p:spPr>
         <p:txBody>
@@ -14801,7 +14575,7 @@
           <a:p>
             <a:r>
               <a:rPr lang="nb-NO" dirty="0" smtClean="0"/>
-              <a:t>Avhengigheter FORts</a:t>
+              <a:t>Avhengigheter</a:t>
             </a:r>
             <a:endParaRPr lang="en-US" dirty="0"/>
           </a:p>
@@ -14840,7 +14614,7 @@
         <p:spPr>
           <a:xfrm>
             <a:off x="362263" y="1417562"/>
-            <a:ext cx="8369044" cy="3662541"/>
+            <a:ext cx="8369044" cy="2159566"/>
           </a:xfrm>
           <a:prstGeom prst="rect">
             <a:avLst/>
@@ -14930,10 +14704,231 @@
               </a:rPr>
               <a:t>{      </a:t>
             </a:r>
-            <a:endParaRPr lang="en-US" sz="1400" dirty="0" smtClean="0">
-              <a:latin typeface="Consolas" pitchFamily="49" charset="0"/>
-              <a:cs typeface="Consolas" pitchFamily="49" charset="0"/>
-            </a:endParaRPr>
+            <a:br>
+              <a:rPr lang="en-US" sz="1400" dirty="0" smtClean="0">
+                <a:latin typeface="Consolas" pitchFamily="49" charset="0"/>
+                <a:cs typeface="Consolas" pitchFamily="49" charset="0"/>
+              </a:rPr>
+            </a:br>
+            <a:r>
+              <a:rPr lang="en-US" sz="1400" dirty="0" smtClean="0">
+                <a:latin typeface="Consolas" pitchFamily="49" charset="0"/>
+                <a:cs typeface="Consolas" pitchFamily="49" charset="0"/>
+              </a:rPr>
+              <a:t>	</a:t>
+            </a:r>
+            <a:r>
+              <a:rPr lang="en-US" sz="1400" dirty="0" smtClean="0">
+                <a:solidFill>
+                  <a:srgbClr val="0000FF"/>
+                </a:solidFill>
+                <a:latin typeface="Consolas" pitchFamily="49" charset="0"/>
+                <a:cs typeface="Consolas" pitchFamily="49" charset="0"/>
+              </a:rPr>
+              <a:t>public</a:t>
+            </a:r>
+            <a:r>
+              <a:rPr lang="en-US" sz="1400" dirty="0" smtClean="0">
+                <a:latin typeface="Consolas" pitchFamily="49" charset="0"/>
+                <a:cs typeface="Consolas" pitchFamily="49" charset="0"/>
+              </a:rPr>
+              <a:t> </a:t>
+            </a:r>
+            <a:r>
+              <a:rPr lang="en-US" sz="1400" dirty="0" smtClean="0">
+                <a:solidFill>
+                  <a:srgbClr val="0000FF"/>
+                </a:solidFill>
+                <a:latin typeface="Consolas" pitchFamily="49" charset="0"/>
+                <a:cs typeface="Consolas" pitchFamily="49" charset="0"/>
+              </a:rPr>
+              <a:t>void</a:t>
+            </a:r>
+            <a:r>
+              <a:rPr lang="en-US" sz="1400" dirty="0" smtClean="0">
+                <a:latin typeface="Consolas" pitchFamily="49" charset="0"/>
+                <a:cs typeface="Consolas" pitchFamily="49" charset="0"/>
+              </a:rPr>
+              <a:t> </a:t>
+            </a:r>
+            <a:r>
+              <a:rPr lang="en-US" sz="1400" dirty="0" err="1" smtClean="0">
+                <a:latin typeface="Consolas" pitchFamily="49" charset="0"/>
+                <a:cs typeface="Consolas" pitchFamily="49" charset="0"/>
+              </a:rPr>
+              <a:t>ConfirmBooking</a:t>
+            </a:r>
+            <a:r>
+              <a:rPr lang="en-US" sz="1400" dirty="0" smtClean="0">
+                <a:latin typeface="Consolas" pitchFamily="49" charset="0"/>
+                <a:cs typeface="Consolas" pitchFamily="49" charset="0"/>
+              </a:rPr>
+              <a:t>(</a:t>
+            </a:r>
+            <a:r>
+              <a:rPr lang="en-US" sz="1400" dirty="0" smtClean="0">
+                <a:solidFill>
+                  <a:srgbClr val="2B91AF"/>
+                </a:solidFill>
+                <a:latin typeface="Consolas" pitchFamily="49" charset="0"/>
+                <a:cs typeface="Consolas" pitchFamily="49" charset="0"/>
+              </a:rPr>
+              <a:t>Booking</a:t>
+            </a:r>
+            <a:r>
+              <a:rPr lang="en-US" sz="1400" dirty="0" smtClean="0">
+                <a:latin typeface="Consolas" pitchFamily="49" charset="0"/>
+                <a:cs typeface="Consolas" pitchFamily="49" charset="0"/>
+              </a:rPr>
+              <a:t> </a:t>
+            </a:r>
+            <a:r>
+              <a:rPr lang="en-US" sz="1400" dirty="0" err="1" smtClean="0">
+                <a:latin typeface="Consolas" pitchFamily="49" charset="0"/>
+                <a:cs typeface="Consolas" pitchFamily="49" charset="0"/>
+              </a:rPr>
+              <a:t>booking</a:t>
+            </a:r>
+            <a:r>
+              <a:rPr lang="en-US" sz="1400" dirty="0" smtClean="0">
+                <a:latin typeface="Consolas" pitchFamily="49" charset="0"/>
+                <a:cs typeface="Consolas" pitchFamily="49" charset="0"/>
+              </a:rPr>
+              <a:t>, </a:t>
+            </a:r>
+            <a:r>
+              <a:rPr lang="en-US" sz="1400" dirty="0" smtClean="0">
+                <a:solidFill>
+                  <a:srgbClr val="2B91AF"/>
+                </a:solidFill>
+                <a:latin typeface="Consolas" pitchFamily="49" charset="0"/>
+                <a:cs typeface="Consolas" pitchFamily="49" charset="0"/>
+              </a:rPr>
+              <a:t>Person</a:t>
+            </a:r>
+            <a:r>
+              <a:rPr lang="en-US" sz="1400" dirty="0" smtClean="0">
+                <a:latin typeface="Consolas" pitchFamily="49" charset="0"/>
+                <a:cs typeface="Consolas" pitchFamily="49" charset="0"/>
+              </a:rPr>
+              <a:t> person) </a:t>
+            </a:r>
+            <a:br>
+              <a:rPr lang="en-US" sz="1400" dirty="0" smtClean="0">
+                <a:latin typeface="Consolas" pitchFamily="49" charset="0"/>
+                <a:cs typeface="Consolas" pitchFamily="49" charset="0"/>
+              </a:rPr>
+            </a:br>
+            <a:r>
+              <a:rPr lang="en-US" sz="1400" dirty="0" smtClean="0">
+                <a:latin typeface="Consolas" pitchFamily="49" charset="0"/>
+                <a:cs typeface="Consolas" pitchFamily="49" charset="0"/>
+              </a:rPr>
+              <a:t>	{ </a:t>
+            </a:r>
+            <a:br>
+              <a:rPr lang="en-US" sz="1400" dirty="0" smtClean="0">
+                <a:latin typeface="Consolas" pitchFamily="49" charset="0"/>
+                <a:cs typeface="Consolas" pitchFamily="49" charset="0"/>
+              </a:rPr>
+            </a:br>
+            <a:r>
+              <a:rPr lang="en-US" sz="1400" dirty="0" smtClean="0">
+                <a:latin typeface="Consolas" pitchFamily="49" charset="0"/>
+                <a:cs typeface="Consolas" pitchFamily="49" charset="0"/>
+              </a:rPr>
+              <a:t>		</a:t>
+            </a:r>
+            <a:r>
+              <a:rPr lang="en-US" sz="1400" dirty="0" err="1" smtClean="0">
+                <a:latin typeface="Consolas" pitchFamily="49" charset="0"/>
+                <a:cs typeface="Consolas" pitchFamily="49" charset="0"/>
+              </a:rPr>
+              <a:t>var</a:t>
+            </a:r>
+            <a:r>
+              <a:rPr lang="en-US" sz="1400" dirty="0" smtClean="0">
+                <a:latin typeface="Consolas" pitchFamily="49" charset="0"/>
+                <a:cs typeface="Consolas" pitchFamily="49" charset="0"/>
+              </a:rPr>
+              <a:t> </a:t>
+            </a:r>
+            <a:r>
+              <a:rPr lang="en-US" sz="1400" dirty="0">
+                <a:latin typeface="Consolas" pitchFamily="49" charset="0"/>
+                <a:cs typeface="Consolas" pitchFamily="49" charset="0"/>
+              </a:rPr>
+              <a:t>message = </a:t>
+            </a:r>
+            <a:r>
+              <a:rPr lang="en-US" sz="1400" dirty="0" err="1">
+                <a:latin typeface="Consolas" pitchFamily="49" charset="0"/>
+                <a:cs typeface="Consolas" pitchFamily="49" charset="0"/>
+              </a:rPr>
+              <a:t>ComposeMessage</a:t>
+            </a:r>
+            <a:r>
+              <a:rPr lang="en-US" sz="1400" dirty="0">
+                <a:latin typeface="Consolas" pitchFamily="49" charset="0"/>
+                <a:cs typeface="Consolas" pitchFamily="49" charset="0"/>
+              </a:rPr>
+              <a:t>(person);</a:t>
+            </a:r>
+            <a:br>
+              <a:rPr lang="en-US" sz="1400" dirty="0">
+                <a:latin typeface="Consolas" pitchFamily="49" charset="0"/>
+                <a:cs typeface="Consolas" pitchFamily="49" charset="0"/>
+              </a:rPr>
+            </a:br>
+            <a:r>
+              <a:rPr lang="en-US" sz="1400" dirty="0">
+                <a:latin typeface="Consolas" pitchFamily="49" charset="0"/>
+                <a:cs typeface="Consolas" pitchFamily="49" charset="0"/>
+              </a:rPr>
+              <a:t>		</a:t>
+            </a:r>
+            <a:r>
+              <a:rPr lang="en-US" sz="1400" dirty="0" err="1">
+                <a:latin typeface="Consolas" pitchFamily="49" charset="0"/>
+                <a:cs typeface="Consolas" pitchFamily="49" charset="0"/>
+              </a:rPr>
+              <a:t>var</a:t>
+            </a:r>
+            <a:r>
+              <a:rPr lang="en-US" sz="1400" dirty="0">
+                <a:latin typeface="Consolas" pitchFamily="49" charset="0"/>
+                <a:cs typeface="Consolas" pitchFamily="49" charset="0"/>
+              </a:rPr>
+              <a:t> </a:t>
+            </a:r>
+            <a:r>
+              <a:rPr lang="en-US" sz="1400" dirty="0" err="1">
+                <a:latin typeface="Consolas" pitchFamily="49" charset="0"/>
+                <a:cs typeface="Consolas" pitchFamily="49" charset="0"/>
+              </a:rPr>
+              <a:t>mailClient</a:t>
+            </a:r>
+            <a:r>
+              <a:rPr lang="en-US" sz="1400" dirty="0">
+                <a:latin typeface="Consolas" pitchFamily="49" charset="0"/>
+                <a:cs typeface="Consolas" pitchFamily="49" charset="0"/>
+              </a:rPr>
+              <a:t> = new </a:t>
+            </a:r>
+            <a:r>
+              <a:rPr lang="en-US" sz="1400" dirty="0" err="1">
+                <a:latin typeface="Consolas" pitchFamily="49" charset="0"/>
+                <a:cs typeface="Consolas" pitchFamily="49" charset="0"/>
+              </a:rPr>
+              <a:t>SmtpClient</a:t>
+            </a:r>
+            <a:r>
+              <a:rPr lang="en-US" sz="1400" dirty="0">
+                <a:latin typeface="Consolas" pitchFamily="49" charset="0"/>
+                <a:cs typeface="Consolas" pitchFamily="49" charset="0"/>
+              </a:rPr>
+              <a:t>();</a:t>
+            </a:r>
           </a:p>
           <a:p>
             <a:pPr>
@@ -14949,413 +14944,17 @@
                 <a:latin typeface="Consolas" pitchFamily="49" charset="0"/>
                 <a:cs typeface="Consolas" pitchFamily="49" charset="0"/>
               </a:rPr>
-              <a:t>	</a:t>
-            </a:r>
-            <a:r>
-              <a:rPr lang="en-US" sz="1400" dirty="0" smtClean="0">
-                <a:latin typeface="Consolas" pitchFamily="49" charset="0"/>
-                <a:cs typeface="Consolas" pitchFamily="49" charset="0"/>
-              </a:rPr>
-              <a:t>private </a:t>
-            </a:r>
-            <a:r>
-              <a:rPr lang="en-US" sz="1400" dirty="0" err="1" smtClean="0">
-                <a:latin typeface="Consolas" pitchFamily="49" charset="0"/>
-                <a:cs typeface="Consolas" pitchFamily="49" charset="0"/>
-              </a:rPr>
-              <a:t>IMySmtpClient</a:t>
-            </a:r>
-            <a:r>
-              <a:rPr lang="en-US" sz="1400" dirty="0" smtClean="0">
-                <a:latin typeface="Consolas" pitchFamily="49" charset="0"/>
-                <a:cs typeface="Consolas" pitchFamily="49" charset="0"/>
-              </a:rPr>
-              <a:t> _</a:t>
-            </a:r>
-            <a:r>
-              <a:rPr lang="en-US" sz="1400" dirty="0" err="1" smtClean="0">
-                <a:latin typeface="Consolas" pitchFamily="49" charset="0"/>
-                <a:cs typeface="Consolas" pitchFamily="49" charset="0"/>
-              </a:rPr>
-              <a:t>smtpClient</a:t>
-            </a:r>
-            <a:r>
-              <a:rPr lang="en-US" sz="1400" dirty="0" smtClean="0">
-                <a:latin typeface="Consolas" pitchFamily="49" charset="0"/>
-                <a:cs typeface="Consolas" pitchFamily="49" charset="0"/>
-              </a:rPr>
-              <a:t>;</a:t>
-            </a:r>
-            <a:endParaRPr lang="en-US" sz="1400" dirty="0" smtClean="0">
-              <a:latin typeface="Consolas" pitchFamily="49" charset="0"/>
-              <a:cs typeface="Consolas" pitchFamily="49" charset="0"/>
-            </a:endParaRPr>
-          </a:p>
-          <a:p>
-            <a:pPr>
-              <a:spcBef>
-                <a:spcPts val="600"/>
-              </a:spcBef>
-              <a:spcAft>
-                <a:spcPts val="400"/>
-              </a:spcAft>
-            </a:pPr>
+              <a:t>		</a:t>
+            </a:r>
+            <a:r>
+              <a:rPr lang="en-US" sz="1400" dirty="0" err="1">
+                <a:latin typeface="Consolas" pitchFamily="49" charset="0"/>
+                <a:cs typeface="Consolas" pitchFamily="49" charset="0"/>
+              </a:rPr>
+              <a:t>mailclient.Send</a:t>
+            </a:r>
             <a:r>
               <a:rPr lang="en-US" sz="1400" dirty="0">
-                <a:latin typeface="Consolas" pitchFamily="49" charset="0"/>
-                <a:cs typeface="Consolas" pitchFamily="49" charset="0"/>
-              </a:rPr>
-              <a:t>	</a:t>
-            </a:r>
-            <a:r>
-              <a:rPr lang="en-US" sz="1400" dirty="0" smtClean="0">
-                <a:latin typeface="Consolas" pitchFamily="49" charset="0"/>
-                <a:cs typeface="Consolas" pitchFamily="49" charset="0"/>
-              </a:rPr>
-              <a:t>public </a:t>
-            </a:r>
-            <a:r>
-              <a:rPr lang="en-US" sz="1400" dirty="0" err="1" smtClean="0">
-                <a:latin typeface="Consolas" pitchFamily="49" charset="0"/>
-                <a:cs typeface="Consolas" pitchFamily="49" charset="0"/>
-              </a:rPr>
-              <a:t>BookingComponent</a:t>
-            </a:r>
-            <a:r>
-              <a:rPr lang="en-US" sz="1400" dirty="0" smtClean="0">
-                <a:latin typeface="Consolas" pitchFamily="49" charset="0"/>
-                <a:cs typeface="Consolas" pitchFamily="49" charset="0"/>
-              </a:rPr>
-              <a:t>(</a:t>
-            </a:r>
-            <a:r>
-              <a:rPr lang="en-US" sz="1400" dirty="0" err="1" smtClean="0">
-                <a:latin typeface="Consolas" pitchFamily="49" charset="0"/>
-                <a:cs typeface="Consolas" pitchFamily="49" charset="0"/>
-              </a:rPr>
-              <a:t>IMySmtpClient</a:t>
-            </a:r>
-            <a:r>
-              <a:rPr lang="en-US" sz="1400" dirty="0" smtClean="0">
-                <a:latin typeface="Consolas" pitchFamily="49" charset="0"/>
-                <a:cs typeface="Consolas" pitchFamily="49" charset="0"/>
-              </a:rPr>
-              <a:t> </a:t>
-            </a:r>
-            <a:r>
-              <a:rPr lang="en-US" sz="1400" dirty="0" err="1" smtClean="0">
-                <a:latin typeface="Consolas" pitchFamily="49" charset="0"/>
-                <a:cs typeface="Consolas" pitchFamily="49" charset="0"/>
-              </a:rPr>
-              <a:t>smtpClient</a:t>
-            </a:r>
-            <a:r>
-              <a:rPr lang="en-US" sz="1400" dirty="0" smtClean="0">
-                <a:latin typeface="Consolas" pitchFamily="49" charset="0"/>
-                <a:cs typeface="Consolas" pitchFamily="49" charset="0"/>
-              </a:rPr>
-              <a:t>){</a:t>
-            </a:r>
-          </a:p>
-          <a:p>
-            <a:pPr>
-              <a:spcBef>
-                <a:spcPts val="600"/>
-              </a:spcBef>
-              <a:spcAft>
-                <a:spcPts val="400"/>
-              </a:spcAft>
-            </a:pPr>
-            <a:r>
-              <a:rPr lang="en-US" sz="1400" dirty="0" smtClean="0">
-                <a:latin typeface="Consolas" pitchFamily="49" charset="0"/>
-                <a:cs typeface="Consolas" pitchFamily="49" charset="0"/>
-              </a:rPr>
-              <a:t>	_</a:t>
-            </a:r>
-            <a:r>
-              <a:rPr lang="en-US" sz="1400" dirty="0" err="1" smtClean="0">
-                <a:latin typeface="Consolas" pitchFamily="49" charset="0"/>
-                <a:cs typeface="Consolas" pitchFamily="49" charset="0"/>
-              </a:rPr>
-              <a:t>smtpClient</a:t>
-            </a:r>
-            <a:r>
-              <a:rPr lang="en-US" sz="1400" dirty="0" smtClean="0">
-                <a:latin typeface="Consolas" pitchFamily="49" charset="0"/>
-                <a:cs typeface="Consolas" pitchFamily="49" charset="0"/>
-              </a:rPr>
-              <a:t> = </a:t>
-            </a:r>
-            <a:r>
-              <a:rPr lang="en-US" sz="1400" dirty="0" err="1" smtClean="0">
-                <a:latin typeface="Consolas" pitchFamily="49" charset="0"/>
-                <a:cs typeface="Consolas" pitchFamily="49" charset="0"/>
-              </a:rPr>
-              <a:t>stmpClient</a:t>
-            </a:r>
-            <a:r>
-              <a:rPr lang="en-US" sz="1400" dirty="0" smtClean="0">
-                <a:latin typeface="Consolas" pitchFamily="49" charset="0"/>
-                <a:cs typeface="Consolas" pitchFamily="49" charset="0"/>
-              </a:rPr>
-              <a:t>;</a:t>
-            </a:r>
-          </a:p>
-          <a:p>
-            <a:pPr>
-              <a:spcBef>
-                <a:spcPts val="600"/>
-              </a:spcBef>
-              <a:spcAft>
-                <a:spcPts val="400"/>
-              </a:spcAft>
-            </a:pPr>
-            <a:r>
-              <a:rPr lang="en-US" sz="1400" dirty="0" smtClean="0">
-                <a:latin typeface="Consolas" pitchFamily="49" charset="0"/>
-                <a:cs typeface="Consolas" pitchFamily="49" charset="0"/>
-              </a:rPr>
-              <a:t>	}</a:t>
-            </a:r>
-          </a:p>
-          <a:p>
-            <a:pPr>
-              <a:spcBef>
-                <a:spcPts val="600"/>
-              </a:spcBef>
-              <a:spcAft>
-                <a:spcPts val="400"/>
-              </a:spcAft>
-            </a:pPr>
-            <a:r>
-              <a:rPr lang="en-US" sz="1400" dirty="0" smtClean="0">
-                <a:latin typeface="Consolas" pitchFamily="49" charset="0"/>
-                <a:cs typeface="Consolas" pitchFamily="49" charset="0"/>
-              </a:rPr>
-              <a:t/>
-            </a:r>
-            <a:br>
-              <a:rPr lang="en-US" sz="1400" dirty="0" smtClean="0">
-                <a:latin typeface="Consolas" pitchFamily="49" charset="0"/>
-                <a:cs typeface="Consolas" pitchFamily="49" charset="0"/>
-              </a:rPr>
-            </a:br>
-            <a:r>
-              <a:rPr lang="en-US" sz="1400" dirty="0" smtClean="0">
-                <a:latin typeface="Consolas" pitchFamily="49" charset="0"/>
-                <a:cs typeface="Consolas" pitchFamily="49" charset="0"/>
-              </a:rPr>
-              <a:t>	</a:t>
-            </a:r>
-            <a:r>
-              <a:rPr lang="en-US" sz="1400" dirty="0" smtClean="0">
-                <a:solidFill>
-                  <a:srgbClr val="0000FF"/>
-                </a:solidFill>
-                <a:latin typeface="Consolas" pitchFamily="49" charset="0"/>
-                <a:cs typeface="Consolas" pitchFamily="49" charset="0"/>
-              </a:rPr>
-              <a:t>public</a:t>
-            </a:r>
-            <a:r>
-              <a:rPr lang="en-US" sz="1400" dirty="0" smtClean="0">
-                <a:latin typeface="Consolas" pitchFamily="49" charset="0"/>
-                <a:cs typeface="Consolas" pitchFamily="49" charset="0"/>
-              </a:rPr>
-              <a:t> </a:t>
-            </a:r>
-            <a:r>
-              <a:rPr lang="en-US" sz="1400" dirty="0" smtClean="0">
-                <a:solidFill>
-                  <a:srgbClr val="0000FF"/>
-                </a:solidFill>
-                <a:latin typeface="Consolas" pitchFamily="49" charset="0"/>
-                <a:cs typeface="Consolas" pitchFamily="49" charset="0"/>
-              </a:rPr>
-              <a:t>void</a:t>
-            </a:r>
-            <a:r>
-              <a:rPr lang="en-US" sz="1400" dirty="0" smtClean="0">
-                <a:latin typeface="Consolas" pitchFamily="49" charset="0"/>
-                <a:cs typeface="Consolas" pitchFamily="49" charset="0"/>
-              </a:rPr>
-              <a:t> </a:t>
-            </a:r>
-            <a:r>
-              <a:rPr lang="en-US" sz="1400" dirty="0" err="1" smtClean="0">
-                <a:latin typeface="Consolas" pitchFamily="49" charset="0"/>
-                <a:cs typeface="Consolas" pitchFamily="49" charset="0"/>
-              </a:rPr>
-              <a:t>ConfirmBooking</a:t>
-            </a:r>
-            <a:r>
-              <a:rPr lang="en-US" sz="1400" dirty="0" smtClean="0">
-                <a:latin typeface="Consolas" pitchFamily="49" charset="0"/>
-                <a:cs typeface="Consolas" pitchFamily="49" charset="0"/>
-              </a:rPr>
-              <a:t>(</a:t>
-            </a:r>
-            <a:r>
-              <a:rPr lang="en-US" sz="1400" dirty="0" smtClean="0">
-                <a:solidFill>
-                  <a:srgbClr val="2B91AF"/>
-                </a:solidFill>
-                <a:latin typeface="Consolas" pitchFamily="49" charset="0"/>
-                <a:cs typeface="Consolas" pitchFamily="49" charset="0"/>
-              </a:rPr>
-              <a:t>Booking</a:t>
-            </a:r>
-            <a:r>
-              <a:rPr lang="en-US" sz="1400" dirty="0" smtClean="0">
-                <a:latin typeface="Consolas" pitchFamily="49" charset="0"/>
-                <a:cs typeface="Consolas" pitchFamily="49" charset="0"/>
-              </a:rPr>
-              <a:t> </a:t>
-            </a:r>
-            <a:r>
-              <a:rPr lang="en-US" sz="1400" dirty="0" err="1" smtClean="0">
-                <a:latin typeface="Consolas" pitchFamily="49" charset="0"/>
-                <a:cs typeface="Consolas" pitchFamily="49" charset="0"/>
-              </a:rPr>
-              <a:t>booking</a:t>
-            </a:r>
-            <a:r>
-              <a:rPr lang="en-US" sz="1400" dirty="0" smtClean="0">
-                <a:latin typeface="Consolas" pitchFamily="49" charset="0"/>
-                <a:cs typeface="Consolas" pitchFamily="49" charset="0"/>
-              </a:rPr>
-              <a:t>, </a:t>
-            </a:r>
-            <a:r>
-              <a:rPr lang="en-US" sz="1400" dirty="0" smtClean="0">
-                <a:solidFill>
-                  <a:srgbClr val="2B91AF"/>
-                </a:solidFill>
-                <a:latin typeface="Consolas" pitchFamily="49" charset="0"/>
-                <a:cs typeface="Consolas" pitchFamily="49" charset="0"/>
-              </a:rPr>
-              <a:t>Person</a:t>
-            </a:r>
-            <a:r>
-              <a:rPr lang="en-US" sz="1400" dirty="0" smtClean="0">
-                <a:latin typeface="Consolas" pitchFamily="49" charset="0"/>
-                <a:cs typeface="Consolas" pitchFamily="49" charset="0"/>
-              </a:rPr>
-              <a:t> person) </a:t>
-            </a:r>
-            <a:br>
-              <a:rPr lang="en-US" sz="1400" dirty="0" smtClean="0">
-                <a:latin typeface="Consolas" pitchFamily="49" charset="0"/>
-                <a:cs typeface="Consolas" pitchFamily="49" charset="0"/>
-              </a:rPr>
-            </a:br>
-            <a:r>
-              <a:rPr lang="en-US" sz="1400" dirty="0" smtClean="0">
-                <a:latin typeface="Consolas" pitchFamily="49" charset="0"/>
-                <a:cs typeface="Consolas" pitchFamily="49" charset="0"/>
-              </a:rPr>
-              <a:t>	{ </a:t>
-            </a:r>
-            <a:endParaRPr lang="en-US" sz="1400" dirty="0" smtClean="0">
-              <a:latin typeface="Consolas" pitchFamily="49" charset="0"/>
-              <a:cs typeface="Consolas" pitchFamily="49" charset="0"/>
-            </a:endParaRPr>
-          </a:p>
-          <a:p>
-            <a:pPr>
-              <a:spcBef>
-                <a:spcPts val="600"/>
-              </a:spcBef>
-              <a:spcAft>
-                <a:spcPts val="400"/>
-              </a:spcAft>
-            </a:pPr>
-            <a:r>
-              <a:rPr lang="en-US" sz="1400" dirty="0">
-                <a:latin typeface="Consolas" pitchFamily="49" charset="0"/>
-                <a:cs typeface="Consolas" pitchFamily="49" charset="0"/>
-              </a:rPr>
-              <a:t>		</a:t>
-            </a:r>
-            <a:r>
-              <a:rPr lang="en-US" sz="1400" dirty="0" err="1" smtClean="0">
-                <a:latin typeface="Consolas" pitchFamily="49" charset="0"/>
-                <a:cs typeface="Consolas" pitchFamily="49" charset="0"/>
-              </a:rPr>
-              <a:t>var</a:t>
-            </a:r>
-            <a:r>
-              <a:rPr lang="en-US" sz="1400" dirty="0" smtClean="0">
-                <a:latin typeface="Consolas" pitchFamily="49" charset="0"/>
-                <a:cs typeface="Consolas" pitchFamily="49" charset="0"/>
-              </a:rPr>
-              <a:t> message = </a:t>
-            </a:r>
-            <a:r>
-              <a:rPr lang="en-US" sz="1400" dirty="0" err="1" smtClean="0">
-                <a:latin typeface="Consolas" pitchFamily="49" charset="0"/>
-                <a:cs typeface="Consolas" pitchFamily="49" charset="0"/>
-              </a:rPr>
-              <a:t>ComposeMessage</a:t>
-            </a:r>
-            <a:r>
-              <a:rPr lang="en-US" sz="1400" dirty="0" smtClean="0">
-                <a:latin typeface="Consolas" pitchFamily="49" charset="0"/>
-                <a:cs typeface="Consolas" pitchFamily="49" charset="0"/>
-              </a:rPr>
-              <a:t>(person);</a:t>
-            </a:r>
-            <a:r>
-              <a:rPr lang="en-US" sz="1400" dirty="0" smtClean="0">
-                <a:latin typeface="Consolas" pitchFamily="49" charset="0"/>
-                <a:cs typeface="Consolas" pitchFamily="49" charset="0"/>
-              </a:rPr>
-              <a:t/>
-            </a:r>
-            <a:br>
-              <a:rPr lang="en-US" sz="1400" dirty="0" smtClean="0">
-                <a:latin typeface="Consolas" pitchFamily="49" charset="0"/>
-                <a:cs typeface="Consolas" pitchFamily="49" charset="0"/>
-              </a:rPr>
-            </a:br>
-            <a:r>
-              <a:rPr lang="en-US" sz="1400" dirty="0" smtClean="0">
-                <a:latin typeface="Consolas" pitchFamily="49" charset="0"/>
-                <a:cs typeface="Consolas" pitchFamily="49" charset="0"/>
-              </a:rPr>
-              <a:t>		</a:t>
-            </a:r>
-            <a:r>
-              <a:rPr lang="en-US" sz="1400" dirty="0" smtClean="0">
-                <a:latin typeface="Consolas" pitchFamily="49" charset="0"/>
-                <a:cs typeface="Consolas" pitchFamily="49" charset="0"/>
-              </a:rPr>
-              <a:t>_</a:t>
-            </a:r>
-            <a:r>
-              <a:rPr lang="en-US" sz="1400" dirty="0" err="1" smtClean="0">
-                <a:latin typeface="Consolas" pitchFamily="49" charset="0"/>
-                <a:cs typeface="Consolas" pitchFamily="49" charset="0"/>
-              </a:rPr>
-              <a:t>smtp</a:t>
-            </a:r>
-            <a:r>
-              <a:rPr lang="en-US" sz="1400" dirty="0" err="1">
-                <a:latin typeface="Consolas" pitchFamily="49" charset="0"/>
-                <a:cs typeface="Consolas" pitchFamily="49" charset="0"/>
-              </a:rPr>
-              <a:t>C</a:t>
-            </a:r>
-            <a:r>
-              <a:rPr lang="en-US" sz="1400" dirty="0" err="1" smtClean="0">
-                <a:latin typeface="Consolas" pitchFamily="49" charset="0"/>
-                <a:cs typeface="Consolas" pitchFamily="49" charset="0"/>
-              </a:rPr>
-              <a:t>lient.Send</a:t>
-            </a:r>
-            <a:r>
-              <a:rPr lang="en-US" sz="1400" dirty="0" smtClean="0">
                 <a:latin typeface="Consolas" pitchFamily="49" charset="0"/>
                 <a:cs typeface="Consolas" pitchFamily="49" charset="0"/>
               </a:rPr>
@@ -15406,7 +15005,7 @@
         <p:spPr>
           <a:xfrm>
             <a:off x="362263" y="4608483"/>
-            <a:ext cx="8240500" cy="584775"/>
+            <a:ext cx="8240500" cy="1708160"/>
           </a:xfrm>
           <a:prstGeom prst="rect">
             <a:avLst/>
@@ -15429,11 +15028,50 @@
             </a:pPr>
             <a:r>
               <a:rPr lang="nb-NO" sz="1600" dirty="0" smtClean="0"/>
-              <a:t>Mulig løsning</a:t>
-            </a:r>
+              <a:t>Krav:</a:t>
+            </a:r>
+          </a:p>
+          <a:p>
+            <a:pPr>
+              <a:spcBef>
+                <a:spcPts val="600"/>
+              </a:spcBef>
+              <a:spcAft>
+                <a:spcPts val="400"/>
+              </a:spcAft>
+            </a:pPr>
             <a:r>
               <a:rPr lang="nb-NO" sz="1600" dirty="0" smtClean="0"/>
-              <a:t/>
+              <a:t>Send epost til personen som har gjort bookingen.</a:t>
+            </a:r>
+          </a:p>
+          <a:p>
+            <a:pPr>
+              <a:spcBef>
+                <a:spcPts val="600"/>
+              </a:spcBef>
+              <a:spcAft>
+                <a:spcPts val="400"/>
+              </a:spcAft>
+            </a:pPr>
+            <a:endParaRPr lang="nb-NO" sz="1600" dirty="0" smtClean="0"/>
+          </a:p>
+          <a:p>
+            <a:pPr>
+              <a:spcBef>
+                <a:spcPts val="600"/>
+              </a:spcBef>
+              <a:spcAft>
+                <a:spcPts val="400"/>
+              </a:spcAft>
+            </a:pPr>
+            <a:r>
+              <a:rPr lang="nb-NO" sz="1600" dirty="0"/>
+              <a:t>Vi ønsker her å teste at en epost blir </a:t>
+            </a:r>
+            <a:r>
+              <a:rPr lang="nb-NO" sz="1600" dirty="0" smtClean="0"/>
+              <a:t>sendt</a:t>
             </a:r>
             <a:br>
               <a:rPr lang="nb-NO" sz="1600" dirty="0" smtClean="0"/>
@@ -15443,11 +15081,6 @@
         </p:txBody>
       </p:sp>
     </p:spTree>
-    <p:extLst>
-      <p:ext uri="{BB962C8B-B14F-4D97-AF65-F5344CB8AC3E}">
-        <p14:creationId xmlns:p14="http://schemas.microsoft.com/office/powerpoint/2010/main" val="4182893244"/>
-      </p:ext>
-    </p:extLst>
   </p:cSld>
   <p:clrMapOvr>
     <a:masterClrMapping/>
@@ -15495,7 +15128,7 @@
         <p:spPr>
           <a:xfrm>
             <a:off x="321623" y="418905"/>
-            <a:ext cx="2593339" cy="307777"/>
+            <a:ext cx="3391313" cy="307777"/>
           </a:xfrm>
         </p:spPr>
         <p:txBody>
@@ -15504,7 +15137,7 @@
           <a:p>
             <a:r>
               <a:rPr lang="nb-NO" dirty="0" smtClean="0"/>
-              <a:t>Fake, Mock, Stub</a:t>
+              <a:t>Avhengigheter FORts</a:t>
             </a:r>
             <a:endParaRPr lang="en-US" dirty="0"/>
           </a:p>
@@ -15529,6 +15162,672 @@
               <a:rPr lang="en-US" smtClean="0"/>
               <a:pPr/>
               <a:t>13</a:t>
+            </a:fld>
+            <a:endParaRPr lang="en-US" dirty="0"/>
+          </a:p>
+        </p:txBody>
+      </p:sp>
+      <p:sp>
+        <p:nvSpPr>
+          <p:cNvPr id="14" name="TextBox 13"/>
+          <p:cNvSpPr txBox="1"/>
+          <p:nvPr/>
+        </p:nvSpPr>
+        <p:spPr>
+          <a:xfrm>
+            <a:off x="362263" y="1417562"/>
+            <a:ext cx="8369044" cy="3662541"/>
+          </a:xfrm>
+          <a:prstGeom prst="rect">
+            <a:avLst/>
+          </a:prstGeom>
+          <a:noFill/>
+          <a:ln>
+            <a:solidFill>
+              <a:schemeClr val="accent2"/>
+            </a:solidFill>
+          </a:ln>
+        </p:spPr>
+        <p:txBody>
+          <a:bodyPr wrap="square" rtlCol="0">
+            <a:spAutoFit/>
+          </a:bodyPr>
+          <a:lstStyle/>
+          <a:p>
+            <a:pPr>
+              <a:spcBef>
+                <a:spcPts val="600"/>
+              </a:spcBef>
+              <a:spcAft>
+                <a:spcPts val="400"/>
+              </a:spcAft>
+            </a:pPr>
+            <a:r>
+              <a:rPr lang="en-US" sz="1400" dirty="0" smtClean="0">
+                <a:solidFill>
+                  <a:srgbClr val="0000FF"/>
+                </a:solidFill>
+                <a:latin typeface="Consolas" pitchFamily="49" charset="0"/>
+                <a:cs typeface="Consolas" pitchFamily="49" charset="0"/>
+              </a:rPr>
+              <a:t>public</a:t>
+            </a:r>
+            <a:r>
+              <a:rPr lang="en-US" sz="1400" dirty="0" smtClean="0">
+                <a:latin typeface="Consolas" pitchFamily="49" charset="0"/>
+                <a:cs typeface="Consolas" pitchFamily="49" charset="0"/>
+              </a:rPr>
+              <a:t> </a:t>
+            </a:r>
+            <a:r>
+              <a:rPr lang="en-US" sz="1400" dirty="0" smtClean="0">
+                <a:solidFill>
+                  <a:srgbClr val="0000FF"/>
+                </a:solidFill>
+                <a:latin typeface="Consolas" pitchFamily="49" charset="0"/>
+                <a:cs typeface="Consolas" pitchFamily="49" charset="0"/>
+              </a:rPr>
+              <a:t>class</a:t>
+            </a:r>
+            <a:r>
+              <a:rPr lang="en-US" sz="1400" dirty="0" smtClean="0">
+                <a:latin typeface="Consolas" pitchFamily="49" charset="0"/>
+                <a:cs typeface="Consolas" pitchFamily="49" charset="0"/>
+              </a:rPr>
+              <a:t> </a:t>
+            </a:r>
+            <a:r>
+              <a:rPr lang="en-US" sz="1400" dirty="0" err="1" smtClean="0">
+                <a:solidFill>
+                  <a:srgbClr val="2B91AF"/>
+                </a:solidFill>
+                <a:latin typeface="Consolas" pitchFamily="49" charset="0"/>
+                <a:cs typeface="Consolas" pitchFamily="49" charset="0"/>
+              </a:rPr>
+              <a:t>BookingComponent</a:t>
+            </a:r>
+            <a:r>
+              <a:rPr lang="en-US" sz="1400" dirty="0" smtClean="0">
+                <a:latin typeface="Consolas" pitchFamily="49" charset="0"/>
+                <a:cs typeface="Consolas" pitchFamily="49" charset="0"/>
+              </a:rPr>
+              <a:t>     </a:t>
+            </a:r>
+            <a:br>
+              <a:rPr lang="en-US" sz="1400" dirty="0" smtClean="0">
+                <a:latin typeface="Consolas" pitchFamily="49" charset="0"/>
+                <a:cs typeface="Consolas" pitchFamily="49" charset="0"/>
+              </a:rPr>
+            </a:br>
+            <a:r>
+              <a:rPr lang="en-US" sz="1400" dirty="0" smtClean="0">
+                <a:latin typeface="Consolas" pitchFamily="49" charset="0"/>
+                <a:cs typeface="Consolas" pitchFamily="49" charset="0"/>
+              </a:rPr>
+              <a:t>{      </a:t>
+            </a:r>
+          </a:p>
+          <a:p>
+            <a:pPr>
+              <a:spcBef>
+                <a:spcPts val="600"/>
+              </a:spcBef>
+              <a:spcAft>
+                <a:spcPts val="400"/>
+              </a:spcAft>
+            </a:pPr>
+            <a:r>
+              <a:rPr lang="en-US" sz="1400" dirty="0">
+                <a:latin typeface="Consolas" pitchFamily="49" charset="0"/>
+                <a:cs typeface="Consolas" pitchFamily="49" charset="0"/>
+              </a:rPr>
+              <a:t>	</a:t>
+            </a:r>
+            <a:r>
+              <a:rPr lang="en-US" sz="1400" dirty="0" smtClean="0">
+                <a:latin typeface="Consolas" pitchFamily="49" charset="0"/>
+                <a:cs typeface="Consolas" pitchFamily="49" charset="0"/>
+              </a:rPr>
+              <a:t>private </a:t>
+            </a:r>
+            <a:r>
+              <a:rPr lang="en-US" sz="1400" dirty="0" err="1" smtClean="0">
+                <a:latin typeface="Consolas" pitchFamily="49" charset="0"/>
+                <a:cs typeface="Consolas" pitchFamily="49" charset="0"/>
+              </a:rPr>
+              <a:t>IMySmtpClient</a:t>
+            </a:r>
+            <a:r>
+              <a:rPr lang="en-US" sz="1400" dirty="0" smtClean="0">
+                <a:latin typeface="Consolas" pitchFamily="49" charset="0"/>
+                <a:cs typeface="Consolas" pitchFamily="49" charset="0"/>
+              </a:rPr>
+              <a:t> _</a:t>
+            </a:r>
+            <a:r>
+              <a:rPr lang="en-US" sz="1400" dirty="0" err="1" smtClean="0">
+                <a:latin typeface="Consolas" pitchFamily="49" charset="0"/>
+                <a:cs typeface="Consolas" pitchFamily="49" charset="0"/>
+              </a:rPr>
+              <a:t>smtpClient</a:t>
+            </a:r>
+            <a:r>
+              <a:rPr lang="en-US" sz="1400" dirty="0" smtClean="0">
+                <a:latin typeface="Consolas" pitchFamily="49" charset="0"/>
+                <a:cs typeface="Consolas" pitchFamily="49" charset="0"/>
+              </a:rPr>
+              <a:t>;</a:t>
+            </a:r>
+          </a:p>
+          <a:p>
+            <a:pPr>
+              <a:spcBef>
+                <a:spcPts val="600"/>
+              </a:spcBef>
+              <a:spcAft>
+                <a:spcPts val="400"/>
+              </a:spcAft>
+            </a:pPr>
+            <a:r>
+              <a:rPr lang="en-US" sz="1400" dirty="0">
+                <a:latin typeface="Consolas" pitchFamily="49" charset="0"/>
+                <a:cs typeface="Consolas" pitchFamily="49" charset="0"/>
+              </a:rPr>
+              <a:t>	</a:t>
+            </a:r>
+            <a:r>
+              <a:rPr lang="en-US" sz="1400" dirty="0" smtClean="0">
+                <a:latin typeface="Consolas" pitchFamily="49" charset="0"/>
+                <a:cs typeface="Consolas" pitchFamily="49" charset="0"/>
+              </a:rPr>
+              <a:t>public </a:t>
+            </a:r>
+            <a:r>
+              <a:rPr lang="en-US" sz="1400" dirty="0" err="1" smtClean="0">
+                <a:latin typeface="Consolas" pitchFamily="49" charset="0"/>
+                <a:cs typeface="Consolas" pitchFamily="49" charset="0"/>
+              </a:rPr>
+              <a:t>BookingComponent</a:t>
+            </a:r>
+            <a:r>
+              <a:rPr lang="en-US" sz="1400" dirty="0" smtClean="0">
+                <a:latin typeface="Consolas" pitchFamily="49" charset="0"/>
+                <a:cs typeface="Consolas" pitchFamily="49" charset="0"/>
+              </a:rPr>
+              <a:t>(</a:t>
+            </a:r>
+            <a:r>
+              <a:rPr lang="en-US" sz="1400" dirty="0" err="1" smtClean="0">
+                <a:latin typeface="Consolas" pitchFamily="49" charset="0"/>
+                <a:cs typeface="Consolas" pitchFamily="49" charset="0"/>
+              </a:rPr>
+              <a:t>IMySmtpClient</a:t>
+            </a:r>
+            <a:r>
+              <a:rPr lang="en-US" sz="1400" dirty="0" smtClean="0">
+                <a:latin typeface="Consolas" pitchFamily="49" charset="0"/>
+                <a:cs typeface="Consolas" pitchFamily="49" charset="0"/>
+              </a:rPr>
+              <a:t> </a:t>
+            </a:r>
+            <a:r>
+              <a:rPr lang="en-US" sz="1400" dirty="0" err="1" smtClean="0">
+                <a:latin typeface="Consolas" pitchFamily="49" charset="0"/>
+                <a:cs typeface="Consolas" pitchFamily="49" charset="0"/>
+              </a:rPr>
+              <a:t>smtpClient</a:t>
+            </a:r>
+            <a:r>
+              <a:rPr lang="en-US" sz="1400" dirty="0" smtClean="0">
+                <a:latin typeface="Consolas" pitchFamily="49" charset="0"/>
+                <a:cs typeface="Consolas" pitchFamily="49" charset="0"/>
+              </a:rPr>
+              <a:t>){</a:t>
+            </a:r>
+          </a:p>
+          <a:p>
+            <a:pPr>
+              <a:spcBef>
+                <a:spcPts val="600"/>
+              </a:spcBef>
+              <a:spcAft>
+                <a:spcPts val="400"/>
+              </a:spcAft>
+            </a:pPr>
+            <a:r>
+              <a:rPr lang="en-US" sz="1400" dirty="0" smtClean="0">
+                <a:latin typeface="Consolas" pitchFamily="49" charset="0"/>
+                <a:cs typeface="Consolas" pitchFamily="49" charset="0"/>
+              </a:rPr>
+              <a:t>	_</a:t>
+            </a:r>
+            <a:r>
+              <a:rPr lang="en-US" sz="1400" dirty="0" err="1" smtClean="0">
+                <a:latin typeface="Consolas" pitchFamily="49" charset="0"/>
+                <a:cs typeface="Consolas" pitchFamily="49" charset="0"/>
+              </a:rPr>
+              <a:t>smtpClient</a:t>
+            </a:r>
+            <a:r>
+              <a:rPr lang="en-US" sz="1400" dirty="0" smtClean="0">
+                <a:latin typeface="Consolas" pitchFamily="49" charset="0"/>
+                <a:cs typeface="Consolas" pitchFamily="49" charset="0"/>
+              </a:rPr>
+              <a:t> = </a:t>
+            </a:r>
+            <a:r>
+              <a:rPr lang="en-US" sz="1400" dirty="0" err="1" smtClean="0">
+                <a:latin typeface="Consolas" pitchFamily="49" charset="0"/>
+                <a:cs typeface="Consolas" pitchFamily="49" charset="0"/>
+              </a:rPr>
+              <a:t>stmpClient</a:t>
+            </a:r>
+            <a:r>
+              <a:rPr lang="en-US" sz="1400" dirty="0" smtClean="0">
+                <a:latin typeface="Consolas" pitchFamily="49" charset="0"/>
+                <a:cs typeface="Consolas" pitchFamily="49" charset="0"/>
+              </a:rPr>
+              <a:t>;</a:t>
+            </a:r>
+          </a:p>
+          <a:p>
+            <a:pPr>
+              <a:spcBef>
+                <a:spcPts val="600"/>
+              </a:spcBef>
+              <a:spcAft>
+                <a:spcPts val="400"/>
+              </a:spcAft>
+            </a:pPr>
+            <a:r>
+              <a:rPr lang="en-US" sz="1400" dirty="0" smtClean="0">
+                <a:latin typeface="Consolas" pitchFamily="49" charset="0"/>
+                <a:cs typeface="Consolas" pitchFamily="49" charset="0"/>
+              </a:rPr>
+              <a:t>	}</a:t>
+            </a:r>
+          </a:p>
+          <a:p>
+            <a:pPr>
+              <a:spcBef>
+                <a:spcPts val="600"/>
+              </a:spcBef>
+              <a:spcAft>
+                <a:spcPts val="400"/>
+              </a:spcAft>
+            </a:pPr>
+            <a:r>
+              <a:rPr lang="en-US" sz="1400" dirty="0" smtClean="0">
+                <a:latin typeface="Consolas" pitchFamily="49" charset="0"/>
+                <a:cs typeface="Consolas" pitchFamily="49" charset="0"/>
+              </a:rPr>
+              <a:t/>
+            </a:r>
+            <a:br>
+              <a:rPr lang="en-US" sz="1400" dirty="0" smtClean="0">
+                <a:latin typeface="Consolas" pitchFamily="49" charset="0"/>
+                <a:cs typeface="Consolas" pitchFamily="49" charset="0"/>
+              </a:rPr>
+            </a:br>
+            <a:r>
+              <a:rPr lang="en-US" sz="1400" dirty="0" smtClean="0">
+                <a:latin typeface="Consolas" pitchFamily="49" charset="0"/>
+                <a:cs typeface="Consolas" pitchFamily="49" charset="0"/>
+              </a:rPr>
+              <a:t>	</a:t>
+            </a:r>
+            <a:r>
+              <a:rPr lang="en-US" sz="1400" dirty="0" smtClean="0">
+                <a:solidFill>
+                  <a:srgbClr val="0000FF"/>
+                </a:solidFill>
+                <a:latin typeface="Consolas" pitchFamily="49" charset="0"/>
+                <a:cs typeface="Consolas" pitchFamily="49" charset="0"/>
+              </a:rPr>
+              <a:t>public</a:t>
+            </a:r>
+            <a:r>
+              <a:rPr lang="en-US" sz="1400" dirty="0" smtClean="0">
+                <a:latin typeface="Consolas" pitchFamily="49" charset="0"/>
+                <a:cs typeface="Consolas" pitchFamily="49" charset="0"/>
+              </a:rPr>
+              <a:t> </a:t>
+            </a:r>
+            <a:r>
+              <a:rPr lang="en-US" sz="1400" dirty="0" smtClean="0">
+                <a:solidFill>
+                  <a:srgbClr val="0000FF"/>
+                </a:solidFill>
+                <a:latin typeface="Consolas" pitchFamily="49" charset="0"/>
+                <a:cs typeface="Consolas" pitchFamily="49" charset="0"/>
+              </a:rPr>
+              <a:t>void</a:t>
+            </a:r>
+            <a:r>
+              <a:rPr lang="en-US" sz="1400" dirty="0" smtClean="0">
+                <a:latin typeface="Consolas" pitchFamily="49" charset="0"/>
+                <a:cs typeface="Consolas" pitchFamily="49" charset="0"/>
+              </a:rPr>
+              <a:t> </a:t>
+            </a:r>
+            <a:r>
+              <a:rPr lang="en-US" sz="1400" dirty="0" err="1" smtClean="0">
+                <a:latin typeface="Consolas" pitchFamily="49" charset="0"/>
+                <a:cs typeface="Consolas" pitchFamily="49" charset="0"/>
+              </a:rPr>
+              <a:t>ConfirmBooking</a:t>
+            </a:r>
+            <a:r>
+              <a:rPr lang="en-US" sz="1400" dirty="0" smtClean="0">
+                <a:latin typeface="Consolas" pitchFamily="49" charset="0"/>
+                <a:cs typeface="Consolas" pitchFamily="49" charset="0"/>
+              </a:rPr>
+              <a:t>(</a:t>
+            </a:r>
+            <a:r>
+              <a:rPr lang="en-US" sz="1400" dirty="0" smtClean="0">
+                <a:solidFill>
+                  <a:srgbClr val="2B91AF"/>
+                </a:solidFill>
+                <a:latin typeface="Consolas" pitchFamily="49" charset="0"/>
+                <a:cs typeface="Consolas" pitchFamily="49" charset="0"/>
+              </a:rPr>
+              <a:t>Booking</a:t>
+            </a:r>
+            <a:r>
+              <a:rPr lang="en-US" sz="1400" dirty="0" smtClean="0">
+                <a:latin typeface="Consolas" pitchFamily="49" charset="0"/>
+                <a:cs typeface="Consolas" pitchFamily="49" charset="0"/>
+              </a:rPr>
+              <a:t> </a:t>
+            </a:r>
+            <a:r>
+              <a:rPr lang="en-US" sz="1400" dirty="0" err="1" smtClean="0">
+                <a:latin typeface="Consolas" pitchFamily="49" charset="0"/>
+                <a:cs typeface="Consolas" pitchFamily="49" charset="0"/>
+              </a:rPr>
+              <a:t>booking</a:t>
+            </a:r>
+            <a:r>
+              <a:rPr lang="en-US" sz="1400" dirty="0" smtClean="0">
+                <a:latin typeface="Consolas" pitchFamily="49" charset="0"/>
+                <a:cs typeface="Consolas" pitchFamily="49" charset="0"/>
+              </a:rPr>
+              <a:t>, </a:t>
+            </a:r>
+            <a:r>
+              <a:rPr lang="en-US" sz="1400" dirty="0" smtClean="0">
+                <a:solidFill>
+                  <a:srgbClr val="2B91AF"/>
+                </a:solidFill>
+                <a:latin typeface="Consolas" pitchFamily="49" charset="0"/>
+                <a:cs typeface="Consolas" pitchFamily="49" charset="0"/>
+              </a:rPr>
+              <a:t>Person</a:t>
+            </a:r>
+            <a:r>
+              <a:rPr lang="en-US" sz="1400" dirty="0" smtClean="0">
+                <a:latin typeface="Consolas" pitchFamily="49" charset="0"/>
+                <a:cs typeface="Consolas" pitchFamily="49" charset="0"/>
+              </a:rPr>
+              <a:t> person) </a:t>
+            </a:r>
+            <a:br>
+              <a:rPr lang="en-US" sz="1400" dirty="0" smtClean="0">
+                <a:latin typeface="Consolas" pitchFamily="49" charset="0"/>
+                <a:cs typeface="Consolas" pitchFamily="49" charset="0"/>
+              </a:rPr>
+            </a:br>
+            <a:r>
+              <a:rPr lang="en-US" sz="1400" dirty="0" smtClean="0">
+                <a:latin typeface="Consolas" pitchFamily="49" charset="0"/>
+                <a:cs typeface="Consolas" pitchFamily="49" charset="0"/>
+              </a:rPr>
+              <a:t>	{ </a:t>
+            </a:r>
+          </a:p>
+          <a:p>
+            <a:pPr>
+              <a:spcBef>
+                <a:spcPts val="600"/>
+              </a:spcBef>
+              <a:spcAft>
+                <a:spcPts val="400"/>
+              </a:spcAft>
+            </a:pPr>
+            <a:r>
+              <a:rPr lang="en-US" sz="1400" dirty="0">
+                <a:latin typeface="Consolas" pitchFamily="49" charset="0"/>
+                <a:cs typeface="Consolas" pitchFamily="49" charset="0"/>
+              </a:rPr>
+              <a:t>		</a:t>
+            </a:r>
+            <a:r>
+              <a:rPr lang="en-US" sz="1400" dirty="0" err="1" smtClean="0">
+                <a:latin typeface="Consolas" pitchFamily="49" charset="0"/>
+                <a:cs typeface="Consolas" pitchFamily="49" charset="0"/>
+              </a:rPr>
+              <a:t>var</a:t>
+            </a:r>
+            <a:r>
+              <a:rPr lang="en-US" sz="1400" dirty="0" smtClean="0">
+                <a:latin typeface="Consolas" pitchFamily="49" charset="0"/>
+                <a:cs typeface="Consolas" pitchFamily="49" charset="0"/>
+              </a:rPr>
+              <a:t> message = </a:t>
+            </a:r>
+            <a:r>
+              <a:rPr lang="en-US" sz="1400" dirty="0" err="1" smtClean="0">
+                <a:latin typeface="Consolas" pitchFamily="49" charset="0"/>
+                <a:cs typeface="Consolas" pitchFamily="49" charset="0"/>
+              </a:rPr>
+              <a:t>ComposeMessage</a:t>
+            </a:r>
+            <a:r>
+              <a:rPr lang="en-US" sz="1400" dirty="0" smtClean="0">
+                <a:latin typeface="Consolas" pitchFamily="49" charset="0"/>
+                <a:cs typeface="Consolas" pitchFamily="49" charset="0"/>
+              </a:rPr>
+              <a:t>(person);</a:t>
+            </a:r>
+            <a:br>
+              <a:rPr lang="en-US" sz="1400" dirty="0" smtClean="0">
+                <a:latin typeface="Consolas" pitchFamily="49" charset="0"/>
+                <a:cs typeface="Consolas" pitchFamily="49" charset="0"/>
+              </a:rPr>
+            </a:br>
+            <a:r>
+              <a:rPr lang="en-US" sz="1400" dirty="0" smtClean="0">
+                <a:latin typeface="Consolas" pitchFamily="49" charset="0"/>
+                <a:cs typeface="Consolas" pitchFamily="49" charset="0"/>
+              </a:rPr>
+              <a:t>		_</a:t>
+            </a:r>
+            <a:r>
+              <a:rPr lang="en-US" sz="1400" dirty="0" err="1" smtClean="0">
+                <a:latin typeface="Consolas" pitchFamily="49" charset="0"/>
+                <a:cs typeface="Consolas" pitchFamily="49" charset="0"/>
+              </a:rPr>
+              <a:t>smtp</a:t>
+            </a:r>
+            <a:r>
+              <a:rPr lang="en-US" sz="1400" dirty="0" err="1">
+                <a:latin typeface="Consolas" pitchFamily="49" charset="0"/>
+                <a:cs typeface="Consolas" pitchFamily="49" charset="0"/>
+              </a:rPr>
+              <a:t>C</a:t>
+            </a:r>
+            <a:r>
+              <a:rPr lang="en-US" sz="1400" dirty="0" err="1" smtClean="0">
+                <a:latin typeface="Consolas" pitchFamily="49" charset="0"/>
+                <a:cs typeface="Consolas" pitchFamily="49" charset="0"/>
+              </a:rPr>
+              <a:t>lient.Send</a:t>
+            </a:r>
+            <a:r>
+              <a:rPr lang="en-US" sz="1400" dirty="0" smtClean="0">
+                <a:latin typeface="Consolas" pitchFamily="49" charset="0"/>
+                <a:cs typeface="Consolas" pitchFamily="49" charset="0"/>
+              </a:rPr>
+              <a:t>(message);</a:t>
+            </a:r>
+            <a:br>
+              <a:rPr lang="en-US" sz="1400" dirty="0" smtClean="0">
+                <a:latin typeface="Consolas" pitchFamily="49" charset="0"/>
+                <a:cs typeface="Consolas" pitchFamily="49" charset="0"/>
+              </a:rPr>
+            </a:br>
+            <a:r>
+              <a:rPr lang="en-US" sz="1400" dirty="0" smtClean="0">
+                <a:latin typeface="Consolas" pitchFamily="49" charset="0"/>
+                <a:cs typeface="Consolas" pitchFamily="49" charset="0"/>
+              </a:rPr>
+              <a:t>	}     </a:t>
+            </a:r>
+            <a:br>
+              <a:rPr lang="en-US" sz="1400" dirty="0" smtClean="0">
+                <a:latin typeface="Consolas" pitchFamily="49" charset="0"/>
+                <a:cs typeface="Consolas" pitchFamily="49" charset="0"/>
+              </a:rPr>
+            </a:br>
+            <a:r>
+              <a:rPr lang="en-US" sz="1400" dirty="0" smtClean="0">
+                <a:latin typeface="Consolas" pitchFamily="49" charset="0"/>
+                <a:cs typeface="Consolas" pitchFamily="49" charset="0"/>
+              </a:rPr>
+              <a:t>}</a:t>
+            </a:r>
+          </a:p>
+        </p:txBody>
+      </p:sp>
+      <p:sp>
+        <p:nvSpPr>
+          <p:cNvPr id="15" name="TextBox 14"/>
+          <p:cNvSpPr txBox="1"/>
+          <p:nvPr/>
+        </p:nvSpPr>
+        <p:spPr>
+          <a:xfrm>
+            <a:off x="362263" y="4608483"/>
+            <a:ext cx="8240500" cy="584775"/>
+          </a:xfrm>
+          <a:prstGeom prst="rect">
+            <a:avLst/>
+          </a:prstGeom>
+          <a:noFill/>
+        </p:spPr>
+        <p:txBody>
+          <a:bodyPr wrap="square" rtlCol="0">
+            <a:spAutoFit/>
+          </a:bodyPr>
+          <a:lstStyle/>
+          <a:p>
+            <a:pPr>
+              <a:spcBef>
+                <a:spcPts val="600"/>
+              </a:spcBef>
+              <a:spcAft>
+                <a:spcPts val="400"/>
+              </a:spcAft>
+            </a:pPr>
+            <a:r>
+              <a:rPr lang="nb-NO" sz="1600" dirty="0" smtClean="0"/>
+              <a:t>Mulig løsning</a:t>
+            </a:r>
+            <a:br>
+              <a:rPr lang="nb-NO" sz="1600" dirty="0" smtClean="0"/>
+            </a:br>
+            <a:endParaRPr lang="nb-NO" sz="1600" dirty="0" smtClean="0"/>
+          </a:p>
+        </p:txBody>
+      </p:sp>
+    </p:spTree>
+    <p:extLst>
+      <p:ext uri="{BB962C8B-B14F-4D97-AF65-F5344CB8AC3E}">
+        <p14:creationId xmlns:p14="http://schemas.microsoft.com/office/powerpoint/2010/main" val="4182893244"/>
+      </p:ext>
+    </p:extLst>
+  </p:cSld>
+  <p:clrMapOvr>
+    <a:masterClrMapping/>
+  </p:clrMapOvr>
+  <p:transition>
+    <p:fade thruBlk="1"/>
+  </p:transition>
+  <p:timing>
+    <p:tnLst>
+      <p:par>
+        <p:cTn id="1" dur="indefinite" restart="never" nodeType="tmRoot"/>
+      </p:par>
+    </p:tnLst>
+  </p:timing>
+</p:sld>
+</file>
+
+<file path=ppt/slides/slide14.xml><?xml version="1.0" encoding="utf-8"?>
+<p:sld xmlns:a="http://schemas.openxmlformats.org/drawingml/2006/main" xmlns:r="http://schemas.openxmlformats.org/officeDocument/2006/relationships" xmlns:p="http://schemas.openxmlformats.org/presentationml/2006/main">
+  <p:cSld>
+    <p:spTree>
+      <p:nvGrpSpPr>
+        <p:cNvPr id="1" name=""/>
+        <p:cNvGrpSpPr/>
+        <p:nvPr/>
+      </p:nvGrpSpPr>
+      <p:grpSpPr>
+        <a:xfrm>
+          <a:off x="0" y="0"/>
+          <a:ext cx="0" cy="0"/>
+          <a:chOff x="0" y="0"/>
+          <a:chExt cx="0" cy="0"/>
+        </a:xfrm>
+      </p:grpSpPr>
+      <p:sp>
+        <p:nvSpPr>
+          <p:cNvPr id="2" name="Title 1"/>
+          <p:cNvSpPr>
+            <a:spLocks noGrp="1"/>
+          </p:cNvSpPr>
+          <p:nvPr>
+            <p:ph type="title"/>
+          </p:nvPr>
+        </p:nvSpPr>
+        <p:spPr>
+          <a:xfrm>
+            <a:off x="321623" y="418905"/>
+            <a:ext cx="2593339" cy="307777"/>
+          </a:xfrm>
+        </p:spPr>
+        <p:txBody>
+          <a:bodyPr/>
+          <a:lstStyle/>
+          <a:p>
+            <a:r>
+              <a:rPr lang="nb-NO" dirty="0" smtClean="0"/>
+              <a:t>Fake, Mock, Stub</a:t>
+            </a:r>
+            <a:endParaRPr lang="en-US" dirty="0"/>
+          </a:p>
+        </p:txBody>
+      </p:sp>
+      <p:sp>
+        <p:nvSpPr>
+          <p:cNvPr id="3" name="Slide Number Placeholder 2"/>
+          <p:cNvSpPr>
+            <a:spLocks noGrp="1"/>
+          </p:cNvSpPr>
+          <p:nvPr>
+            <p:ph type="sldNum" sz="quarter" idx="10"/>
+          </p:nvPr>
+        </p:nvSpPr>
+        <p:spPr/>
+        <p:txBody>
+          <a:bodyPr/>
+          <a:lstStyle/>
+          <a:p>
+            <a:fld id="{FF67BF5B-7344-D747-A0C2-CBD7B2ACBC85}" type="slidenum">
+              <a:rPr lang="en-US" smtClean="0"/>
+              <a:pPr/>
+              <a:t>14</a:t>
             </a:fld>
             <a:endParaRPr lang="en-US" dirty="0"/>
           </a:p>
@@ -15970,7 +16269,7 @@
 </p:sld>
 </file>
 
-<file path=ppt/slides/slide14.xml><?xml version="1.0" encoding="utf-8"?>
+<file path=ppt/slides/slide15.xml><?xml version="1.0" encoding="utf-8"?>
 <p:sld xmlns:a="http://schemas.openxmlformats.org/drawingml/2006/main" xmlns:r="http://schemas.openxmlformats.org/officeDocument/2006/relationships" xmlns:p="http://schemas.openxmlformats.org/presentationml/2006/main">
   <p:cSld>
     <p:bg>
@@ -16060,7 +16359,7 @@
                 </a:solidFill>
               </a:rPr>
               <a:pPr/>
-              <a:t>14</a:t>
+              <a:t>15</a:t>
             </a:fld>
             <a:endParaRPr lang="en-US" dirty="0">
               <a:solidFill>
@@ -16153,23 +16452,7 @@
                   <a:schemeClr val="bg1"/>
                 </a:solidFill>
               </a:rPr>
-              <a:t>Kataen går på å utvide funksjonaliteten til StringCalculator som ble opprettet i oppgave </a:t>
-            </a:r>
-            <a:r>
-              <a:rPr lang="nb-NO" sz="2000" dirty="0" smtClean="0">
-                <a:solidFill>
-                  <a:schemeClr val="bg1"/>
-                </a:solidFill>
-              </a:rPr>
-              <a:t>1, </a:t>
-            </a:r>
-            <a:r>
-              <a:rPr lang="nb-NO" sz="2000" dirty="0" smtClean="0">
-                <a:solidFill>
-                  <a:schemeClr val="bg1"/>
-                </a:solidFill>
-              </a:rPr>
-              <a:t>løs èn og èn av oppgavene, prøv å ikke ”se fremover”.</a:t>
+              <a:t>Kataen går på å utvide funksjonaliteten til StringCalculator som ble opprettet i oppgave 1, løs èn og èn av oppgavene, prøv å ikke ”se fremover”.</a:t>
             </a:r>
             <a:endParaRPr lang="en-US" sz="2000" dirty="0" smtClean="0">
               <a:solidFill>
@@ -16228,7 +16511,7 @@
 </p:sld>
 </file>
 
-<file path=ppt/slides/slide15.xml><?xml version="1.0" encoding="utf-8"?>
+<file path=ppt/slides/slide16.xml><?xml version="1.0" encoding="utf-8"?>
 <p:sld xmlns:a="http://schemas.openxmlformats.org/drawingml/2006/main" xmlns:r="http://schemas.openxmlformats.org/officeDocument/2006/relationships" xmlns:p="http://schemas.openxmlformats.org/presentationml/2006/main">
   <p:cSld>
     <p:spTree>
@@ -16291,7 +16574,7 @@
             <a:fld id="{FF67BF5B-7344-D747-A0C2-CBD7B2ACBC85}" type="slidenum">
               <a:rPr lang="en-US" smtClean="0"/>
               <a:pPr/>
-              <a:t>15</a:t>
+              <a:t>16</a:t>
             </a:fld>
             <a:endParaRPr lang="en-US" dirty="0"/>
           </a:p>
@@ -16882,7 +17165,7 @@
 </p:sld>
 </file>
 
-<file path=ppt/slides/slide16.xml><?xml version="1.0" encoding="utf-8"?>
+<file path=ppt/slides/slide17.xml><?xml version="1.0" encoding="utf-8"?>
 <p:sld xmlns:a="http://schemas.openxmlformats.org/drawingml/2006/main" xmlns:r="http://schemas.openxmlformats.org/officeDocument/2006/relationships" xmlns:p="http://schemas.openxmlformats.org/presentationml/2006/main">
   <p:cSld>
     <p:spTree>
@@ -16945,7 +17228,7 @@
             <a:fld id="{FF67BF5B-7344-D747-A0C2-CBD7B2ACBC85}" type="slidenum">
               <a:rPr lang="en-US" smtClean="0"/>
               <a:pPr/>
-              <a:t>16</a:t>
+              <a:t>17</a:t>
             </a:fld>
             <a:endParaRPr lang="en-US" dirty="0"/>
           </a:p>
@@ -17732,7 +18015,7 @@
 </p:sld>
 </file>
 
-<file path=ppt/slides/slide17.xml><?xml version="1.0" encoding="utf-8"?>
+<file path=ppt/slides/slide18.xml><?xml version="1.0" encoding="utf-8"?>
 <p:sld xmlns:a="http://schemas.openxmlformats.org/drawingml/2006/main" xmlns:r="http://schemas.openxmlformats.org/officeDocument/2006/relationships" xmlns:p="http://schemas.openxmlformats.org/presentationml/2006/main">
   <p:cSld>
     <p:bg>
@@ -17822,7 +18105,7 @@
                 </a:solidFill>
               </a:rPr>
               <a:pPr/>
-              <a:t>17</a:t>
+              <a:t>18</a:t>
             </a:fld>
             <a:endParaRPr lang="en-US" dirty="0">
               <a:solidFill>
@@ -18078,7 +18361,7 @@
 </p:sld>
 </file>
 
-<file path=ppt/slides/slide18.xml><?xml version="1.0" encoding="utf-8"?>
+<file path=ppt/slides/slide19.xml><?xml version="1.0" encoding="utf-8"?>
 <p:sld xmlns:a="http://schemas.openxmlformats.org/drawingml/2006/main" xmlns:r="http://schemas.openxmlformats.org/officeDocument/2006/relationships" xmlns:p="http://schemas.openxmlformats.org/presentationml/2006/main">
   <p:cSld>
     <p:spTree>
@@ -18141,7 +18424,7 @@
             <a:fld id="{FF67BF5B-7344-D747-A0C2-CBD7B2ACBC85}" type="slidenum">
               <a:rPr lang="en-US" smtClean="0"/>
               <a:pPr/>
-              <a:t>18</a:t>
+              <a:t>19</a:t>
             </a:fld>
             <a:endParaRPr lang="en-US" dirty="0"/>
           </a:p>
@@ -18192,1410 +18475,6 @@
               </a:spcAft>
             </a:pPr>
             <a:endParaRPr lang="nb-NO" sz="1700" b="1" dirty="0" smtClean="0"/>
-          </a:p>
-        </p:txBody>
-      </p:sp>
-    </p:spTree>
-  </p:cSld>
-  <p:clrMapOvr>
-    <a:masterClrMapping/>
-  </p:clrMapOvr>
-  <p:transition>
-    <p:fade thruBlk="1"/>
-  </p:transition>
-</p:sld>
-</file>
-
-<file path=ppt/slides/slide19.xml><?xml version="1.0" encoding="utf-8"?>
-<p:sld xmlns:a="http://schemas.openxmlformats.org/drawingml/2006/main" xmlns:r="http://schemas.openxmlformats.org/officeDocument/2006/relationships" xmlns:p="http://schemas.openxmlformats.org/presentationml/2006/main">
-  <p:cSld>
-    <p:spTree>
-      <p:nvGrpSpPr>
-        <p:cNvPr id="1" name=""/>
-        <p:cNvGrpSpPr/>
-        <p:nvPr/>
-      </p:nvGrpSpPr>
-      <p:grpSpPr>
-        <a:xfrm>
-          <a:off x="0" y="0"/>
-          <a:ext cx="0" cy="0"/>
-          <a:chOff x="0" y="0"/>
-          <a:chExt cx="0" cy="0"/>
-        </a:xfrm>
-      </p:grpSpPr>
-      <p:sp>
-        <p:nvSpPr>
-          <p:cNvPr id="2" name="Title 1"/>
-          <p:cNvSpPr>
-            <a:spLocks noGrp="1"/>
-          </p:cNvSpPr>
-          <p:nvPr>
-            <p:ph type="title"/>
-          </p:nvPr>
-        </p:nvSpPr>
-        <p:spPr>
-          <a:xfrm>
-            <a:off x="321623" y="418905"/>
-            <a:ext cx="2278829" cy="307777"/>
-          </a:xfrm>
-        </p:spPr>
-        <p:txBody>
-          <a:bodyPr/>
-          <a:lstStyle/>
-          <a:p>
-            <a:r>
-              <a:rPr lang="nb-NO" dirty="0" smtClean="0"/>
-              <a:t>Ninject i MVC3</a:t>
-            </a:r>
-            <a:endParaRPr lang="en-US" dirty="0"/>
-          </a:p>
-        </p:txBody>
-      </p:sp>
-      <p:sp>
-        <p:nvSpPr>
-          <p:cNvPr id="3" name="Slide Number Placeholder 2"/>
-          <p:cNvSpPr>
-            <a:spLocks noGrp="1"/>
-          </p:cNvSpPr>
-          <p:nvPr>
-            <p:ph type="sldNum" sz="quarter" idx="10"/>
-          </p:nvPr>
-        </p:nvSpPr>
-        <p:spPr/>
-        <p:txBody>
-          <a:bodyPr/>
-          <a:lstStyle/>
-          <a:p>
-            <a:fld id="{FF67BF5B-7344-D747-A0C2-CBD7B2ACBC85}" type="slidenum">
-              <a:rPr lang="en-US" smtClean="0"/>
-              <a:pPr/>
-              <a:t>19</a:t>
-            </a:fld>
-            <a:endParaRPr lang="en-US" dirty="0"/>
-          </a:p>
-        </p:txBody>
-      </p:sp>
-      <p:sp>
-        <p:nvSpPr>
-          <p:cNvPr id="5" name="TextBox 4"/>
-          <p:cNvSpPr txBox="1"/>
-          <p:nvPr/>
-        </p:nvSpPr>
-        <p:spPr>
-          <a:xfrm>
-            <a:off x="343017" y="1151746"/>
-            <a:ext cx="8800983" cy="307777"/>
-          </a:xfrm>
-          <a:prstGeom prst="rect">
-            <a:avLst/>
-          </a:prstGeom>
-          <a:noFill/>
-        </p:spPr>
-        <p:txBody>
-          <a:bodyPr wrap="square" rtlCol="0">
-            <a:spAutoFit/>
-          </a:bodyPr>
-          <a:lstStyle/>
-          <a:p>
-            <a:pPr>
-              <a:spcBef>
-                <a:spcPts val="600"/>
-              </a:spcBef>
-              <a:spcAft>
-                <a:spcPts val="400"/>
-              </a:spcAft>
-            </a:pPr>
-            <a:r>
-              <a:rPr lang="nb-NO" sz="1400" dirty="0" smtClean="0"/>
-              <a:t>Installasjon via Nuget, for et ASP.NET MVC 3 prosjekt kjør: </a:t>
-            </a:r>
-            <a:r>
-              <a:rPr lang="en-US" sz="1400" i="1" dirty="0" smtClean="0"/>
-              <a:t>Install-Package Ninject.MVC3</a:t>
-            </a:r>
-          </a:p>
-        </p:txBody>
-      </p:sp>
-      <p:sp>
-        <p:nvSpPr>
-          <p:cNvPr id="3073" name="Rectangle 1"/>
-          <p:cNvSpPr>
-            <a:spLocks noChangeArrowheads="1"/>
-          </p:cNvSpPr>
-          <p:nvPr/>
-        </p:nvSpPr>
-        <p:spPr bwMode="auto">
-          <a:xfrm>
-            <a:off x="321623" y="1821070"/>
-            <a:ext cx="8409684" cy="276999"/>
-          </a:xfrm>
-          <a:prstGeom prst="rect">
-            <a:avLst/>
-          </a:prstGeom>
-          <a:solidFill>
-            <a:srgbClr val="FFFFFF"/>
-          </a:solidFill>
-          <a:ln w="9525">
-            <a:solidFill>
-              <a:schemeClr val="accent2"/>
-            </a:solidFill>
-            <a:miter lim="800000"/>
-            <a:headEnd/>
-            <a:tailEnd/>
-          </a:ln>
-          <a:effectLst/>
-        </p:spPr>
-        <p:txBody>
-          <a:bodyPr vert="horz" wrap="square" lIns="91440" tIns="45720" rIns="91440" bIns="45720" numCol="1" anchor="ctr" anchorCtr="0" compatLnSpc="1">
-            <a:prstTxWarp prst="textNoShape">
-              <a:avLst/>
-            </a:prstTxWarp>
-            <a:spAutoFit/>
-          </a:bodyPr>
-          <a:lstStyle/>
-          <a:p>
-            <a:pPr marL="0" marR="0" lvl="0" indent="0" algn="l" defTabSz="914400" rtl="0" eaLnBrk="1" fontAlgn="base" latinLnBrk="0" hangingPunct="1">
-              <a:lnSpc>
-                <a:spcPct val="100000"/>
-              </a:lnSpc>
-              <a:spcBef>
-                <a:spcPct val="0"/>
-              </a:spcBef>
-              <a:spcAft>
-                <a:spcPct val="0"/>
-              </a:spcAft>
-              <a:buClrTx/>
-              <a:buSzTx/>
-              <a:buFontTx/>
-              <a:buNone/>
-              <a:tabLst/>
-            </a:pPr>
-            <a:r>
-              <a:rPr kumimoji="0" lang="en-US" sz="1200" b="0" i="0" u="none" strike="noStrike" cap="none" normalizeH="0" baseline="0" dirty="0" smtClean="0">
-                <a:ln>
-                  <a:noFill/>
-                </a:ln>
-                <a:solidFill>
-                  <a:srgbClr val="0000FF"/>
-                </a:solidFill>
-                <a:effectLst/>
-                <a:latin typeface="Consolas" pitchFamily="49" charset="0"/>
-                <a:cs typeface="Consolas" pitchFamily="49" charset="0"/>
-              </a:rPr>
-              <a:t>public</a:t>
-            </a:r>
-            <a:r>
-              <a:rPr kumimoji="0" lang="en-US" sz="1200" b="0" i="0" u="none" strike="noStrike" cap="none" normalizeH="0" baseline="0" dirty="0" smtClean="0">
-                <a:ln>
-                  <a:noFill/>
-                </a:ln>
-                <a:solidFill>
-                  <a:srgbClr val="000000"/>
-                </a:solidFill>
-                <a:effectLst/>
-                <a:latin typeface="Consolas" pitchFamily="49" charset="0"/>
-                <a:cs typeface="Consolas" pitchFamily="49" charset="0"/>
-              </a:rPr>
-              <a:t> </a:t>
-            </a:r>
-            <a:r>
-              <a:rPr kumimoji="0" lang="en-US" sz="1200" b="0" i="0" u="none" strike="noStrike" cap="none" normalizeH="0" baseline="0" dirty="0" smtClean="0">
-                <a:ln>
-                  <a:noFill/>
-                </a:ln>
-                <a:solidFill>
-                  <a:srgbClr val="0000FF"/>
-                </a:solidFill>
-                <a:effectLst/>
-                <a:latin typeface="Consolas" pitchFamily="49" charset="0"/>
-                <a:cs typeface="Consolas" pitchFamily="49" charset="0"/>
-              </a:rPr>
-              <a:t>static</a:t>
-            </a:r>
-            <a:r>
-              <a:rPr kumimoji="0" lang="en-US" sz="1200" b="0" i="0" u="none" strike="noStrike" cap="none" normalizeH="0" baseline="0" dirty="0" smtClean="0">
-                <a:ln>
-                  <a:noFill/>
-                </a:ln>
-                <a:solidFill>
-                  <a:srgbClr val="000000"/>
-                </a:solidFill>
-                <a:effectLst/>
-                <a:latin typeface="Consolas" pitchFamily="49" charset="0"/>
-                <a:cs typeface="Consolas" pitchFamily="49" charset="0"/>
-              </a:rPr>
-              <a:t> </a:t>
-            </a:r>
-            <a:r>
-              <a:rPr kumimoji="0" lang="en-US" sz="1200" b="0" i="0" u="none" strike="noStrike" cap="none" normalizeH="0" baseline="0" dirty="0" smtClean="0">
-                <a:ln>
-                  <a:noFill/>
-                </a:ln>
-                <a:solidFill>
-                  <a:srgbClr val="0000FF"/>
-                </a:solidFill>
-                <a:effectLst/>
-                <a:latin typeface="Consolas" pitchFamily="49" charset="0"/>
-                <a:cs typeface="Consolas" pitchFamily="49" charset="0"/>
-              </a:rPr>
-              <a:t>class</a:t>
-            </a:r>
-            <a:r>
-              <a:rPr kumimoji="0" lang="en-US" sz="1200" b="0" i="0" u="none" strike="noStrike" cap="none" normalizeH="0" baseline="0" dirty="0" smtClean="0">
-                <a:ln>
-                  <a:noFill/>
-                </a:ln>
-                <a:solidFill>
-                  <a:srgbClr val="000000"/>
-                </a:solidFill>
-                <a:effectLst/>
-                <a:latin typeface="Consolas" pitchFamily="49" charset="0"/>
-                <a:cs typeface="Consolas" pitchFamily="49" charset="0"/>
-              </a:rPr>
-              <a:t> </a:t>
-            </a:r>
-            <a:r>
-              <a:rPr kumimoji="0" lang="en-US" sz="1200" b="0" i="0" u="none" strike="noStrike" cap="none" normalizeH="0" baseline="0" dirty="0" err="1" smtClean="0">
-                <a:ln>
-                  <a:noFill/>
-                </a:ln>
-                <a:solidFill>
-                  <a:srgbClr val="2B91AF"/>
-                </a:solidFill>
-                <a:effectLst/>
-                <a:latin typeface="Consolas" pitchFamily="49" charset="0"/>
-                <a:cs typeface="Consolas" pitchFamily="49" charset="0"/>
-              </a:rPr>
-              <a:t>NinjectWebCommon</a:t>
-            </a:r>
-            <a:endParaRPr kumimoji="0" lang="en-US" sz="1200" b="0" i="0" u="none" strike="noStrike" cap="none" normalizeH="0" baseline="0" dirty="0" smtClean="0">
-              <a:ln>
-                <a:noFill/>
-              </a:ln>
-              <a:solidFill>
-                <a:schemeClr val="tx1"/>
-              </a:solidFill>
-              <a:effectLst/>
-              <a:latin typeface="Arial" pitchFamily="34" charset="0"/>
-              <a:cs typeface="Arial" pitchFamily="34" charset="0"/>
-            </a:endParaRPr>
-          </a:p>
-        </p:txBody>
-      </p:sp>
-      <p:sp>
-        <p:nvSpPr>
-          <p:cNvPr id="3074" name="Rectangle 2"/>
-          <p:cNvSpPr>
-            <a:spLocks noChangeArrowheads="1"/>
-          </p:cNvSpPr>
-          <p:nvPr/>
-        </p:nvSpPr>
-        <p:spPr bwMode="auto">
-          <a:xfrm>
-            <a:off x="321623" y="2378071"/>
-            <a:ext cx="8409684" cy="1938992"/>
-          </a:xfrm>
-          <a:prstGeom prst="rect">
-            <a:avLst/>
-          </a:prstGeom>
-          <a:solidFill>
-            <a:srgbClr val="FFFFFF"/>
-          </a:solidFill>
-          <a:ln w="9525">
-            <a:solidFill>
-              <a:schemeClr val="accent2"/>
-            </a:solidFill>
-            <a:miter lim="800000"/>
-            <a:headEnd/>
-            <a:tailEnd/>
-          </a:ln>
-          <a:effectLst/>
-        </p:spPr>
-        <p:txBody>
-          <a:bodyPr vert="horz" wrap="square" lIns="91440" tIns="45720" rIns="91440" bIns="45720" numCol="1" anchor="ctr" anchorCtr="0" compatLnSpc="1">
-            <a:prstTxWarp prst="textNoShape">
-              <a:avLst/>
-            </a:prstTxWarp>
-            <a:spAutoFit/>
-          </a:bodyPr>
-          <a:lstStyle/>
-          <a:p>
-            <a:pPr marL="0" marR="0" lvl="0" indent="0" algn="l" defTabSz="914400" rtl="0" eaLnBrk="1" fontAlgn="base" latinLnBrk="0" hangingPunct="1">
-              <a:lnSpc>
-                <a:spcPct val="100000"/>
-              </a:lnSpc>
-              <a:spcBef>
-                <a:spcPct val="0"/>
-              </a:spcBef>
-              <a:spcAft>
-                <a:spcPct val="0"/>
-              </a:spcAft>
-              <a:buClrTx/>
-              <a:buSzTx/>
-              <a:buFontTx/>
-              <a:buNone/>
-              <a:tabLst/>
-            </a:pPr>
-            <a:r>
-              <a:rPr kumimoji="0" lang="en-US" sz="1200" b="0" i="0" u="none" strike="noStrike" cap="none" normalizeH="0" baseline="0" dirty="0" smtClean="0">
-                <a:ln>
-                  <a:noFill/>
-                </a:ln>
-                <a:solidFill>
-                  <a:srgbClr val="0000FF"/>
-                </a:solidFill>
-                <a:effectLst/>
-                <a:latin typeface="Consolas" pitchFamily="49" charset="0"/>
-                <a:cs typeface="Consolas" pitchFamily="49" charset="0"/>
-              </a:rPr>
-              <a:t>private</a:t>
-            </a:r>
-            <a:r>
-              <a:rPr kumimoji="0" lang="en-US" sz="1200" b="0" i="0" u="none" strike="noStrike" cap="none" normalizeH="0" baseline="0" dirty="0" smtClean="0">
-                <a:ln>
-                  <a:noFill/>
-                </a:ln>
-                <a:solidFill>
-                  <a:srgbClr val="000000"/>
-                </a:solidFill>
-                <a:effectLst/>
-                <a:latin typeface="Consolas" pitchFamily="49" charset="0"/>
-                <a:cs typeface="Consolas" pitchFamily="49" charset="0"/>
-              </a:rPr>
-              <a:t> </a:t>
-            </a:r>
-            <a:r>
-              <a:rPr kumimoji="0" lang="en-US" sz="1200" b="0" i="0" u="none" strike="noStrike" cap="none" normalizeH="0" baseline="0" dirty="0" smtClean="0">
-                <a:ln>
-                  <a:noFill/>
-                </a:ln>
-                <a:solidFill>
-                  <a:srgbClr val="0000FF"/>
-                </a:solidFill>
-                <a:effectLst/>
-                <a:latin typeface="Consolas" pitchFamily="49" charset="0"/>
-                <a:cs typeface="Consolas" pitchFamily="49" charset="0"/>
-              </a:rPr>
-              <a:t>static</a:t>
-            </a:r>
-            <a:r>
-              <a:rPr kumimoji="0" lang="en-US" sz="1200" b="0" i="0" u="none" strike="noStrike" cap="none" normalizeH="0" baseline="0" dirty="0" smtClean="0">
-                <a:ln>
-                  <a:noFill/>
-                </a:ln>
-                <a:solidFill>
-                  <a:srgbClr val="000000"/>
-                </a:solidFill>
-                <a:effectLst/>
-                <a:latin typeface="Consolas" pitchFamily="49" charset="0"/>
-                <a:cs typeface="Consolas" pitchFamily="49" charset="0"/>
-              </a:rPr>
-              <a:t> </a:t>
-            </a:r>
-            <a:r>
-              <a:rPr kumimoji="0" lang="en-US" sz="1200" b="0" i="0" u="none" strike="noStrike" cap="none" normalizeH="0" baseline="0" dirty="0" err="1" smtClean="0">
-                <a:ln>
-                  <a:noFill/>
-                </a:ln>
-                <a:solidFill>
-                  <a:srgbClr val="2B91AF"/>
-                </a:solidFill>
-                <a:effectLst/>
-                <a:latin typeface="Consolas" pitchFamily="49" charset="0"/>
-                <a:cs typeface="Consolas" pitchFamily="49" charset="0"/>
-              </a:rPr>
-              <a:t>IKernel</a:t>
-            </a:r>
-            <a:r>
-              <a:rPr kumimoji="0" lang="en-US" sz="1200" b="0" i="0" u="none" strike="noStrike" cap="none" normalizeH="0" baseline="0" dirty="0" smtClean="0">
-                <a:ln>
-                  <a:noFill/>
-                </a:ln>
-                <a:solidFill>
-                  <a:srgbClr val="000000"/>
-                </a:solidFill>
-                <a:effectLst/>
-                <a:latin typeface="Consolas" pitchFamily="49" charset="0"/>
-                <a:cs typeface="Consolas" pitchFamily="49" charset="0"/>
-              </a:rPr>
-              <a:t> </a:t>
-            </a:r>
-            <a:r>
-              <a:rPr kumimoji="0" lang="en-US" sz="1200" b="0" i="0" u="none" strike="noStrike" cap="none" normalizeH="0" baseline="0" dirty="0" err="1" smtClean="0">
-                <a:ln>
-                  <a:noFill/>
-                </a:ln>
-                <a:solidFill>
-                  <a:srgbClr val="000000"/>
-                </a:solidFill>
-                <a:effectLst/>
-                <a:latin typeface="Consolas" pitchFamily="49" charset="0"/>
-                <a:cs typeface="Consolas" pitchFamily="49" charset="0"/>
-              </a:rPr>
-              <a:t>CreateKernel</a:t>
-            </a:r>
-            <a:r>
-              <a:rPr kumimoji="0" lang="en-US" sz="1200" b="0" i="0" u="none" strike="noStrike" cap="none" normalizeH="0" baseline="0" dirty="0" smtClean="0">
-                <a:ln>
-                  <a:noFill/>
-                </a:ln>
-                <a:solidFill>
-                  <a:srgbClr val="000000"/>
-                </a:solidFill>
-                <a:effectLst/>
-                <a:latin typeface="Consolas" pitchFamily="49" charset="0"/>
-                <a:cs typeface="Consolas" pitchFamily="49" charset="0"/>
-              </a:rPr>
-              <a:t>()         </a:t>
-            </a:r>
-          </a:p>
-          <a:p>
-            <a:pPr marL="0" marR="0" lvl="0" indent="0" algn="l" defTabSz="914400" rtl="0" eaLnBrk="1" fontAlgn="base" latinLnBrk="0" hangingPunct="1">
-              <a:lnSpc>
-                <a:spcPct val="100000"/>
-              </a:lnSpc>
-              <a:spcBef>
-                <a:spcPct val="0"/>
-              </a:spcBef>
-              <a:spcAft>
-                <a:spcPct val="0"/>
-              </a:spcAft>
-              <a:buClrTx/>
-              <a:buSzTx/>
-              <a:buFontTx/>
-              <a:buNone/>
-              <a:tabLst/>
-            </a:pPr>
-            <a:r>
-              <a:rPr kumimoji="0" lang="en-US" sz="1200" b="0" i="0" u="none" strike="noStrike" cap="none" normalizeH="0" baseline="0" dirty="0" smtClean="0">
-                <a:ln>
-                  <a:noFill/>
-                </a:ln>
-                <a:solidFill>
-                  <a:srgbClr val="000000"/>
-                </a:solidFill>
-                <a:effectLst/>
-                <a:latin typeface="Consolas" pitchFamily="49" charset="0"/>
-                <a:cs typeface="Consolas" pitchFamily="49" charset="0"/>
-              </a:rPr>
-              <a:t>{             </a:t>
-            </a:r>
-          </a:p>
-          <a:p>
-            <a:pPr marL="0" marR="0" lvl="0" indent="0" algn="l" defTabSz="914400" rtl="0" eaLnBrk="1" fontAlgn="base" latinLnBrk="0" hangingPunct="1">
-              <a:lnSpc>
-                <a:spcPct val="100000"/>
-              </a:lnSpc>
-              <a:spcBef>
-                <a:spcPct val="0"/>
-              </a:spcBef>
-              <a:spcAft>
-                <a:spcPct val="0"/>
-              </a:spcAft>
-              <a:buClrTx/>
-              <a:buSzTx/>
-              <a:buFontTx/>
-              <a:buNone/>
-              <a:tabLst/>
-            </a:pPr>
-            <a:r>
-              <a:rPr lang="en-US" sz="1200" dirty="0" smtClean="0">
-                <a:solidFill>
-                  <a:srgbClr val="000000"/>
-                </a:solidFill>
-                <a:latin typeface="Consolas" pitchFamily="49" charset="0"/>
-                <a:cs typeface="Consolas" pitchFamily="49" charset="0"/>
-              </a:rPr>
-              <a:t>	</a:t>
-            </a:r>
-            <a:r>
-              <a:rPr kumimoji="0" lang="en-US" sz="1200" b="0" i="0" u="none" strike="noStrike" cap="none" normalizeH="0" baseline="0" dirty="0" err="1" smtClean="0">
-                <a:ln>
-                  <a:noFill/>
-                </a:ln>
-                <a:solidFill>
-                  <a:srgbClr val="0000FF"/>
-                </a:solidFill>
-                <a:effectLst/>
-                <a:latin typeface="Consolas" pitchFamily="49" charset="0"/>
-                <a:cs typeface="Consolas" pitchFamily="49" charset="0"/>
-              </a:rPr>
-              <a:t>var</a:t>
-            </a:r>
-            <a:r>
-              <a:rPr kumimoji="0" lang="en-US" sz="1200" b="0" i="0" u="none" strike="noStrike" cap="none" normalizeH="0" baseline="0" dirty="0" smtClean="0">
-                <a:ln>
-                  <a:noFill/>
-                </a:ln>
-                <a:solidFill>
-                  <a:srgbClr val="000000"/>
-                </a:solidFill>
-                <a:effectLst/>
-                <a:latin typeface="Consolas" pitchFamily="49" charset="0"/>
-                <a:cs typeface="Consolas" pitchFamily="49" charset="0"/>
-              </a:rPr>
-              <a:t> kernel = </a:t>
-            </a:r>
-            <a:r>
-              <a:rPr kumimoji="0" lang="en-US" sz="1200" b="0" i="0" u="none" strike="noStrike" cap="none" normalizeH="0" baseline="0" dirty="0" smtClean="0">
-                <a:ln>
-                  <a:noFill/>
-                </a:ln>
-                <a:solidFill>
-                  <a:srgbClr val="0000FF"/>
-                </a:solidFill>
-                <a:effectLst/>
-                <a:latin typeface="Consolas" pitchFamily="49" charset="0"/>
-                <a:cs typeface="Consolas" pitchFamily="49" charset="0"/>
-              </a:rPr>
-              <a:t>new</a:t>
-            </a:r>
-            <a:r>
-              <a:rPr kumimoji="0" lang="en-US" sz="1200" b="0" i="0" u="none" strike="noStrike" cap="none" normalizeH="0" baseline="0" dirty="0" smtClean="0">
-                <a:ln>
-                  <a:noFill/>
-                </a:ln>
-                <a:solidFill>
-                  <a:srgbClr val="000000"/>
-                </a:solidFill>
-                <a:effectLst/>
-                <a:latin typeface="Consolas" pitchFamily="49" charset="0"/>
-                <a:cs typeface="Consolas" pitchFamily="49" charset="0"/>
-              </a:rPr>
-              <a:t> </a:t>
-            </a:r>
-            <a:r>
-              <a:rPr kumimoji="0" lang="en-US" sz="1200" b="0" i="0" u="none" strike="noStrike" cap="none" normalizeH="0" baseline="0" dirty="0" err="1" smtClean="0">
-                <a:ln>
-                  <a:noFill/>
-                </a:ln>
-                <a:solidFill>
-                  <a:srgbClr val="2B91AF"/>
-                </a:solidFill>
-                <a:effectLst/>
-                <a:latin typeface="Consolas" pitchFamily="49" charset="0"/>
-                <a:cs typeface="Consolas" pitchFamily="49" charset="0"/>
-              </a:rPr>
-              <a:t>StandardKernel</a:t>
-            </a:r>
-            <a:r>
-              <a:rPr kumimoji="0" lang="en-US" sz="1200" b="0" i="0" u="none" strike="noStrike" cap="none" normalizeH="0" baseline="0" dirty="0" smtClean="0">
-                <a:ln>
-                  <a:noFill/>
-                </a:ln>
-                <a:solidFill>
-                  <a:srgbClr val="000000"/>
-                </a:solidFill>
-                <a:effectLst/>
-                <a:latin typeface="Consolas" pitchFamily="49" charset="0"/>
-                <a:cs typeface="Consolas" pitchFamily="49" charset="0"/>
-              </a:rPr>
-              <a:t>();             </a:t>
-            </a:r>
-          </a:p>
-          <a:p>
-            <a:pPr marL="0" marR="0" lvl="0" indent="0" algn="l" defTabSz="914400" rtl="0" eaLnBrk="1" fontAlgn="base" latinLnBrk="0" hangingPunct="1">
-              <a:lnSpc>
-                <a:spcPct val="100000"/>
-              </a:lnSpc>
-              <a:spcBef>
-                <a:spcPct val="0"/>
-              </a:spcBef>
-              <a:spcAft>
-                <a:spcPct val="0"/>
-              </a:spcAft>
-              <a:buClrTx/>
-              <a:buSzTx/>
-              <a:buFontTx/>
-              <a:buNone/>
-              <a:tabLst/>
-            </a:pPr>
-            <a:r>
-              <a:rPr lang="en-US" sz="1200" dirty="0" smtClean="0">
-                <a:solidFill>
-                  <a:srgbClr val="000000"/>
-                </a:solidFill>
-                <a:latin typeface="Consolas" pitchFamily="49" charset="0"/>
-                <a:cs typeface="Consolas" pitchFamily="49" charset="0"/>
-              </a:rPr>
-              <a:t>	</a:t>
-            </a:r>
-            <a:r>
-              <a:rPr kumimoji="0" lang="en-US" sz="1200" b="0" i="0" u="none" strike="noStrike" cap="none" normalizeH="0" baseline="0" dirty="0" err="1" smtClean="0">
-                <a:ln>
-                  <a:noFill/>
-                </a:ln>
-                <a:solidFill>
-                  <a:srgbClr val="000000"/>
-                </a:solidFill>
-                <a:effectLst/>
-                <a:latin typeface="Consolas" pitchFamily="49" charset="0"/>
-                <a:cs typeface="Consolas" pitchFamily="49" charset="0"/>
-              </a:rPr>
-              <a:t>kernel.Bind</a:t>
-            </a:r>
-            <a:r>
-              <a:rPr kumimoji="0" lang="en-US" sz="1200" b="0" i="0" u="none" strike="noStrike" cap="none" normalizeH="0" baseline="0" dirty="0" smtClean="0">
-                <a:ln>
-                  <a:noFill/>
-                </a:ln>
-                <a:solidFill>
-                  <a:srgbClr val="000000"/>
-                </a:solidFill>
-                <a:effectLst/>
-                <a:latin typeface="Consolas" pitchFamily="49" charset="0"/>
-                <a:cs typeface="Consolas" pitchFamily="49" charset="0"/>
-              </a:rPr>
-              <a:t>&lt;</a:t>
-            </a:r>
-            <a:r>
-              <a:rPr kumimoji="0" lang="en-US" sz="1200" b="0" i="0" u="none" strike="noStrike" cap="none" normalizeH="0" baseline="0" dirty="0" err="1" smtClean="0">
-                <a:ln>
-                  <a:noFill/>
-                </a:ln>
-                <a:solidFill>
-                  <a:srgbClr val="2B91AF"/>
-                </a:solidFill>
-                <a:effectLst/>
-                <a:latin typeface="Consolas" pitchFamily="49" charset="0"/>
-                <a:cs typeface="Consolas" pitchFamily="49" charset="0"/>
-              </a:rPr>
-              <a:t>Func</a:t>
-            </a:r>
-            <a:r>
-              <a:rPr kumimoji="0" lang="en-US" sz="1200" b="0" i="0" u="none" strike="noStrike" cap="none" normalizeH="0" baseline="0" dirty="0" smtClean="0">
-                <a:ln>
-                  <a:noFill/>
-                </a:ln>
-                <a:solidFill>
-                  <a:srgbClr val="000000"/>
-                </a:solidFill>
-                <a:effectLst/>
-                <a:latin typeface="Consolas" pitchFamily="49" charset="0"/>
-                <a:cs typeface="Consolas" pitchFamily="49" charset="0"/>
-              </a:rPr>
-              <a:t>&lt;</a:t>
-            </a:r>
-            <a:r>
-              <a:rPr kumimoji="0" lang="en-US" sz="1200" b="0" i="0" u="none" strike="noStrike" cap="none" normalizeH="0" baseline="0" dirty="0" err="1" smtClean="0">
-                <a:ln>
-                  <a:noFill/>
-                </a:ln>
-                <a:solidFill>
-                  <a:srgbClr val="2B91AF"/>
-                </a:solidFill>
-                <a:effectLst/>
-                <a:latin typeface="Consolas" pitchFamily="49" charset="0"/>
-                <a:cs typeface="Consolas" pitchFamily="49" charset="0"/>
-              </a:rPr>
-              <a:t>IKernel</a:t>
-            </a:r>
-            <a:r>
-              <a:rPr kumimoji="0" lang="en-US" sz="1200" b="0" i="0" u="none" strike="noStrike" cap="none" normalizeH="0" baseline="0" dirty="0" smtClean="0">
-                <a:ln>
-                  <a:noFill/>
-                </a:ln>
-                <a:solidFill>
-                  <a:srgbClr val="000000"/>
-                </a:solidFill>
-                <a:effectLst/>
-                <a:latin typeface="Consolas" pitchFamily="49" charset="0"/>
-                <a:cs typeface="Consolas" pitchFamily="49" charset="0"/>
-              </a:rPr>
-              <a:t>&gt;&gt;().</a:t>
-            </a:r>
-            <a:r>
-              <a:rPr kumimoji="0" lang="en-US" sz="1200" b="0" i="0" u="none" strike="noStrike" cap="none" normalizeH="0" baseline="0" dirty="0" err="1" smtClean="0">
-                <a:ln>
-                  <a:noFill/>
-                </a:ln>
-                <a:solidFill>
-                  <a:srgbClr val="000000"/>
-                </a:solidFill>
-                <a:effectLst/>
-                <a:latin typeface="Consolas" pitchFamily="49" charset="0"/>
-                <a:cs typeface="Consolas" pitchFamily="49" charset="0"/>
-              </a:rPr>
-              <a:t>ToMethod</a:t>
-            </a:r>
-            <a:r>
-              <a:rPr kumimoji="0" lang="en-US" sz="1200" b="0" i="0" u="none" strike="noStrike" cap="none" normalizeH="0" baseline="0" dirty="0" smtClean="0">
-                <a:ln>
-                  <a:noFill/>
-                </a:ln>
-                <a:solidFill>
-                  <a:srgbClr val="000000"/>
-                </a:solidFill>
-                <a:effectLst/>
-                <a:latin typeface="Consolas" pitchFamily="49" charset="0"/>
-                <a:cs typeface="Consolas" pitchFamily="49" charset="0"/>
-              </a:rPr>
-              <a:t>(</a:t>
-            </a:r>
-            <a:r>
-              <a:rPr kumimoji="0" lang="en-US" sz="1200" b="0" i="0" u="none" strike="noStrike" cap="none" normalizeH="0" baseline="0" dirty="0" err="1" smtClean="0">
-                <a:ln>
-                  <a:noFill/>
-                </a:ln>
-                <a:solidFill>
-                  <a:srgbClr val="000000"/>
-                </a:solidFill>
-                <a:effectLst/>
-                <a:latin typeface="Consolas" pitchFamily="49" charset="0"/>
-                <a:cs typeface="Consolas" pitchFamily="49" charset="0"/>
-              </a:rPr>
-              <a:t>ctx</a:t>
-            </a:r>
-            <a:r>
-              <a:rPr kumimoji="0" lang="en-US" sz="1200" b="0" i="0" u="none" strike="noStrike" cap="none" normalizeH="0" baseline="0" dirty="0" smtClean="0">
-                <a:ln>
-                  <a:noFill/>
-                </a:ln>
-                <a:solidFill>
-                  <a:srgbClr val="000000"/>
-                </a:solidFill>
-                <a:effectLst/>
-                <a:latin typeface="Consolas" pitchFamily="49" charset="0"/>
-                <a:cs typeface="Consolas" pitchFamily="49" charset="0"/>
-              </a:rPr>
-              <a:t> =&gt; () =&gt; </a:t>
-            </a:r>
-            <a:r>
-              <a:rPr kumimoji="0" lang="en-US" sz="1200" b="0" i="0" u="none" strike="noStrike" cap="none" normalizeH="0" baseline="0" dirty="0" smtClean="0">
-                <a:ln>
-                  <a:noFill/>
-                </a:ln>
-                <a:solidFill>
-                  <a:srgbClr val="0000FF"/>
-                </a:solidFill>
-                <a:effectLst/>
-                <a:latin typeface="Consolas" pitchFamily="49" charset="0"/>
-                <a:cs typeface="Consolas" pitchFamily="49" charset="0"/>
-              </a:rPr>
-              <a:t>new</a:t>
-            </a:r>
-            <a:r>
-              <a:rPr kumimoji="0" lang="en-US" sz="1200" b="0" i="0" u="none" strike="noStrike" cap="none" normalizeH="0" baseline="0" dirty="0" smtClean="0">
-                <a:ln>
-                  <a:noFill/>
-                </a:ln>
-                <a:solidFill>
-                  <a:srgbClr val="000000"/>
-                </a:solidFill>
-                <a:effectLst/>
-                <a:latin typeface="Consolas" pitchFamily="49" charset="0"/>
-                <a:cs typeface="Consolas" pitchFamily="49" charset="0"/>
-              </a:rPr>
-              <a:t> </a:t>
-            </a:r>
-            <a:r>
-              <a:rPr kumimoji="0" lang="en-US" sz="1200" b="0" i="0" u="none" strike="noStrike" cap="none" normalizeH="0" baseline="0" dirty="0" err="1" smtClean="0">
-                <a:ln>
-                  <a:noFill/>
-                </a:ln>
-                <a:solidFill>
-                  <a:srgbClr val="2B91AF"/>
-                </a:solidFill>
-                <a:effectLst/>
-                <a:latin typeface="Consolas" pitchFamily="49" charset="0"/>
-                <a:cs typeface="Consolas" pitchFamily="49" charset="0"/>
-              </a:rPr>
-              <a:t>Bootstrapper</a:t>
-            </a:r>
-            <a:r>
-              <a:rPr kumimoji="0" lang="en-US" sz="1200" b="0" i="0" u="none" strike="noStrike" cap="none" normalizeH="0" baseline="0" dirty="0" smtClean="0">
-                <a:ln>
-                  <a:noFill/>
-                </a:ln>
-                <a:solidFill>
-                  <a:srgbClr val="000000"/>
-                </a:solidFill>
-                <a:effectLst/>
-                <a:latin typeface="Consolas" pitchFamily="49" charset="0"/>
-                <a:cs typeface="Consolas" pitchFamily="49" charset="0"/>
-              </a:rPr>
-              <a:t>().Kernel);             </a:t>
-            </a:r>
-          </a:p>
-          <a:p>
-            <a:pPr marL="0" marR="0" lvl="0" indent="0" algn="l" defTabSz="914400" rtl="0" eaLnBrk="1" fontAlgn="base" latinLnBrk="0" hangingPunct="1">
-              <a:lnSpc>
-                <a:spcPct val="100000"/>
-              </a:lnSpc>
-              <a:spcBef>
-                <a:spcPct val="0"/>
-              </a:spcBef>
-              <a:spcAft>
-                <a:spcPct val="0"/>
-              </a:spcAft>
-              <a:buClrTx/>
-              <a:buSzTx/>
-              <a:buFontTx/>
-              <a:buNone/>
-              <a:tabLst/>
-            </a:pPr>
-            <a:r>
-              <a:rPr lang="en-US" sz="1200" dirty="0" smtClean="0">
-                <a:solidFill>
-                  <a:srgbClr val="000000"/>
-                </a:solidFill>
-                <a:latin typeface="Consolas" pitchFamily="49" charset="0"/>
-                <a:cs typeface="Consolas" pitchFamily="49" charset="0"/>
-              </a:rPr>
-              <a:t>	</a:t>
-            </a:r>
-            <a:r>
-              <a:rPr kumimoji="0" lang="en-US" sz="1200" b="0" i="0" u="none" strike="noStrike" cap="none" normalizeH="0" baseline="0" dirty="0" err="1" smtClean="0">
-                <a:ln>
-                  <a:noFill/>
-                </a:ln>
-                <a:solidFill>
-                  <a:srgbClr val="000000"/>
-                </a:solidFill>
-                <a:effectLst/>
-                <a:latin typeface="Consolas" pitchFamily="49" charset="0"/>
-                <a:cs typeface="Consolas" pitchFamily="49" charset="0"/>
-              </a:rPr>
-              <a:t>kernel.Bind</a:t>
-            </a:r>
-            <a:r>
-              <a:rPr kumimoji="0" lang="en-US" sz="1200" b="0" i="0" u="none" strike="noStrike" cap="none" normalizeH="0" baseline="0" dirty="0" smtClean="0">
-                <a:ln>
-                  <a:noFill/>
-                </a:ln>
-                <a:solidFill>
-                  <a:srgbClr val="000000"/>
-                </a:solidFill>
-                <a:effectLst/>
-                <a:latin typeface="Consolas" pitchFamily="49" charset="0"/>
-                <a:cs typeface="Consolas" pitchFamily="49" charset="0"/>
-              </a:rPr>
-              <a:t>&lt;</a:t>
-            </a:r>
-            <a:r>
-              <a:rPr kumimoji="0" lang="en-US" sz="1200" b="0" i="0" u="none" strike="noStrike" cap="none" normalizeH="0" baseline="0" dirty="0" err="1" smtClean="0">
-                <a:ln>
-                  <a:noFill/>
-                </a:ln>
-                <a:solidFill>
-                  <a:srgbClr val="2B91AF"/>
-                </a:solidFill>
-                <a:effectLst/>
-                <a:latin typeface="Consolas" pitchFamily="49" charset="0"/>
-                <a:cs typeface="Consolas" pitchFamily="49" charset="0"/>
-              </a:rPr>
-              <a:t>IHttpModule</a:t>
-            </a:r>
-            <a:r>
-              <a:rPr kumimoji="0" lang="en-US" sz="1200" b="0" i="0" u="none" strike="noStrike" cap="none" normalizeH="0" baseline="0" dirty="0" smtClean="0">
-                <a:ln>
-                  <a:noFill/>
-                </a:ln>
-                <a:solidFill>
-                  <a:srgbClr val="000000"/>
-                </a:solidFill>
-                <a:effectLst/>
-                <a:latin typeface="Consolas" pitchFamily="49" charset="0"/>
-                <a:cs typeface="Consolas" pitchFamily="49" charset="0"/>
-              </a:rPr>
-              <a:t>&gt;().To&lt;</a:t>
-            </a:r>
-            <a:r>
-              <a:rPr kumimoji="0" lang="en-US" sz="1200" b="0" i="0" u="none" strike="noStrike" cap="none" normalizeH="0" baseline="0" dirty="0" err="1" smtClean="0">
-                <a:ln>
-                  <a:noFill/>
-                </a:ln>
-                <a:solidFill>
-                  <a:srgbClr val="2B91AF"/>
-                </a:solidFill>
-                <a:effectLst/>
-                <a:latin typeface="Consolas" pitchFamily="49" charset="0"/>
-                <a:cs typeface="Consolas" pitchFamily="49" charset="0"/>
-              </a:rPr>
-              <a:t>HttpApplicationInitializationHttpModule</a:t>
-            </a:r>
-            <a:r>
-              <a:rPr kumimoji="0" lang="en-US" sz="1200" b="0" i="0" u="none" strike="noStrike" cap="none" normalizeH="0" baseline="0" dirty="0" smtClean="0">
-                <a:ln>
-                  <a:noFill/>
-                </a:ln>
-                <a:solidFill>
-                  <a:srgbClr val="000000"/>
-                </a:solidFill>
-                <a:effectLst/>
-                <a:latin typeface="Consolas" pitchFamily="49" charset="0"/>
-                <a:cs typeface="Consolas" pitchFamily="49" charset="0"/>
-              </a:rPr>
-              <a:t>&gt;();                          </a:t>
-            </a:r>
-          </a:p>
-          <a:p>
-            <a:pPr marL="0" marR="0" lvl="0" indent="0" algn="l" defTabSz="914400" rtl="0" eaLnBrk="1" fontAlgn="base" latinLnBrk="0" hangingPunct="1">
-              <a:lnSpc>
-                <a:spcPct val="100000"/>
-              </a:lnSpc>
-              <a:spcBef>
-                <a:spcPct val="0"/>
-              </a:spcBef>
-              <a:spcAft>
-                <a:spcPct val="0"/>
-              </a:spcAft>
-              <a:buClrTx/>
-              <a:buSzTx/>
-              <a:buFontTx/>
-              <a:buNone/>
-              <a:tabLst/>
-            </a:pPr>
-            <a:r>
-              <a:rPr lang="en-US" sz="1200" dirty="0" smtClean="0">
-                <a:solidFill>
-                  <a:srgbClr val="000000"/>
-                </a:solidFill>
-                <a:latin typeface="Consolas" pitchFamily="49" charset="0"/>
-                <a:cs typeface="Consolas" pitchFamily="49" charset="0"/>
-              </a:rPr>
-              <a:t>	</a:t>
-            </a:r>
-            <a:r>
-              <a:rPr kumimoji="0" lang="en-US" sz="1200" b="0" i="0" u="none" strike="noStrike" cap="none" normalizeH="0" baseline="0" dirty="0" err="1" smtClean="0">
-                <a:ln>
-                  <a:noFill/>
-                </a:ln>
-                <a:solidFill>
-                  <a:srgbClr val="000000"/>
-                </a:solidFill>
-                <a:effectLst/>
-                <a:latin typeface="Consolas" pitchFamily="49" charset="0"/>
-                <a:cs typeface="Consolas" pitchFamily="49" charset="0"/>
-              </a:rPr>
-              <a:t>RegisterServices</a:t>
-            </a:r>
-            <a:r>
-              <a:rPr kumimoji="0" lang="en-US" sz="1200" b="0" i="0" u="none" strike="noStrike" cap="none" normalizeH="0" baseline="0" dirty="0" smtClean="0">
-                <a:ln>
-                  <a:noFill/>
-                </a:ln>
-                <a:solidFill>
-                  <a:srgbClr val="000000"/>
-                </a:solidFill>
-                <a:effectLst/>
-                <a:latin typeface="Consolas" pitchFamily="49" charset="0"/>
-                <a:cs typeface="Consolas" pitchFamily="49" charset="0"/>
-              </a:rPr>
-              <a:t>(kernel);             </a:t>
-            </a:r>
-          </a:p>
-          <a:p>
-            <a:pPr marL="0" marR="0" lvl="0" indent="0" algn="l" defTabSz="914400" rtl="0" eaLnBrk="1" fontAlgn="base" latinLnBrk="0" hangingPunct="1">
-              <a:lnSpc>
-                <a:spcPct val="100000"/>
-              </a:lnSpc>
-              <a:spcBef>
-                <a:spcPct val="0"/>
-              </a:spcBef>
-              <a:spcAft>
-                <a:spcPct val="0"/>
-              </a:spcAft>
-              <a:buClrTx/>
-              <a:buSzTx/>
-              <a:buFontTx/>
-              <a:buNone/>
-              <a:tabLst/>
-            </a:pPr>
-            <a:r>
-              <a:rPr lang="en-US" sz="1200" dirty="0" smtClean="0">
-                <a:solidFill>
-                  <a:srgbClr val="000000"/>
-                </a:solidFill>
-                <a:latin typeface="Consolas" pitchFamily="49" charset="0"/>
-                <a:cs typeface="Consolas" pitchFamily="49" charset="0"/>
-              </a:rPr>
-              <a:t>	</a:t>
-            </a:r>
-            <a:r>
-              <a:rPr kumimoji="0" lang="en-US" sz="1200" b="0" i="0" u="none" strike="noStrike" cap="none" normalizeH="0" baseline="0" dirty="0" smtClean="0">
-                <a:ln>
-                  <a:noFill/>
-                </a:ln>
-                <a:solidFill>
-                  <a:srgbClr val="0000FF"/>
-                </a:solidFill>
-                <a:effectLst/>
-                <a:latin typeface="Consolas" pitchFamily="49" charset="0"/>
-                <a:cs typeface="Consolas" pitchFamily="49" charset="0"/>
-              </a:rPr>
-              <a:t>return</a:t>
-            </a:r>
-            <a:r>
-              <a:rPr kumimoji="0" lang="en-US" sz="1200" b="0" i="0" u="none" strike="noStrike" cap="none" normalizeH="0" baseline="0" dirty="0" smtClean="0">
-                <a:ln>
-                  <a:noFill/>
-                </a:ln>
-                <a:solidFill>
-                  <a:srgbClr val="000000"/>
-                </a:solidFill>
-                <a:effectLst/>
-                <a:latin typeface="Consolas" pitchFamily="49" charset="0"/>
-                <a:cs typeface="Consolas" pitchFamily="49" charset="0"/>
-              </a:rPr>
-              <a:t> kernel;         </a:t>
-            </a:r>
-          </a:p>
-          <a:p>
-            <a:pPr marL="0" marR="0" lvl="0" indent="0" algn="l" defTabSz="914400" rtl="0" eaLnBrk="1" fontAlgn="base" latinLnBrk="0" hangingPunct="1">
-              <a:lnSpc>
-                <a:spcPct val="100000"/>
-              </a:lnSpc>
-              <a:spcBef>
-                <a:spcPct val="0"/>
-              </a:spcBef>
-              <a:spcAft>
-                <a:spcPct val="0"/>
-              </a:spcAft>
-              <a:buClrTx/>
-              <a:buSzTx/>
-              <a:buFontTx/>
-              <a:buNone/>
-              <a:tabLst/>
-            </a:pPr>
-            <a:r>
-              <a:rPr kumimoji="0" lang="en-US" sz="1200" b="0" i="0" u="none" strike="noStrike" cap="none" normalizeH="0" baseline="0" dirty="0" smtClean="0">
-                <a:ln>
-                  <a:noFill/>
-                </a:ln>
-                <a:solidFill>
-                  <a:srgbClr val="000000"/>
-                </a:solidFill>
-                <a:effectLst/>
-                <a:latin typeface="Consolas" pitchFamily="49" charset="0"/>
-                <a:cs typeface="Consolas" pitchFamily="49" charset="0"/>
-              </a:rPr>
-              <a:t>}</a:t>
-            </a:r>
-            <a:endParaRPr kumimoji="0" lang="en-US" sz="1200" b="0" i="0" u="none" strike="noStrike" cap="none" normalizeH="0" baseline="0" dirty="0" smtClean="0">
-              <a:ln>
-                <a:noFill/>
-              </a:ln>
-              <a:solidFill>
-                <a:schemeClr val="tx1"/>
-              </a:solidFill>
-              <a:effectLst/>
-              <a:latin typeface="Arial" pitchFamily="34" charset="0"/>
-              <a:cs typeface="Arial" pitchFamily="34" charset="0"/>
-            </a:endParaRPr>
-          </a:p>
-        </p:txBody>
-      </p:sp>
-      <p:sp>
-        <p:nvSpPr>
-          <p:cNvPr id="3075" name="Rectangle 3"/>
-          <p:cNvSpPr>
-            <a:spLocks noChangeArrowheads="1"/>
-          </p:cNvSpPr>
-          <p:nvPr/>
-        </p:nvSpPr>
-        <p:spPr bwMode="auto">
-          <a:xfrm>
-            <a:off x="309796" y="4543343"/>
-            <a:ext cx="8421511" cy="830997"/>
-          </a:xfrm>
-          <a:prstGeom prst="rect">
-            <a:avLst/>
-          </a:prstGeom>
-          <a:solidFill>
-            <a:srgbClr val="FFFFFF"/>
-          </a:solidFill>
-          <a:ln w="9525">
-            <a:solidFill>
-              <a:schemeClr val="accent2"/>
-            </a:solidFill>
-            <a:miter lim="800000"/>
-            <a:headEnd/>
-            <a:tailEnd/>
-          </a:ln>
-          <a:effectLst/>
-        </p:spPr>
-        <p:txBody>
-          <a:bodyPr vert="horz" wrap="square" lIns="91440" tIns="45720" rIns="91440" bIns="45720" numCol="1" anchor="ctr" anchorCtr="0" compatLnSpc="1">
-            <a:prstTxWarp prst="textNoShape">
-              <a:avLst/>
-            </a:prstTxWarp>
-            <a:spAutoFit/>
-          </a:bodyPr>
-          <a:lstStyle/>
-          <a:p>
-            <a:pPr marL="0" marR="0" lvl="0" indent="0" algn="l" defTabSz="914400" rtl="0" eaLnBrk="1" fontAlgn="base" latinLnBrk="0" hangingPunct="1">
-              <a:lnSpc>
-                <a:spcPct val="100000"/>
-              </a:lnSpc>
-              <a:spcBef>
-                <a:spcPct val="0"/>
-              </a:spcBef>
-              <a:spcAft>
-                <a:spcPct val="0"/>
-              </a:spcAft>
-              <a:buClrTx/>
-              <a:buSzTx/>
-              <a:buFontTx/>
-              <a:buNone/>
-              <a:tabLst/>
-            </a:pPr>
-            <a:r>
-              <a:rPr kumimoji="0" lang="en-US" sz="1200" b="0" i="0" u="none" strike="noStrike" cap="none" normalizeH="0" baseline="0" dirty="0" smtClean="0">
-                <a:ln>
-                  <a:noFill/>
-                </a:ln>
-                <a:solidFill>
-                  <a:srgbClr val="0000FF"/>
-                </a:solidFill>
-                <a:effectLst/>
-                <a:latin typeface="Consolas" pitchFamily="49" charset="0"/>
-                <a:cs typeface="Consolas" pitchFamily="49" charset="0"/>
-              </a:rPr>
-              <a:t>private</a:t>
-            </a:r>
-            <a:r>
-              <a:rPr kumimoji="0" lang="en-US" sz="1200" b="0" i="0" u="none" strike="noStrike" cap="none" normalizeH="0" baseline="0" dirty="0" smtClean="0">
-                <a:ln>
-                  <a:noFill/>
-                </a:ln>
-                <a:solidFill>
-                  <a:srgbClr val="000000"/>
-                </a:solidFill>
-                <a:effectLst/>
-                <a:latin typeface="Consolas" pitchFamily="49" charset="0"/>
-                <a:cs typeface="Consolas" pitchFamily="49" charset="0"/>
-              </a:rPr>
-              <a:t> </a:t>
-            </a:r>
-            <a:r>
-              <a:rPr kumimoji="0" lang="en-US" sz="1200" b="0" i="0" u="none" strike="noStrike" cap="none" normalizeH="0" baseline="0" dirty="0" smtClean="0">
-                <a:ln>
-                  <a:noFill/>
-                </a:ln>
-                <a:solidFill>
-                  <a:srgbClr val="0000FF"/>
-                </a:solidFill>
-                <a:effectLst/>
-                <a:latin typeface="Consolas" pitchFamily="49" charset="0"/>
-                <a:cs typeface="Consolas" pitchFamily="49" charset="0"/>
-              </a:rPr>
-              <a:t>static</a:t>
-            </a:r>
-            <a:r>
-              <a:rPr kumimoji="0" lang="en-US" sz="1200" b="0" i="0" u="none" strike="noStrike" cap="none" normalizeH="0" baseline="0" dirty="0" smtClean="0">
-                <a:ln>
-                  <a:noFill/>
-                </a:ln>
-                <a:solidFill>
-                  <a:srgbClr val="000000"/>
-                </a:solidFill>
-                <a:effectLst/>
-                <a:latin typeface="Consolas" pitchFamily="49" charset="0"/>
-                <a:cs typeface="Consolas" pitchFamily="49" charset="0"/>
-              </a:rPr>
-              <a:t> </a:t>
-            </a:r>
-            <a:r>
-              <a:rPr kumimoji="0" lang="en-US" sz="1200" b="0" i="0" u="none" strike="noStrike" cap="none" normalizeH="0" baseline="0" dirty="0" smtClean="0">
-                <a:ln>
-                  <a:noFill/>
-                </a:ln>
-                <a:solidFill>
-                  <a:srgbClr val="0000FF"/>
-                </a:solidFill>
-                <a:effectLst/>
-                <a:latin typeface="Consolas" pitchFamily="49" charset="0"/>
-                <a:cs typeface="Consolas" pitchFamily="49" charset="0"/>
-              </a:rPr>
-              <a:t>void</a:t>
-            </a:r>
-            <a:r>
-              <a:rPr kumimoji="0" lang="en-US" sz="1200" b="0" i="0" u="none" strike="noStrike" cap="none" normalizeH="0" baseline="0" dirty="0" smtClean="0">
-                <a:ln>
-                  <a:noFill/>
-                </a:ln>
-                <a:solidFill>
-                  <a:srgbClr val="000000"/>
-                </a:solidFill>
-                <a:effectLst/>
-                <a:latin typeface="Consolas" pitchFamily="49" charset="0"/>
-                <a:cs typeface="Consolas" pitchFamily="49" charset="0"/>
-              </a:rPr>
-              <a:t> </a:t>
-            </a:r>
-            <a:r>
-              <a:rPr kumimoji="0" lang="en-US" sz="1200" b="0" i="0" u="none" strike="noStrike" cap="none" normalizeH="0" baseline="0" dirty="0" err="1" smtClean="0">
-                <a:ln>
-                  <a:noFill/>
-                </a:ln>
-                <a:solidFill>
-                  <a:srgbClr val="000000"/>
-                </a:solidFill>
-                <a:effectLst/>
-                <a:latin typeface="Consolas" pitchFamily="49" charset="0"/>
-                <a:cs typeface="Consolas" pitchFamily="49" charset="0"/>
-              </a:rPr>
-              <a:t>RegisterServices</a:t>
-            </a:r>
-            <a:r>
-              <a:rPr kumimoji="0" lang="en-US" sz="1200" b="0" i="0" u="none" strike="noStrike" cap="none" normalizeH="0" baseline="0" dirty="0" smtClean="0">
-                <a:ln>
-                  <a:noFill/>
-                </a:ln>
-                <a:solidFill>
-                  <a:srgbClr val="000000"/>
-                </a:solidFill>
-                <a:effectLst/>
-                <a:latin typeface="Consolas" pitchFamily="49" charset="0"/>
-                <a:cs typeface="Consolas" pitchFamily="49" charset="0"/>
-              </a:rPr>
-              <a:t>(</a:t>
-            </a:r>
-            <a:r>
-              <a:rPr kumimoji="0" lang="en-US" sz="1200" b="0" i="0" u="none" strike="noStrike" cap="none" normalizeH="0" baseline="0" dirty="0" err="1" smtClean="0">
-                <a:ln>
-                  <a:noFill/>
-                </a:ln>
-                <a:solidFill>
-                  <a:srgbClr val="2B91AF"/>
-                </a:solidFill>
-                <a:effectLst/>
-                <a:latin typeface="Consolas" pitchFamily="49" charset="0"/>
-                <a:cs typeface="Consolas" pitchFamily="49" charset="0"/>
-              </a:rPr>
-              <a:t>IKernel</a:t>
-            </a:r>
-            <a:r>
-              <a:rPr kumimoji="0" lang="en-US" sz="1200" b="0" i="0" u="none" strike="noStrike" cap="none" normalizeH="0" baseline="0" dirty="0" smtClean="0">
-                <a:ln>
-                  <a:noFill/>
-                </a:ln>
-                <a:solidFill>
-                  <a:srgbClr val="000000"/>
-                </a:solidFill>
-                <a:effectLst/>
-                <a:latin typeface="Consolas" pitchFamily="49" charset="0"/>
-                <a:cs typeface="Consolas" pitchFamily="49" charset="0"/>
-              </a:rPr>
-              <a:t> kernel)         </a:t>
-            </a:r>
-          </a:p>
-          <a:p>
-            <a:pPr marL="0" marR="0" lvl="0" indent="0" algn="l" defTabSz="914400" rtl="0" eaLnBrk="1" fontAlgn="base" latinLnBrk="0" hangingPunct="1">
-              <a:lnSpc>
-                <a:spcPct val="100000"/>
-              </a:lnSpc>
-              <a:spcBef>
-                <a:spcPct val="0"/>
-              </a:spcBef>
-              <a:spcAft>
-                <a:spcPct val="0"/>
-              </a:spcAft>
-              <a:buClrTx/>
-              <a:buSzTx/>
-              <a:buFontTx/>
-              <a:buNone/>
-              <a:tabLst/>
-            </a:pPr>
-            <a:r>
-              <a:rPr kumimoji="0" lang="en-US" sz="1200" b="0" i="0" u="none" strike="noStrike" cap="none" normalizeH="0" baseline="0" dirty="0" smtClean="0">
-                <a:ln>
-                  <a:noFill/>
-                </a:ln>
-                <a:solidFill>
-                  <a:srgbClr val="000000"/>
-                </a:solidFill>
-                <a:effectLst/>
-                <a:latin typeface="Consolas" pitchFamily="49" charset="0"/>
-                <a:cs typeface="Consolas" pitchFamily="49" charset="0"/>
-              </a:rPr>
-              <a:t>{   </a:t>
-            </a:r>
-          </a:p>
-          <a:p>
-            <a:pPr defTabSz="914400" fontAlgn="base">
-              <a:spcBef>
-                <a:spcPct val="0"/>
-              </a:spcBef>
-              <a:spcAft>
-                <a:spcPct val="0"/>
-              </a:spcAft>
-            </a:pPr>
-            <a:r>
-              <a:rPr lang="nb-NO" sz="1200" dirty="0" smtClean="0">
-                <a:solidFill>
-                  <a:srgbClr val="008000"/>
-                </a:solidFill>
-                <a:latin typeface="Consolas" pitchFamily="49" charset="0"/>
-                <a:cs typeface="Consolas" pitchFamily="49" charset="0"/>
-              </a:rPr>
-              <a:t>	//alle moduler og tjenester registreres i Ninject her</a:t>
-            </a:r>
-            <a:r>
-              <a:rPr lang="nb-NO" sz="1200" dirty="0" smtClean="0">
-                <a:latin typeface="Consolas" pitchFamily="49" charset="0"/>
-                <a:cs typeface="Consolas" pitchFamily="49" charset="0"/>
-              </a:rPr>
-              <a:t> </a:t>
-            </a:r>
-            <a:r>
-              <a:rPr kumimoji="0" lang="en-US" sz="1200" b="0" i="0" u="none" strike="noStrike" cap="none" normalizeH="0" baseline="0" dirty="0" smtClean="0">
-                <a:ln>
-                  <a:noFill/>
-                </a:ln>
-                <a:solidFill>
-                  <a:srgbClr val="000000"/>
-                </a:solidFill>
-                <a:effectLst/>
-                <a:latin typeface="Consolas" pitchFamily="49" charset="0"/>
-                <a:cs typeface="Consolas" pitchFamily="49" charset="0"/>
-              </a:rPr>
-              <a:t>      </a:t>
-            </a:r>
-          </a:p>
-          <a:p>
-            <a:pPr marL="0" marR="0" lvl="0" indent="0" algn="l" defTabSz="914400" rtl="0" eaLnBrk="1" fontAlgn="base" latinLnBrk="0" hangingPunct="1">
-              <a:lnSpc>
-                <a:spcPct val="100000"/>
-              </a:lnSpc>
-              <a:spcBef>
-                <a:spcPct val="0"/>
-              </a:spcBef>
-              <a:spcAft>
-                <a:spcPct val="0"/>
-              </a:spcAft>
-              <a:buClrTx/>
-              <a:buSzTx/>
-              <a:buFontTx/>
-              <a:buNone/>
-              <a:tabLst/>
-            </a:pPr>
-            <a:r>
-              <a:rPr kumimoji="0" lang="en-US" sz="1200" b="0" i="0" u="none" strike="noStrike" cap="none" normalizeH="0" baseline="0" dirty="0" smtClean="0">
-                <a:ln>
-                  <a:noFill/>
-                </a:ln>
-                <a:solidFill>
-                  <a:srgbClr val="000000"/>
-                </a:solidFill>
-                <a:effectLst/>
-                <a:latin typeface="Consolas" pitchFamily="49" charset="0"/>
-                <a:cs typeface="Consolas" pitchFamily="49" charset="0"/>
-              </a:rPr>
-              <a:t>}  </a:t>
-            </a:r>
-            <a:endParaRPr kumimoji="0" lang="en-US" sz="1200" b="0" i="0" u="none" strike="noStrike" cap="none" normalizeH="0" baseline="0" dirty="0" smtClean="0">
-              <a:ln>
-                <a:noFill/>
-              </a:ln>
-              <a:solidFill>
-                <a:schemeClr val="tx1"/>
-              </a:solidFill>
-              <a:effectLst/>
-              <a:latin typeface="Arial" pitchFamily="34" charset="0"/>
-              <a:cs typeface="Arial" pitchFamily="34" charset="0"/>
-            </a:endParaRPr>
           </a:p>
         </p:txBody>
       </p:sp>
@@ -19867,6 +18746,1410 @@
       </p:grpSpPr>
       <p:sp>
         <p:nvSpPr>
+          <p:cNvPr id="2" name="Title 1"/>
+          <p:cNvSpPr>
+            <a:spLocks noGrp="1"/>
+          </p:cNvSpPr>
+          <p:nvPr>
+            <p:ph type="title"/>
+          </p:nvPr>
+        </p:nvSpPr>
+        <p:spPr>
+          <a:xfrm>
+            <a:off x="321623" y="418905"/>
+            <a:ext cx="2278829" cy="307777"/>
+          </a:xfrm>
+        </p:spPr>
+        <p:txBody>
+          <a:bodyPr/>
+          <a:lstStyle/>
+          <a:p>
+            <a:r>
+              <a:rPr lang="nb-NO" dirty="0" smtClean="0"/>
+              <a:t>Ninject i MVC3</a:t>
+            </a:r>
+            <a:endParaRPr lang="en-US" dirty="0"/>
+          </a:p>
+        </p:txBody>
+      </p:sp>
+      <p:sp>
+        <p:nvSpPr>
+          <p:cNvPr id="3" name="Slide Number Placeholder 2"/>
+          <p:cNvSpPr>
+            <a:spLocks noGrp="1"/>
+          </p:cNvSpPr>
+          <p:nvPr>
+            <p:ph type="sldNum" sz="quarter" idx="10"/>
+          </p:nvPr>
+        </p:nvSpPr>
+        <p:spPr/>
+        <p:txBody>
+          <a:bodyPr/>
+          <a:lstStyle/>
+          <a:p>
+            <a:fld id="{FF67BF5B-7344-D747-A0C2-CBD7B2ACBC85}" type="slidenum">
+              <a:rPr lang="en-US" smtClean="0"/>
+              <a:pPr/>
+              <a:t>20</a:t>
+            </a:fld>
+            <a:endParaRPr lang="en-US" dirty="0"/>
+          </a:p>
+        </p:txBody>
+      </p:sp>
+      <p:sp>
+        <p:nvSpPr>
+          <p:cNvPr id="5" name="TextBox 4"/>
+          <p:cNvSpPr txBox="1"/>
+          <p:nvPr/>
+        </p:nvSpPr>
+        <p:spPr>
+          <a:xfrm>
+            <a:off x="343017" y="1151746"/>
+            <a:ext cx="8800983" cy="307777"/>
+          </a:xfrm>
+          <a:prstGeom prst="rect">
+            <a:avLst/>
+          </a:prstGeom>
+          <a:noFill/>
+        </p:spPr>
+        <p:txBody>
+          <a:bodyPr wrap="square" rtlCol="0">
+            <a:spAutoFit/>
+          </a:bodyPr>
+          <a:lstStyle/>
+          <a:p>
+            <a:pPr>
+              <a:spcBef>
+                <a:spcPts val="600"/>
+              </a:spcBef>
+              <a:spcAft>
+                <a:spcPts val="400"/>
+              </a:spcAft>
+            </a:pPr>
+            <a:r>
+              <a:rPr lang="nb-NO" sz="1400" dirty="0" smtClean="0"/>
+              <a:t>Installasjon via Nuget, for et ASP.NET MVC 3 prosjekt kjør: </a:t>
+            </a:r>
+            <a:r>
+              <a:rPr lang="en-US" sz="1400" i="1" dirty="0" smtClean="0"/>
+              <a:t>Install-Package Ninject.MVC3</a:t>
+            </a:r>
+          </a:p>
+        </p:txBody>
+      </p:sp>
+      <p:sp>
+        <p:nvSpPr>
+          <p:cNvPr id="3073" name="Rectangle 1"/>
+          <p:cNvSpPr>
+            <a:spLocks noChangeArrowheads="1"/>
+          </p:cNvSpPr>
+          <p:nvPr/>
+        </p:nvSpPr>
+        <p:spPr bwMode="auto">
+          <a:xfrm>
+            <a:off x="321623" y="1821070"/>
+            <a:ext cx="8409684" cy="276999"/>
+          </a:xfrm>
+          <a:prstGeom prst="rect">
+            <a:avLst/>
+          </a:prstGeom>
+          <a:solidFill>
+            <a:srgbClr val="FFFFFF"/>
+          </a:solidFill>
+          <a:ln w="9525">
+            <a:solidFill>
+              <a:schemeClr val="accent2"/>
+            </a:solidFill>
+            <a:miter lim="800000"/>
+            <a:headEnd/>
+            <a:tailEnd/>
+          </a:ln>
+          <a:effectLst/>
+        </p:spPr>
+        <p:txBody>
+          <a:bodyPr vert="horz" wrap="square" lIns="91440" tIns="45720" rIns="91440" bIns="45720" numCol="1" anchor="ctr" anchorCtr="0" compatLnSpc="1">
+            <a:prstTxWarp prst="textNoShape">
+              <a:avLst/>
+            </a:prstTxWarp>
+            <a:spAutoFit/>
+          </a:bodyPr>
+          <a:lstStyle/>
+          <a:p>
+            <a:pPr marL="0" marR="0" lvl="0" indent="0" algn="l" defTabSz="914400" rtl="0" eaLnBrk="1" fontAlgn="base" latinLnBrk="0" hangingPunct="1">
+              <a:lnSpc>
+                <a:spcPct val="100000"/>
+              </a:lnSpc>
+              <a:spcBef>
+                <a:spcPct val="0"/>
+              </a:spcBef>
+              <a:spcAft>
+                <a:spcPct val="0"/>
+              </a:spcAft>
+              <a:buClrTx/>
+              <a:buSzTx/>
+              <a:buFontTx/>
+              <a:buNone/>
+              <a:tabLst/>
+            </a:pPr>
+            <a:r>
+              <a:rPr kumimoji="0" lang="en-US" sz="1200" b="0" i="0" u="none" strike="noStrike" cap="none" normalizeH="0" baseline="0" dirty="0" smtClean="0">
+                <a:ln>
+                  <a:noFill/>
+                </a:ln>
+                <a:solidFill>
+                  <a:srgbClr val="0000FF"/>
+                </a:solidFill>
+                <a:effectLst/>
+                <a:latin typeface="Consolas" pitchFamily="49" charset="0"/>
+                <a:cs typeface="Consolas" pitchFamily="49" charset="0"/>
+              </a:rPr>
+              <a:t>public</a:t>
+            </a:r>
+            <a:r>
+              <a:rPr kumimoji="0" lang="en-US" sz="1200" b="0" i="0" u="none" strike="noStrike" cap="none" normalizeH="0" baseline="0" dirty="0" smtClean="0">
+                <a:ln>
+                  <a:noFill/>
+                </a:ln>
+                <a:solidFill>
+                  <a:srgbClr val="000000"/>
+                </a:solidFill>
+                <a:effectLst/>
+                <a:latin typeface="Consolas" pitchFamily="49" charset="0"/>
+                <a:cs typeface="Consolas" pitchFamily="49" charset="0"/>
+              </a:rPr>
+              <a:t> </a:t>
+            </a:r>
+            <a:r>
+              <a:rPr kumimoji="0" lang="en-US" sz="1200" b="0" i="0" u="none" strike="noStrike" cap="none" normalizeH="0" baseline="0" dirty="0" smtClean="0">
+                <a:ln>
+                  <a:noFill/>
+                </a:ln>
+                <a:solidFill>
+                  <a:srgbClr val="0000FF"/>
+                </a:solidFill>
+                <a:effectLst/>
+                <a:latin typeface="Consolas" pitchFamily="49" charset="0"/>
+                <a:cs typeface="Consolas" pitchFamily="49" charset="0"/>
+              </a:rPr>
+              <a:t>static</a:t>
+            </a:r>
+            <a:r>
+              <a:rPr kumimoji="0" lang="en-US" sz="1200" b="0" i="0" u="none" strike="noStrike" cap="none" normalizeH="0" baseline="0" dirty="0" smtClean="0">
+                <a:ln>
+                  <a:noFill/>
+                </a:ln>
+                <a:solidFill>
+                  <a:srgbClr val="000000"/>
+                </a:solidFill>
+                <a:effectLst/>
+                <a:latin typeface="Consolas" pitchFamily="49" charset="0"/>
+                <a:cs typeface="Consolas" pitchFamily="49" charset="0"/>
+              </a:rPr>
+              <a:t> </a:t>
+            </a:r>
+            <a:r>
+              <a:rPr kumimoji="0" lang="en-US" sz="1200" b="0" i="0" u="none" strike="noStrike" cap="none" normalizeH="0" baseline="0" dirty="0" smtClean="0">
+                <a:ln>
+                  <a:noFill/>
+                </a:ln>
+                <a:solidFill>
+                  <a:srgbClr val="0000FF"/>
+                </a:solidFill>
+                <a:effectLst/>
+                <a:latin typeface="Consolas" pitchFamily="49" charset="0"/>
+                <a:cs typeface="Consolas" pitchFamily="49" charset="0"/>
+              </a:rPr>
+              <a:t>class</a:t>
+            </a:r>
+            <a:r>
+              <a:rPr kumimoji="0" lang="en-US" sz="1200" b="0" i="0" u="none" strike="noStrike" cap="none" normalizeH="0" baseline="0" dirty="0" smtClean="0">
+                <a:ln>
+                  <a:noFill/>
+                </a:ln>
+                <a:solidFill>
+                  <a:srgbClr val="000000"/>
+                </a:solidFill>
+                <a:effectLst/>
+                <a:latin typeface="Consolas" pitchFamily="49" charset="0"/>
+                <a:cs typeface="Consolas" pitchFamily="49" charset="0"/>
+              </a:rPr>
+              <a:t> </a:t>
+            </a:r>
+            <a:r>
+              <a:rPr kumimoji="0" lang="en-US" sz="1200" b="0" i="0" u="none" strike="noStrike" cap="none" normalizeH="0" baseline="0" dirty="0" err="1" smtClean="0">
+                <a:ln>
+                  <a:noFill/>
+                </a:ln>
+                <a:solidFill>
+                  <a:srgbClr val="2B91AF"/>
+                </a:solidFill>
+                <a:effectLst/>
+                <a:latin typeface="Consolas" pitchFamily="49" charset="0"/>
+                <a:cs typeface="Consolas" pitchFamily="49" charset="0"/>
+              </a:rPr>
+              <a:t>NinjectWebCommon</a:t>
+            </a:r>
+            <a:endParaRPr kumimoji="0" lang="en-US" sz="1200" b="0" i="0" u="none" strike="noStrike" cap="none" normalizeH="0" baseline="0" dirty="0" smtClean="0">
+              <a:ln>
+                <a:noFill/>
+              </a:ln>
+              <a:solidFill>
+                <a:schemeClr val="tx1"/>
+              </a:solidFill>
+              <a:effectLst/>
+              <a:latin typeface="Arial" pitchFamily="34" charset="0"/>
+              <a:cs typeface="Arial" pitchFamily="34" charset="0"/>
+            </a:endParaRPr>
+          </a:p>
+        </p:txBody>
+      </p:sp>
+      <p:sp>
+        <p:nvSpPr>
+          <p:cNvPr id="3074" name="Rectangle 2"/>
+          <p:cNvSpPr>
+            <a:spLocks noChangeArrowheads="1"/>
+          </p:cNvSpPr>
+          <p:nvPr/>
+        </p:nvSpPr>
+        <p:spPr bwMode="auto">
+          <a:xfrm>
+            <a:off x="321623" y="2378071"/>
+            <a:ext cx="8409684" cy="1938992"/>
+          </a:xfrm>
+          <a:prstGeom prst="rect">
+            <a:avLst/>
+          </a:prstGeom>
+          <a:solidFill>
+            <a:srgbClr val="FFFFFF"/>
+          </a:solidFill>
+          <a:ln w="9525">
+            <a:solidFill>
+              <a:schemeClr val="accent2"/>
+            </a:solidFill>
+            <a:miter lim="800000"/>
+            <a:headEnd/>
+            <a:tailEnd/>
+          </a:ln>
+          <a:effectLst/>
+        </p:spPr>
+        <p:txBody>
+          <a:bodyPr vert="horz" wrap="square" lIns="91440" tIns="45720" rIns="91440" bIns="45720" numCol="1" anchor="ctr" anchorCtr="0" compatLnSpc="1">
+            <a:prstTxWarp prst="textNoShape">
+              <a:avLst/>
+            </a:prstTxWarp>
+            <a:spAutoFit/>
+          </a:bodyPr>
+          <a:lstStyle/>
+          <a:p>
+            <a:pPr marL="0" marR="0" lvl="0" indent="0" algn="l" defTabSz="914400" rtl="0" eaLnBrk="1" fontAlgn="base" latinLnBrk="0" hangingPunct="1">
+              <a:lnSpc>
+                <a:spcPct val="100000"/>
+              </a:lnSpc>
+              <a:spcBef>
+                <a:spcPct val="0"/>
+              </a:spcBef>
+              <a:spcAft>
+                <a:spcPct val="0"/>
+              </a:spcAft>
+              <a:buClrTx/>
+              <a:buSzTx/>
+              <a:buFontTx/>
+              <a:buNone/>
+              <a:tabLst/>
+            </a:pPr>
+            <a:r>
+              <a:rPr kumimoji="0" lang="en-US" sz="1200" b="0" i="0" u="none" strike="noStrike" cap="none" normalizeH="0" baseline="0" dirty="0" smtClean="0">
+                <a:ln>
+                  <a:noFill/>
+                </a:ln>
+                <a:solidFill>
+                  <a:srgbClr val="0000FF"/>
+                </a:solidFill>
+                <a:effectLst/>
+                <a:latin typeface="Consolas" pitchFamily="49" charset="0"/>
+                <a:cs typeface="Consolas" pitchFamily="49" charset="0"/>
+              </a:rPr>
+              <a:t>private</a:t>
+            </a:r>
+            <a:r>
+              <a:rPr kumimoji="0" lang="en-US" sz="1200" b="0" i="0" u="none" strike="noStrike" cap="none" normalizeH="0" baseline="0" dirty="0" smtClean="0">
+                <a:ln>
+                  <a:noFill/>
+                </a:ln>
+                <a:solidFill>
+                  <a:srgbClr val="000000"/>
+                </a:solidFill>
+                <a:effectLst/>
+                <a:latin typeface="Consolas" pitchFamily="49" charset="0"/>
+                <a:cs typeface="Consolas" pitchFamily="49" charset="0"/>
+              </a:rPr>
+              <a:t> </a:t>
+            </a:r>
+            <a:r>
+              <a:rPr kumimoji="0" lang="en-US" sz="1200" b="0" i="0" u="none" strike="noStrike" cap="none" normalizeH="0" baseline="0" dirty="0" smtClean="0">
+                <a:ln>
+                  <a:noFill/>
+                </a:ln>
+                <a:solidFill>
+                  <a:srgbClr val="0000FF"/>
+                </a:solidFill>
+                <a:effectLst/>
+                <a:latin typeface="Consolas" pitchFamily="49" charset="0"/>
+                <a:cs typeface="Consolas" pitchFamily="49" charset="0"/>
+              </a:rPr>
+              <a:t>static</a:t>
+            </a:r>
+            <a:r>
+              <a:rPr kumimoji="0" lang="en-US" sz="1200" b="0" i="0" u="none" strike="noStrike" cap="none" normalizeH="0" baseline="0" dirty="0" smtClean="0">
+                <a:ln>
+                  <a:noFill/>
+                </a:ln>
+                <a:solidFill>
+                  <a:srgbClr val="000000"/>
+                </a:solidFill>
+                <a:effectLst/>
+                <a:latin typeface="Consolas" pitchFamily="49" charset="0"/>
+                <a:cs typeface="Consolas" pitchFamily="49" charset="0"/>
+              </a:rPr>
+              <a:t> </a:t>
+            </a:r>
+            <a:r>
+              <a:rPr kumimoji="0" lang="en-US" sz="1200" b="0" i="0" u="none" strike="noStrike" cap="none" normalizeH="0" baseline="0" dirty="0" err="1" smtClean="0">
+                <a:ln>
+                  <a:noFill/>
+                </a:ln>
+                <a:solidFill>
+                  <a:srgbClr val="2B91AF"/>
+                </a:solidFill>
+                <a:effectLst/>
+                <a:latin typeface="Consolas" pitchFamily="49" charset="0"/>
+                <a:cs typeface="Consolas" pitchFamily="49" charset="0"/>
+              </a:rPr>
+              <a:t>IKernel</a:t>
+            </a:r>
+            <a:r>
+              <a:rPr kumimoji="0" lang="en-US" sz="1200" b="0" i="0" u="none" strike="noStrike" cap="none" normalizeH="0" baseline="0" dirty="0" smtClean="0">
+                <a:ln>
+                  <a:noFill/>
+                </a:ln>
+                <a:solidFill>
+                  <a:srgbClr val="000000"/>
+                </a:solidFill>
+                <a:effectLst/>
+                <a:latin typeface="Consolas" pitchFamily="49" charset="0"/>
+                <a:cs typeface="Consolas" pitchFamily="49" charset="0"/>
+              </a:rPr>
+              <a:t> </a:t>
+            </a:r>
+            <a:r>
+              <a:rPr kumimoji="0" lang="en-US" sz="1200" b="0" i="0" u="none" strike="noStrike" cap="none" normalizeH="0" baseline="0" dirty="0" err="1" smtClean="0">
+                <a:ln>
+                  <a:noFill/>
+                </a:ln>
+                <a:solidFill>
+                  <a:srgbClr val="000000"/>
+                </a:solidFill>
+                <a:effectLst/>
+                <a:latin typeface="Consolas" pitchFamily="49" charset="0"/>
+                <a:cs typeface="Consolas" pitchFamily="49" charset="0"/>
+              </a:rPr>
+              <a:t>CreateKernel</a:t>
+            </a:r>
+            <a:r>
+              <a:rPr kumimoji="0" lang="en-US" sz="1200" b="0" i="0" u="none" strike="noStrike" cap="none" normalizeH="0" baseline="0" dirty="0" smtClean="0">
+                <a:ln>
+                  <a:noFill/>
+                </a:ln>
+                <a:solidFill>
+                  <a:srgbClr val="000000"/>
+                </a:solidFill>
+                <a:effectLst/>
+                <a:latin typeface="Consolas" pitchFamily="49" charset="0"/>
+                <a:cs typeface="Consolas" pitchFamily="49" charset="0"/>
+              </a:rPr>
+              <a:t>()         </a:t>
+            </a:r>
+          </a:p>
+          <a:p>
+            <a:pPr marL="0" marR="0" lvl="0" indent="0" algn="l" defTabSz="914400" rtl="0" eaLnBrk="1" fontAlgn="base" latinLnBrk="0" hangingPunct="1">
+              <a:lnSpc>
+                <a:spcPct val="100000"/>
+              </a:lnSpc>
+              <a:spcBef>
+                <a:spcPct val="0"/>
+              </a:spcBef>
+              <a:spcAft>
+                <a:spcPct val="0"/>
+              </a:spcAft>
+              <a:buClrTx/>
+              <a:buSzTx/>
+              <a:buFontTx/>
+              <a:buNone/>
+              <a:tabLst/>
+            </a:pPr>
+            <a:r>
+              <a:rPr kumimoji="0" lang="en-US" sz="1200" b="0" i="0" u="none" strike="noStrike" cap="none" normalizeH="0" baseline="0" dirty="0" smtClean="0">
+                <a:ln>
+                  <a:noFill/>
+                </a:ln>
+                <a:solidFill>
+                  <a:srgbClr val="000000"/>
+                </a:solidFill>
+                <a:effectLst/>
+                <a:latin typeface="Consolas" pitchFamily="49" charset="0"/>
+                <a:cs typeface="Consolas" pitchFamily="49" charset="0"/>
+              </a:rPr>
+              <a:t>{             </a:t>
+            </a:r>
+          </a:p>
+          <a:p>
+            <a:pPr marL="0" marR="0" lvl="0" indent="0" algn="l" defTabSz="914400" rtl="0" eaLnBrk="1" fontAlgn="base" latinLnBrk="0" hangingPunct="1">
+              <a:lnSpc>
+                <a:spcPct val="100000"/>
+              </a:lnSpc>
+              <a:spcBef>
+                <a:spcPct val="0"/>
+              </a:spcBef>
+              <a:spcAft>
+                <a:spcPct val="0"/>
+              </a:spcAft>
+              <a:buClrTx/>
+              <a:buSzTx/>
+              <a:buFontTx/>
+              <a:buNone/>
+              <a:tabLst/>
+            </a:pPr>
+            <a:r>
+              <a:rPr lang="en-US" sz="1200" dirty="0" smtClean="0">
+                <a:solidFill>
+                  <a:srgbClr val="000000"/>
+                </a:solidFill>
+                <a:latin typeface="Consolas" pitchFamily="49" charset="0"/>
+                <a:cs typeface="Consolas" pitchFamily="49" charset="0"/>
+              </a:rPr>
+              <a:t>	</a:t>
+            </a:r>
+            <a:r>
+              <a:rPr kumimoji="0" lang="en-US" sz="1200" b="0" i="0" u="none" strike="noStrike" cap="none" normalizeH="0" baseline="0" dirty="0" err="1" smtClean="0">
+                <a:ln>
+                  <a:noFill/>
+                </a:ln>
+                <a:solidFill>
+                  <a:srgbClr val="0000FF"/>
+                </a:solidFill>
+                <a:effectLst/>
+                <a:latin typeface="Consolas" pitchFamily="49" charset="0"/>
+                <a:cs typeface="Consolas" pitchFamily="49" charset="0"/>
+              </a:rPr>
+              <a:t>var</a:t>
+            </a:r>
+            <a:r>
+              <a:rPr kumimoji="0" lang="en-US" sz="1200" b="0" i="0" u="none" strike="noStrike" cap="none" normalizeH="0" baseline="0" dirty="0" smtClean="0">
+                <a:ln>
+                  <a:noFill/>
+                </a:ln>
+                <a:solidFill>
+                  <a:srgbClr val="000000"/>
+                </a:solidFill>
+                <a:effectLst/>
+                <a:latin typeface="Consolas" pitchFamily="49" charset="0"/>
+                <a:cs typeface="Consolas" pitchFamily="49" charset="0"/>
+              </a:rPr>
+              <a:t> kernel = </a:t>
+            </a:r>
+            <a:r>
+              <a:rPr kumimoji="0" lang="en-US" sz="1200" b="0" i="0" u="none" strike="noStrike" cap="none" normalizeH="0" baseline="0" dirty="0" smtClean="0">
+                <a:ln>
+                  <a:noFill/>
+                </a:ln>
+                <a:solidFill>
+                  <a:srgbClr val="0000FF"/>
+                </a:solidFill>
+                <a:effectLst/>
+                <a:latin typeface="Consolas" pitchFamily="49" charset="0"/>
+                <a:cs typeface="Consolas" pitchFamily="49" charset="0"/>
+              </a:rPr>
+              <a:t>new</a:t>
+            </a:r>
+            <a:r>
+              <a:rPr kumimoji="0" lang="en-US" sz="1200" b="0" i="0" u="none" strike="noStrike" cap="none" normalizeH="0" baseline="0" dirty="0" smtClean="0">
+                <a:ln>
+                  <a:noFill/>
+                </a:ln>
+                <a:solidFill>
+                  <a:srgbClr val="000000"/>
+                </a:solidFill>
+                <a:effectLst/>
+                <a:latin typeface="Consolas" pitchFamily="49" charset="0"/>
+                <a:cs typeface="Consolas" pitchFamily="49" charset="0"/>
+              </a:rPr>
+              <a:t> </a:t>
+            </a:r>
+            <a:r>
+              <a:rPr kumimoji="0" lang="en-US" sz="1200" b="0" i="0" u="none" strike="noStrike" cap="none" normalizeH="0" baseline="0" dirty="0" err="1" smtClean="0">
+                <a:ln>
+                  <a:noFill/>
+                </a:ln>
+                <a:solidFill>
+                  <a:srgbClr val="2B91AF"/>
+                </a:solidFill>
+                <a:effectLst/>
+                <a:latin typeface="Consolas" pitchFamily="49" charset="0"/>
+                <a:cs typeface="Consolas" pitchFamily="49" charset="0"/>
+              </a:rPr>
+              <a:t>StandardKernel</a:t>
+            </a:r>
+            <a:r>
+              <a:rPr kumimoji="0" lang="en-US" sz="1200" b="0" i="0" u="none" strike="noStrike" cap="none" normalizeH="0" baseline="0" dirty="0" smtClean="0">
+                <a:ln>
+                  <a:noFill/>
+                </a:ln>
+                <a:solidFill>
+                  <a:srgbClr val="000000"/>
+                </a:solidFill>
+                <a:effectLst/>
+                <a:latin typeface="Consolas" pitchFamily="49" charset="0"/>
+                <a:cs typeface="Consolas" pitchFamily="49" charset="0"/>
+              </a:rPr>
+              <a:t>();             </a:t>
+            </a:r>
+          </a:p>
+          <a:p>
+            <a:pPr marL="0" marR="0" lvl="0" indent="0" algn="l" defTabSz="914400" rtl="0" eaLnBrk="1" fontAlgn="base" latinLnBrk="0" hangingPunct="1">
+              <a:lnSpc>
+                <a:spcPct val="100000"/>
+              </a:lnSpc>
+              <a:spcBef>
+                <a:spcPct val="0"/>
+              </a:spcBef>
+              <a:spcAft>
+                <a:spcPct val="0"/>
+              </a:spcAft>
+              <a:buClrTx/>
+              <a:buSzTx/>
+              <a:buFontTx/>
+              <a:buNone/>
+              <a:tabLst/>
+            </a:pPr>
+            <a:r>
+              <a:rPr lang="en-US" sz="1200" dirty="0" smtClean="0">
+                <a:solidFill>
+                  <a:srgbClr val="000000"/>
+                </a:solidFill>
+                <a:latin typeface="Consolas" pitchFamily="49" charset="0"/>
+                <a:cs typeface="Consolas" pitchFamily="49" charset="0"/>
+              </a:rPr>
+              <a:t>	</a:t>
+            </a:r>
+            <a:r>
+              <a:rPr kumimoji="0" lang="en-US" sz="1200" b="0" i="0" u="none" strike="noStrike" cap="none" normalizeH="0" baseline="0" dirty="0" err="1" smtClean="0">
+                <a:ln>
+                  <a:noFill/>
+                </a:ln>
+                <a:solidFill>
+                  <a:srgbClr val="000000"/>
+                </a:solidFill>
+                <a:effectLst/>
+                <a:latin typeface="Consolas" pitchFamily="49" charset="0"/>
+                <a:cs typeface="Consolas" pitchFamily="49" charset="0"/>
+              </a:rPr>
+              <a:t>kernel.Bind</a:t>
+            </a:r>
+            <a:r>
+              <a:rPr kumimoji="0" lang="en-US" sz="1200" b="0" i="0" u="none" strike="noStrike" cap="none" normalizeH="0" baseline="0" dirty="0" smtClean="0">
+                <a:ln>
+                  <a:noFill/>
+                </a:ln>
+                <a:solidFill>
+                  <a:srgbClr val="000000"/>
+                </a:solidFill>
+                <a:effectLst/>
+                <a:latin typeface="Consolas" pitchFamily="49" charset="0"/>
+                <a:cs typeface="Consolas" pitchFamily="49" charset="0"/>
+              </a:rPr>
+              <a:t>&lt;</a:t>
+            </a:r>
+            <a:r>
+              <a:rPr kumimoji="0" lang="en-US" sz="1200" b="0" i="0" u="none" strike="noStrike" cap="none" normalizeH="0" baseline="0" dirty="0" err="1" smtClean="0">
+                <a:ln>
+                  <a:noFill/>
+                </a:ln>
+                <a:solidFill>
+                  <a:srgbClr val="2B91AF"/>
+                </a:solidFill>
+                <a:effectLst/>
+                <a:latin typeface="Consolas" pitchFamily="49" charset="0"/>
+                <a:cs typeface="Consolas" pitchFamily="49" charset="0"/>
+              </a:rPr>
+              <a:t>Func</a:t>
+            </a:r>
+            <a:r>
+              <a:rPr kumimoji="0" lang="en-US" sz="1200" b="0" i="0" u="none" strike="noStrike" cap="none" normalizeH="0" baseline="0" dirty="0" smtClean="0">
+                <a:ln>
+                  <a:noFill/>
+                </a:ln>
+                <a:solidFill>
+                  <a:srgbClr val="000000"/>
+                </a:solidFill>
+                <a:effectLst/>
+                <a:latin typeface="Consolas" pitchFamily="49" charset="0"/>
+                <a:cs typeface="Consolas" pitchFamily="49" charset="0"/>
+              </a:rPr>
+              <a:t>&lt;</a:t>
+            </a:r>
+            <a:r>
+              <a:rPr kumimoji="0" lang="en-US" sz="1200" b="0" i="0" u="none" strike="noStrike" cap="none" normalizeH="0" baseline="0" dirty="0" err="1" smtClean="0">
+                <a:ln>
+                  <a:noFill/>
+                </a:ln>
+                <a:solidFill>
+                  <a:srgbClr val="2B91AF"/>
+                </a:solidFill>
+                <a:effectLst/>
+                <a:latin typeface="Consolas" pitchFamily="49" charset="0"/>
+                <a:cs typeface="Consolas" pitchFamily="49" charset="0"/>
+              </a:rPr>
+              <a:t>IKernel</a:t>
+            </a:r>
+            <a:r>
+              <a:rPr kumimoji="0" lang="en-US" sz="1200" b="0" i="0" u="none" strike="noStrike" cap="none" normalizeH="0" baseline="0" dirty="0" smtClean="0">
+                <a:ln>
+                  <a:noFill/>
+                </a:ln>
+                <a:solidFill>
+                  <a:srgbClr val="000000"/>
+                </a:solidFill>
+                <a:effectLst/>
+                <a:latin typeface="Consolas" pitchFamily="49" charset="0"/>
+                <a:cs typeface="Consolas" pitchFamily="49" charset="0"/>
+              </a:rPr>
+              <a:t>&gt;&gt;().</a:t>
+            </a:r>
+            <a:r>
+              <a:rPr kumimoji="0" lang="en-US" sz="1200" b="0" i="0" u="none" strike="noStrike" cap="none" normalizeH="0" baseline="0" dirty="0" err="1" smtClean="0">
+                <a:ln>
+                  <a:noFill/>
+                </a:ln>
+                <a:solidFill>
+                  <a:srgbClr val="000000"/>
+                </a:solidFill>
+                <a:effectLst/>
+                <a:latin typeface="Consolas" pitchFamily="49" charset="0"/>
+                <a:cs typeface="Consolas" pitchFamily="49" charset="0"/>
+              </a:rPr>
+              <a:t>ToMethod</a:t>
+            </a:r>
+            <a:r>
+              <a:rPr kumimoji="0" lang="en-US" sz="1200" b="0" i="0" u="none" strike="noStrike" cap="none" normalizeH="0" baseline="0" dirty="0" smtClean="0">
+                <a:ln>
+                  <a:noFill/>
+                </a:ln>
+                <a:solidFill>
+                  <a:srgbClr val="000000"/>
+                </a:solidFill>
+                <a:effectLst/>
+                <a:latin typeface="Consolas" pitchFamily="49" charset="0"/>
+                <a:cs typeface="Consolas" pitchFamily="49" charset="0"/>
+              </a:rPr>
+              <a:t>(</a:t>
+            </a:r>
+            <a:r>
+              <a:rPr kumimoji="0" lang="en-US" sz="1200" b="0" i="0" u="none" strike="noStrike" cap="none" normalizeH="0" baseline="0" dirty="0" err="1" smtClean="0">
+                <a:ln>
+                  <a:noFill/>
+                </a:ln>
+                <a:solidFill>
+                  <a:srgbClr val="000000"/>
+                </a:solidFill>
+                <a:effectLst/>
+                <a:latin typeface="Consolas" pitchFamily="49" charset="0"/>
+                <a:cs typeface="Consolas" pitchFamily="49" charset="0"/>
+              </a:rPr>
+              <a:t>ctx</a:t>
+            </a:r>
+            <a:r>
+              <a:rPr kumimoji="0" lang="en-US" sz="1200" b="0" i="0" u="none" strike="noStrike" cap="none" normalizeH="0" baseline="0" dirty="0" smtClean="0">
+                <a:ln>
+                  <a:noFill/>
+                </a:ln>
+                <a:solidFill>
+                  <a:srgbClr val="000000"/>
+                </a:solidFill>
+                <a:effectLst/>
+                <a:latin typeface="Consolas" pitchFamily="49" charset="0"/>
+                <a:cs typeface="Consolas" pitchFamily="49" charset="0"/>
+              </a:rPr>
+              <a:t> =&gt; () =&gt; </a:t>
+            </a:r>
+            <a:r>
+              <a:rPr kumimoji="0" lang="en-US" sz="1200" b="0" i="0" u="none" strike="noStrike" cap="none" normalizeH="0" baseline="0" dirty="0" smtClean="0">
+                <a:ln>
+                  <a:noFill/>
+                </a:ln>
+                <a:solidFill>
+                  <a:srgbClr val="0000FF"/>
+                </a:solidFill>
+                <a:effectLst/>
+                <a:latin typeface="Consolas" pitchFamily="49" charset="0"/>
+                <a:cs typeface="Consolas" pitchFamily="49" charset="0"/>
+              </a:rPr>
+              <a:t>new</a:t>
+            </a:r>
+            <a:r>
+              <a:rPr kumimoji="0" lang="en-US" sz="1200" b="0" i="0" u="none" strike="noStrike" cap="none" normalizeH="0" baseline="0" dirty="0" smtClean="0">
+                <a:ln>
+                  <a:noFill/>
+                </a:ln>
+                <a:solidFill>
+                  <a:srgbClr val="000000"/>
+                </a:solidFill>
+                <a:effectLst/>
+                <a:latin typeface="Consolas" pitchFamily="49" charset="0"/>
+                <a:cs typeface="Consolas" pitchFamily="49" charset="0"/>
+              </a:rPr>
+              <a:t> </a:t>
+            </a:r>
+            <a:r>
+              <a:rPr kumimoji="0" lang="en-US" sz="1200" b="0" i="0" u="none" strike="noStrike" cap="none" normalizeH="0" baseline="0" dirty="0" err="1" smtClean="0">
+                <a:ln>
+                  <a:noFill/>
+                </a:ln>
+                <a:solidFill>
+                  <a:srgbClr val="2B91AF"/>
+                </a:solidFill>
+                <a:effectLst/>
+                <a:latin typeface="Consolas" pitchFamily="49" charset="0"/>
+                <a:cs typeface="Consolas" pitchFamily="49" charset="0"/>
+              </a:rPr>
+              <a:t>Bootstrapper</a:t>
+            </a:r>
+            <a:r>
+              <a:rPr kumimoji="0" lang="en-US" sz="1200" b="0" i="0" u="none" strike="noStrike" cap="none" normalizeH="0" baseline="0" dirty="0" smtClean="0">
+                <a:ln>
+                  <a:noFill/>
+                </a:ln>
+                <a:solidFill>
+                  <a:srgbClr val="000000"/>
+                </a:solidFill>
+                <a:effectLst/>
+                <a:latin typeface="Consolas" pitchFamily="49" charset="0"/>
+                <a:cs typeface="Consolas" pitchFamily="49" charset="0"/>
+              </a:rPr>
+              <a:t>().Kernel);             </a:t>
+            </a:r>
+          </a:p>
+          <a:p>
+            <a:pPr marL="0" marR="0" lvl="0" indent="0" algn="l" defTabSz="914400" rtl="0" eaLnBrk="1" fontAlgn="base" latinLnBrk="0" hangingPunct="1">
+              <a:lnSpc>
+                <a:spcPct val="100000"/>
+              </a:lnSpc>
+              <a:spcBef>
+                <a:spcPct val="0"/>
+              </a:spcBef>
+              <a:spcAft>
+                <a:spcPct val="0"/>
+              </a:spcAft>
+              <a:buClrTx/>
+              <a:buSzTx/>
+              <a:buFontTx/>
+              <a:buNone/>
+              <a:tabLst/>
+            </a:pPr>
+            <a:r>
+              <a:rPr lang="en-US" sz="1200" dirty="0" smtClean="0">
+                <a:solidFill>
+                  <a:srgbClr val="000000"/>
+                </a:solidFill>
+                <a:latin typeface="Consolas" pitchFamily="49" charset="0"/>
+                <a:cs typeface="Consolas" pitchFamily="49" charset="0"/>
+              </a:rPr>
+              <a:t>	</a:t>
+            </a:r>
+            <a:r>
+              <a:rPr kumimoji="0" lang="en-US" sz="1200" b="0" i="0" u="none" strike="noStrike" cap="none" normalizeH="0" baseline="0" dirty="0" err="1" smtClean="0">
+                <a:ln>
+                  <a:noFill/>
+                </a:ln>
+                <a:solidFill>
+                  <a:srgbClr val="000000"/>
+                </a:solidFill>
+                <a:effectLst/>
+                <a:latin typeface="Consolas" pitchFamily="49" charset="0"/>
+                <a:cs typeface="Consolas" pitchFamily="49" charset="0"/>
+              </a:rPr>
+              <a:t>kernel.Bind</a:t>
+            </a:r>
+            <a:r>
+              <a:rPr kumimoji="0" lang="en-US" sz="1200" b="0" i="0" u="none" strike="noStrike" cap="none" normalizeH="0" baseline="0" dirty="0" smtClean="0">
+                <a:ln>
+                  <a:noFill/>
+                </a:ln>
+                <a:solidFill>
+                  <a:srgbClr val="000000"/>
+                </a:solidFill>
+                <a:effectLst/>
+                <a:latin typeface="Consolas" pitchFamily="49" charset="0"/>
+                <a:cs typeface="Consolas" pitchFamily="49" charset="0"/>
+              </a:rPr>
+              <a:t>&lt;</a:t>
+            </a:r>
+            <a:r>
+              <a:rPr kumimoji="0" lang="en-US" sz="1200" b="0" i="0" u="none" strike="noStrike" cap="none" normalizeH="0" baseline="0" dirty="0" err="1" smtClean="0">
+                <a:ln>
+                  <a:noFill/>
+                </a:ln>
+                <a:solidFill>
+                  <a:srgbClr val="2B91AF"/>
+                </a:solidFill>
+                <a:effectLst/>
+                <a:latin typeface="Consolas" pitchFamily="49" charset="0"/>
+                <a:cs typeface="Consolas" pitchFamily="49" charset="0"/>
+              </a:rPr>
+              <a:t>IHttpModule</a:t>
+            </a:r>
+            <a:r>
+              <a:rPr kumimoji="0" lang="en-US" sz="1200" b="0" i="0" u="none" strike="noStrike" cap="none" normalizeH="0" baseline="0" dirty="0" smtClean="0">
+                <a:ln>
+                  <a:noFill/>
+                </a:ln>
+                <a:solidFill>
+                  <a:srgbClr val="000000"/>
+                </a:solidFill>
+                <a:effectLst/>
+                <a:latin typeface="Consolas" pitchFamily="49" charset="0"/>
+                <a:cs typeface="Consolas" pitchFamily="49" charset="0"/>
+              </a:rPr>
+              <a:t>&gt;().To&lt;</a:t>
+            </a:r>
+            <a:r>
+              <a:rPr kumimoji="0" lang="en-US" sz="1200" b="0" i="0" u="none" strike="noStrike" cap="none" normalizeH="0" baseline="0" dirty="0" err="1" smtClean="0">
+                <a:ln>
+                  <a:noFill/>
+                </a:ln>
+                <a:solidFill>
+                  <a:srgbClr val="2B91AF"/>
+                </a:solidFill>
+                <a:effectLst/>
+                <a:latin typeface="Consolas" pitchFamily="49" charset="0"/>
+                <a:cs typeface="Consolas" pitchFamily="49" charset="0"/>
+              </a:rPr>
+              <a:t>HttpApplicationInitializationHttpModule</a:t>
+            </a:r>
+            <a:r>
+              <a:rPr kumimoji="0" lang="en-US" sz="1200" b="0" i="0" u="none" strike="noStrike" cap="none" normalizeH="0" baseline="0" dirty="0" smtClean="0">
+                <a:ln>
+                  <a:noFill/>
+                </a:ln>
+                <a:solidFill>
+                  <a:srgbClr val="000000"/>
+                </a:solidFill>
+                <a:effectLst/>
+                <a:latin typeface="Consolas" pitchFamily="49" charset="0"/>
+                <a:cs typeface="Consolas" pitchFamily="49" charset="0"/>
+              </a:rPr>
+              <a:t>&gt;();                          </a:t>
+            </a:r>
+          </a:p>
+          <a:p>
+            <a:pPr marL="0" marR="0" lvl="0" indent="0" algn="l" defTabSz="914400" rtl="0" eaLnBrk="1" fontAlgn="base" latinLnBrk="0" hangingPunct="1">
+              <a:lnSpc>
+                <a:spcPct val="100000"/>
+              </a:lnSpc>
+              <a:spcBef>
+                <a:spcPct val="0"/>
+              </a:spcBef>
+              <a:spcAft>
+                <a:spcPct val="0"/>
+              </a:spcAft>
+              <a:buClrTx/>
+              <a:buSzTx/>
+              <a:buFontTx/>
+              <a:buNone/>
+              <a:tabLst/>
+            </a:pPr>
+            <a:r>
+              <a:rPr lang="en-US" sz="1200" dirty="0" smtClean="0">
+                <a:solidFill>
+                  <a:srgbClr val="000000"/>
+                </a:solidFill>
+                <a:latin typeface="Consolas" pitchFamily="49" charset="0"/>
+                <a:cs typeface="Consolas" pitchFamily="49" charset="0"/>
+              </a:rPr>
+              <a:t>	</a:t>
+            </a:r>
+            <a:r>
+              <a:rPr kumimoji="0" lang="en-US" sz="1200" b="0" i="0" u="none" strike="noStrike" cap="none" normalizeH="0" baseline="0" dirty="0" err="1" smtClean="0">
+                <a:ln>
+                  <a:noFill/>
+                </a:ln>
+                <a:solidFill>
+                  <a:srgbClr val="000000"/>
+                </a:solidFill>
+                <a:effectLst/>
+                <a:latin typeface="Consolas" pitchFamily="49" charset="0"/>
+                <a:cs typeface="Consolas" pitchFamily="49" charset="0"/>
+              </a:rPr>
+              <a:t>RegisterServices</a:t>
+            </a:r>
+            <a:r>
+              <a:rPr kumimoji="0" lang="en-US" sz="1200" b="0" i="0" u="none" strike="noStrike" cap="none" normalizeH="0" baseline="0" dirty="0" smtClean="0">
+                <a:ln>
+                  <a:noFill/>
+                </a:ln>
+                <a:solidFill>
+                  <a:srgbClr val="000000"/>
+                </a:solidFill>
+                <a:effectLst/>
+                <a:latin typeface="Consolas" pitchFamily="49" charset="0"/>
+                <a:cs typeface="Consolas" pitchFamily="49" charset="0"/>
+              </a:rPr>
+              <a:t>(kernel);             </a:t>
+            </a:r>
+          </a:p>
+          <a:p>
+            <a:pPr marL="0" marR="0" lvl="0" indent="0" algn="l" defTabSz="914400" rtl="0" eaLnBrk="1" fontAlgn="base" latinLnBrk="0" hangingPunct="1">
+              <a:lnSpc>
+                <a:spcPct val="100000"/>
+              </a:lnSpc>
+              <a:spcBef>
+                <a:spcPct val="0"/>
+              </a:spcBef>
+              <a:spcAft>
+                <a:spcPct val="0"/>
+              </a:spcAft>
+              <a:buClrTx/>
+              <a:buSzTx/>
+              <a:buFontTx/>
+              <a:buNone/>
+              <a:tabLst/>
+            </a:pPr>
+            <a:r>
+              <a:rPr lang="en-US" sz="1200" dirty="0" smtClean="0">
+                <a:solidFill>
+                  <a:srgbClr val="000000"/>
+                </a:solidFill>
+                <a:latin typeface="Consolas" pitchFamily="49" charset="0"/>
+                <a:cs typeface="Consolas" pitchFamily="49" charset="0"/>
+              </a:rPr>
+              <a:t>	</a:t>
+            </a:r>
+            <a:r>
+              <a:rPr kumimoji="0" lang="en-US" sz="1200" b="0" i="0" u="none" strike="noStrike" cap="none" normalizeH="0" baseline="0" dirty="0" smtClean="0">
+                <a:ln>
+                  <a:noFill/>
+                </a:ln>
+                <a:solidFill>
+                  <a:srgbClr val="0000FF"/>
+                </a:solidFill>
+                <a:effectLst/>
+                <a:latin typeface="Consolas" pitchFamily="49" charset="0"/>
+                <a:cs typeface="Consolas" pitchFamily="49" charset="0"/>
+              </a:rPr>
+              <a:t>return</a:t>
+            </a:r>
+            <a:r>
+              <a:rPr kumimoji="0" lang="en-US" sz="1200" b="0" i="0" u="none" strike="noStrike" cap="none" normalizeH="0" baseline="0" dirty="0" smtClean="0">
+                <a:ln>
+                  <a:noFill/>
+                </a:ln>
+                <a:solidFill>
+                  <a:srgbClr val="000000"/>
+                </a:solidFill>
+                <a:effectLst/>
+                <a:latin typeface="Consolas" pitchFamily="49" charset="0"/>
+                <a:cs typeface="Consolas" pitchFamily="49" charset="0"/>
+              </a:rPr>
+              <a:t> kernel;         </a:t>
+            </a:r>
+          </a:p>
+          <a:p>
+            <a:pPr marL="0" marR="0" lvl="0" indent="0" algn="l" defTabSz="914400" rtl="0" eaLnBrk="1" fontAlgn="base" latinLnBrk="0" hangingPunct="1">
+              <a:lnSpc>
+                <a:spcPct val="100000"/>
+              </a:lnSpc>
+              <a:spcBef>
+                <a:spcPct val="0"/>
+              </a:spcBef>
+              <a:spcAft>
+                <a:spcPct val="0"/>
+              </a:spcAft>
+              <a:buClrTx/>
+              <a:buSzTx/>
+              <a:buFontTx/>
+              <a:buNone/>
+              <a:tabLst/>
+            </a:pPr>
+            <a:r>
+              <a:rPr kumimoji="0" lang="en-US" sz="1200" b="0" i="0" u="none" strike="noStrike" cap="none" normalizeH="0" baseline="0" dirty="0" smtClean="0">
+                <a:ln>
+                  <a:noFill/>
+                </a:ln>
+                <a:solidFill>
+                  <a:srgbClr val="000000"/>
+                </a:solidFill>
+                <a:effectLst/>
+                <a:latin typeface="Consolas" pitchFamily="49" charset="0"/>
+                <a:cs typeface="Consolas" pitchFamily="49" charset="0"/>
+              </a:rPr>
+              <a:t>}</a:t>
+            </a:r>
+            <a:endParaRPr kumimoji="0" lang="en-US" sz="1200" b="0" i="0" u="none" strike="noStrike" cap="none" normalizeH="0" baseline="0" dirty="0" smtClean="0">
+              <a:ln>
+                <a:noFill/>
+              </a:ln>
+              <a:solidFill>
+                <a:schemeClr val="tx1"/>
+              </a:solidFill>
+              <a:effectLst/>
+              <a:latin typeface="Arial" pitchFamily="34" charset="0"/>
+              <a:cs typeface="Arial" pitchFamily="34" charset="0"/>
+            </a:endParaRPr>
+          </a:p>
+        </p:txBody>
+      </p:sp>
+      <p:sp>
+        <p:nvSpPr>
+          <p:cNvPr id="3075" name="Rectangle 3"/>
+          <p:cNvSpPr>
+            <a:spLocks noChangeArrowheads="1"/>
+          </p:cNvSpPr>
+          <p:nvPr/>
+        </p:nvSpPr>
+        <p:spPr bwMode="auto">
+          <a:xfrm>
+            <a:off x="309796" y="4543343"/>
+            <a:ext cx="8421511" cy="830997"/>
+          </a:xfrm>
+          <a:prstGeom prst="rect">
+            <a:avLst/>
+          </a:prstGeom>
+          <a:solidFill>
+            <a:srgbClr val="FFFFFF"/>
+          </a:solidFill>
+          <a:ln w="9525">
+            <a:solidFill>
+              <a:schemeClr val="accent2"/>
+            </a:solidFill>
+            <a:miter lim="800000"/>
+            <a:headEnd/>
+            <a:tailEnd/>
+          </a:ln>
+          <a:effectLst/>
+        </p:spPr>
+        <p:txBody>
+          <a:bodyPr vert="horz" wrap="square" lIns="91440" tIns="45720" rIns="91440" bIns="45720" numCol="1" anchor="ctr" anchorCtr="0" compatLnSpc="1">
+            <a:prstTxWarp prst="textNoShape">
+              <a:avLst/>
+            </a:prstTxWarp>
+            <a:spAutoFit/>
+          </a:bodyPr>
+          <a:lstStyle/>
+          <a:p>
+            <a:pPr marL="0" marR="0" lvl="0" indent="0" algn="l" defTabSz="914400" rtl="0" eaLnBrk="1" fontAlgn="base" latinLnBrk="0" hangingPunct="1">
+              <a:lnSpc>
+                <a:spcPct val="100000"/>
+              </a:lnSpc>
+              <a:spcBef>
+                <a:spcPct val="0"/>
+              </a:spcBef>
+              <a:spcAft>
+                <a:spcPct val="0"/>
+              </a:spcAft>
+              <a:buClrTx/>
+              <a:buSzTx/>
+              <a:buFontTx/>
+              <a:buNone/>
+              <a:tabLst/>
+            </a:pPr>
+            <a:r>
+              <a:rPr kumimoji="0" lang="en-US" sz="1200" b="0" i="0" u="none" strike="noStrike" cap="none" normalizeH="0" baseline="0" dirty="0" smtClean="0">
+                <a:ln>
+                  <a:noFill/>
+                </a:ln>
+                <a:solidFill>
+                  <a:srgbClr val="0000FF"/>
+                </a:solidFill>
+                <a:effectLst/>
+                <a:latin typeface="Consolas" pitchFamily="49" charset="0"/>
+                <a:cs typeface="Consolas" pitchFamily="49" charset="0"/>
+              </a:rPr>
+              <a:t>private</a:t>
+            </a:r>
+            <a:r>
+              <a:rPr kumimoji="0" lang="en-US" sz="1200" b="0" i="0" u="none" strike="noStrike" cap="none" normalizeH="0" baseline="0" dirty="0" smtClean="0">
+                <a:ln>
+                  <a:noFill/>
+                </a:ln>
+                <a:solidFill>
+                  <a:srgbClr val="000000"/>
+                </a:solidFill>
+                <a:effectLst/>
+                <a:latin typeface="Consolas" pitchFamily="49" charset="0"/>
+                <a:cs typeface="Consolas" pitchFamily="49" charset="0"/>
+              </a:rPr>
+              <a:t> </a:t>
+            </a:r>
+            <a:r>
+              <a:rPr kumimoji="0" lang="en-US" sz="1200" b="0" i="0" u="none" strike="noStrike" cap="none" normalizeH="0" baseline="0" dirty="0" smtClean="0">
+                <a:ln>
+                  <a:noFill/>
+                </a:ln>
+                <a:solidFill>
+                  <a:srgbClr val="0000FF"/>
+                </a:solidFill>
+                <a:effectLst/>
+                <a:latin typeface="Consolas" pitchFamily="49" charset="0"/>
+                <a:cs typeface="Consolas" pitchFamily="49" charset="0"/>
+              </a:rPr>
+              <a:t>static</a:t>
+            </a:r>
+            <a:r>
+              <a:rPr kumimoji="0" lang="en-US" sz="1200" b="0" i="0" u="none" strike="noStrike" cap="none" normalizeH="0" baseline="0" dirty="0" smtClean="0">
+                <a:ln>
+                  <a:noFill/>
+                </a:ln>
+                <a:solidFill>
+                  <a:srgbClr val="000000"/>
+                </a:solidFill>
+                <a:effectLst/>
+                <a:latin typeface="Consolas" pitchFamily="49" charset="0"/>
+                <a:cs typeface="Consolas" pitchFamily="49" charset="0"/>
+              </a:rPr>
+              <a:t> </a:t>
+            </a:r>
+            <a:r>
+              <a:rPr kumimoji="0" lang="en-US" sz="1200" b="0" i="0" u="none" strike="noStrike" cap="none" normalizeH="0" baseline="0" dirty="0" smtClean="0">
+                <a:ln>
+                  <a:noFill/>
+                </a:ln>
+                <a:solidFill>
+                  <a:srgbClr val="0000FF"/>
+                </a:solidFill>
+                <a:effectLst/>
+                <a:latin typeface="Consolas" pitchFamily="49" charset="0"/>
+                <a:cs typeface="Consolas" pitchFamily="49" charset="0"/>
+              </a:rPr>
+              <a:t>void</a:t>
+            </a:r>
+            <a:r>
+              <a:rPr kumimoji="0" lang="en-US" sz="1200" b="0" i="0" u="none" strike="noStrike" cap="none" normalizeH="0" baseline="0" dirty="0" smtClean="0">
+                <a:ln>
+                  <a:noFill/>
+                </a:ln>
+                <a:solidFill>
+                  <a:srgbClr val="000000"/>
+                </a:solidFill>
+                <a:effectLst/>
+                <a:latin typeface="Consolas" pitchFamily="49" charset="0"/>
+                <a:cs typeface="Consolas" pitchFamily="49" charset="0"/>
+              </a:rPr>
+              <a:t> </a:t>
+            </a:r>
+            <a:r>
+              <a:rPr kumimoji="0" lang="en-US" sz="1200" b="0" i="0" u="none" strike="noStrike" cap="none" normalizeH="0" baseline="0" dirty="0" err="1" smtClean="0">
+                <a:ln>
+                  <a:noFill/>
+                </a:ln>
+                <a:solidFill>
+                  <a:srgbClr val="000000"/>
+                </a:solidFill>
+                <a:effectLst/>
+                <a:latin typeface="Consolas" pitchFamily="49" charset="0"/>
+                <a:cs typeface="Consolas" pitchFamily="49" charset="0"/>
+              </a:rPr>
+              <a:t>RegisterServices</a:t>
+            </a:r>
+            <a:r>
+              <a:rPr kumimoji="0" lang="en-US" sz="1200" b="0" i="0" u="none" strike="noStrike" cap="none" normalizeH="0" baseline="0" dirty="0" smtClean="0">
+                <a:ln>
+                  <a:noFill/>
+                </a:ln>
+                <a:solidFill>
+                  <a:srgbClr val="000000"/>
+                </a:solidFill>
+                <a:effectLst/>
+                <a:latin typeface="Consolas" pitchFamily="49" charset="0"/>
+                <a:cs typeface="Consolas" pitchFamily="49" charset="0"/>
+              </a:rPr>
+              <a:t>(</a:t>
+            </a:r>
+            <a:r>
+              <a:rPr kumimoji="0" lang="en-US" sz="1200" b="0" i="0" u="none" strike="noStrike" cap="none" normalizeH="0" baseline="0" dirty="0" err="1" smtClean="0">
+                <a:ln>
+                  <a:noFill/>
+                </a:ln>
+                <a:solidFill>
+                  <a:srgbClr val="2B91AF"/>
+                </a:solidFill>
+                <a:effectLst/>
+                <a:latin typeface="Consolas" pitchFamily="49" charset="0"/>
+                <a:cs typeface="Consolas" pitchFamily="49" charset="0"/>
+              </a:rPr>
+              <a:t>IKernel</a:t>
+            </a:r>
+            <a:r>
+              <a:rPr kumimoji="0" lang="en-US" sz="1200" b="0" i="0" u="none" strike="noStrike" cap="none" normalizeH="0" baseline="0" dirty="0" smtClean="0">
+                <a:ln>
+                  <a:noFill/>
+                </a:ln>
+                <a:solidFill>
+                  <a:srgbClr val="000000"/>
+                </a:solidFill>
+                <a:effectLst/>
+                <a:latin typeface="Consolas" pitchFamily="49" charset="0"/>
+                <a:cs typeface="Consolas" pitchFamily="49" charset="0"/>
+              </a:rPr>
+              <a:t> kernel)         </a:t>
+            </a:r>
+          </a:p>
+          <a:p>
+            <a:pPr marL="0" marR="0" lvl="0" indent="0" algn="l" defTabSz="914400" rtl="0" eaLnBrk="1" fontAlgn="base" latinLnBrk="0" hangingPunct="1">
+              <a:lnSpc>
+                <a:spcPct val="100000"/>
+              </a:lnSpc>
+              <a:spcBef>
+                <a:spcPct val="0"/>
+              </a:spcBef>
+              <a:spcAft>
+                <a:spcPct val="0"/>
+              </a:spcAft>
+              <a:buClrTx/>
+              <a:buSzTx/>
+              <a:buFontTx/>
+              <a:buNone/>
+              <a:tabLst/>
+            </a:pPr>
+            <a:r>
+              <a:rPr kumimoji="0" lang="en-US" sz="1200" b="0" i="0" u="none" strike="noStrike" cap="none" normalizeH="0" baseline="0" dirty="0" smtClean="0">
+                <a:ln>
+                  <a:noFill/>
+                </a:ln>
+                <a:solidFill>
+                  <a:srgbClr val="000000"/>
+                </a:solidFill>
+                <a:effectLst/>
+                <a:latin typeface="Consolas" pitchFamily="49" charset="0"/>
+                <a:cs typeface="Consolas" pitchFamily="49" charset="0"/>
+              </a:rPr>
+              <a:t>{   </a:t>
+            </a:r>
+          </a:p>
+          <a:p>
+            <a:pPr defTabSz="914400" fontAlgn="base">
+              <a:spcBef>
+                <a:spcPct val="0"/>
+              </a:spcBef>
+              <a:spcAft>
+                <a:spcPct val="0"/>
+              </a:spcAft>
+            </a:pPr>
+            <a:r>
+              <a:rPr lang="nb-NO" sz="1200" dirty="0" smtClean="0">
+                <a:solidFill>
+                  <a:srgbClr val="008000"/>
+                </a:solidFill>
+                <a:latin typeface="Consolas" pitchFamily="49" charset="0"/>
+                <a:cs typeface="Consolas" pitchFamily="49" charset="0"/>
+              </a:rPr>
+              <a:t>	//alle moduler og tjenester registreres i Ninject her</a:t>
+            </a:r>
+            <a:r>
+              <a:rPr lang="nb-NO" sz="1200" dirty="0" smtClean="0">
+                <a:latin typeface="Consolas" pitchFamily="49" charset="0"/>
+                <a:cs typeface="Consolas" pitchFamily="49" charset="0"/>
+              </a:rPr>
+              <a:t> </a:t>
+            </a:r>
+            <a:r>
+              <a:rPr kumimoji="0" lang="en-US" sz="1200" b="0" i="0" u="none" strike="noStrike" cap="none" normalizeH="0" baseline="0" dirty="0" smtClean="0">
+                <a:ln>
+                  <a:noFill/>
+                </a:ln>
+                <a:solidFill>
+                  <a:srgbClr val="000000"/>
+                </a:solidFill>
+                <a:effectLst/>
+                <a:latin typeface="Consolas" pitchFamily="49" charset="0"/>
+                <a:cs typeface="Consolas" pitchFamily="49" charset="0"/>
+              </a:rPr>
+              <a:t>      </a:t>
+            </a:r>
+          </a:p>
+          <a:p>
+            <a:pPr marL="0" marR="0" lvl="0" indent="0" algn="l" defTabSz="914400" rtl="0" eaLnBrk="1" fontAlgn="base" latinLnBrk="0" hangingPunct="1">
+              <a:lnSpc>
+                <a:spcPct val="100000"/>
+              </a:lnSpc>
+              <a:spcBef>
+                <a:spcPct val="0"/>
+              </a:spcBef>
+              <a:spcAft>
+                <a:spcPct val="0"/>
+              </a:spcAft>
+              <a:buClrTx/>
+              <a:buSzTx/>
+              <a:buFontTx/>
+              <a:buNone/>
+              <a:tabLst/>
+            </a:pPr>
+            <a:r>
+              <a:rPr kumimoji="0" lang="en-US" sz="1200" b="0" i="0" u="none" strike="noStrike" cap="none" normalizeH="0" baseline="0" dirty="0" smtClean="0">
+                <a:ln>
+                  <a:noFill/>
+                </a:ln>
+                <a:solidFill>
+                  <a:srgbClr val="000000"/>
+                </a:solidFill>
+                <a:effectLst/>
+                <a:latin typeface="Consolas" pitchFamily="49" charset="0"/>
+                <a:cs typeface="Consolas" pitchFamily="49" charset="0"/>
+              </a:rPr>
+              <a:t>}  </a:t>
+            </a:r>
+            <a:endParaRPr kumimoji="0" lang="en-US" sz="1200" b="0" i="0" u="none" strike="noStrike" cap="none" normalizeH="0" baseline="0" dirty="0" smtClean="0">
+              <a:ln>
+                <a:noFill/>
+              </a:ln>
+              <a:solidFill>
+                <a:schemeClr val="tx1"/>
+              </a:solidFill>
+              <a:effectLst/>
+              <a:latin typeface="Arial" pitchFamily="34" charset="0"/>
+              <a:cs typeface="Arial" pitchFamily="34" charset="0"/>
+            </a:endParaRPr>
+          </a:p>
+        </p:txBody>
+      </p:sp>
+    </p:spTree>
+  </p:cSld>
+  <p:clrMapOvr>
+    <a:masterClrMapping/>
+  </p:clrMapOvr>
+  <p:transition>
+    <p:fade thruBlk="1"/>
+  </p:transition>
+</p:sld>
+</file>
+
+<file path=ppt/slides/slide21.xml><?xml version="1.0" encoding="utf-8"?>
+<p:sld xmlns:a="http://schemas.openxmlformats.org/drawingml/2006/main" xmlns:r="http://schemas.openxmlformats.org/officeDocument/2006/relationships" xmlns:p="http://schemas.openxmlformats.org/presentationml/2006/main">
+  <p:cSld>
+    <p:spTree>
+      <p:nvGrpSpPr>
+        <p:cNvPr id="1" name=""/>
+        <p:cNvGrpSpPr/>
+        <p:nvPr/>
+      </p:nvGrpSpPr>
+      <p:grpSpPr>
+        <a:xfrm>
+          <a:off x="0" y="0"/>
+          <a:ext cx="0" cy="0"/>
+          <a:chOff x="0" y="0"/>
+          <a:chExt cx="0" cy="0"/>
+        </a:xfrm>
+      </p:grpSpPr>
+      <p:sp>
+        <p:nvSpPr>
           <p:cNvPr id="5" name="Title 4"/>
           <p:cNvSpPr>
             <a:spLocks noGrp="1"/>
@@ -19989,7 +20272,7 @@
             <a:fld id="{FF67BF5B-7344-D747-A0C2-CBD7B2ACBC85}" type="slidenum">
               <a:rPr lang="en-US" smtClean="0"/>
               <a:pPr/>
-              <a:t>20</a:t>
+              <a:t>21</a:t>
             </a:fld>
             <a:endParaRPr lang="en-US" dirty="0"/>
           </a:p>
@@ -20348,7 +20631,7 @@
         <p:spPr>
           <a:xfrm>
             <a:off x="572423" y="3763663"/>
-            <a:ext cx="8158884" cy="2159566"/>
+            <a:ext cx="8158884" cy="2031325"/>
           </a:xfrm>
           <a:prstGeom prst="rect">
             <a:avLst/>
@@ -20396,14 +20679,7 @@
                 <a:latin typeface="Consolas" pitchFamily="49" charset="0"/>
                 <a:cs typeface="Consolas" pitchFamily="49" charset="0"/>
               </a:rPr>
-              <a:t>] </a:t>
-            </a:r>
-            <a:r>
-              <a:rPr lang="en-US" sz="1400" dirty="0" smtClean="0">
-                <a:latin typeface="Consolas" pitchFamily="49" charset="0"/>
-                <a:cs typeface="Consolas" pitchFamily="49" charset="0"/>
-              </a:rPr>
-              <a:t>        </a:t>
+              <a:t>]         </a:t>
             </a:r>
             <a:br>
               <a:rPr lang="en-US" sz="1400" dirty="0" smtClean="0">
@@ -20606,22 +20882,21 @@
               </a:rPr>
               <a:t>	</a:t>
             </a:r>
-            <a:endParaRPr lang="en-US" sz="1400" dirty="0" smtClean="0">
-              <a:latin typeface="Consolas" pitchFamily="49" charset="0"/>
-              <a:cs typeface="Consolas" pitchFamily="49" charset="0"/>
-            </a:endParaRPr>
-          </a:p>
-          <a:p>
-            <a:pPr>
-              <a:spcBef>
-                <a:spcPts val="600"/>
-              </a:spcBef>
-              <a:spcAft>
-                <a:spcPts val="400"/>
-              </a:spcAft>
-            </a:pPr>
-            <a:r>
-              <a:rPr lang="en-US" sz="1400" dirty="0">
+            <a:r>
+              <a:rPr lang="en-US" sz="1400" dirty="0" smtClean="0">
+                <a:latin typeface="Consolas" pitchFamily="49" charset="0"/>
+                <a:cs typeface="Consolas" pitchFamily="49" charset="0"/>
+              </a:rPr>
+              <a:t/>
+            </a:r>
+            <a:br>
+              <a:rPr lang="en-US" sz="1400" dirty="0" smtClean="0">
+                <a:latin typeface="Consolas" pitchFamily="49" charset="0"/>
+                <a:cs typeface="Consolas" pitchFamily="49" charset="0"/>
+              </a:rPr>
+            </a:br>
+            <a:r>
+              <a:rPr lang="en-US" sz="1400" dirty="0" smtClean="0">
                 <a:latin typeface="Consolas" pitchFamily="49" charset="0"/>
                 <a:cs typeface="Consolas" pitchFamily="49" charset="0"/>
               </a:rPr>
@@ -20629,17 +20904,34 @@
             </a:r>
             <a:r>
               <a:rPr lang="en-US" sz="1400" dirty="0" err="1" smtClean="0">
-                <a:latin typeface="Consolas" pitchFamily="49" charset="0"/>
-                <a:cs typeface="Consolas" pitchFamily="49" charset="0"/>
-              </a:rPr>
-              <a:t>result.Should</a:t>
+                <a:solidFill>
+                  <a:srgbClr val="2B91AF"/>
+                </a:solidFill>
+                <a:latin typeface="Consolas" pitchFamily="49" charset="0"/>
+                <a:cs typeface="Consolas" pitchFamily="49" charset="0"/>
+              </a:rPr>
+              <a:t>Assert</a:t>
+            </a:r>
+            <a:r>
+              <a:rPr lang="en-US" sz="1400" dirty="0" err="1" smtClean="0">
+                <a:latin typeface="Consolas" pitchFamily="49" charset="0"/>
+                <a:cs typeface="Consolas" pitchFamily="49" charset="0"/>
+              </a:rPr>
+              <a:t>.AreaEqual</a:t>
             </a:r>
             <a:r>
               <a:rPr lang="en-US" sz="1400" dirty="0" smtClean="0">
                 <a:latin typeface="Consolas" pitchFamily="49" charset="0"/>
                 <a:cs typeface="Consolas" pitchFamily="49" charset="0"/>
               </a:rPr>
-              <a:t>().Be(3);</a:t>
+              <a:t>(3,</a:t>
+            </a:r>
+            <a:r>
+              <a:rPr lang="en-US" sz="1400" dirty="0" smtClean="0">
+                <a:latin typeface="Consolas" pitchFamily="49" charset="0"/>
+                <a:cs typeface="Consolas" pitchFamily="49" charset="0"/>
+              </a:rPr>
+              <a:t> result);</a:t>
             </a:r>
             <a:r>
               <a:rPr lang="en-US" sz="1400" dirty="0" smtClean="0">
@@ -21329,15 +21621,7 @@
             </a:pPr>
             <a:r>
               <a:rPr lang="nb-NO" sz="1600" dirty="0" smtClean="0"/>
-              <a:t> </a:t>
-            </a:r>
-            <a:r>
-              <a:rPr lang="nb-NO" sz="1600" dirty="0" smtClean="0"/>
-              <a:t>lettere </a:t>
-            </a:r>
-            <a:r>
-              <a:rPr lang="nb-NO" sz="1600" dirty="0" smtClean="0"/>
-              <a:t>å forstå</a:t>
+              <a:t> lettere å forstå</a:t>
             </a:r>
           </a:p>
           <a:p>
@@ -21848,8 +22132,13 @@
             </a:pPr>
             <a:r>
               <a:rPr lang="nb-NO" sz="1600" dirty="0" smtClean="0"/>
-              <a:t> Rapportering av testdekning</a:t>
-            </a:r>
+              <a:t> Rapportering av </a:t>
+            </a:r>
+            <a:r>
+              <a:rPr lang="nb-NO" sz="1600" dirty="0" smtClean="0"/>
+              <a:t>testdekning</a:t>
+            </a:r>
+            <a:endParaRPr lang="nb-NO" sz="1600" dirty="0" smtClean="0"/>
           </a:p>
           <a:p>
             <a:pPr>
@@ -22216,7 +22505,7 @@
         <p:spPr>
           <a:xfrm>
             <a:off x="321623" y="418905"/>
-            <a:ext cx="1846339" cy="307777"/>
+            <a:ext cx="2473113" cy="307777"/>
           </a:xfrm>
         </p:spPr>
         <p:txBody>
@@ -22225,7 +22514,11 @@
           <a:p>
             <a:r>
               <a:rPr lang="nb-NO" dirty="0" smtClean="0"/>
-              <a:t>Skrive test</a:t>
+              <a:t>TDD i .</a:t>
+            </a:r>
+            <a:r>
+              <a:rPr lang="nb-NO" dirty="0" smtClean="0"/>
+              <a:t>NET forts</a:t>
             </a:r>
             <a:endParaRPr lang="en-US" dirty="0"/>
           </a:p>
@@ -22250,6 +22543,564 @@
               <a:rPr lang="en-US" smtClean="0"/>
               <a:pPr/>
               <a:t>8</a:t>
+            </a:fld>
+            <a:endParaRPr lang="en-US" dirty="0"/>
+          </a:p>
+        </p:txBody>
+      </p:sp>
+      <p:sp>
+        <p:nvSpPr>
+          <p:cNvPr id="5" name="TextBox 4"/>
+          <p:cNvSpPr txBox="1"/>
+          <p:nvPr/>
+        </p:nvSpPr>
+        <p:spPr>
+          <a:xfrm>
+            <a:off x="490807" y="877824"/>
+            <a:ext cx="8240500" cy="2082621"/>
+          </a:xfrm>
+          <a:prstGeom prst="rect">
+            <a:avLst/>
+          </a:prstGeom>
+          <a:noFill/>
+        </p:spPr>
+        <p:txBody>
+          <a:bodyPr wrap="square" rtlCol="0">
+            <a:spAutoFit/>
+          </a:bodyPr>
+          <a:lstStyle/>
+          <a:p>
+            <a:pPr>
+              <a:spcBef>
+                <a:spcPts val="600"/>
+              </a:spcBef>
+              <a:spcAft>
+                <a:spcPts val="400"/>
+              </a:spcAft>
+            </a:pPr>
+            <a:r>
+              <a:rPr lang="nb-NO" sz="1600" dirty="0" smtClean="0"/>
+              <a:t>Anbefalt tillegg til TDD i .NET</a:t>
+            </a:r>
+          </a:p>
+          <a:p>
+            <a:pPr>
+              <a:spcBef>
+                <a:spcPts val="600"/>
+              </a:spcBef>
+              <a:spcAft>
+                <a:spcPts val="400"/>
+              </a:spcAft>
+            </a:pPr>
+            <a:endParaRPr lang="nb-NO" sz="1600" dirty="0" smtClean="0"/>
+          </a:p>
+          <a:p>
+            <a:pPr>
+              <a:spcBef>
+                <a:spcPts val="600"/>
+              </a:spcBef>
+              <a:spcAft>
+                <a:spcPts val="400"/>
+              </a:spcAft>
+            </a:pPr>
+            <a:r>
+              <a:rPr lang="nb-NO" sz="1600" dirty="0" smtClean="0"/>
+              <a:t>Fluent Assertions (Install-Package FluentAssertions)</a:t>
+            </a:r>
+            <a:endParaRPr lang="nb-NO" sz="1600" dirty="0"/>
+          </a:p>
+          <a:p>
+            <a:pPr>
+              <a:spcBef>
+                <a:spcPts val="600"/>
+              </a:spcBef>
+              <a:spcAft>
+                <a:spcPts val="400"/>
+              </a:spcAft>
+            </a:pPr>
+            <a:r>
+              <a:rPr lang="nb-NO" sz="1600" dirty="0">
+                <a:hlinkClick r:id="rId3"/>
+              </a:rPr>
+              <a:t>https://github.com/dennisdoomen/FluentAssertions</a:t>
+            </a:r>
+            <a:r>
+              <a:rPr lang="nb-NO" sz="1600" dirty="0" smtClean="0"/>
+              <a:t/>
+            </a:r>
+            <a:br>
+              <a:rPr lang="nb-NO" sz="1600" dirty="0" smtClean="0"/>
+            </a:br>
+            <a:endParaRPr lang="nb-NO" sz="1600" dirty="0" smtClean="0"/>
+          </a:p>
+          <a:p>
+            <a:pPr>
+              <a:spcBef>
+                <a:spcPts val="600"/>
+              </a:spcBef>
+              <a:spcAft>
+                <a:spcPts val="400"/>
+              </a:spcAft>
+            </a:pPr>
+            <a:endParaRPr lang="nb-NO" sz="1100" dirty="0" smtClean="0"/>
+          </a:p>
+        </p:txBody>
+      </p:sp>
+      <p:sp>
+        <p:nvSpPr>
+          <p:cNvPr id="4" name="Rectangle 3"/>
+          <p:cNvSpPr/>
+          <p:nvPr/>
+        </p:nvSpPr>
+        <p:spPr>
+          <a:xfrm>
+            <a:off x="490807" y="3130139"/>
+            <a:ext cx="8129016" cy="3139321"/>
+          </a:xfrm>
+          <a:prstGeom prst="rect">
+            <a:avLst/>
+          </a:prstGeom>
+        </p:spPr>
+        <p:txBody>
+          <a:bodyPr wrap="square">
+            <a:spAutoFit/>
+          </a:bodyPr>
+          <a:lstStyle/>
+          <a:p>
+            <a:pPr>
+              <a:spcBef>
+                <a:spcPts val="600"/>
+              </a:spcBef>
+              <a:spcAft>
+                <a:spcPts val="400"/>
+              </a:spcAft>
+            </a:pPr>
+            <a:r>
+              <a:rPr lang="en-US" dirty="0">
+                <a:latin typeface="Consolas" pitchFamily="49" charset="0"/>
+                <a:cs typeface="Consolas" pitchFamily="49" charset="0"/>
+              </a:rPr>
+              <a:t>[</a:t>
+            </a:r>
+            <a:r>
+              <a:rPr lang="en-US" dirty="0">
+                <a:solidFill>
+                  <a:srgbClr val="2B91AF"/>
+                </a:solidFill>
+                <a:latin typeface="Consolas" pitchFamily="49" charset="0"/>
+                <a:cs typeface="Consolas" pitchFamily="49" charset="0"/>
+              </a:rPr>
+              <a:t>Test</a:t>
+            </a:r>
+            <a:r>
+              <a:rPr lang="en-US" dirty="0">
+                <a:latin typeface="Consolas" pitchFamily="49" charset="0"/>
+                <a:cs typeface="Consolas" pitchFamily="49" charset="0"/>
+              </a:rPr>
+              <a:t>]         </a:t>
+            </a:r>
+            <a:br>
+              <a:rPr lang="en-US" dirty="0">
+                <a:latin typeface="Consolas" pitchFamily="49" charset="0"/>
+                <a:cs typeface="Consolas" pitchFamily="49" charset="0"/>
+              </a:rPr>
+            </a:br>
+            <a:r>
+              <a:rPr lang="en-US" dirty="0">
+                <a:solidFill>
+                  <a:srgbClr val="0000FF"/>
+                </a:solidFill>
+                <a:latin typeface="Consolas" pitchFamily="49" charset="0"/>
+                <a:cs typeface="Consolas" pitchFamily="49" charset="0"/>
+              </a:rPr>
+              <a:t>public</a:t>
+            </a:r>
+            <a:r>
+              <a:rPr lang="en-US" dirty="0">
+                <a:latin typeface="Consolas" pitchFamily="49" charset="0"/>
+                <a:cs typeface="Consolas" pitchFamily="49" charset="0"/>
+              </a:rPr>
+              <a:t> </a:t>
+            </a:r>
+            <a:r>
+              <a:rPr lang="en-US" dirty="0">
+                <a:solidFill>
+                  <a:srgbClr val="0000FF"/>
+                </a:solidFill>
+                <a:latin typeface="Consolas" pitchFamily="49" charset="0"/>
+                <a:cs typeface="Consolas" pitchFamily="49" charset="0"/>
+              </a:rPr>
+              <a:t>void</a:t>
+            </a:r>
+            <a:r>
+              <a:rPr lang="en-US" dirty="0">
+                <a:latin typeface="Consolas" pitchFamily="49" charset="0"/>
+                <a:cs typeface="Consolas" pitchFamily="49" charset="0"/>
+              </a:rPr>
+              <a:t> </a:t>
+            </a:r>
+            <a:r>
+              <a:rPr lang="en-US" dirty="0" err="1">
+                <a:latin typeface="Consolas" pitchFamily="49" charset="0"/>
+                <a:cs typeface="Consolas" pitchFamily="49" charset="0"/>
+              </a:rPr>
+              <a:t>Add_TwoNumbers_ReturnSumOfNumbers</a:t>
+            </a:r>
+            <a:r>
+              <a:rPr lang="en-US" dirty="0">
+                <a:latin typeface="Consolas" pitchFamily="49" charset="0"/>
+                <a:cs typeface="Consolas" pitchFamily="49" charset="0"/>
+              </a:rPr>
+              <a:t>()         </a:t>
+            </a:r>
+            <a:br>
+              <a:rPr lang="en-US" dirty="0">
+                <a:latin typeface="Consolas" pitchFamily="49" charset="0"/>
+                <a:cs typeface="Consolas" pitchFamily="49" charset="0"/>
+              </a:rPr>
+            </a:br>
+            <a:r>
+              <a:rPr lang="en-US" dirty="0">
+                <a:latin typeface="Consolas" pitchFamily="49" charset="0"/>
+                <a:cs typeface="Consolas" pitchFamily="49" charset="0"/>
+              </a:rPr>
+              <a:t>{             </a:t>
+            </a:r>
+            <a:br>
+              <a:rPr lang="en-US" dirty="0">
+                <a:latin typeface="Consolas" pitchFamily="49" charset="0"/>
+                <a:cs typeface="Consolas" pitchFamily="49" charset="0"/>
+              </a:rPr>
+            </a:br>
+            <a:r>
+              <a:rPr lang="en-US" dirty="0">
+                <a:latin typeface="Consolas" pitchFamily="49" charset="0"/>
+                <a:cs typeface="Consolas" pitchFamily="49" charset="0"/>
+              </a:rPr>
+              <a:t>	</a:t>
+            </a:r>
+            <a:r>
+              <a:rPr lang="en-US" dirty="0" err="1">
+                <a:solidFill>
+                  <a:srgbClr val="0000FF"/>
+                </a:solidFill>
+                <a:latin typeface="Consolas" pitchFamily="49" charset="0"/>
+                <a:cs typeface="Consolas" pitchFamily="49" charset="0"/>
+              </a:rPr>
+              <a:t>var</a:t>
+            </a:r>
+            <a:r>
+              <a:rPr lang="en-US" dirty="0">
+                <a:latin typeface="Consolas" pitchFamily="49" charset="0"/>
+                <a:cs typeface="Consolas" pitchFamily="49" charset="0"/>
+              </a:rPr>
+              <a:t> calculator = </a:t>
+            </a:r>
+            <a:r>
+              <a:rPr lang="en-US" dirty="0">
+                <a:solidFill>
+                  <a:srgbClr val="0000FF"/>
+                </a:solidFill>
+                <a:latin typeface="Consolas" pitchFamily="49" charset="0"/>
+                <a:cs typeface="Consolas" pitchFamily="49" charset="0"/>
+              </a:rPr>
+              <a:t>new</a:t>
+            </a:r>
+            <a:r>
+              <a:rPr lang="en-US" dirty="0">
+                <a:latin typeface="Consolas" pitchFamily="49" charset="0"/>
+                <a:cs typeface="Consolas" pitchFamily="49" charset="0"/>
+              </a:rPr>
+              <a:t> </a:t>
+            </a:r>
+            <a:r>
+              <a:rPr lang="en-US" dirty="0">
+                <a:solidFill>
+                  <a:srgbClr val="2B91AF"/>
+                </a:solidFill>
+                <a:latin typeface="Consolas" pitchFamily="49" charset="0"/>
+                <a:cs typeface="Consolas" pitchFamily="49" charset="0"/>
+              </a:rPr>
+              <a:t>Calculator</a:t>
+            </a:r>
+            <a:r>
+              <a:rPr lang="en-US" dirty="0">
+                <a:latin typeface="Consolas" pitchFamily="49" charset="0"/>
+                <a:cs typeface="Consolas" pitchFamily="49" charset="0"/>
+              </a:rPr>
+              <a:t>();          </a:t>
+            </a:r>
+            <a:br>
+              <a:rPr lang="en-US" dirty="0">
+                <a:latin typeface="Consolas" pitchFamily="49" charset="0"/>
+                <a:cs typeface="Consolas" pitchFamily="49" charset="0"/>
+              </a:rPr>
+            </a:br>
+            <a:r>
+              <a:rPr lang="en-US" dirty="0">
+                <a:latin typeface="Consolas" pitchFamily="49" charset="0"/>
+                <a:cs typeface="Consolas" pitchFamily="49" charset="0"/>
+              </a:rPr>
+              <a:t/>
+            </a:r>
+            <a:br>
+              <a:rPr lang="en-US" dirty="0">
+                <a:latin typeface="Consolas" pitchFamily="49" charset="0"/>
+                <a:cs typeface="Consolas" pitchFamily="49" charset="0"/>
+              </a:rPr>
+            </a:br>
+            <a:r>
+              <a:rPr lang="en-US" dirty="0">
+                <a:latin typeface="Consolas" pitchFamily="49" charset="0"/>
+                <a:cs typeface="Consolas" pitchFamily="49" charset="0"/>
+              </a:rPr>
+              <a:t>	</a:t>
+            </a:r>
+            <a:r>
+              <a:rPr lang="en-US" dirty="0" err="1">
+                <a:solidFill>
+                  <a:srgbClr val="0000FF"/>
+                </a:solidFill>
+                <a:latin typeface="Consolas" pitchFamily="49" charset="0"/>
+                <a:cs typeface="Consolas" pitchFamily="49" charset="0"/>
+              </a:rPr>
+              <a:t>var</a:t>
+            </a:r>
+            <a:r>
+              <a:rPr lang="en-US" dirty="0">
+                <a:latin typeface="Consolas" pitchFamily="49" charset="0"/>
+                <a:cs typeface="Consolas" pitchFamily="49" charset="0"/>
+              </a:rPr>
+              <a:t> result = </a:t>
+            </a:r>
+            <a:r>
+              <a:rPr lang="en-US" dirty="0" err="1">
+                <a:latin typeface="Consolas" pitchFamily="49" charset="0"/>
+                <a:cs typeface="Consolas" pitchFamily="49" charset="0"/>
+              </a:rPr>
+              <a:t>calculator.Add</a:t>
+            </a:r>
+            <a:r>
+              <a:rPr lang="en-US" dirty="0">
+                <a:latin typeface="Consolas" pitchFamily="49" charset="0"/>
+                <a:cs typeface="Consolas" pitchFamily="49" charset="0"/>
+              </a:rPr>
+              <a:t>(1, 2);             </a:t>
+            </a:r>
+            <a:br>
+              <a:rPr lang="en-US" dirty="0">
+                <a:latin typeface="Consolas" pitchFamily="49" charset="0"/>
+                <a:cs typeface="Consolas" pitchFamily="49" charset="0"/>
+              </a:rPr>
+            </a:br>
+            <a:r>
+              <a:rPr lang="en-US" dirty="0">
+                <a:latin typeface="Consolas" pitchFamily="49" charset="0"/>
+                <a:cs typeface="Consolas" pitchFamily="49" charset="0"/>
+              </a:rPr>
+              <a:t>	</a:t>
+            </a:r>
+            <a:br>
+              <a:rPr lang="en-US" dirty="0">
+                <a:latin typeface="Consolas" pitchFamily="49" charset="0"/>
+                <a:cs typeface="Consolas" pitchFamily="49" charset="0"/>
+              </a:rPr>
+            </a:br>
+            <a:r>
+              <a:rPr lang="en-US" dirty="0">
+                <a:latin typeface="Consolas" pitchFamily="49" charset="0"/>
+                <a:cs typeface="Consolas" pitchFamily="49" charset="0"/>
+              </a:rPr>
+              <a:t>	</a:t>
+            </a:r>
+            <a:r>
+              <a:rPr lang="en-US" strike="sngStrike" dirty="0" err="1">
+                <a:solidFill>
+                  <a:srgbClr val="2B91AF"/>
+                </a:solidFill>
+                <a:latin typeface="Consolas" pitchFamily="49" charset="0"/>
+                <a:cs typeface="Consolas" pitchFamily="49" charset="0"/>
+              </a:rPr>
+              <a:t>Assert</a:t>
+            </a:r>
+            <a:r>
+              <a:rPr lang="en-US" strike="sngStrike" dirty="0" err="1">
+                <a:latin typeface="Consolas" pitchFamily="49" charset="0"/>
+                <a:cs typeface="Consolas" pitchFamily="49" charset="0"/>
+              </a:rPr>
+              <a:t>.AreaEqual</a:t>
+            </a:r>
+            <a:r>
+              <a:rPr lang="en-US" strike="sngStrike" dirty="0">
+                <a:latin typeface="Consolas" pitchFamily="49" charset="0"/>
+                <a:cs typeface="Consolas" pitchFamily="49" charset="0"/>
+              </a:rPr>
+              <a:t>(3, result</a:t>
+            </a:r>
+            <a:r>
+              <a:rPr lang="en-US" strike="sngStrike" dirty="0" smtClean="0">
+                <a:latin typeface="Consolas" pitchFamily="49" charset="0"/>
+                <a:cs typeface="Consolas" pitchFamily="49" charset="0"/>
+              </a:rPr>
+              <a:t>);</a:t>
+            </a:r>
+            <a:r>
+              <a:rPr lang="en-US" dirty="0">
+                <a:latin typeface="Consolas" pitchFamily="49" charset="0"/>
+                <a:cs typeface="Consolas" pitchFamily="49" charset="0"/>
+              </a:rPr>
+              <a:t/>
+            </a:r>
+            <a:br>
+              <a:rPr lang="en-US" dirty="0">
+                <a:latin typeface="Consolas" pitchFamily="49" charset="0"/>
+                <a:cs typeface="Consolas" pitchFamily="49" charset="0"/>
+              </a:rPr>
+            </a:br>
+            <a:r>
+              <a:rPr lang="en-US" dirty="0" smtClean="0">
+                <a:latin typeface="Consolas" pitchFamily="49" charset="0"/>
+                <a:cs typeface="Consolas" pitchFamily="49" charset="0"/>
+              </a:rPr>
+              <a:t/>
+            </a:r>
+            <a:br>
+              <a:rPr lang="en-US" dirty="0" smtClean="0">
+                <a:latin typeface="Consolas" pitchFamily="49" charset="0"/>
+                <a:cs typeface="Consolas" pitchFamily="49" charset="0"/>
+              </a:rPr>
+            </a:br>
+            <a:r>
+              <a:rPr lang="en-US" dirty="0" smtClean="0">
+                <a:latin typeface="Consolas" pitchFamily="49" charset="0"/>
+                <a:cs typeface="Consolas" pitchFamily="49" charset="0"/>
+              </a:rPr>
+              <a:t>	</a:t>
+            </a:r>
+            <a:r>
+              <a:rPr lang="en-US" dirty="0" err="1" smtClean="0">
+                <a:latin typeface="Consolas" pitchFamily="49" charset="0"/>
+                <a:cs typeface="Consolas" pitchFamily="49" charset="0"/>
+              </a:rPr>
+              <a:t>result.Should</a:t>
+            </a:r>
+            <a:r>
+              <a:rPr lang="en-US" dirty="0" smtClean="0">
+                <a:latin typeface="Consolas" pitchFamily="49" charset="0"/>
+                <a:cs typeface="Consolas" pitchFamily="49" charset="0"/>
+              </a:rPr>
+              <a:t>().Be(3);</a:t>
+            </a:r>
+            <a:r>
+              <a:rPr lang="en-US" dirty="0">
+                <a:latin typeface="Consolas" pitchFamily="49" charset="0"/>
+                <a:cs typeface="Consolas" pitchFamily="49" charset="0"/>
+              </a:rPr>
+              <a:t>        </a:t>
+            </a:r>
+            <a:br>
+              <a:rPr lang="en-US" dirty="0">
+                <a:latin typeface="Consolas" pitchFamily="49" charset="0"/>
+                <a:cs typeface="Consolas" pitchFamily="49" charset="0"/>
+              </a:rPr>
+            </a:br>
+            <a:r>
+              <a:rPr lang="en-US" dirty="0">
+                <a:latin typeface="Consolas" pitchFamily="49" charset="0"/>
+                <a:cs typeface="Consolas" pitchFamily="49" charset="0"/>
+              </a:rPr>
+              <a:t>}</a:t>
+            </a:r>
+          </a:p>
+        </p:txBody>
+      </p:sp>
+    </p:spTree>
+    <p:extLst>
+      <p:ext uri="{BB962C8B-B14F-4D97-AF65-F5344CB8AC3E}">
+        <p14:creationId xmlns:p14="http://schemas.microsoft.com/office/powerpoint/2010/main" val="281249599"/>
+      </p:ext>
+    </p:extLst>
+  </p:cSld>
+  <p:clrMapOvr>
+    <a:masterClrMapping/>
+  </p:clrMapOvr>
+  <p:transition>
+    <p:fade thruBlk="1"/>
+  </p:transition>
+  <p:timing>
+    <p:tnLst>
+      <p:par>
+        <p:cTn id="1" dur="indefinite" restart="never" nodeType="tmRoot"/>
+      </p:par>
+    </p:tnLst>
+  </p:timing>
+</p:sld>
+</file>
+
+<file path=ppt/slides/slide9.xml><?xml version="1.0" encoding="utf-8"?>
+<p:sld xmlns:a="http://schemas.openxmlformats.org/drawingml/2006/main" xmlns:r="http://schemas.openxmlformats.org/officeDocument/2006/relationships" xmlns:p="http://schemas.openxmlformats.org/presentationml/2006/main">
+  <p:cSld>
+    <p:spTree>
+      <p:nvGrpSpPr>
+        <p:cNvPr id="1" name=""/>
+        <p:cNvGrpSpPr/>
+        <p:nvPr/>
+      </p:nvGrpSpPr>
+      <p:grpSpPr>
+        <a:xfrm>
+          <a:off x="0" y="0"/>
+          <a:ext cx="0" cy="0"/>
+          <a:chOff x="0" y="0"/>
+          <a:chExt cx="0" cy="0"/>
+        </a:xfrm>
+      </p:grpSpPr>
+      <p:sp>
+        <p:nvSpPr>
+          <p:cNvPr id="2" name="Title 1"/>
+          <p:cNvSpPr>
+            <a:spLocks noGrp="1"/>
+          </p:cNvSpPr>
+          <p:nvPr>
+            <p:ph type="title"/>
+          </p:nvPr>
+        </p:nvSpPr>
+        <p:spPr>
+          <a:xfrm>
+            <a:off x="321623" y="418905"/>
+            <a:ext cx="1846339" cy="307777"/>
+          </a:xfrm>
+        </p:spPr>
+        <p:txBody>
+          <a:bodyPr/>
+          <a:lstStyle/>
+          <a:p>
+            <a:r>
+              <a:rPr lang="nb-NO" dirty="0" smtClean="0"/>
+              <a:t>Skrive test</a:t>
+            </a:r>
+            <a:endParaRPr lang="en-US" dirty="0"/>
+          </a:p>
+        </p:txBody>
+      </p:sp>
+      <p:sp>
+        <p:nvSpPr>
+          <p:cNvPr id="3" name="Slide Number Placeholder 2"/>
+          <p:cNvSpPr>
+            <a:spLocks noGrp="1"/>
+          </p:cNvSpPr>
+          <p:nvPr>
+            <p:ph type="sldNum" sz="quarter" idx="10"/>
+          </p:nvPr>
+        </p:nvSpPr>
+        <p:spPr/>
+        <p:txBody>
+          <a:bodyPr/>
+          <a:lstStyle/>
+          <a:p>
+            <a:fld id="{FF67BF5B-7344-D747-A0C2-CBD7B2ACBC85}" type="slidenum">
+              <a:rPr lang="en-US" smtClean="0"/>
+              <a:pPr/>
+              <a:t>9</a:t>
             </a:fld>
             <a:endParaRPr lang="en-US" dirty="0"/>
           </a:p>
@@ -22582,41 +23433,17 @@
                 <a:latin typeface="Consolas" pitchFamily="49" charset="0"/>
                 <a:cs typeface="Consolas" pitchFamily="49" charset="0"/>
               </a:rPr>
-              <a:t>().Be(3); </a:t>
+              <a:t>().Be(3);                    </a:t>
             </a:r>
             <a:r>
               <a:rPr lang="en-US" sz="1600" dirty="0" smtClean="0">
-                <a:latin typeface="Consolas" pitchFamily="49" charset="0"/>
-                <a:cs typeface="Consolas" pitchFamily="49" charset="0"/>
-              </a:rPr>
-              <a:t>              </a:t>
-            </a:r>
-            <a:r>
-              <a:rPr lang="en-US" sz="1600" dirty="0" smtClean="0">
-                <a:latin typeface="Consolas" pitchFamily="49" charset="0"/>
-                <a:cs typeface="Consolas" pitchFamily="49" charset="0"/>
-              </a:rPr>
-              <a:t>     </a:t>
-            </a:r>
-            <a:r>
-              <a:rPr lang="en-US" sz="1600" dirty="0" smtClean="0">
                 <a:solidFill>
                   <a:srgbClr val="008000"/>
                 </a:solidFill>
                 <a:latin typeface="Consolas" pitchFamily="49" charset="0"/>
                 <a:cs typeface="Consolas" pitchFamily="49" charset="0"/>
               </a:rPr>
-              <a:t>//</a:t>
-            </a:r>
-            <a:r>
-              <a:rPr lang="en-US" sz="1600" dirty="0" smtClean="0">
-                <a:solidFill>
-                  <a:srgbClr val="008000"/>
-                </a:solidFill>
-                <a:latin typeface="Consolas" pitchFamily="49" charset="0"/>
-                <a:cs typeface="Consolas" pitchFamily="49" charset="0"/>
-              </a:rPr>
-              <a:t>assert</a:t>
+              <a:t>//assert</a:t>
             </a:r>
             <a:r>
               <a:rPr lang="en-US" sz="1600" dirty="0" smtClean="0">
@@ -22756,256 +23583,6 @@
           </a:fontRef>
         </p:style>
       </p:cxnSp>
-    </p:spTree>
-  </p:cSld>
-  <p:clrMapOvr>
-    <a:masterClrMapping/>
-  </p:clrMapOvr>
-  <p:transition>
-    <p:fade thruBlk="1"/>
-  </p:transition>
-  <p:timing>
-    <p:tnLst>
-      <p:par>
-        <p:cTn id="1" dur="indefinite" restart="never" nodeType="tmRoot"/>
-      </p:par>
-    </p:tnLst>
-  </p:timing>
-</p:sld>
-</file>
-
-<file path=ppt/slides/slide9.xml><?xml version="1.0" encoding="utf-8"?>
-<p:sld xmlns:a="http://schemas.openxmlformats.org/drawingml/2006/main" xmlns:r="http://schemas.openxmlformats.org/officeDocument/2006/relationships" xmlns:p="http://schemas.openxmlformats.org/presentationml/2006/main">
-  <p:cSld>
-    <p:bg>
-      <p:bgPr>
-        <a:solidFill>
-          <a:schemeClr val="accent1"/>
-        </a:solidFill>
-        <a:effectLst/>
-      </p:bgPr>
-    </p:bg>
-    <p:spTree>
-      <p:nvGrpSpPr>
-        <p:cNvPr id="1" name=""/>
-        <p:cNvGrpSpPr/>
-        <p:nvPr/>
-      </p:nvGrpSpPr>
-      <p:grpSpPr>
-        <a:xfrm>
-          <a:off x="0" y="0"/>
-          <a:ext cx="0" cy="0"/>
-          <a:chOff x="0" y="0"/>
-          <a:chExt cx="0" cy="0"/>
-        </a:xfrm>
-      </p:grpSpPr>
-      <p:sp>
-        <p:nvSpPr>
-          <p:cNvPr id="2" name="Title 1"/>
-          <p:cNvSpPr>
-            <a:spLocks noGrp="1"/>
-          </p:cNvSpPr>
-          <p:nvPr>
-            <p:ph type="title"/>
-          </p:nvPr>
-        </p:nvSpPr>
-        <p:spPr>
-          <a:xfrm>
-            <a:off x="321623" y="418905"/>
-            <a:ext cx="1579920" cy="307777"/>
-          </a:xfrm>
-          <a:solidFill>
-            <a:schemeClr val="accent1"/>
-          </a:solidFill>
-        </p:spPr>
-        <p:txBody>
-          <a:bodyPr/>
-          <a:lstStyle/>
-          <a:p>
-            <a:r>
-              <a:rPr lang="nb-NO" dirty="0" smtClean="0">
-                <a:solidFill>
-                  <a:schemeClr val="bg1"/>
-                </a:solidFill>
-              </a:rPr>
-              <a:t>Oppgave </a:t>
-            </a:r>
-            <a:r>
-              <a:rPr lang="nb-NO" dirty="0" smtClean="0">
-                <a:solidFill>
-                  <a:schemeClr val="bg1"/>
-                </a:solidFill>
-              </a:rPr>
-              <a:t>1</a:t>
-            </a:r>
-            <a:endParaRPr lang="en-US" dirty="0">
-              <a:solidFill>
-                <a:schemeClr val="bg1"/>
-              </a:solidFill>
-            </a:endParaRPr>
-          </a:p>
-        </p:txBody>
-      </p:sp>
-      <p:sp>
-        <p:nvSpPr>
-          <p:cNvPr id="3" name="Slide Number Placeholder 2"/>
-          <p:cNvSpPr>
-            <a:spLocks noGrp="1"/>
-          </p:cNvSpPr>
-          <p:nvPr>
-            <p:ph type="sldNum" sz="quarter" idx="10"/>
-          </p:nvPr>
-        </p:nvSpPr>
-        <p:spPr>
-          <a:solidFill>
-            <a:schemeClr val="accent1"/>
-          </a:solidFill>
-        </p:spPr>
-        <p:txBody>
-          <a:bodyPr/>
-          <a:lstStyle/>
-          <a:p>
-            <a:fld id="{FF67BF5B-7344-D747-A0C2-CBD7B2ACBC85}" type="slidenum">
-              <a:rPr lang="en-US" smtClean="0">
-                <a:solidFill>
-                  <a:schemeClr val="bg1"/>
-                </a:solidFill>
-              </a:rPr>
-              <a:pPr/>
-              <a:t>9</a:t>
-            </a:fld>
-            <a:endParaRPr lang="en-US" dirty="0">
-              <a:solidFill>
-                <a:schemeClr val="bg1"/>
-              </a:solidFill>
-            </a:endParaRPr>
-          </a:p>
-        </p:txBody>
-      </p:sp>
-      <p:sp>
-        <p:nvSpPr>
-          <p:cNvPr id="6" name="Title 1"/>
-          <p:cNvSpPr txBox="1">
-            <a:spLocks/>
-          </p:cNvSpPr>
-          <p:nvPr/>
-        </p:nvSpPr>
-        <p:spPr>
-          <a:xfrm>
-            <a:off x="773723" y="1341070"/>
-            <a:ext cx="7957584" cy="1846659"/>
-          </a:xfrm>
-          <a:prstGeom prst="rect">
-            <a:avLst/>
-          </a:prstGeom>
-          <a:solidFill>
-            <a:schemeClr val="accent1"/>
-          </a:solidFill>
-        </p:spPr>
-        <p:txBody>
-          <a:bodyPr vert="horz" wrap="square" lIns="91440" tIns="0" rIns="91440" bIns="0" rtlCol="0" anchor="t">
-            <a:spAutoFit/>
-          </a:bodyPr>
-          <a:lstStyle/>
-          <a:p>
-            <a:r>
-              <a:rPr lang="nb-NO" sz="2000" dirty="0" smtClean="0">
-                <a:solidFill>
-                  <a:schemeClr val="bg1"/>
-                </a:solidFill>
-              </a:rPr>
-              <a:t>Gjennomfør TDD Kataen som er laget av Roy Osherove (</a:t>
-            </a:r>
-            <a:r>
-              <a:rPr lang="nb-NO" sz="2000" u="sng" dirty="0" smtClean="0">
-                <a:solidFill>
-                  <a:schemeClr val="bg1"/>
-                </a:solidFill>
-                <a:hlinkClick r:id="rId2"/>
-              </a:rPr>
-              <a:t>http://osherove.com/</a:t>
-            </a:r>
-            <a:r>
-              <a:rPr lang="nb-NO" sz="2000" dirty="0" smtClean="0">
-                <a:solidFill>
-                  <a:schemeClr val="bg1"/>
-                </a:solidFill>
-              </a:rPr>
-              <a:t>) som finnes </a:t>
-            </a:r>
-            <a:r>
-              <a:rPr lang="nb-NO" sz="2000" u="sng" dirty="0" smtClean="0">
-                <a:solidFill>
-                  <a:schemeClr val="bg1"/>
-                </a:solidFill>
-                <a:hlinkClick r:id="rId3"/>
-              </a:rPr>
-              <a:t>her.</a:t>
-            </a:r>
-            <a:r>
-              <a:rPr lang="nb-NO" sz="2000" dirty="0" smtClean="0">
-                <a:solidFill>
-                  <a:schemeClr val="bg1"/>
-                </a:solidFill>
-              </a:rPr>
-              <a:t> </a:t>
-            </a:r>
-          </a:p>
-          <a:p>
-            <a:endParaRPr lang="nb-NO" sz="2000" dirty="0" smtClean="0">
-              <a:solidFill>
-                <a:schemeClr val="bg1"/>
-              </a:solidFill>
-            </a:endParaRPr>
-          </a:p>
-          <a:p>
-            <a:r>
-              <a:rPr lang="nb-NO" sz="2000" dirty="0" smtClean="0">
-                <a:solidFill>
-                  <a:schemeClr val="bg1"/>
-                </a:solidFill>
-              </a:rPr>
-              <a:t>Kataen går på å implementere en String Calculator, løs èn og èn av oppgavene, prøv å ikke ”se fremover”.</a:t>
-            </a:r>
-            <a:endParaRPr lang="en-US" sz="2000" dirty="0" smtClean="0">
-              <a:solidFill>
-                <a:schemeClr val="bg1"/>
-              </a:solidFill>
-            </a:endParaRPr>
-          </a:p>
-          <a:p>
-            <a:pPr marL="457200" marR="0" lvl="0" indent="-457200" algn="just" defTabSz="457200" rtl="0" eaLnBrk="1" fontAlgn="auto" latinLnBrk="0" hangingPunct="1">
-              <a:lnSpc>
-                <a:spcPct val="100000"/>
-              </a:lnSpc>
-              <a:spcBef>
-                <a:spcPct val="0"/>
-              </a:spcBef>
-              <a:spcAft>
-                <a:spcPts val="0"/>
-              </a:spcAft>
-              <a:buClrTx/>
-              <a:buSzTx/>
-              <a:tabLst/>
-              <a:defRPr/>
-            </a:pPr>
-            <a:endParaRPr kumimoji="0" lang="en-US" sz="2000" b="0" i="1" u="none" strike="noStrike" kern="1200" cap="all" spc="20" normalizeH="0" baseline="0" noProof="0" dirty="0">
-              <a:ln>
-                <a:noFill/>
-              </a:ln>
-              <a:solidFill>
-                <a:schemeClr val="bg1"/>
-              </a:solidFill>
-              <a:effectLst/>
-              <a:uLnTx/>
-              <a:uFillTx/>
-              <a:latin typeface="Georgia"/>
-              <a:ea typeface="+mj-ea"/>
-              <a:cs typeface="Georgia"/>
-            </a:endParaRPr>
-          </a:p>
-        </p:txBody>
-      </p:sp>
     </p:spTree>
   </p:cSld>
   <p:clrMapOvr>

--- a/tdd/TDD.pptx
+++ b/tdd/TDD.pptx
@@ -1266,437 +1266,6 @@
       <dsp:cNvGrpSpPr/>
     </dsp:nvGrpSpPr>
     <dsp:grpSpPr/>
-    <dsp:sp modelId="{089AE9DB-14A9-49BB-9CB4-C28E756D777C}">
-      <dsp:nvSpPr>
-        <dsp:cNvPr id="0" name=""/>
-        <dsp:cNvSpPr/>
-      </dsp:nvSpPr>
-      <dsp:spPr>
-        <a:xfrm>
-          <a:off x="1374925" y="501235"/>
-          <a:ext cx="3346149" cy="3346149"/>
-        </a:xfrm>
-        <a:prstGeom prst="blockArc">
-          <a:avLst>
-            <a:gd name="adj1" fmla="val 9000000"/>
-            <a:gd name="adj2" fmla="val 16200000"/>
-            <a:gd name="adj3" fmla="val 4636"/>
-          </a:avLst>
-        </a:prstGeom>
-        <a:solidFill>
-          <a:schemeClr val="accent1">
-            <a:tint val="60000"/>
-            <a:hueOff val="0"/>
-            <a:satOff val="0"/>
-            <a:lumOff val="0"/>
-            <a:alphaOff val="0"/>
-          </a:schemeClr>
-        </a:solidFill>
-        <a:ln>
-          <a:noFill/>
-        </a:ln>
-        <a:effectLst/>
-      </dsp:spPr>
-      <dsp:style>
-        <a:lnRef idx="0">
-          <a:scrgbClr r="0" g="0" b="0"/>
-        </a:lnRef>
-        <a:fillRef idx="1">
-          <a:scrgbClr r="0" g="0" b="0"/>
-        </a:fillRef>
-        <a:effectRef idx="0">
-          <a:scrgbClr r="0" g="0" b="0"/>
-        </a:effectRef>
-        <a:fontRef idx="minor">
-          <a:schemeClr val="lt1"/>
-        </a:fontRef>
-      </dsp:style>
-    </dsp:sp>
-    <dsp:sp modelId="{96CD68C4-F273-448A-A352-D323FD822264}">
-      <dsp:nvSpPr>
-        <dsp:cNvPr id="0" name=""/>
-        <dsp:cNvSpPr/>
-      </dsp:nvSpPr>
-      <dsp:spPr>
-        <a:xfrm>
-          <a:off x="1374925" y="501235"/>
-          <a:ext cx="3346149" cy="3346149"/>
-        </a:xfrm>
-        <a:prstGeom prst="blockArc">
-          <a:avLst>
-            <a:gd name="adj1" fmla="val 1800000"/>
-            <a:gd name="adj2" fmla="val 9000000"/>
-            <a:gd name="adj3" fmla="val 4636"/>
-          </a:avLst>
-        </a:prstGeom>
-        <a:solidFill>
-          <a:schemeClr val="accent1">
-            <a:tint val="60000"/>
-            <a:hueOff val="0"/>
-            <a:satOff val="0"/>
-            <a:lumOff val="0"/>
-            <a:alphaOff val="0"/>
-          </a:schemeClr>
-        </a:solidFill>
-        <a:ln>
-          <a:noFill/>
-        </a:ln>
-        <a:effectLst/>
-      </dsp:spPr>
-      <dsp:style>
-        <a:lnRef idx="0">
-          <a:scrgbClr r="0" g="0" b="0"/>
-        </a:lnRef>
-        <a:fillRef idx="1">
-          <a:scrgbClr r="0" g="0" b="0"/>
-        </a:fillRef>
-        <a:effectRef idx="0">
-          <a:scrgbClr r="0" g="0" b="0"/>
-        </a:effectRef>
-        <a:fontRef idx="minor">
-          <a:schemeClr val="lt1"/>
-        </a:fontRef>
-      </dsp:style>
-    </dsp:sp>
-    <dsp:sp modelId="{53192C4C-FA77-4B54-8DE6-EF6B6ADF10C9}">
-      <dsp:nvSpPr>
-        <dsp:cNvPr id="0" name=""/>
-        <dsp:cNvSpPr/>
-      </dsp:nvSpPr>
-      <dsp:spPr>
-        <a:xfrm>
-          <a:off x="1374925" y="501235"/>
-          <a:ext cx="3346149" cy="3346149"/>
-        </a:xfrm>
-        <a:prstGeom prst="blockArc">
-          <a:avLst>
-            <a:gd name="adj1" fmla="val 16200000"/>
-            <a:gd name="adj2" fmla="val 1800000"/>
-            <a:gd name="adj3" fmla="val 4636"/>
-          </a:avLst>
-        </a:prstGeom>
-        <a:solidFill>
-          <a:schemeClr val="accent1">
-            <a:tint val="60000"/>
-            <a:hueOff val="0"/>
-            <a:satOff val="0"/>
-            <a:lumOff val="0"/>
-            <a:alphaOff val="0"/>
-          </a:schemeClr>
-        </a:solidFill>
-        <a:ln>
-          <a:noFill/>
-        </a:ln>
-        <a:effectLst/>
-      </dsp:spPr>
-      <dsp:style>
-        <a:lnRef idx="0">
-          <a:scrgbClr r="0" g="0" b="0"/>
-        </a:lnRef>
-        <a:fillRef idx="1">
-          <a:scrgbClr r="0" g="0" b="0"/>
-        </a:fillRef>
-        <a:effectRef idx="0">
-          <a:scrgbClr r="0" g="0" b="0"/>
-        </a:effectRef>
-        <a:fontRef idx="minor">
-          <a:schemeClr val="lt1"/>
-        </a:fontRef>
-      </dsp:style>
-    </dsp:sp>
-    <dsp:sp modelId="{68E54C23-65A6-417B-BB46-FF81834F1824}">
-      <dsp:nvSpPr>
-        <dsp:cNvPr id="0" name=""/>
-        <dsp:cNvSpPr/>
-      </dsp:nvSpPr>
-      <dsp:spPr>
-        <a:xfrm>
-          <a:off x="2278558" y="1404868"/>
-          <a:ext cx="1538882" cy="1538882"/>
-        </a:xfrm>
-        <a:prstGeom prst="ellipse">
-          <a:avLst/>
-        </a:prstGeom>
-        <a:solidFill>
-          <a:schemeClr val="accent1">
-            <a:hueOff val="0"/>
-            <a:satOff val="0"/>
-            <a:lumOff val="0"/>
-            <a:alphaOff val="0"/>
-          </a:schemeClr>
-        </a:solidFill>
-        <a:ln w="25400" cap="flat" cmpd="sng" algn="ctr">
-          <a:solidFill>
-            <a:schemeClr val="lt1">
-              <a:hueOff val="0"/>
-              <a:satOff val="0"/>
-              <a:lumOff val="0"/>
-              <a:alphaOff val="0"/>
-            </a:schemeClr>
-          </a:solidFill>
-          <a:prstDash val="solid"/>
-        </a:ln>
-        <a:effectLst/>
-      </dsp:spPr>
-      <dsp:style>
-        <a:lnRef idx="2">
-          <a:scrgbClr r="0" g="0" b="0"/>
-        </a:lnRef>
-        <a:fillRef idx="1">
-          <a:scrgbClr r="0" g="0" b="0"/>
-        </a:fillRef>
-        <a:effectRef idx="0">
-          <a:scrgbClr r="0" g="0" b="0"/>
-        </a:effectRef>
-        <a:fontRef idx="minor">
-          <a:schemeClr val="lt1"/>
-        </a:fontRef>
-      </dsp:style>
-      <dsp:txBody>
-        <a:bodyPr spcFirstLastPara="0" vert="horz" wrap="square" lIns="45720" tIns="45720" rIns="45720" bIns="45720" numCol="1" spcCol="1270" anchor="ctr" anchorCtr="0">
-          <a:noAutofit/>
-        </a:bodyPr>
-        <a:lstStyle/>
-        <a:p>
-          <a:pPr lvl="0" algn="ctr" defTabSz="1600200">
-            <a:lnSpc>
-              <a:spcPct val="90000"/>
-            </a:lnSpc>
-            <a:spcBef>
-              <a:spcPct val="0"/>
-            </a:spcBef>
-            <a:spcAft>
-              <a:spcPct val="35000"/>
-            </a:spcAft>
-          </a:pPr>
-          <a:r>
-            <a:rPr lang="nb-NO" sz="3600" kern="1200" dirty="0" smtClean="0"/>
-            <a:t>TDD</a:t>
-          </a:r>
-          <a:endParaRPr lang="en-US" sz="3600" kern="1200" dirty="0"/>
-        </a:p>
-      </dsp:txBody>
-      <dsp:txXfrm>
-        <a:off x="2503922" y="1630232"/>
-        <a:ext cx="1088154" cy="1088154"/>
-      </dsp:txXfrm>
-    </dsp:sp>
-    <dsp:sp modelId="{65E5E0BE-F6A3-4EED-B47C-ECAB02B21921}">
-      <dsp:nvSpPr>
-        <dsp:cNvPr id="0" name=""/>
-        <dsp:cNvSpPr/>
-      </dsp:nvSpPr>
-      <dsp:spPr>
-        <a:xfrm>
-          <a:off x="2509391" y="1406"/>
-          <a:ext cx="1077217" cy="1077217"/>
-        </a:xfrm>
-        <a:prstGeom prst="ellipse">
-          <a:avLst/>
-        </a:prstGeom>
-        <a:solidFill>
-          <a:srgbClr val="B70F0F"/>
-        </a:solidFill>
-        <a:ln w="25400" cap="flat" cmpd="sng" algn="ctr">
-          <a:solidFill>
-            <a:schemeClr val="lt1">
-              <a:hueOff val="0"/>
-              <a:satOff val="0"/>
-              <a:lumOff val="0"/>
-              <a:alphaOff val="0"/>
-            </a:schemeClr>
-          </a:solidFill>
-          <a:prstDash val="solid"/>
-        </a:ln>
-        <a:effectLst/>
-      </dsp:spPr>
-      <dsp:style>
-        <a:lnRef idx="2">
-          <a:scrgbClr r="0" g="0" b="0"/>
-        </a:lnRef>
-        <a:fillRef idx="1">
-          <a:scrgbClr r="0" g="0" b="0"/>
-        </a:fillRef>
-        <a:effectRef idx="0">
-          <a:scrgbClr r="0" g="0" b="0"/>
-        </a:effectRef>
-        <a:fontRef idx="minor">
-          <a:schemeClr val="lt1"/>
-        </a:fontRef>
-      </dsp:style>
-      <dsp:txBody>
-        <a:bodyPr spcFirstLastPara="0" vert="horz" wrap="square" lIns="13970" tIns="13970" rIns="13970" bIns="13970" numCol="1" spcCol="1270" anchor="ctr" anchorCtr="0">
-          <a:noAutofit/>
-        </a:bodyPr>
-        <a:lstStyle/>
-        <a:p>
-          <a:pPr lvl="0" algn="ctr" defTabSz="488950">
-            <a:lnSpc>
-              <a:spcPct val="90000"/>
-            </a:lnSpc>
-            <a:spcBef>
-              <a:spcPct val="0"/>
-            </a:spcBef>
-            <a:spcAft>
-              <a:spcPct val="35000"/>
-            </a:spcAft>
-          </a:pPr>
-          <a:r>
-            <a:rPr lang="nb-NO" sz="1100" kern="1200" dirty="0" smtClean="0"/>
-            <a:t>Skriv test som feiler</a:t>
-          </a:r>
-          <a:endParaRPr lang="en-US" sz="1100" kern="1200" dirty="0"/>
-        </a:p>
-      </dsp:txBody>
-      <dsp:txXfrm>
-        <a:off x="2667146" y="159161"/>
-        <a:ext cx="761707" cy="761707"/>
-      </dsp:txXfrm>
-    </dsp:sp>
-    <dsp:sp modelId="{18CF15E1-84D7-4DD4-B663-A409C36D6BFE}">
-      <dsp:nvSpPr>
-        <dsp:cNvPr id="0" name=""/>
-        <dsp:cNvSpPr/>
-      </dsp:nvSpPr>
-      <dsp:spPr>
-        <a:xfrm>
-          <a:off x="3924731" y="2452848"/>
-          <a:ext cx="1077217" cy="1077217"/>
-        </a:xfrm>
-        <a:prstGeom prst="ellipse">
-          <a:avLst/>
-        </a:prstGeom>
-        <a:solidFill>
-          <a:srgbClr val="548343"/>
-        </a:solidFill>
-        <a:ln w="25400" cap="flat" cmpd="sng" algn="ctr">
-          <a:solidFill>
-            <a:schemeClr val="lt1">
-              <a:hueOff val="0"/>
-              <a:satOff val="0"/>
-              <a:lumOff val="0"/>
-              <a:alphaOff val="0"/>
-            </a:schemeClr>
-          </a:solidFill>
-          <a:prstDash val="solid"/>
-        </a:ln>
-        <a:effectLst/>
-      </dsp:spPr>
-      <dsp:style>
-        <a:lnRef idx="2">
-          <a:scrgbClr r="0" g="0" b="0"/>
-        </a:lnRef>
-        <a:fillRef idx="1">
-          <a:scrgbClr r="0" g="0" b="0"/>
-        </a:fillRef>
-        <a:effectRef idx="0">
-          <a:scrgbClr r="0" g="0" b="0"/>
-        </a:effectRef>
-        <a:fontRef idx="minor">
-          <a:schemeClr val="lt1"/>
-        </a:fontRef>
-      </dsp:style>
-      <dsp:txBody>
-        <a:bodyPr spcFirstLastPara="0" vert="horz" wrap="square" lIns="13970" tIns="13970" rIns="13970" bIns="13970" numCol="1" spcCol="1270" anchor="ctr" anchorCtr="0">
-          <a:noAutofit/>
-        </a:bodyPr>
-        <a:lstStyle/>
-        <a:p>
-          <a:pPr lvl="0" algn="ctr" defTabSz="488950">
-            <a:lnSpc>
-              <a:spcPct val="90000"/>
-            </a:lnSpc>
-            <a:spcBef>
-              <a:spcPct val="0"/>
-            </a:spcBef>
-            <a:spcAft>
-              <a:spcPct val="35000"/>
-            </a:spcAft>
-          </a:pPr>
-          <a:r>
-            <a:rPr lang="nb-NO" sz="1100" kern="1200" dirty="0" smtClean="0"/>
-            <a:t>Få testen til å passere</a:t>
-          </a:r>
-          <a:endParaRPr lang="en-US" sz="1100" kern="1200" dirty="0"/>
-        </a:p>
-      </dsp:txBody>
-      <dsp:txXfrm>
-        <a:off x="4082486" y="2610603"/>
-        <a:ext cx="761707" cy="761707"/>
-      </dsp:txXfrm>
-    </dsp:sp>
-    <dsp:sp modelId="{A81E7EBA-B912-49B8-8000-0BF35D90809A}">
-      <dsp:nvSpPr>
-        <dsp:cNvPr id="0" name=""/>
-        <dsp:cNvSpPr/>
-      </dsp:nvSpPr>
-      <dsp:spPr>
-        <a:xfrm>
-          <a:off x="1094050" y="2452848"/>
-          <a:ext cx="1077217" cy="1077217"/>
-        </a:xfrm>
-        <a:prstGeom prst="ellipse">
-          <a:avLst/>
-        </a:prstGeom>
-        <a:solidFill>
-          <a:srgbClr val="F2B948"/>
-        </a:solidFill>
-        <a:ln w="25400" cap="flat" cmpd="sng" algn="ctr">
-          <a:solidFill>
-            <a:schemeClr val="lt1">
-              <a:hueOff val="0"/>
-              <a:satOff val="0"/>
-              <a:lumOff val="0"/>
-              <a:alphaOff val="0"/>
-            </a:schemeClr>
-          </a:solidFill>
-          <a:prstDash val="solid"/>
-        </a:ln>
-        <a:effectLst/>
-      </dsp:spPr>
-      <dsp:style>
-        <a:lnRef idx="2">
-          <a:scrgbClr r="0" g="0" b="0"/>
-        </a:lnRef>
-        <a:fillRef idx="1">
-          <a:scrgbClr r="0" g="0" b="0"/>
-        </a:fillRef>
-        <a:effectRef idx="0">
-          <a:scrgbClr r="0" g="0" b="0"/>
-        </a:effectRef>
-        <a:fontRef idx="minor">
-          <a:schemeClr val="lt1"/>
-        </a:fontRef>
-      </dsp:style>
-      <dsp:txBody>
-        <a:bodyPr spcFirstLastPara="0" vert="horz" wrap="square" lIns="13970" tIns="13970" rIns="13970" bIns="13970" numCol="1" spcCol="1270" anchor="ctr" anchorCtr="0">
-          <a:noAutofit/>
-        </a:bodyPr>
-        <a:lstStyle/>
-        <a:p>
-          <a:pPr lvl="0" algn="ctr" defTabSz="488950">
-            <a:lnSpc>
-              <a:spcPct val="90000"/>
-            </a:lnSpc>
-            <a:spcBef>
-              <a:spcPct val="0"/>
-            </a:spcBef>
-            <a:spcAft>
-              <a:spcPct val="35000"/>
-            </a:spcAft>
-          </a:pPr>
-          <a:r>
-            <a:rPr lang="nb-NO" sz="1100" kern="1200" dirty="0" smtClean="0"/>
-            <a:t>Foreta strukturelle endringer</a:t>
-          </a:r>
-          <a:endParaRPr lang="en-US" sz="1100" kern="1200" dirty="0"/>
-        </a:p>
-      </dsp:txBody>
-      <dsp:txXfrm>
-        <a:off x="1251805" y="2610603"/>
-        <a:ext cx="761707" cy="761707"/>
-      </dsp:txXfrm>
-    </dsp:sp>
   </dsp:spTree>
 </dsp:drawing>
 </file>
@@ -13891,11 +13460,7 @@
             </a:br>
             <a:r>
               <a:rPr lang="nb-NO" dirty="0" smtClean="0"/>
-              <a:t>Espen </a:t>
-            </a:r>
-            <a:r>
-              <a:rPr lang="nb-NO" dirty="0" smtClean="0"/>
-              <a:t>Ekvang</a:t>
+              <a:t>Espen Ekvang</a:t>
             </a:r>
             <a:endParaRPr lang="en-US" dirty="0"/>
           </a:p>
@@ -14058,7 +13623,7 @@
         <p:spPr>
           <a:xfrm>
             <a:off x="773723" y="1341070"/>
-            <a:ext cx="7957584" cy="1846659"/>
+            <a:ext cx="7957584" cy="4555093"/>
           </a:xfrm>
           <a:prstGeom prst="rect">
             <a:avLst/>
@@ -14079,41 +13644,7 @@
                   <a:schemeClr val="bg1"/>
                 </a:solidFill>
               </a:rPr>
-              <a:t>Gjennomfør TDD Kataen som er laget av Roy Osherove (</a:t>
-            </a:r>
-            <a:r>
-              <a:rPr lang="nb-NO" sz="2000" u="sng" dirty="0" smtClean="0">
-                <a:solidFill>
-                  <a:schemeClr val="bg1"/>
-                </a:solidFill>
-                <a:hlinkClick r:id="rId2"/>
-              </a:rPr>
-              <a:t>http://osherove.com/</a:t>
-            </a:r>
-            <a:r>
-              <a:rPr lang="nb-NO" sz="2000" dirty="0" smtClean="0">
-                <a:solidFill>
-                  <a:schemeClr val="bg1"/>
-                </a:solidFill>
-              </a:rPr>
-              <a:t>) som finnes </a:t>
-            </a:r>
-            <a:r>
-              <a:rPr lang="nb-NO" sz="2000" u="sng" dirty="0" smtClean="0">
-                <a:solidFill>
-                  <a:schemeClr val="bg1"/>
-                </a:solidFill>
-                <a:hlinkClick r:id="rId3"/>
-              </a:rPr>
-              <a:t>her.</a:t>
-            </a:r>
-            <a:r>
-              <a:rPr lang="nb-NO" sz="2000" dirty="0" smtClean="0">
-                <a:solidFill>
-                  <a:schemeClr val="bg1"/>
-                </a:solidFill>
-              </a:rPr>
-              <a:t> </a:t>
+              <a:t>Gjennomfør TDD Kataen som er laget av Roy Osherove. </a:t>
             </a:r>
           </a:p>
           <a:p>
@@ -14130,9 +13661,96 @@
                   <a:schemeClr val="bg1"/>
                 </a:solidFill>
               </a:rPr>
-              <a:t>Kataen går på å implementere en String Calculator, løs èn og èn av oppgavene, prøv å ikke ”se fremover”.</a:t>
-            </a:r>
-            <a:endParaRPr lang="en-US" sz="2000" dirty="0" smtClean="0">
+              <a:t>Kataen </a:t>
+            </a:r>
+            <a:r>
+              <a:rPr lang="nb-NO" sz="2000" dirty="0">
+                <a:solidFill>
+                  <a:schemeClr val="bg1"/>
+                </a:solidFill>
+              </a:rPr>
+              <a:t>går på å implementere en String Calculator, løs èn og èn av oppgavene, prøv å ikke ”se fremover</a:t>
+            </a:r>
+            <a:r>
+              <a:rPr lang="nb-NO" sz="2000" dirty="0" smtClean="0">
+                <a:solidFill>
+                  <a:schemeClr val="bg1"/>
+                </a:solidFill>
+              </a:rPr>
+              <a:t>”.</a:t>
+            </a:r>
+          </a:p>
+          <a:p>
+            <a:endParaRPr lang="nb-NO" sz="2000" dirty="0">
+              <a:solidFill>
+                <a:schemeClr val="bg1"/>
+              </a:solidFill>
+            </a:endParaRPr>
+          </a:p>
+          <a:p>
+            <a:endParaRPr lang="nb-NO" sz="2000" dirty="0" smtClean="0">
+              <a:solidFill>
+                <a:schemeClr val="bg1"/>
+              </a:solidFill>
+            </a:endParaRPr>
+          </a:p>
+          <a:p>
+            <a:endParaRPr lang="nb-NO" sz="2000" u="sng" dirty="0">
+              <a:solidFill>
+                <a:schemeClr val="bg1"/>
+              </a:solidFill>
+              <a:hlinkClick r:id="rId2"/>
+            </a:endParaRPr>
+          </a:p>
+          <a:p>
+            <a:pPr algn="ctr"/>
+            <a:r>
+              <a:rPr lang="nb-NO" sz="3600" u="sng" dirty="0" smtClean="0">
+                <a:solidFill>
+                  <a:schemeClr val="bg1"/>
+                </a:solidFill>
+              </a:rPr>
+              <a:t>http://osherove.com/tdd-kata-1/</a:t>
+            </a:r>
+            <a:r>
+              <a:rPr lang="nb-NO" sz="3600" dirty="0" smtClean="0">
+                <a:solidFill>
+                  <a:schemeClr val="bg1"/>
+                </a:solidFill>
+              </a:rPr>
+              <a:t> </a:t>
+            </a:r>
+          </a:p>
+          <a:p>
+            <a:endParaRPr lang="nb-NO" sz="2000" dirty="0" smtClean="0">
+              <a:solidFill>
+                <a:schemeClr val="bg1"/>
+              </a:solidFill>
+            </a:endParaRPr>
+          </a:p>
+          <a:p>
+            <a:endParaRPr lang="nb-NO" sz="2000" dirty="0" smtClean="0">
+              <a:solidFill>
+                <a:schemeClr val="bg1"/>
+              </a:solidFill>
+            </a:endParaRPr>
+          </a:p>
+          <a:p>
+            <a:endParaRPr lang="nb-NO" sz="2000" dirty="0">
+              <a:solidFill>
+                <a:schemeClr val="bg1"/>
+              </a:solidFill>
+            </a:endParaRPr>
+          </a:p>
+          <a:p>
+            <a:endParaRPr lang="nb-NO" sz="2000" dirty="0" smtClean="0">
+              <a:solidFill>
+                <a:schemeClr val="bg1"/>
+              </a:solidFill>
+            </a:endParaRPr>
+          </a:p>
+          <a:p>
+            <a:endParaRPr lang="nb-NO" sz="2000" dirty="0">
               <a:solidFill>
                 <a:schemeClr val="bg1"/>
               </a:solidFill>
@@ -14300,7 +13918,7 @@
         <p:spPr>
           <a:xfrm>
             <a:off x="773723" y="1341070"/>
-            <a:ext cx="7957584" cy="2769989"/>
+            <a:ext cx="7957584" cy="3693319"/>
           </a:xfrm>
           <a:prstGeom prst="rect">
             <a:avLst/>
@@ -14478,6 +14096,25 @@
                 </a:solidFill>
               </a:rPr>
               <a:t> prinsippet.</a:t>
+            </a:r>
+          </a:p>
+          <a:p>
+            <a:pPr algn="just"/>
+            <a:endParaRPr lang="nb-NO" sz="2000" dirty="0">
+              <a:solidFill>
+                <a:schemeClr val="bg1"/>
+              </a:solidFill>
+            </a:endParaRPr>
+          </a:p>
+          <a:p>
+            <a:pPr algn="just"/>
+            <a:r>
+              <a:rPr lang="nb-NO" sz="2000" dirty="0" smtClean="0">
+                <a:solidFill>
+                  <a:schemeClr val="bg1"/>
+                </a:solidFill>
+              </a:rPr>
+              <a:t>Jobb gjerne i par hvor den ene skriver test og den andre implementerer funksjonaliteten.</a:t>
             </a:r>
             <a:endParaRPr lang="en-US" sz="2000" dirty="0" smtClean="0">
               <a:solidFill>
@@ -15128,7 +14765,7 @@
         <p:spPr>
           <a:xfrm>
             <a:off x="321623" y="418905"/>
-            <a:ext cx="3391313" cy="307777"/>
+            <a:ext cx="5791970" cy="307777"/>
           </a:xfrm>
         </p:spPr>
         <p:txBody>
@@ -15137,7 +14774,7 @@
           <a:p>
             <a:r>
               <a:rPr lang="nb-NO" dirty="0" smtClean="0"/>
-              <a:t>Avhengigheter FORts</a:t>
+              <a:t>Avhengigheter FORts (mulig løsning)</a:t>
             </a:r>
             <a:endParaRPr lang="en-US" dirty="0"/>
           </a:p>
@@ -15176,7 +14813,7 @@
         <p:spPr>
           <a:xfrm>
             <a:off x="362263" y="1417562"/>
-            <a:ext cx="8369044" cy="3662541"/>
+            <a:ext cx="8369044" cy="3877985"/>
           </a:xfrm>
           <a:prstGeom prst="rect">
             <a:avLst/>
@@ -15285,6 +14922,9 @@
             </a:r>
             <a:r>
               <a:rPr lang="en-US" sz="1400" dirty="0" smtClean="0">
+                <a:solidFill>
+                  <a:srgbClr val="0000FF"/>
+                </a:solidFill>
                 <a:latin typeface="Consolas" pitchFamily="49" charset="0"/>
                 <a:cs typeface="Consolas" pitchFamily="49" charset="0"/>
               </a:rPr>
@@ -15337,6 +14977,9 @@
             </a:r>
             <a:r>
               <a:rPr lang="en-US" sz="1400" dirty="0" smtClean="0">
+                <a:solidFill>
+                  <a:srgbClr val="0000FF"/>
+                </a:solidFill>
                 <a:latin typeface="Consolas" pitchFamily="49" charset="0"/>
                 <a:cs typeface="Consolas" pitchFamily="49" charset="0"/>
               </a:rPr>
@@ -15358,6 +15001,9 @@
             </a:r>
             <a:r>
               <a:rPr lang="en-US" sz="1400" dirty="0" err="1" smtClean="0">
+                <a:solidFill>
+                  <a:srgbClr val="2B91AF"/>
+                </a:solidFill>
                 <a:latin typeface="Consolas" pitchFamily="49" charset="0"/>
                 <a:cs typeface="Consolas" pitchFamily="49" charset="0"/>
               </a:rPr>
@@ -15382,7 +15028,20 @@
                 <a:latin typeface="Consolas" pitchFamily="49" charset="0"/>
                 <a:cs typeface="Consolas" pitchFamily="49" charset="0"/>
               </a:rPr>
-              <a:t>){</a:t>
+              <a:t>)</a:t>
+            </a:r>
+            <a:br>
+              <a:rPr lang="en-US" sz="1400" dirty="0" smtClean="0">
+                <a:latin typeface="Consolas" pitchFamily="49" charset="0"/>
+                <a:cs typeface="Consolas" pitchFamily="49" charset="0"/>
+              </a:rPr>
+            </a:br>
+            <a:r>
+              <a:rPr lang="en-US" sz="1400" dirty="0" smtClean="0">
+                <a:latin typeface="Consolas" pitchFamily="49" charset="0"/>
+                <a:cs typeface="Consolas" pitchFamily="49" charset="0"/>
+              </a:rPr>
+              <a:t>	{</a:t>
             </a:r>
           </a:p>
           <a:p>
@@ -15399,7 +15058,7 @@
                 <a:latin typeface="Consolas" pitchFamily="49" charset="0"/>
                 <a:cs typeface="Consolas" pitchFamily="49" charset="0"/>
               </a:rPr>
-              <a:t>	_</a:t>
+              <a:t>		_</a:t>
             </a:r>
             <a:r>
               <a:rPr lang="en-US" sz="1400" dirty="0" err="1" smtClean="0">
@@ -15697,47 +15356,6 @@
               </a:rPr>
               <a:t>}</a:t>
             </a:r>
-          </a:p>
-        </p:txBody>
-      </p:sp>
-      <p:sp>
-        <p:nvSpPr>
-          <p:cNvPr id="15" name="TextBox 14"/>
-          <p:cNvSpPr txBox="1"/>
-          <p:nvPr/>
-        </p:nvSpPr>
-        <p:spPr>
-          <a:xfrm>
-            <a:off x="362263" y="4608483"/>
-            <a:ext cx="8240500" cy="584775"/>
-          </a:xfrm>
-          <a:prstGeom prst="rect">
-            <a:avLst/>
-          </a:prstGeom>
-          <a:noFill/>
-        </p:spPr>
-        <p:txBody>
-          <a:bodyPr wrap="square" rtlCol="0">
-            <a:spAutoFit/>
-          </a:bodyPr>
-          <a:lstStyle/>
-          <a:p>
-            <a:pPr>
-              <a:spcBef>
-                <a:spcPts val="600"/>
-              </a:spcBef>
-              <a:spcAft>
-                <a:spcPts val="400"/>
-              </a:spcAft>
-            </a:pPr>
-            <a:r>
-              <a:rPr lang="nb-NO" sz="1600" dirty="0" smtClean="0"/>
-              <a:t>Mulig løsning</a:t>
-            </a:r>
-            <a:br>
-              <a:rPr lang="nb-NO" sz="1600" dirty="0" smtClean="0"/>
-            </a:br>
-            <a:endParaRPr lang="nb-NO" sz="1600" dirty="0" smtClean="0"/>
           </a:p>
         </p:txBody>
       </p:sp>
@@ -16379,8 +15997,8 @@
         </p:nvSpPr>
         <p:spPr>
           <a:xfrm>
-            <a:off x="773723" y="1341070"/>
-            <a:ext cx="7957584" cy="2154436"/>
+            <a:off x="773723" y="920656"/>
+            <a:ext cx="7957584" cy="5232202"/>
           </a:xfrm>
           <a:prstGeom prst="rect">
             <a:avLst/>
@@ -16401,41 +16019,24 @@
                   <a:schemeClr val="bg1"/>
                 </a:solidFill>
               </a:rPr>
-              <a:t>Gjennomfør TDD Kataen som er laget av Roy Osherove (</a:t>
-            </a:r>
-            <a:r>
-              <a:rPr lang="nb-NO" sz="2000" u="sng" dirty="0" smtClean="0">
+              <a:t>I denne oppgaven har vi laget et solution som dere kan hente fra github.</a:t>
+            </a:r>
+          </a:p>
+          <a:p>
+            <a:endParaRPr lang="nb-NO" sz="2000" dirty="0">
+              <a:solidFill>
+                <a:schemeClr val="bg1"/>
+              </a:solidFill>
+            </a:endParaRPr>
+          </a:p>
+          <a:p>
+            <a:r>
+              <a:rPr lang="nb-NO" sz="2000" dirty="0" smtClean="0">
                 <a:solidFill>
                   <a:schemeClr val="bg1"/>
                 </a:solidFill>
-                <a:hlinkClick r:id="rId2"/>
-              </a:rPr>
-              <a:t>http://osherove.com/</a:t>
-            </a:r>
-            <a:r>
-              <a:rPr lang="nb-NO" sz="2000" dirty="0" smtClean="0">
-                <a:solidFill>
-                  <a:schemeClr val="bg1"/>
-                </a:solidFill>
-              </a:rPr>
-              <a:t>) som finnes </a:t>
-            </a:r>
-            <a:r>
-              <a:rPr lang="nb-NO" sz="2000" u="sng" dirty="0" smtClean="0">
-                <a:solidFill>
-                  <a:schemeClr val="bg1"/>
-                </a:solidFill>
-                <a:hlinkClick r:id="rId3"/>
-              </a:rPr>
-              <a:t>her.</a:t>
-            </a:r>
-            <a:r>
-              <a:rPr lang="nb-NO" sz="2000" dirty="0" smtClean="0">
-                <a:solidFill>
-                  <a:schemeClr val="bg1"/>
-                </a:solidFill>
-              </a:rPr>
-              <a:t> </a:t>
+              </a:rPr>
+              <a:t>Den ligger under </a:t>
             </a:r>
           </a:p>
           <a:p>
@@ -16447,48 +16048,157 @@
           </a:p>
           <a:p>
             <a:r>
+              <a:rPr lang="nb-NO" sz="2000" dirty="0">
+                <a:solidFill>
+                  <a:schemeClr val="bg1"/>
+                </a:solidFill>
+              </a:rPr>
+              <a:t>https://github.com/bekk/dotnetkurs/tree/master/tdd/Oppgaver</a:t>
+            </a:r>
+          </a:p>
+          <a:p>
+            <a:endParaRPr lang="nb-NO" sz="2000" dirty="0">
+              <a:solidFill>
+                <a:schemeClr val="bg1"/>
+              </a:solidFill>
+            </a:endParaRPr>
+          </a:p>
+          <a:p>
+            <a:r>
               <a:rPr lang="nb-NO" sz="2000" dirty="0" smtClean="0">
                 <a:solidFill>
                   <a:schemeClr val="bg1"/>
                 </a:solidFill>
               </a:rPr>
-              <a:t>Kataen går på å utvide funksjonaliteten til StringCalculator som ble opprettet i oppgave 1, løs èn og èn av oppgavene, prøv å ikke ”se fremover”.</a:t>
+              <a:t>og heter TDDInventory</a:t>
+            </a:r>
+          </a:p>
+          <a:p>
+            <a:endParaRPr lang="nb-NO" sz="2000" b="1" dirty="0">
+              <a:solidFill>
+                <a:schemeClr val="bg1"/>
+              </a:solidFill>
+            </a:endParaRPr>
+          </a:p>
+          <a:p>
+            <a:r>
+              <a:rPr lang="nb-NO" sz="2000" dirty="0" smtClean="0">
+                <a:solidFill>
+                  <a:schemeClr val="bg1"/>
+                </a:solidFill>
+              </a:rPr>
+              <a:t>Hent ned solution enten ved å fork’e repository eller last den ned.</a:t>
+            </a:r>
+          </a:p>
+          <a:p>
+            <a:endParaRPr lang="nb-NO" sz="2000" dirty="0">
+              <a:solidFill>
+                <a:schemeClr val="bg1"/>
+              </a:solidFill>
+            </a:endParaRPr>
+          </a:p>
+          <a:p>
+            <a:r>
+              <a:rPr lang="nb-NO" sz="2000" dirty="0" smtClean="0">
+                <a:solidFill>
+                  <a:schemeClr val="bg1"/>
+                </a:solidFill>
+              </a:rPr>
+              <a:t>Start med å se på klassen som heter </a:t>
+            </a:r>
+            <a:r>
+              <a:rPr lang="nb-NO" sz="2000" dirty="0" smtClean="0">
+                <a:solidFill>
+                  <a:schemeClr val="bg1"/>
+                </a:solidFill>
+                <a:latin typeface="Consolas" panose="020B0609020204030204" pitchFamily="49" charset="0"/>
+                <a:cs typeface="Consolas" panose="020B0609020204030204" pitchFamily="49" charset="0"/>
+              </a:rPr>
+              <a:t>InventoryService.cs</a:t>
+            </a:r>
+            <a:r>
+              <a:rPr lang="nb-NO" sz="2000" dirty="0" smtClean="0">
+                <a:solidFill>
+                  <a:schemeClr val="bg1"/>
+                </a:solidFill>
+              </a:rPr>
+              <a:t> for nærmere instrukser</a:t>
+            </a:r>
+            <a:r>
+              <a:rPr lang="nb-NO" sz="2000" dirty="0" smtClean="0">
+                <a:solidFill>
+                  <a:schemeClr val="bg1"/>
+                </a:solidFill>
+              </a:rPr>
+              <a:t>.</a:t>
+            </a:r>
+          </a:p>
+          <a:p>
+            <a:endParaRPr lang="nb-NO" sz="2000" dirty="0">
+              <a:solidFill>
+                <a:schemeClr val="bg1"/>
+              </a:solidFill>
+            </a:endParaRPr>
+          </a:p>
+          <a:p>
+            <a:r>
+              <a:rPr lang="nb-NO" sz="2000" dirty="0" smtClean="0">
+                <a:solidFill>
+                  <a:schemeClr val="bg1"/>
+                </a:solidFill>
+              </a:rPr>
+              <a:t>Visual Studio må være konfigurert til å laste ned pakker fra NuGet automatisk. (Tools-&gt; Library Package Manager</a:t>
+            </a:r>
+            <a:r>
+              <a:rPr lang="en-US" sz="2000" i="1" cap="all" spc="20" dirty="0">
+                <a:solidFill>
+                  <a:schemeClr val="bg1"/>
+                </a:solidFill>
+                <a:latin typeface="Georgia"/>
+                <a:ea typeface="+mj-ea"/>
+              </a:rPr>
+              <a:t> </a:t>
+            </a:r>
+            <a:r>
+              <a:rPr lang="en-US" sz="2000" i="1" cap="all" spc="20" dirty="0" smtClean="0">
+                <a:solidFill>
+                  <a:schemeClr val="bg1"/>
+                </a:solidFill>
+                <a:latin typeface="Georgia"/>
+                <a:ea typeface="+mj-ea"/>
+              </a:rPr>
+              <a:t>-&gt; </a:t>
+            </a:r>
+            <a:r>
+              <a:rPr lang="nb-NO" sz="2000" dirty="0">
+                <a:solidFill>
+                  <a:schemeClr val="bg1"/>
+                </a:solidFill>
+              </a:rPr>
+              <a:t>Package </a:t>
+            </a:r>
+            <a:r>
+              <a:rPr lang="nb-NO" sz="2000" dirty="0" smtClean="0">
+                <a:solidFill>
+                  <a:schemeClr val="bg1"/>
+                </a:solidFill>
+              </a:rPr>
+              <a:t>Manager Settings</a:t>
+            </a:r>
+            <a:r>
+              <a:rPr lang="en-US" sz="2000" i="1" cap="all" spc="20" dirty="0" smtClean="0">
+                <a:solidFill>
+                  <a:schemeClr val="bg1"/>
+                </a:solidFill>
+                <a:latin typeface="Georgia"/>
+                <a:ea typeface="+mj-ea"/>
+              </a:rPr>
+              <a:t> </a:t>
             </a:r>
             <a:endParaRPr lang="en-US" sz="2000" dirty="0" smtClean="0">
               <a:solidFill>
                 <a:schemeClr val="bg1"/>
               </a:solidFill>
-            </a:endParaRPr>
-          </a:p>
-          <a:p>
-            <a:pPr marL="457200" marR="0" lvl="0" indent="-457200" algn="just" defTabSz="457200" rtl="0" eaLnBrk="1" fontAlgn="auto" latinLnBrk="0" hangingPunct="1">
-              <a:lnSpc>
-                <a:spcPct val="100000"/>
-              </a:lnSpc>
-              <a:spcBef>
-                <a:spcPct val="0"/>
-              </a:spcBef>
-              <a:spcAft>
-                <a:spcPts val="0"/>
-              </a:spcAft>
-              <a:buClrTx/>
-              <a:buSzTx/>
-              <a:tabLst/>
-              <a:defRPr/>
-            </a:pPr>
-            <a:endParaRPr kumimoji="0" lang="en-US" sz="2000" b="0" i="1" u="none" strike="noStrike" kern="1200" cap="all" spc="20" normalizeH="0" baseline="0" noProof="0" dirty="0">
-              <a:ln>
-                <a:noFill/>
-              </a:ln>
-              <a:solidFill>
-                <a:schemeClr val="bg1"/>
-              </a:solidFill>
-              <a:effectLst/>
-              <a:uLnTx/>
-              <a:uFillTx/>
-              <a:latin typeface="Georgia"/>
-              <a:ea typeface="+mj-ea"/>
-              <a:cs typeface="Georgia"/>
             </a:endParaRPr>
           </a:p>
         </p:txBody>
@@ -17162,6 +16872,13 @@
   <p:transition>
     <p:fade thruBlk="1"/>
   </p:transition>
+  <p:timing>
+    <p:tnLst>
+      <p:par>
+        <p:cTn id="1" dur="indefinite" restart="never" nodeType="tmRoot"/>
+      </p:par>
+    </p:tnLst>
+  </p:timing>
 </p:sld>
 </file>
 
@@ -17195,7 +16912,7 @@
         <p:spPr>
           <a:xfrm>
             <a:off x="321623" y="418905"/>
-            <a:ext cx="1386598" cy="307777"/>
+            <a:ext cx="2322111" cy="307777"/>
           </a:xfrm>
         </p:spPr>
         <p:txBody>
@@ -17204,7 +16921,7 @@
           <a:p>
             <a:r>
               <a:rPr lang="nb-NO" dirty="0" smtClean="0"/>
-              <a:t>Ninject </a:t>
+              <a:t>IOC Container </a:t>
             </a:r>
             <a:endParaRPr lang="en-US" dirty="0"/>
           </a:p>
@@ -17242,7 +16959,7 @@
         </p:nvSpPr>
         <p:spPr>
           <a:xfrm>
-            <a:off x="5750169" y="4567897"/>
+            <a:off x="5750169" y="5282600"/>
             <a:ext cx="2098385" cy="545123"/>
           </a:xfrm>
           <a:prstGeom prst="roundRect">
@@ -17311,7 +17028,7 @@
         </p:nvSpPr>
         <p:spPr>
           <a:xfrm>
-            <a:off x="3384305" y="2022231"/>
+            <a:off x="3384305" y="2736934"/>
             <a:ext cx="1408233" cy="545123"/>
           </a:xfrm>
           <a:prstGeom prst="roundRect">
@@ -17383,7 +17100,7 @@
         </p:nvSpPr>
         <p:spPr>
           <a:xfrm>
-            <a:off x="2998175" y="3358662"/>
+            <a:off x="2998175" y="4073365"/>
             <a:ext cx="2180494" cy="545123"/>
           </a:xfrm>
           <a:prstGeom prst="roundRect">
@@ -17454,7 +17171,7 @@
         </p:nvSpPr>
         <p:spPr>
           <a:xfrm>
-            <a:off x="663595" y="4567897"/>
+            <a:off x="663595" y="5282600"/>
             <a:ext cx="2098385" cy="545123"/>
           </a:xfrm>
           <a:prstGeom prst="roundRect">
@@ -17505,7 +17222,7 @@
                   <a:schemeClr val="bg1"/>
                 </a:solidFill>
               </a:rPr>
-              <a:t>Ninject</a:t>
+              <a:t>IOC Container</a:t>
             </a:r>
             <a:endParaRPr lang="en-US" sz="1400" dirty="0" err="1" smtClean="0">
               <a:solidFill>
@@ -17526,7 +17243,7 @@
         </p:nvCxnSpPr>
         <p:spPr>
           <a:xfrm flipV="1">
-            <a:off x="4088422" y="2567354"/>
+            <a:off x="4088422" y="3282057"/>
             <a:ext cx="0" cy="791308"/>
           </a:xfrm>
           <a:prstGeom prst="straightConnector1">
@@ -17566,7 +17283,7 @@
         </p:nvCxnSpPr>
         <p:spPr>
           <a:xfrm flipH="1">
-            <a:off x="4792538" y="2294793"/>
+            <a:off x="4792538" y="3009496"/>
             <a:ext cx="2425924" cy="0"/>
           </a:xfrm>
           <a:prstGeom prst="straightConnector1">
@@ -17604,7 +17321,7 @@
         </p:nvCxnSpPr>
         <p:spPr>
           <a:xfrm flipV="1">
-            <a:off x="7218462" y="2294793"/>
+            <a:off x="7218462" y="3009496"/>
             <a:ext cx="0" cy="2273104"/>
           </a:xfrm>
           <a:prstGeom prst="line">
@@ -17643,7 +17360,7 @@
         </p:nvCxnSpPr>
         <p:spPr>
           <a:xfrm>
-            <a:off x="2761980" y="4840459"/>
+            <a:off x="2761980" y="5555162"/>
             <a:ext cx="2988189" cy="0"/>
           </a:xfrm>
           <a:prstGeom prst="straightConnector1">
@@ -17681,7 +17398,7 @@
         </p:nvSpPr>
         <p:spPr>
           <a:xfrm>
-            <a:off x="5064373" y="2083775"/>
+            <a:off x="5064373" y="2798478"/>
             <a:ext cx="1872758" cy="253916"/>
           </a:xfrm>
           <a:prstGeom prst="rect">
@@ -17723,7 +17440,7 @@
         </p:nvSpPr>
         <p:spPr>
           <a:xfrm>
-            <a:off x="3194551" y="4586543"/>
+            <a:off x="3194551" y="5301246"/>
             <a:ext cx="2406154" cy="253916"/>
           </a:xfrm>
           <a:prstGeom prst="rect">
@@ -17765,7 +17482,7 @@
         </p:nvCxnSpPr>
         <p:spPr>
           <a:xfrm>
-            <a:off x="1696915" y="3648808"/>
+            <a:off x="1696915" y="4363511"/>
             <a:ext cx="1301260" cy="0"/>
           </a:xfrm>
           <a:prstGeom prst="straightConnector1">
@@ -17803,7 +17520,7 @@
         </p:nvCxnSpPr>
         <p:spPr>
           <a:xfrm flipV="1">
-            <a:off x="1696915" y="3648808"/>
+            <a:off x="1696915" y="4363511"/>
             <a:ext cx="0" cy="919089"/>
           </a:xfrm>
           <a:prstGeom prst="line">
@@ -17839,7 +17556,7 @@
         </p:nvCxnSpPr>
         <p:spPr>
           <a:xfrm>
-            <a:off x="6445250" y="3631224"/>
+            <a:off x="6445250" y="4345927"/>
             <a:ext cx="0" cy="936673"/>
           </a:xfrm>
           <a:prstGeom prst="straightConnector1">
@@ -17879,7 +17596,7 @@
         </p:nvCxnSpPr>
         <p:spPr>
           <a:xfrm flipH="1">
-            <a:off x="5178669" y="3631224"/>
+            <a:off x="5178669" y="4345927"/>
             <a:ext cx="1266581" cy="0"/>
           </a:xfrm>
           <a:prstGeom prst="line">
@@ -17915,7 +17632,7 @@
         </p:nvSpPr>
         <p:spPr>
           <a:xfrm>
-            <a:off x="1682268" y="3394892"/>
+            <a:off x="1682268" y="4109595"/>
             <a:ext cx="1315907" cy="253916"/>
           </a:xfrm>
           <a:prstGeom prst="rect">
@@ -17953,8 +17670,8 @@
         </p:nvSpPr>
         <p:spPr>
           <a:xfrm>
-            <a:off x="536448" y="1249700"/>
-            <a:ext cx="2616422" cy="713016"/>
+            <a:off x="281620" y="999244"/>
+            <a:ext cx="5319085" cy="1836400"/>
           </a:xfrm>
           <a:prstGeom prst="rect">
             <a:avLst/>
@@ -17987,6 +17704,87 @@
               </a:rPr>
               <a:t>http://www.ninject.org/</a:t>
             </a:r>
+            <a:endParaRPr lang="en-US" sz="1600" dirty="0" smtClean="0"/>
+          </a:p>
+          <a:p>
+            <a:pPr>
+              <a:spcBef>
+                <a:spcPts val="600"/>
+              </a:spcBef>
+              <a:spcAft>
+                <a:spcPts val="400"/>
+              </a:spcAft>
+              <a:buFont typeface="Wingdings" pitchFamily="2" charset="2"/>
+              <a:buChar char="ü"/>
+            </a:pPr>
+            <a:r>
+              <a:rPr lang="en-US" sz="1600" dirty="0"/>
+              <a:t> </a:t>
+            </a:r>
+            <a:r>
+              <a:rPr lang="nb-NO" sz="1600" dirty="0">
+                <a:hlinkClick r:id="rId4"/>
+              </a:rPr>
+              <a:t>https://code.google.com/p/autofac</a:t>
+            </a:r>
+            <a:r>
+              <a:rPr lang="nb-NO" sz="1600" dirty="0" smtClean="0">
+                <a:hlinkClick r:id="rId4"/>
+              </a:rPr>
+              <a:t>/</a:t>
+            </a:r>
+            <a:endParaRPr lang="nb-NO" sz="1600" dirty="0" smtClean="0"/>
+          </a:p>
+          <a:p>
+            <a:pPr>
+              <a:spcBef>
+                <a:spcPts val="600"/>
+              </a:spcBef>
+              <a:spcAft>
+                <a:spcPts val="400"/>
+              </a:spcAft>
+              <a:buFont typeface="Wingdings" pitchFamily="2" charset="2"/>
+              <a:buChar char="ü"/>
+            </a:pPr>
+            <a:r>
+              <a:rPr lang="nb-NO" sz="1600" dirty="0"/>
+              <a:t> </a:t>
+            </a:r>
+            <a:r>
+              <a:rPr lang="nb-NO" sz="1600" dirty="0">
+                <a:hlinkClick r:id="rId5"/>
+              </a:rPr>
+              <a:t>http://docs.structuremap.net</a:t>
+            </a:r>
+            <a:r>
+              <a:rPr lang="nb-NO" sz="1600" dirty="0" smtClean="0">
+                <a:hlinkClick r:id="rId5"/>
+              </a:rPr>
+              <a:t>/</a:t>
+            </a:r>
+            <a:endParaRPr lang="nb-NO" sz="1600" dirty="0" smtClean="0"/>
+          </a:p>
+          <a:p>
+            <a:pPr>
+              <a:spcBef>
+                <a:spcPts val="600"/>
+              </a:spcBef>
+              <a:spcAft>
+                <a:spcPts val="400"/>
+              </a:spcAft>
+              <a:buFont typeface="Wingdings" pitchFamily="2" charset="2"/>
+              <a:buChar char="ü"/>
+            </a:pPr>
+            <a:r>
+              <a:rPr lang="nb-NO" sz="1600" dirty="0"/>
+              <a:t> </a:t>
+            </a:r>
+            <a:r>
+              <a:rPr lang="nb-NO" sz="1600" dirty="0">
+                <a:hlinkClick r:id="rId6"/>
+              </a:rPr>
+              <a:t>http://docs.castleproject.org/Windsor.MainPage.ashx</a:t>
+            </a:r>
             <a:endParaRPr lang="nb-NO" sz="1600" dirty="0" smtClean="0"/>
           </a:p>
           <a:p>
@@ -18012,6 +17810,13 @@
   <p:transition>
     <p:fade thruBlk="1"/>
   </p:transition>
+  <p:timing>
+    <p:tnLst>
+      <p:par>
+        <p:cTn id="1" dur="indefinite" restart="never" nodeType="tmRoot"/>
+      </p:par>
+    </p:tnLst>
+  </p:timing>
 </p:sld>
 </file>
 
@@ -18362,7 +18167,7 @@
 </file>
 
 <file path=ppt/slides/slide19.xml><?xml version="1.0" encoding="utf-8"?>
-<p:sld xmlns:a="http://schemas.openxmlformats.org/drawingml/2006/main" xmlns:r="http://schemas.openxmlformats.org/officeDocument/2006/relationships" xmlns:p="http://schemas.openxmlformats.org/presentationml/2006/main">
+<p:sld xmlns:a="http://schemas.openxmlformats.org/drawingml/2006/main" xmlns:r="http://schemas.openxmlformats.org/officeDocument/2006/relationships" xmlns:p="http://schemas.openxmlformats.org/presentationml/2006/main" show="0">
   <p:cSld>
     <p:spTree>
       <p:nvGrpSpPr>
@@ -18486,6 +18291,13 @@
   <p:transition>
     <p:fade thruBlk="1"/>
   </p:transition>
+  <p:timing>
+    <p:tnLst>
+      <p:par>
+        <p:cTn id="1" dur="indefinite" restart="never" nodeType="tmRoot"/>
+      </p:par>
+    </p:tnLst>
+  </p:timing>
 </p:sld>
 </file>
 
@@ -18640,7 +18452,7 @@
             </a:pPr>
             <a:r>
               <a:rPr lang="nb-NO" sz="1400" dirty="0" smtClean="0"/>
-              <a:t> Oppgave 1</a:t>
+              <a:t> Oppgave 1 (TDD Kata)</a:t>
             </a:r>
           </a:p>
           <a:p>
@@ -18655,8 +18467,12 @@
               <a:buChar char="ü"/>
             </a:pPr>
             <a:r>
+              <a:rPr lang="nb-NO" sz="1400" dirty="0"/>
+              <a:t> </a:t>
+            </a:r>
+            <a:r>
               <a:rPr lang="nb-NO" sz="1400" dirty="0" smtClean="0"/>
-              <a:t> Avhengigheter</a:t>
+              <a:t>Oppgave 2 (Stack)</a:t>
             </a:r>
           </a:p>
           <a:p>
@@ -18672,7 +18488,7 @@
             </a:pPr>
             <a:r>
               <a:rPr lang="nb-NO" sz="1400" dirty="0" smtClean="0"/>
-              <a:t> Oppgave 2</a:t>
+              <a:t> Avhengigheter</a:t>
             </a:r>
           </a:p>
           <a:p>
@@ -18688,8 +18504,9 @@
             </a:pPr>
             <a:r>
               <a:rPr lang="nb-NO" sz="1400" dirty="0" smtClean="0"/>
-              <a:t> TDD i MVC3</a:t>
-            </a:r>
+              <a:t> Oppgave 3 (TDDInventory)</a:t>
+            </a:r>
+            <a:endParaRPr lang="nb-NO" sz="1400" dirty="0"/>
           </a:p>
           <a:p>
             <a:pPr>
@@ -18704,7 +18521,7 @@
             </a:pPr>
             <a:r>
               <a:rPr lang="nb-NO" sz="1400" dirty="0" smtClean="0"/>
-              <a:t>Oppgave 3</a:t>
+              <a:t> Dependency Injection</a:t>
             </a:r>
           </a:p>
         </p:txBody>
@@ -18728,7 +18545,7 @@
 </file>
 
 <file path=ppt/slides/slide20.xml><?xml version="1.0" encoding="utf-8"?>
-<p:sld xmlns:a="http://schemas.openxmlformats.org/drawingml/2006/main" xmlns:r="http://schemas.openxmlformats.org/officeDocument/2006/relationships" xmlns:p="http://schemas.openxmlformats.org/presentationml/2006/main">
+<p:sld xmlns:a="http://schemas.openxmlformats.org/drawingml/2006/main" xmlns:r="http://schemas.openxmlformats.org/officeDocument/2006/relationships" xmlns:p="http://schemas.openxmlformats.org/presentationml/2006/main" show="0">
   <p:cSld>
     <p:spTree>
       <p:nvGrpSpPr>
@@ -20132,7 +19949,7 @@
 </file>
 
 <file path=ppt/slides/slide21.xml><?xml version="1.0" encoding="utf-8"?>
-<p:sld xmlns:a="http://schemas.openxmlformats.org/drawingml/2006/main" xmlns:r="http://schemas.openxmlformats.org/officeDocument/2006/relationships" xmlns:p="http://schemas.openxmlformats.org/presentationml/2006/main">
+<p:sld xmlns:a="http://schemas.openxmlformats.org/drawingml/2006/main" xmlns:r="http://schemas.openxmlformats.org/officeDocument/2006/relationships" xmlns:p="http://schemas.openxmlformats.org/presentationml/2006/main" show="0">
   <p:cSld>
     <p:spTree>
       <p:nvGrpSpPr>
@@ -20917,28 +20734,14 @@
                 <a:latin typeface="Consolas" pitchFamily="49" charset="0"/>
                 <a:cs typeface="Consolas" pitchFamily="49" charset="0"/>
               </a:rPr>
-              <a:t>.AreaEqual</a:t>
+              <a:t>.AreEqual</a:t>
             </a:r>
             <a:r>
               <a:rPr lang="en-US" sz="1400" dirty="0" smtClean="0">
                 <a:latin typeface="Consolas" pitchFamily="49" charset="0"/>
                 <a:cs typeface="Consolas" pitchFamily="49" charset="0"/>
               </a:rPr>
-              <a:t>(3,</a:t>
-            </a:r>
-            <a:r>
-              <a:rPr lang="en-US" sz="1400" dirty="0" smtClean="0">
-                <a:latin typeface="Consolas" pitchFamily="49" charset="0"/>
-                <a:cs typeface="Consolas" pitchFamily="49" charset="0"/>
-              </a:rPr>
-              <a:t> result);</a:t>
-            </a:r>
-            <a:r>
-              <a:rPr lang="en-US" sz="1400" dirty="0" smtClean="0">
-                <a:latin typeface="Consolas" pitchFamily="49" charset="0"/>
-                <a:cs typeface="Consolas" pitchFamily="49" charset="0"/>
-              </a:rPr>
-              <a:t>        </a:t>
+              <a:t>(3, result);        </a:t>
             </a:r>
             <a:br>
               <a:rPr lang="en-US" sz="1400" dirty="0" smtClean="0">
@@ -22132,13 +21935,8 @@
             </a:pPr>
             <a:r>
               <a:rPr lang="nb-NO" sz="1600" dirty="0" smtClean="0"/>
-              <a:t> Rapportering av </a:t>
-            </a:r>
-            <a:r>
-              <a:rPr lang="nb-NO" sz="1600" dirty="0" smtClean="0"/>
-              <a:t>testdekning</a:t>
-            </a:r>
-            <a:endParaRPr lang="nb-NO" sz="1600" dirty="0" smtClean="0"/>
+              <a:t> Rapportering av testdekning</a:t>
+            </a:r>
           </a:p>
           <a:p>
             <a:pPr>
@@ -22514,11 +22312,7 @@
           <a:p>
             <a:r>
               <a:rPr lang="nb-NO" dirty="0" smtClean="0"/>
-              <a:t>TDD i .</a:t>
-            </a:r>
-            <a:r>
-              <a:rPr lang="nb-NO" dirty="0" smtClean="0"/>
-              <a:t>NET forts</a:t>
+              <a:t>TDD i .NET forts</a:t>
             </a:r>
             <a:endParaRPr lang="en-US" dirty="0"/>
           </a:p>
@@ -22605,7 +22399,7 @@
             </a:pPr>
             <a:r>
               <a:rPr lang="nb-NO" sz="1600" dirty="0" smtClean="0"/>
-              <a:t>Fluent Assertions (Install-Package FluentAssertions)</a:t>
+              <a:t>Fluent Assertions (Install-Package FluentAssertions via NuGet)</a:t>
             </a:r>
             <a:endParaRPr lang="nb-NO" sz="1600" dirty="0"/>
           </a:p>

--- a/tdd/TDD.pptx
+++ b/tdd/TDD.pptx
@@ -25,8 +25,8 @@
     <p:sldId id="274" r:id="rId13"/>
     <p:sldId id="287" r:id="rId14"/>
     <p:sldId id="278" r:id="rId15"/>
-    <p:sldId id="284" r:id="rId16"/>
-    <p:sldId id="279" r:id="rId17"/>
+    <p:sldId id="279" r:id="rId16"/>
+    <p:sldId id="284" r:id="rId17"/>
     <p:sldId id="280" r:id="rId18"/>
     <p:sldId id="276" r:id="rId19"/>
     <p:sldId id="267" r:id="rId20"/>
@@ -132,7 +132,7 @@
   </p:defaultTextStyle>
   <p:extLst>
     <p:ext uri="{EFAFB233-063F-42B5-8137-9DF3F51BA10A}">
-      <p15:sldGuideLst xmlns:p15="http://schemas.microsoft.com/office/powerpoint/2012/main">
+      <p15:sldGuideLst xmlns:p15="http://schemas.microsoft.com/office/powerpoint/2012/main" xmlns="">
         <p15:guide id="1" orient="horz" pos="4196">
           <p15:clr>
             <a:srgbClr val="A4A3A4"/>
@@ -166,7 +166,7 @@
       </p15:sldGuideLst>
     </p:ext>
     <p:ext uri="{2D200454-40CA-4A62-9FC3-DE9A4176ACB9}">
-      <p15:notesGuideLst xmlns:p15="http://schemas.microsoft.com/office/powerpoint/2012/main">
+      <p15:notesGuideLst xmlns:p15="http://schemas.microsoft.com/office/powerpoint/2012/main" xmlns="">
         <p15:guide id="1" orient="horz" pos="2880">
           <p15:clr>
             <a:srgbClr val="A4A3A4"/>
@@ -1266,6 +1266,437 @@
       <dsp:cNvGrpSpPr/>
     </dsp:nvGrpSpPr>
     <dsp:grpSpPr/>
+    <dsp:sp modelId="{089AE9DB-14A9-49BB-9CB4-C28E756D777C}">
+      <dsp:nvSpPr>
+        <dsp:cNvPr id="0" name=""/>
+        <dsp:cNvSpPr/>
+      </dsp:nvSpPr>
+      <dsp:spPr>
+        <a:xfrm>
+          <a:off x="1374925" y="501235"/>
+          <a:ext cx="3346149" cy="3346149"/>
+        </a:xfrm>
+        <a:prstGeom prst="blockArc">
+          <a:avLst>
+            <a:gd name="adj1" fmla="val 9000000"/>
+            <a:gd name="adj2" fmla="val 16200000"/>
+            <a:gd name="adj3" fmla="val 4636"/>
+          </a:avLst>
+        </a:prstGeom>
+        <a:solidFill>
+          <a:schemeClr val="accent1">
+            <a:tint val="60000"/>
+            <a:hueOff val="0"/>
+            <a:satOff val="0"/>
+            <a:lumOff val="0"/>
+            <a:alphaOff val="0"/>
+          </a:schemeClr>
+        </a:solidFill>
+        <a:ln>
+          <a:noFill/>
+        </a:ln>
+        <a:effectLst/>
+      </dsp:spPr>
+      <dsp:style>
+        <a:lnRef idx="0">
+          <a:scrgbClr r="0" g="0" b="0"/>
+        </a:lnRef>
+        <a:fillRef idx="1">
+          <a:scrgbClr r="0" g="0" b="0"/>
+        </a:fillRef>
+        <a:effectRef idx="0">
+          <a:scrgbClr r="0" g="0" b="0"/>
+        </a:effectRef>
+        <a:fontRef idx="minor">
+          <a:schemeClr val="lt1"/>
+        </a:fontRef>
+      </dsp:style>
+    </dsp:sp>
+    <dsp:sp modelId="{96CD68C4-F273-448A-A352-D323FD822264}">
+      <dsp:nvSpPr>
+        <dsp:cNvPr id="0" name=""/>
+        <dsp:cNvSpPr/>
+      </dsp:nvSpPr>
+      <dsp:spPr>
+        <a:xfrm>
+          <a:off x="1374925" y="501235"/>
+          <a:ext cx="3346149" cy="3346149"/>
+        </a:xfrm>
+        <a:prstGeom prst="blockArc">
+          <a:avLst>
+            <a:gd name="adj1" fmla="val 1800000"/>
+            <a:gd name="adj2" fmla="val 9000000"/>
+            <a:gd name="adj3" fmla="val 4636"/>
+          </a:avLst>
+        </a:prstGeom>
+        <a:solidFill>
+          <a:schemeClr val="accent1">
+            <a:tint val="60000"/>
+            <a:hueOff val="0"/>
+            <a:satOff val="0"/>
+            <a:lumOff val="0"/>
+            <a:alphaOff val="0"/>
+          </a:schemeClr>
+        </a:solidFill>
+        <a:ln>
+          <a:noFill/>
+        </a:ln>
+        <a:effectLst/>
+      </dsp:spPr>
+      <dsp:style>
+        <a:lnRef idx="0">
+          <a:scrgbClr r="0" g="0" b="0"/>
+        </a:lnRef>
+        <a:fillRef idx="1">
+          <a:scrgbClr r="0" g="0" b="0"/>
+        </a:fillRef>
+        <a:effectRef idx="0">
+          <a:scrgbClr r="0" g="0" b="0"/>
+        </a:effectRef>
+        <a:fontRef idx="minor">
+          <a:schemeClr val="lt1"/>
+        </a:fontRef>
+      </dsp:style>
+    </dsp:sp>
+    <dsp:sp modelId="{53192C4C-FA77-4B54-8DE6-EF6B6ADF10C9}">
+      <dsp:nvSpPr>
+        <dsp:cNvPr id="0" name=""/>
+        <dsp:cNvSpPr/>
+      </dsp:nvSpPr>
+      <dsp:spPr>
+        <a:xfrm>
+          <a:off x="1374925" y="501235"/>
+          <a:ext cx="3346149" cy="3346149"/>
+        </a:xfrm>
+        <a:prstGeom prst="blockArc">
+          <a:avLst>
+            <a:gd name="adj1" fmla="val 16200000"/>
+            <a:gd name="adj2" fmla="val 1800000"/>
+            <a:gd name="adj3" fmla="val 4636"/>
+          </a:avLst>
+        </a:prstGeom>
+        <a:solidFill>
+          <a:schemeClr val="accent1">
+            <a:tint val="60000"/>
+            <a:hueOff val="0"/>
+            <a:satOff val="0"/>
+            <a:lumOff val="0"/>
+            <a:alphaOff val="0"/>
+          </a:schemeClr>
+        </a:solidFill>
+        <a:ln>
+          <a:noFill/>
+        </a:ln>
+        <a:effectLst/>
+      </dsp:spPr>
+      <dsp:style>
+        <a:lnRef idx="0">
+          <a:scrgbClr r="0" g="0" b="0"/>
+        </a:lnRef>
+        <a:fillRef idx="1">
+          <a:scrgbClr r="0" g="0" b="0"/>
+        </a:fillRef>
+        <a:effectRef idx="0">
+          <a:scrgbClr r="0" g="0" b="0"/>
+        </a:effectRef>
+        <a:fontRef idx="minor">
+          <a:schemeClr val="lt1"/>
+        </a:fontRef>
+      </dsp:style>
+    </dsp:sp>
+    <dsp:sp modelId="{68E54C23-65A6-417B-BB46-FF81834F1824}">
+      <dsp:nvSpPr>
+        <dsp:cNvPr id="0" name=""/>
+        <dsp:cNvSpPr/>
+      </dsp:nvSpPr>
+      <dsp:spPr>
+        <a:xfrm>
+          <a:off x="2278558" y="1404868"/>
+          <a:ext cx="1538882" cy="1538882"/>
+        </a:xfrm>
+        <a:prstGeom prst="ellipse">
+          <a:avLst/>
+        </a:prstGeom>
+        <a:solidFill>
+          <a:schemeClr val="accent1">
+            <a:hueOff val="0"/>
+            <a:satOff val="0"/>
+            <a:lumOff val="0"/>
+            <a:alphaOff val="0"/>
+          </a:schemeClr>
+        </a:solidFill>
+        <a:ln w="25400" cap="flat" cmpd="sng" algn="ctr">
+          <a:solidFill>
+            <a:schemeClr val="lt1">
+              <a:hueOff val="0"/>
+              <a:satOff val="0"/>
+              <a:lumOff val="0"/>
+              <a:alphaOff val="0"/>
+            </a:schemeClr>
+          </a:solidFill>
+          <a:prstDash val="solid"/>
+        </a:ln>
+        <a:effectLst/>
+      </dsp:spPr>
+      <dsp:style>
+        <a:lnRef idx="2">
+          <a:scrgbClr r="0" g="0" b="0"/>
+        </a:lnRef>
+        <a:fillRef idx="1">
+          <a:scrgbClr r="0" g="0" b="0"/>
+        </a:fillRef>
+        <a:effectRef idx="0">
+          <a:scrgbClr r="0" g="0" b="0"/>
+        </a:effectRef>
+        <a:fontRef idx="minor">
+          <a:schemeClr val="lt1"/>
+        </a:fontRef>
+      </dsp:style>
+      <dsp:txBody>
+        <a:bodyPr spcFirstLastPara="0" vert="horz" wrap="square" lIns="45720" tIns="45720" rIns="45720" bIns="45720" numCol="1" spcCol="1270" anchor="ctr" anchorCtr="0">
+          <a:noAutofit/>
+        </a:bodyPr>
+        <a:lstStyle/>
+        <a:p>
+          <a:pPr lvl="0" algn="ctr" defTabSz="1600200">
+            <a:lnSpc>
+              <a:spcPct val="90000"/>
+            </a:lnSpc>
+            <a:spcBef>
+              <a:spcPct val="0"/>
+            </a:spcBef>
+            <a:spcAft>
+              <a:spcPct val="35000"/>
+            </a:spcAft>
+          </a:pPr>
+          <a:r>
+            <a:rPr lang="nb-NO" sz="3600" kern="1200" dirty="0" smtClean="0"/>
+            <a:t>TDD</a:t>
+          </a:r>
+          <a:endParaRPr lang="en-US" sz="3600" kern="1200" dirty="0"/>
+        </a:p>
+      </dsp:txBody>
+      <dsp:txXfrm>
+        <a:off x="2503922" y="1630232"/>
+        <a:ext cx="1088154" cy="1088154"/>
+      </dsp:txXfrm>
+    </dsp:sp>
+    <dsp:sp modelId="{65E5E0BE-F6A3-4EED-B47C-ECAB02B21921}">
+      <dsp:nvSpPr>
+        <dsp:cNvPr id="0" name=""/>
+        <dsp:cNvSpPr/>
+      </dsp:nvSpPr>
+      <dsp:spPr>
+        <a:xfrm>
+          <a:off x="2509391" y="1406"/>
+          <a:ext cx="1077217" cy="1077217"/>
+        </a:xfrm>
+        <a:prstGeom prst="ellipse">
+          <a:avLst/>
+        </a:prstGeom>
+        <a:solidFill>
+          <a:srgbClr val="B70F0F"/>
+        </a:solidFill>
+        <a:ln w="25400" cap="flat" cmpd="sng" algn="ctr">
+          <a:solidFill>
+            <a:schemeClr val="lt1">
+              <a:hueOff val="0"/>
+              <a:satOff val="0"/>
+              <a:lumOff val="0"/>
+              <a:alphaOff val="0"/>
+            </a:schemeClr>
+          </a:solidFill>
+          <a:prstDash val="solid"/>
+        </a:ln>
+        <a:effectLst/>
+      </dsp:spPr>
+      <dsp:style>
+        <a:lnRef idx="2">
+          <a:scrgbClr r="0" g="0" b="0"/>
+        </a:lnRef>
+        <a:fillRef idx="1">
+          <a:scrgbClr r="0" g="0" b="0"/>
+        </a:fillRef>
+        <a:effectRef idx="0">
+          <a:scrgbClr r="0" g="0" b="0"/>
+        </a:effectRef>
+        <a:fontRef idx="minor">
+          <a:schemeClr val="lt1"/>
+        </a:fontRef>
+      </dsp:style>
+      <dsp:txBody>
+        <a:bodyPr spcFirstLastPara="0" vert="horz" wrap="square" lIns="13970" tIns="13970" rIns="13970" bIns="13970" numCol="1" spcCol="1270" anchor="ctr" anchorCtr="0">
+          <a:noAutofit/>
+        </a:bodyPr>
+        <a:lstStyle/>
+        <a:p>
+          <a:pPr lvl="0" algn="ctr" defTabSz="488950">
+            <a:lnSpc>
+              <a:spcPct val="90000"/>
+            </a:lnSpc>
+            <a:spcBef>
+              <a:spcPct val="0"/>
+            </a:spcBef>
+            <a:spcAft>
+              <a:spcPct val="35000"/>
+            </a:spcAft>
+          </a:pPr>
+          <a:r>
+            <a:rPr lang="nb-NO" sz="1100" kern="1200" dirty="0" smtClean="0"/>
+            <a:t>Skriv test som feiler</a:t>
+          </a:r>
+          <a:endParaRPr lang="en-US" sz="1100" kern="1200" dirty="0"/>
+        </a:p>
+      </dsp:txBody>
+      <dsp:txXfrm>
+        <a:off x="2667146" y="159161"/>
+        <a:ext cx="761707" cy="761707"/>
+      </dsp:txXfrm>
+    </dsp:sp>
+    <dsp:sp modelId="{18CF15E1-84D7-4DD4-B663-A409C36D6BFE}">
+      <dsp:nvSpPr>
+        <dsp:cNvPr id="0" name=""/>
+        <dsp:cNvSpPr/>
+      </dsp:nvSpPr>
+      <dsp:spPr>
+        <a:xfrm>
+          <a:off x="3924731" y="2452848"/>
+          <a:ext cx="1077217" cy="1077217"/>
+        </a:xfrm>
+        <a:prstGeom prst="ellipse">
+          <a:avLst/>
+        </a:prstGeom>
+        <a:solidFill>
+          <a:srgbClr val="548343"/>
+        </a:solidFill>
+        <a:ln w="25400" cap="flat" cmpd="sng" algn="ctr">
+          <a:solidFill>
+            <a:schemeClr val="lt1">
+              <a:hueOff val="0"/>
+              <a:satOff val="0"/>
+              <a:lumOff val="0"/>
+              <a:alphaOff val="0"/>
+            </a:schemeClr>
+          </a:solidFill>
+          <a:prstDash val="solid"/>
+        </a:ln>
+        <a:effectLst/>
+      </dsp:spPr>
+      <dsp:style>
+        <a:lnRef idx="2">
+          <a:scrgbClr r="0" g="0" b="0"/>
+        </a:lnRef>
+        <a:fillRef idx="1">
+          <a:scrgbClr r="0" g="0" b="0"/>
+        </a:fillRef>
+        <a:effectRef idx="0">
+          <a:scrgbClr r="0" g="0" b="0"/>
+        </a:effectRef>
+        <a:fontRef idx="minor">
+          <a:schemeClr val="lt1"/>
+        </a:fontRef>
+      </dsp:style>
+      <dsp:txBody>
+        <a:bodyPr spcFirstLastPara="0" vert="horz" wrap="square" lIns="13970" tIns="13970" rIns="13970" bIns="13970" numCol="1" spcCol="1270" anchor="ctr" anchorCtr="0">
+          <a:noAutofit/>
+        </a:bodyPr>
+        <a:lstStyle/>
+        <a:p>
+          <a:pPr lvl="0" algn="ctr" defTabSz="488950">
+            <a:lnSpc>
+              <a:spcPct val="90000"/>
+            </a:lnSpc>
+            <a:spcBef>
+              <a:spcPct val="0"/>
+            </a:spcBef>
+            <a:spcAft>
+              <a:spcPct val="35000"/>
+            </a:spcAft>
+          </a:pPr>
+          <a:r>
+            <a:rPr lang="nb-NO" sz="1100" kern="1200" dirty="0" smtClean="0"/>
+            <a:t>Få testen til å passere</a:t>
+          </a:r>
+          <a:endParaRPr lang="en-US" sz="1100" kern="1200" dirty="0"/>
+        </a:p>
+      </dsp:txBody>
+      <dsp:txXfrm>
+        <a:off x="4082486" y="2610603"/>
+        <a:ext cx="761707" cy="761707"/>
+      </dsp:txXfrm>
+    </dsp:sp>
+    <dsp:sp modelId="{A81E7EBA-B912-49B8-8000-0BF35D90809A}">
+      <dsp:nvSpPr>
+        <dsp:cNvPr id="0" name=""/>
+        <dsp:cNvSpPr/>
+      </dsp:nvSpPr>
+      <dsp:spPr>
+        <a:xfrm>
+          <a:off x="1094050" y="2452848"/>
+          <a:ext cx="1077217" cy="1077217"/>
+        </a:xfrm>
+        <a:prstGeom prst="ellipse">
+          <a:avLst/>
+        </a:prstGeom>
+        <a:solidFill>
+          <a:srgbClr val="F2B948"/>
+        </a:solidFill>
+        <a:ln w="25400" cap="flat" cmpd="sng" algn="ctr">
+          <a:solidFill>
+            <a:schemeClr val="lt1">
+              <a:hueOff val="0"/>
+              <a:satOff val="0"/>
+              <a:lumOff val="0"/>
+              <a:alphaOff val="0"/>
+            </a:schemeClr>
+          </a:solidFill>
+          <a:prstDash val="solid"/>
+        </a:ln>
+        <a:effectLst/>
+      </dsp:spPr>
+      <dsp:style>
+        <a:lnRef idx="2">
+          <a:scrgbClr r="0" g="0" b="0"/>
+        </a:lnRef>
+        <a:fillRef idx="1">
+          <a:scrgbClr r="0" g="0" b="0"/>
+        </a:fillRef>
+        <a:effectRef idx="0">
+          <a:scrgbClr r="0" g="0" b="0"/>
+        </a:effectRef>
+        <a:fontRef idx="minor">
+          <a:schemeClr val="lt1"/>
+        </a:fontRef>
+      </dsp:style>
+      <dsp:txBody>
+        <a:bodyPr spcFirstLastPara="0" vert="horz" wrap="square" lIns="13970" tIns="13970" rIns="13970" bIns="13970" numCol="1" spcCol="1270" anchor="ctr" anchorCtr="0">
+          <a:noAutofit/>
+        </a:bodyPr>
+        <a:lstStyle/>
+        <a:p>
+          <a:pPr lvl="0" algn="ctr" defTabSz="488950">
+            <a:lnSpc>
+              <a:spcPct val="90000"/>
+            </a:lnSpc>
+            <a:spcBef>
+              <a:spcPct val="0"/>
+            </a:spcBef>
+            <a:spcAft>
+              <a:spcPct val="35000"/>
+            </a:spcAft>
+          </a:pPr>
+          <a:r>
+            <a:rPr lang="nb-NO" sz="1100" kern="1200" dirty="0" smtClean="0"/>
+            <a:t>Foreta strukturelle endringer</a:t>
+          </a:r>
+          <a:endParaRPr lang="en-US" sz="1100" kern="1200" dirty="0"/>
+        </a:p>
+      </dsp:txBody>
+      <dsp:txXfrm>
+        <a:off x="1251805" y="2610603"/>
+        <a:ext cx="761707" cy="761707"/>
+      </dsp:txXfrm>
+    </dsp:sp>
   </dsp:spTree>
 </dsp:drawing>
 </file>
@@ -15890,340 +16321,6 @@
 <file path=ppt/slides/slide15.xml><?xml version="1.0" encoding="utf-8"?>
 <p:sld xmlns:a="http://schemas.openxmlformats.org/drawingml/2006/main" xmlns:r="http://schemas.openxmlformats.org/officeDocument/2006/relationships" xmlns:p="http://schemas.openxmlformats.org/presentationml/2006/main">
   <p:cSld>
-    <p:bg>
-      <p:bgPr>
-        <a:solidFill>
-          <a:schemeClr val="accent1"/>
-        </a:solidFill>
-        <a:effectLst/>
-      </p:bgPr>
-    </p:bg>
-    <p:spTree>
-      <p:nvGrpSpPr>
-        <p:cNvPr id="1" name=""/>
-        <p:cNvGrpSpPr/>
-        <p:nvPr/>
-      </p:nvGrpSpPr>
-      <p:grpSpPr>
-        <a:xfrm>
-          <a:off x="0" y="0"/>
-          <a:ext cx="0" cy="0"/>
-          <a:chOff x="0" y="0"/>
-          <a:chExt cx="0" cy="0"/>
-        </a:xfrm>
-      </p:grpSpPr>
-      <p:sp>
-        <p:nvSpPr>
-          <p:cNvPr id="2" name="Title 1"/>
-          <p:cNvSpPr>
-            <a:spLocks noGrp="1"/>
-          </p:cNvSpPr>
-          <p:nvPr>
-            <p:ph type="title"/>
-          </p:nvPr>
-        </p:nvSpPr>
-        <p:spPr>
-          <a:xfrm>
-            <a:off x="321623" y="418905"/>
-            <a:ext cx="1610377" cy="307777"/>
-          </a:xfrm>
-          <a:solidFill>
-            <a:schemeClr val="accent1"/>
-          </a:solidFill>
-        </p:spPr>
-        <p:txBody>
-          <a:bodyPr/>
-          <a:lstStyle/>
-          <a:p>
-            <a:r>
-              <a:rPr lang="nb-NO" dirty="0" smtClean="0">
-                <a:solidFill>
-                  <a:schemeClr val="bg1"/>
-                </a:solidFill>
-              </a:rPr>
-              <a:t>Oppgave 3</a:t>
-            </a:r>
-            <a:endParaRPr lang="en-US" dirty="0">
-              <a:solidFill>
-                <a:schemeClr val="bg1"/>
-              </a:solidFill>
-            </a:endParaRPr>
-          </a:p>
-        </p:txBody>
-      </p:sp>
-      <p:sp>
-        <p:nvSpPr>
-          <p:cNvPr id="3" name="Slide Number Placeholder 2"/>
-          <p:cNvSpPr>
-            <a:spLocks noGrp="1"/>
-          </p:cNvSpPr>
-          <p:nvPr>
-            <p:ph type="sldNum" sz="quarter" idx="10"/>
-          </p:nvPr>
-        </p:nvSpPr>
-        <p:spPr>
-          <a:solidFill>
-            <a:schemeClr val="accent1"/>
-          </a:solidFill>
-        </p:spPr>
-        <p:txBody>
-          <a:bodyPr/>
-          <a:lstStyle/>
-          <a:p>
-            <a:fld id="{FF67BF5B-7344-D747-A0C2-CBD7B2ACBC85}" type="slidenum">
-              <a:rPr lang="en-US" smtClean="0">
-                <a:solidFill>
-                  <a:schemeClr val="bg1"/>
-                </a:solidFill>
-              </a:rPr>
-              <a:pPr/>
-              <a:t>15</a:t>
-            </a:fld>
-            <a:endParaRPr lang="en-US" dirty="0">
-              <a:solidFill>
-                <a:schemeClr val="bg1"/>
-              </a:solidFill>
-            </a:endParaRPr>
-          </a:p>
-        </p:txBody>
-      </p:sp>
-      <p:sp>
-        <p:nvSpPr>
-          <p:cNvPr id="5" name="Title 1"/>
-          <p:cNvSpPr txBox="1">
-            <a:spLocks/>
-          </p:cNvSpPr>
-          <p:nvPr/>
-        </p:nvSpPr>
-        <p:spPr>
-          <a:xfrm>
-            <a:off x="773723" y="920656"/>
-            <a:ext cx="7957584" cy="5232202"/>
-          </a:xfrm>
-          <a:prstGeom prst="rect">
-            <a:avLst/>
-          </a:prstGeom>
-          <a:solidFill>
-            <a:schemeClr val="accent1"/>
-          </a:solidFill>
-        </p:spPr>
-        <p:txBody>
-          <a:bodyPr vert="horz" wrap="square" lIns="91440" tIns="0" rIns="91440" bIns="0" rtlCol="0" anchor="t">
-            <a:spAutoFit/>
-          </a:bodyPr>
-          <a:lstStyle/>
-          <a:p>
-            <a:r>
-              <a:rPr lang="nb-NO" sz="2000" dirty="0" smtClean="0">
-                <a:solidFill>
-                  <a:schemeClr val="bg1"/>
-                </a:solidFill>
-              </a:rPr>
-              <a:t>I denne oppgaven har vi laget et solution som dere kan hente fra github.</a:t>
-            </a:r>
-          </a:p>
-          <a:p>
-            <a:endParaRPr lang="nb-NO" sz="2000" dirty="0">
-              <a:solidFill>
-                <a:schemeClr val="bg1"/>
-              </a:solidFill>
-            </a:endParaRPr>
-          </a:p>
-          <a:p>
-            <a:r>
-              <a:rPr lang="nb-NO" sz="2000" dirty="0" smtClean="0">
-                <a:solidFill>
-                  <a:schemeClr val="bg1"/>
-                </a:solidFill>
-              </a:rPr>
-              <a:t>Den ligger under </a:t>
-            </a:r>
-          </a:p>
-          <a:p>
-            <a:endParaRPr lang="nb-NO" sz="2000" dirty="0" smtClean="0">
-              <a:solidFill>
-                <a:schemeClr val="bg1"/>
-              </a:solidFill>
-            </a:endParaRPr>
-          </a:p>
-          <a:p>
-            <a:r>
-              <a:rPr lang="nb-NO" sz="2000" dirty="0">
-                <a:solidFill>
-                  <a:schemeClr val="bg1"/>
-                </a:solidFill>
-              </a:rPr>
-              <a:t>https://github.com/bekk/dotnetkurs/tree/master/tdd/Oppgaver</a:t>
-            </a:r>
-          </a:p>
-          <a:p>
-            <a:endParaRPr lang="nb-NO" sz="2000" dirty="0">
-              <a:solidFill>
-                <a:schemeClr val="bg1"/>
-              </a:solidFill>
-            </a:endParaRPr>
-          </a:p>
-          <a:p>
-            <a:r>
-              <a:rPr lang="nb-NO" sz="2000" dirty="0" smtClean="0">
-                <a:solidFill>
-                  <a:schemeClr val="bg1"/>
-                </a:solidFill>
-              </a:rPr>
-              <a:t>og heter TDDInventory</a:t>
-            </a:r>
-          </a:p>
-          <a:p>
-            <a:endParaRPr lang="nb-NO" sz="2000" b="1" dirty="0">
-              <a:solidFill>
-                <a:schemeClr val="bg1"/>
-              </a:solidFill>
-            </a:endParaRPr>
-          </a:p>
-          <a:p>
-            <a:r>
-              <a:rPr lang="nb-NO" sz="2000" dirty="0" smtClean="0">
-                <a:solidFill>
-                  <a:schemeClr val="bg1"/>
-                </a:solidFill>
-              </a:rPr>
-              <a:t>Hent ned solution enten ved å fork’e repository eller last den ned.</a:t>
-            </a:r>
-          </a:p>
-          <a:p>
-            <a:endParaRPr lang="nb-NO" sz="2000" dirty="0">
-              <a:solidFill>
-                <a:schemeClr val="bg1"/>
-              </a:solidFill>
-            </a:endParaRPr>
-          </a:p>
-          <a:p>
-            <a:r>
-              <a:rPr lang="nb-NO" sz="2000" dirty="0" smtClean="0">
-                <a:solidFill>
-                  <a:schemeClr val="bg1"/>
-                </a:solidFill>
-              </a:rPr>
-              <a:t>Start med å se på klassen som heter </a:t>
-            </a:r>
-            <a:r>
-              <a:rPr lang="nb-NO" sz="2000" dirty="0" smtClean="0">
-                <a:solidFill>
-                  <a:schemeClr val="bg1"/>
-                </a:solidFill>
-                <a:latin typeface="Consolas" panose="020B0609020204030204" pitchFamily="49" charset="0"/>
-                <a:cs typeface="Consolas" panose="020B0609020204030204" pitchFamily="49" charset="0"/>
-              </a:rPr>
-              <a:t>InventoryService.cs</a:t>
-            </a:r>
-            <a:r>
-              <a:rPr lang="nb-NO" sz="2000" dirty="0" smtClean="0">
-                <a:solidFill>
-                  <a:schemeClr val="bg1"/>
-                </a:solidFill>
-              </a:rPr>
-              <a:t> for nærmere instrukser</a:t>
-            </a:r>
-            <a:r>
-              <a:rPr lang="nb-NO" sz="2000" dirty="0" smtClean="0">
-                <a:solidFill>
-                  <a:schemeClr val="bg1"/>
-                </a:solidFill>
-              </a:rPr>
-              <a:t>.</a:t>
-            </a:r>
-          </a:p>
-          <a:p>
-            <a:endParaRPr lang="nb-NO" sz="2000" dirty="0">
-              <a:solidFill>
-                <a:schemeClr val="bg1"/>
-              </a:solidFill>
-            </a:endParaRPr>
-          </a:p>
-          <a:p>
-            <a:r>
-              <a:rPr lang="nb-NO" sz="2000" dirty="0" smtClean="0">
-                <a:solidFill>
-                  <a:schemeClr val="bg1"/>
-                </a:solidFill>
-              </a:rPr>
-              <a:t>Visual Studio må være konfigurert til å laste ned pakker fra NuGet automatisk. (Tools-&gt; Library Package Manager</a:t>
-            </a:r>
-            <a:r>
-              <a:rPr lang="en-US" sz="2000" i="1" cap="all" spc="20" dirty="0">
-                <a:solidFill>
-                  <a:schemeClr val="bg1"/>
-                </a:solidFill>
-                <a:latin typeface="Georgia"/>
-                <a:ea typeface="+mj-ea"/>
-              </a:rPr>
-              <a:t> </a:t>
-            </a:r>
-            <a:r>
-              <a:rPr lang="en-US" sz="2000" i="1" cap="all" spc="20" dirty="0" smtClean="0">
-                <a:solidFill>
-                  <a:schemeClr val="bg1"/>
-                </a:solidFill>
-                <a:latin typeface="Georgia"/>
-                <a:ea typeface="+mj-ea"/>
-              </a:rPr>
-              <a:t>-&gt; </a:t>
-            </a:r>
-            <a:r>
-              <a:rPr lang="nb-NO" sz="2000" dirty="0">
-                <a:solidFill>
-                  <a:schemeClr val="bg1"/>
-                </a:solidFill>
-              </a:rPr>
-              <a:t>Package </a:t>
-            </a:r>
-            <a:r>
-              <a:rPr lang="nb-NO" sz="2000" dirty="0" smtClean="0">
-                <a:solidFill>
-                  <a:schemeClr val="bg1"/>
-                </a:solidFill>
-              </a:rPr>
-              <a:t>Manager Settings</a:t>
-            </a:r>
-            <a:r>
-              <a:rPr lang="en-US" sz="2000" i="1" cap="all" spc="20" dirty="0" smtClean="0">
-                <a:solidFill>
-                  <a:schemeClr val="bg1"/>
-                </a:solidFill>
-                <a:latin typeface="Georgia"/>
-                <a:ea typeface="+mj-ea"/>
-              </a:rPr>
-              <a:t> </a:t>
-            </a:r>
-            <a:endParaRPr lang="en-US" sz="2000" dirty="0" smtClean="0">
-              <a:solidFill>
-                <a:schemeClr val="bg1"/>
-              </a:solidFill>
-            </a:endParaRPr>
-          </a:p>
-        </p:txBody>
-      </p:sp>
-    </p:spTree>
-  </p:cSld>
-  <p:clrMapOvr>
-    <a:masterClrMapping/>
-  </p:clrMapOvr>
-  <p:transition>
-    <p:fade thruBlk="1"/>
-  </p:transition>
-  <p:timing>
-    <p:tnLst>
-      <p:par>
-        <p:cTn id="1" dur="indefinite" restart="never" nodeType="tmRoot"/>
-      </p:par>
-    </p:tnLst>
-  </p:timing>
-</p:sld>
-</file>
-
-<file path=ppt/slides/slide16.xml><?xml version="1.0" encoding="utf-8"?>
-<p:sld xmlns:a="http://schemas.openxmlformats.org/drawingml/2006/main" xmlns:r="http://schemas.openxmlformats.org/officeDocument/2006/relationships" xmlns:p="http://schemas.openxmlformats.org/presentationml/2006/main">
-  <p:cSld>
     <p:spTree>
       <p:nvGrpSpPr>
         <p:cNvPr id="1" name=""/>
@@ -16284,7 +16381,7 @@
             <a:fld id="{FF67BF5B-7344-D747-A0C2-CBD7B2ACBC85}" type="slidenum">
               <a:rPr lang="en-US" smtClean="0"/>
               <a:pPr/>
-              <a:t>16</a:t>
+              <a:t>15</a:t>
             </a:fld>
             <a:endParaRPr lang="en-US" dirty="0"/>
           </a:p>
@@ -16861,6 +16958,332 @@
               <a:t> Interface injection</a:t>
             </a:r>
             <a:endParaRPr lang="nb-NO" sz="1100" dirty="0" smtClean="0"/>
+          </a:p>
+        </p:txBody>
+      </p:sp>
+    </p:spTree>
+  </p:cSld>
+  <p:clrMapOvr>
+    <a:masterClrMapping/>
+  </p:clrMapOvr>
+  <p:transition>
+    <p:fade thruBlk="1"/>
+  </p:transition>
+  <p:timing>
+    <p:tnLst>
+      <p:par>
+        <p:cTn id="1" dur="indefinite" restart="never" nodeType="tmRoot"/>
+      </p:par>
+    </p:tnLst>
+  </p:timing>
+</p:sld>
+</file>
+
+<file path=ppt/slides/slide16.xml><?xml version="1.0" encoding="utf-8"?>
+<p:sld xmlns:a="http://schemas.openxmlformats.org/drawingml/2006/main" xmlns:r="http://schemas.openxmlformats.org/officeDocument/2006/relationships" xmlns:p="http://schemas.openxmlformats.org/presentationml/2006/main">
+  <p:cSld>
+    <p:bg>
+      <p:bgPr>
+        <a:solidFill>
+          <a:schemeClr val="accent1"/>
+        </a:solidFill>
+        <a:effectLst/>
+      </p:bgPr>
+    </p:bg>
+    <p:spTree>
+      <p:nvGrpSpPr>
+        <p:cNvPr id="1" name=""/>
+        <p:cNvGrpSpPr/>
+        <p:nvPr/>
+      </p:nvGrpSpPr>
+      <p:grpSpPr>
+        <a:xfrm>
+          <a:off x="0" y="0"/>
+          <a:ext cx="0" cy="0"/>
+          <a:chOff x="0" y="0"/>
+          <a:chExt cx="0" cy="0"/>
+        </a:xfrm>
+      </p:grpSpPr>
+      <p:sp>
+        <p:nvSpPr>
+          <p:cNvPr id="2" name="Title 1"/>
+          <p:cNvSpPr>
+            <a:spLocks noGrp="1"/>
+          </p:cNvSpPr>
+          <p:nvPr>
+            <p:ph type="title"/>
+          </p:nvPr>
+        </p:nvSpPr>
+        <p:spPr>
+          <a:xfrm>
+            <a:off x="321623" y="418905"/>
+            <a:ext cx="1610377" cy="307777"/>
+          </a:xfrm>
+          <a:solidFill>
+            <a:schemeClr val="accent1"/>
+          </a:solidFill>
+        </p:spPr>
+        <p:txBody>
+          <a:bodyPr/>
+          <a:lstStyle/>
+          <a:p>
+            <a:r>
+              <a:rPr lang="nb-NO" dirty="0" smtClean="0">
+                <a:solidFill>
+                  <a:schemeClr val="bg1"/>
+                </a:solidFill>
+              </a:rPr>
+              <a:t>Oppgave 3</a:t>
+            </a:r>
+            <a:endParaRPr lang="en-US" dirty="0">
+              <a:solidFill>
+                <a:schemeClr val="bg1"/>
+              </a:solidFill>
+            </a:endParaRPr>
+          </a:p>
+        </p:txBody>
+      </p:sp>
+      <p:sp>
+        <p:nvSpPr>
+          <p:cNvPr id="3" name="Slide Number Placeholder 2"/>
+          <p:cNvSpPr>
+            <a:spLocks noGrp="1"/>
+          </p:cNvSpPr>
+          <p:nvPr>
+            <p:ph type="sldNum" sz="quarter" idx="10"/>
+          </p:nvPr>
+        </p:nvSpPr>
+        <p:spPr>
+          <a:solidFill>
+            <a:schemeClr val="accent1"/>
+          </a:solidFill>
+        </p:spPr>
+        <p:txBody>
+          <a:bodyPr/>
+          <a:lstStyle/>
+          <a:p>
+            <a:fld id="{FF67BF5B-7344-D747-A0C2-CBD7B2ACBC85}" type="slidenum">
+              <a:rPr lang="en-US" smtClean="0">
+                <a:solidFill>
+                  <a:schemeClr val="bg1"/>
+                </a:solidFill>
+              </a:rPr>
+              <a:pPr/>
+              <a:t>16</a:t>
+            </a:fld>
+            <a:endParaRPr lang="en-US" dirty="0">
+              <a:solidFill>
+                <a:schemeClr val="bg1"/>
+              </a:solidFill>
+            </a:endParaRPr>
+          </a:p>
+        </p:txBody>
+      </p:sp>
+      <p:sp>
+        <p:nvSpPr>
+          <p:cNvPr id="5" name="Title 1"/>
+          <p:cNvSpPr txBox="1">
+            <a:spLocks/>
+          </p:cNvSpPr>
+          <p:nvPr/>
+        </p:nvSpPr>
+        <p:spPr>
+          <a:xfrm>
+            <a:off x="773723" y="920656"/>
+            <a:ext cx="7957584" cy="5232202"/>
+          </a:xfrm>
+          <a:prstGeom prst="rect">
+            <a:avLst/>
+          </a:prstGeom>
+          <a:solidFill>
+            <a:schemeClr val="accent1"/>
+          </a:solidFill>
+        </p:spPr>
+        <p:txBody>
+          <a:bodyPr vert="horz" wrap="square" lIns="91440" tIns="0" rIns="91440" bIns="0" rtlCol="0" anchor="t">
+            <a:spAutoFit/>
+          </a:bodyPr>
+          <a:lstStyle/>
+          <a:p>
+            <a:r>
+              <a:rPr lang="nb-NO" sz="2000" dirty="0" smtClean="0">
+                <a:solidFill>
+                  <a:schemeClr val="bg1"/>
+                </a:solidFill>
+              </a:rPr>
+              <a:t>I denne oppgaven har vi laget et solution som dere kan hente fra github.</a:t>
+            </a:r>
+          </a:p>
+          <a:p>
+            <a:endParaRPr lang="nb-NO" sz="2000" dirty="0">
+              <a:solidFill>
+                <a:schemeClr val="bg1"/>
+              </a:solidFill>
+            </a:endParaRPr>
+          </a:p>
+          <a:p>
+            <a:r>
+              <a:rPr lang="nb-NO" sz="2000" dirty="0" smtClean="0">
+                <a:solidFill>
+                  <a:schemeClr val="bg1"/>
+                </a:solidFill>
+              </a:rPr>
+              <a:t>Den ligger under </a:t>
+            </a:r>
+          </a:p>
+          <a:p>
+            <a:endParaRPr lang="nb-NO" sz="2000" dirty="0" smtClean="0">
+              <a:solidFill>
+                <a:schemeClr val="bg1"/>
+              </a:solidFill>
+            </a:endParaRPr>
+          </a:p>
+          <a:p>
+            <a:r>
+              <a:rPr lang="nb-NO" sz="2000" dirty="0">
+                <a:solidFill>
+                  <a:schemeClr val="bg1"/>
+                </a:solidFill>
+              </a:rPr>
+              <a:t>https://github.com/bekk/dotnetkurs/tree/master/tdd/Oppgaver</a:t>
+            </a:r>
+          </a:p>
+          <a:p>
+            <a:endParaRPr lang="nb-NO" sz="2000" dirty="0">
+              <a:solidFill>
+                <a:schemeClr val="bg1"/>
+              </a:solidFill>
+            </a:endParaRPr>
+          </a:p>
+          <a:p>
+            <a:r>
+              <a:rPr lang="nb-NO" sz="2000" dirty="0" smtClean="0">
+                <a:solidFill>
+                  <a:schemeClr val="bg1"/>
+                </a:solidFill>
+              </a:rPr>
+              <a:t>og heter TDDInventory</a:t>
+            </a:r>
+          </a:p>
+          <a:p>
+            <a:endParaRPr lang="nb-NO" sz="2000" b="1" dirty="0">
+              <a:solidFill>
+                <a:schemeClr val="bg1"/>
+              </a:solidFill>
+            </a:endParaRPr>
+          </a:p>
+          <a:p>
+            <a:r>
+              <a:rPr lang="nb-NO" sz="2000" dirty="0" smtClean="0">
+                <a:solidFill>
+                  <a:schemeClr val="bg1"/>
+                </a:solidFill>
+              </a:rPr>
+              <a:t>Hent ned solution enten ved å fork’e repository eller last den ned.</a:t>
+            </a:r>
+          </a:p>
+          <a:p>
+            <a:endParaRPr lang="nb-NO" sz="2000" dirty="0">
+              <a:solidFill>
+                <a:schemeClr val="bg1"/>
+              </a:solidFill>
+            </a:endParaRPr>
+          </a:p>
+          <a:p>
+            <a:r>
+              <a:rPr lang="nb-NO" sz="2000" dirty="0" smtClean="0">
+                <a:solidFill>
+                  <a:schemeClr val="bg1"/>
+                </a:solidFill>
+              </a:rPr>
+              <a:t>Start med å se på klassen som heter </a:t>
+            </a:r>
+            <a:r>
+              <a:rPr lang="nb-NO" sz="2000" dirty="0" smtClean="0">
+                <a:solidFill>
+                  <a:schemeClr val="bg1"/>
+                </a:solidFill>
+                <a:latin typeface="Consolas" panose="020B0609020204030204" pitchFamily="49" charset="0"/>
+                <a:cs typeface="Consolas" panose="020B0609020204030204" pitchFamily="49" charset="0"/>
+              </a:rPr>
+              <a:t>InventoryService.cs</a:t>
+            </a:r>
+            <a:r>
+              <a:rPr lang="nb-NO" sz="2000" dirty="0" smtClean="0">
+                <a:solidFill>
+                  <a:schemeClr val="bg1"/>
+                </a:solidFill>
+              </a:rPr>
+              <a:t> for nærmere instrukser.</a:t>
+            </a:r>
+          </a:p>
+          <a:p>
+            <a:endParaRPr lang="nb-NO" sz="2000" dirty="0">
+              <a:solidFill>
+                <a:schemeClr val="bg1"/>
+              </a:solidFill>
+            </a:endParaRPr>
+          </a:p>
+          <a:p>
+            <a:r>
+              <a:rPr lang="nb-NO" sz="2000" dirty="0" smtClean="0">
+                <a:solidFill>
+                  <a:schemeClr val="bg1"/>
+                </a:solidFill>
+              </a:rPr>
+              <a:t>Visual Studio må være konfigurert til å laste ned pakker fra NuGet automatisk. (Tools-&gt; Library Package Manager</a:t>
+            </a:r>
+            <a:r>
+              <a:rPr lang="en-US" sz="2000" i="1" cap="all" spc="20" dirty="0">
+                <a:solidFill>
+                  <a:schemeClr val="bg1"/>
+                </a:solidFill>
+                <a:latin typeface="Georgia"/>
+                <a:ea typeface="+mj-ea"/>
+              </a:rPr>
+              <a:t> </a:t>
+            </a:r>
+            <a:r>
+              <a:rPr lang="en-US" sz="2000" i="1" cap="all" spc="20" dirty="0" smtClean="0">
+                <a:solidFill>
+                  <a:schemeClr val="bg1"/>
+                </a:solidFill>
+                <a:latin typeface="Georgia"/>
+                <a:ea typeface="+mj-ea"/>
+              </a:rPr>
+              <a:t>-&gt; </a:t>
+            </a:r>
+            <a:r>
+              <a:rPr lang="nb-NO" sz="2000" dirty="0">
+                <a:solidFill>
+                  <a:schemeClr val="bg1"/>
+                </a:solidFill>
+              </a:rPr>
+              <a:t>Package </a:t>
+            </a:r>
+            <a:r>
+              <a:rPr lang="nb-NO" sz="2000" dirty="0" smtClean="0">
+                <a:solidFill>
+                  <a:schemeClr val="bg1"/>
+                </a:solidFill>
+              </a:rPr>
+              <a:t>Manager Settings</a:t>
+            </a:r>
+            <a:r>
+              <a:rPr lang="en-US" sz="2000" i="1" cap="all" spc="20" dirty="0" smtClean="0">
+                <a:solidFill>
+                  <a:schemeClr val="bg1"/>
+                </a:solidFill>
+                <a:latin typeface="Georgia"/>
+                <a:ea typeface="+mj-ea"/>
+              </a:rPr>
+              <a:t> </a:t>
+            </a:r>
+            <a:endParaRPr lang="en-US" sz="2000" dirty="0" smtClean="0">
+              <a:solidFill>
+                <a:schemeClr val="bg1"/>
+              </a:solidFill>
+            </a:endParaRPr>
           </a:p>
         </p:txBody>
       </p:sp>

--- a/tdd/TDD.pptx
+++ b/tdd/TDD.pptx
@@ -132,7 +132,7 @@
   </p:defaultTextStyle>
   <p:extLst>
     <p:ext uri="{EFAFB233-063F-42B5-8137-9DF3F51BA10A}">
-      <p15:sldGuideLst xmlns:p15="http://schemas.microsoft.com/office/powerpoint/2012/main" xmlns="">
+      <p15:sldGuideLst xmlns:p15="http://schemas.microsoft.com/office/powerpoint/2012/main">
         <p15:guide id="1" orient="horz" pos="4196">
           <p15:clr>
             <a:srgbClr val="A4A3A4"/>
@@ -166,7 +166,7 @@
       </p15:sldGuideLst>
     </p:ext>
     <p:ext uri="{2D200454-40CA-4A62-9FC3-DE9A4176ACB9}">
-      <p15:notesGuideLst xmlns:p15="http://schemas.microsoft.com/office/powerpoint/2012/main" xmlns="">
+      <p15:notesGuideLst xmlns:p15="http://schemas.microsoft.com/office/powerpoint/2012/main">
         <p15:guide id="1" orient="horz" pos="2880">
           <p15:clr>
             <a:srgbClr val="A4A3A4"/>
@@ -4119,15 +4119,13 @@
             </a:r>
             <a:r>
               <a:rPr lang="nb-NO" baseline="0" dirty="0" smtClean="0"/>
-              <a:t> the simplest thing that could possibly work – ikke implementere noe som ikke er spesifisert</a:t>
-            </a:r>
-          </a:p>
-          <a:p>
+              <a:t> the simplest thing that could possibly work – ikke implementere noe som ikke er </a:t>
+            </a:r>
             <a:r>
               <a:rPr lang="nb-NO" baseline="0" dirty="0" smtClean="0"/>
-              <a:t>DEMO: lag subtract i Calculator</a:t>
-            </a:r>
-            <a:endParaRPr lang="en-US" dirty="0"/>
+              <a:t>spesifisert</a:t>
+            </a:r>
+            <a:endParaRPr lang="nb-NO" baseline="0" dirty="0" smtClean="0"/>
           </a:p>
         </p:txBody>
       </p:sp>
@@ -4343,9 +4341,33 @@
         <p:spPr/>
         <p:txBody>
           <a:bodyPr>
-            <a:normAutofit/>
+            <a:normAutofit lnSpcReduction="10000"/>
           </a:bodyPr>
           <a:lstStyle/>
+          <a:p>
+            <a:pPr marL="0" marR="0" indent="0" algn="l" defTabSz="457200" rtl="0" eaLnBrk="1" fontAlgn="auto" latinLnBrk="0" hangingPunct="1">
+              <a:lnSpc>
+                <a:spcPct val="100000"/>
+              </a:lnSpc>
+              <a:spcBef>
+                <a:spcPts val="600"/>
+              </a:spcBef>
+              <a:spcAft>
+                <a:spcPts val="0"/>
+              </a:spcAft>
+              <a:buClrTx/>
+              <a:buSzTx/>
+              <a:buFontTx/>
+              <a:buNone/>
+              <a:tabLst/>
+              <a:defRPr/>
+            </a:pPr>
+            <a:r>
+              <a:rPr lang="nb-NO" sz="1600" baseline="0" dirty="0" smtClean="0"/>
+              <a:t>DEMO: lag subtract i Calculator</a:t>
+            </a:r>
+            <a:endParaRPr lang="nb-NO" sz="1600" dirty="0" smtClean="0"/>
+          </a:p>
           <a:p>
             <a:pPr>
               <a:spcBef>
@@ -4354,7 +4376,11 @@
             </a:pPr>
             <a:r>
               <a:rPr lang="nb-NO" sz="1600" dirty="0" smtClean="0"/>
-              <a:t>Deklarere en test</a:t>
+              <a:t>Deklarere </a:t>
+            </a:r>
+            <a:r>
+              <a:rPr lang="nb-NO" sz="1600" dirty="0" smtClean="0"/>
+              <a:t>en test</a:t>
             </a:r>
             <a:br>
               <a:rPr lang="nb-NO" sz="1600" dirty="0" smtClean="0"/>
@@ -21863,7 +21889,11 @@
             </a:pPr>
             <a:r>
               <a:rPr lang="nb-NO" sz="1600" dirty="0" smtClean="0"/>
-              <a:t> lettere å utvikle</a:t>
+              <a:t> lettere å </a:t>
+            </a:r>
+            <a:r>
+              <a:rPr lang="nb-NO" sz="1600" dirty="0" smtClean="0"/>
+              <a:t>stole på</a:t>
             </a:r>
             <a:endParaRPr lang="en-US" sz="1600" dirty="0" err="1" smtClean="0"/>
           </a:p>

--- a/tdd/TDD.pptx
+++ b/tdd/TDD.pptx
@@ -4119,13 +4119,8 @@
             </a:r>
             <a:r>
               <a:rPr lang="nb-NO" baseline="0" dirty="0" smtClean="0"/>
-              <a:t> the simplest thing that could possibly work – ikke implementere noe som ikke er </a:t>
-            </a:r>
-            <a:r>
-              <a:rPr lang="nb-NO" baseline="0" dirty="0" smtClean="0"/>
-              <a:t>spesifisert</a:t>
-            </a:r>
-            <a:endParaRPr lang="nb-NO" baseline="0" dirty="0" smtClean="0"/>
+              <a:t> the simplest thing that could possibly work – ikke implementere noe som ikke er spesifisert</a:t>
+            </a:r>
           </a:p>
         </p:txBody>
       </p:sp>
@@ -4376,11 +4371,7 @@
             </a:pPr>
             <a:r>
               <a:rPr lang="nb-NO" sz="1600" dirty="0" smtClean="0"/>
-              <a:t>Deklarere </a:t>
-            </a:r>
-            <a:r>
-              <a:rPr lang="nb-NO" sz="1600" dirty="0" smtClean="0"/>
-              <a:t>en test</a:t>
+              <a:t>Deklarere en test</a:t>
             </a:r>
             <a:br>
               <a:rPr lang="nb-NO" sz="1600" dirty="0" smtClean="0"/>
@@ -17116,7 +17107,7 @@
         <p:spPr>
           <a:xfrm>
             <a:off x="773723" y="920656"/>
-            <a:ext cx="7957584" cy="5232202"/>
+            <a:ext cx="7957584" cy="4924425"/>
           </a:xfrm>
           <a:prstGeom prst="rect">
             <a:avLst/>
@@ -17222,26 +17213,13 @@
                   <a:schemeClr val="bg1"/>
                 </a:solidFill>
               </a:rPr>
-              <a:t>Start med å se på klassen som heter </a:t>
-            </a:r>
-            <a:r>
-              <a:rPr lang="nb-NO" sz="2000" dirty="0" smtClean="0">
-                <a:solidFill>
-                  <a:schemeClr val="bg1"/>
-                </a:solidFill>
-                <a:latin typeface="Consolas" panose="020B0609020204030204" pitchFamily="49" charset="0"/>
-                <a:cs typeface="Consolas" panose="020B0609020204030204" pitchFamily="49" charset="0"/>
-              </a:rPr>
-              <a:t>InventoryService.cs</a:t>
-            </a:r>
-            <a:r>
-              <a:rPr lang="nb-NO" sz="2000" dirty="0" smtClean="0">
-                <a:solidFill>
-                  <a:schemeClr val="bg1"/>
-                </a:solidFill>
-              </a:rPr>
-              <a:t> for nærmere instrukser.</a:t>
-            </a:r>
+              <a:t>I service prosjektet ligger en fil Oppgaver.txt med instruksjoner.</a:t>
+            </a:r>
+            <a:endParaRPr lang="nb-NO" sz="2000" dirty="0" smtClean="0">
+              <a:solidFill>
+                <a:schemeClr val="bg1"/>
+              </a:solidFill>
+            </a:endParaRPr>
           </a:p>
           <a:p>
             <a:endParaRPr lang="nb-NO" sz="2000" dirty="0">
@@ -21889,11 +21867,7 @@
             </a:pPr>
             <a:r>
               <a:rPr lang="nb-NO" sz="1600" dirty="0" smtClean="0"/>
-              <a:t> lettere å </a:t>
-            </a:r>
-            <a:r>
-              <a:rPr lang="nb-NO" sz="1600" dirty="0" smtClean="0"/>
-              <a:t>stole på</a:t>
+              <a:t> lettere å stole på</a:t>
             </a:r>
             <a:endParaRPr lang="en-US" sz="1600" dirty="0" err="1" smtClean="0"/>
           </a:p>
